--- a/Documentation/Found Your Bike.pptx
+++ b/Documentation/Found Your Bike.pptx
@@ -5,7 +5,7 @@
     <p:sldMasterId id="2147483692" r:id="rId4"/>
   </p:sldMasterIdLst>
   <p:notesMasterIdLst>
-    <p:notesMasterId r:id="rId15"/>
+    <p:notesMasterId r:id="rId18"/>
   </p:notesMasterIdLst>
   <p:sldIdLst>
     <p:sldId id="256" r:id="rId5"/>
@@ -18,6 +18,9 @@
     <p:sldId id="269" r:id="rId12"/>
     <p:sldId id="270" r:id="rId13"/>
     <p:sldId id="271" r:id="rId14"/>
+    <p:sldId id="272" r:id="rId15"/>
+    <p:sldId id="273" r:id="rId16"/>
+    <p:sldId id="274" r:id="rId17"/>
   </p:sldIdLst>
   <p:sldSz cx="12192000" cy="6858000"/>
   <p:notesSz cx="6858000" cy="9144000"/>
@@ -575,35 +578,35 @@
           <a:p>
             <a:pPr lvl="0"/>
             <a:r>
-              <a:rPr lang="fr-FR" smtClean="0"/>
+              <a:rPr lang="fr-FR"/>
               <a:t>Modifier les styles du texte du masque</a:t>
             </a:r>
           </a:p>
           <a:p>
             <a:pPr lvl="1"/>
             <a:r>
-              <a:rPr lang="fr-FR" smtClean="0"/>
+              <a:rPr lang="fr-FR"/>
               <a:t>Deuxième niveau</a:t>
             </a:r>
           </a:p>
           <a:p>
             <a:pPr lvl="2"/>
             <a:r>
-              <a:rPr lang="fr-FR" smtClean="0"/>
+              <a:rPr lang="fr-FR"/>
               <a:t>Troisième niveau</a:t>
             </a:r>
           </a:p>
           <a:p>
             <a:pPr lvl="3"/>
             <a:r>
-              <a:rPr lang="fr-FR" smtClean="0"/>
+              <a:rPr lang="fr-FR"/>
               <a:t>Quatrième niveau</a:t>
             </a:r>
           </a:p>
           <a:p>
             <a:pPr lvl="4"/>
             <a:r>
-              <a:rPr lang="fr-FR" smtClean="0"/>
+              <a:rPr lang="fr-FR"/>
               <a:t>Cinquième niveau</a:t>
             </a:r>
             <a:endParaRPr lang="fr-CH"/>
@@ -958,7 +961,7 @@
           <a:lstStyle/>
           <a:p>
             <a:r>
-              <a:rPr lang="en-US" smtClean="0"/>
+              <a:rPr lang="en-US"/>
               <a:t>Page</a:t>
             </a:r>
             <a:endParaRPr lang="en-US" dirty="0"/>
@@ -1162,7 +1165,7 @@
           <a:lstStyle/>
           <a:p>
             <a:r>
-              <a:rPr lang="en-US" smtClean="0"/>
+              <a:rPr lang="en-US"/>
               <a:t>Page</a:t>
             </a:r>
             <a:endParaRPr lang="en-US" dirty="0"/>
@@ -1374,10 +1377,9 @@
           <a:lstStyle/>
           <a:p>
             <a:r>
-              <a:rPr lang="en-US" smtClean="0"/>
+              <a:rPr lang="en-US"/>
               <a:t>Page</a:t>
             </a:r>
-            <a:endParaRPr lang="en-US"/>
           </a:p>
         </p:txBody>
       </p:sp>
@@ -1589,10 +1591,9 @@
           <a:lstStyle/>
           <a:p>
             <a:r>
-              <a:rPr lang="en-US" smtClean="0"/>
+              <a:rPr lang="en-US"/>
               <a:t>Page</a:t>
             </a:r>
-            <a:endParaRPr lang="en-US"/>
           </a:p>
         </p:txBody>
       </p:sp>
@@ -1635,13 +1636,6 @@
   <p:clrMapOvr>
     <a:masterClrMapping/>
   </p:clrMapOvr>
-  <p:timing>
-    <p:tnLst>
-      <p:par>
-        <p:cTn id="1" dur="indefinite" restart="never" nodeType="tmRoot"/>
-      </p:par>
-    </p:tnLst>
-  </p:timing>
 </p:sldLayout>
 </file>
 
@@ -1878,7 +1872,7 @@
           <a:lstStyle/>
           <a:p>
             <a:r>
-              <a:rPr lang="en-US" smtClean="0"/>
+              <a:rPr lang="en-US"/>
               <a:t>Page</a:t>
             </a:r>
             <a:endParaRPr lang="en-US" dirty="0"/>
@@ -2159,10 +2153,9 @@
           <a:lstStyle/>
           <a:p>
             <a:r>
-              <a:rPr lang="en-US" smtClean="0"/>
+              <a:rPr lang="en-US"/>
               <a:t>Page</a:t>
             </a:r>
-            <a:endParaRPr lang="en-US"/>
           </a:p>
         </p:txBody>
       </p:sp>
@@ -2582,10 +2575,9 @@
           <a:lstStyle/>
           <a:p>
             <a:r>
-              <a:rPr lang="en-US" smtClean="0"/>
+              <a:rPr lang="en-US"/>
               <a:t>Page</a:t>
             </a:r>
-            <a:endParaRPr lang="en-US"/>
           </a:p>
         </p:txBody>
       </p:sp>
@@ -2728,10 +2720,9 @@
           <a:lstStyle/>
           <a:p>
             <a:r>
-              <a:rPr lang="en-US" smtClean="0"/>
+              <a:rPr lang="en-US"/>
               <a:t>Page</a:t>
             </a:r>
-            <a:endParaRPr lang="en-US"/>
           </a:p>
         </p:txBody>
       </p:sp>
@@ -2845,10 +2836,9 @@
           <a:lstStyle/>
           <a:p>
             <a:r>
-              <a:rPr lang="en-US" smtClean="0"/>
+              <a:rPr lang="en-US"/>
               <a:t>Page</a:t>
             </a:r>
-            <a:endParaRPr lang="en-US"/>
           </a:p>
         </p:txBody>
       </p:sp>
@@ -3160,10 +3150,9 @@
           <a:lstStyle/>
           <a:p>
             <a:r>
-              <a:rPr lang="en-US" smtClean="0"/>
+              <a:rPr lang="en-US"/>
               <a:t>Page</a:t>
             </a:r>
-            <a:endParaRPr lang="en-US"/>
           </a:p>
         </p:txBody>
       </p:sp>
@@ -3455,10 +3444,9 @@
           <a:lstStyle/>
           <a:p>
             <a:r>
-              <a:rPr lang="en-US" smtClean="0"/>
+              <a:rPr lang="en-US"/>
               <a:t>Page</a:t>
             </a:r>
-            <a:endParaRPr lang="en-US"/>
           </a:p>
         </p:txBody>
       </p:sp>
@@ -3724,7 +3712,7 @@
           </a:lstStyle>
           <a:p>
             <a:r>
-              <a:rPr lang="en-US" smtClean="0"/>
+              <a:rPr lang="en-US"/>
               <a:t>Page</a:t>
             </a:r>
             <a:endParaRPr lang="en-US" dirty="0"/>
@@ -4124,7 +4112,7 @@
                 <a16:creationId xmlns:a16="http://schemas.microsoft.com/office/drawing/2014/main" id="{6A121316-E4D0-41D7-9C79-9FF8F36D4262}"/>
               </a:ext>
               <a:ext uri="{C183D7F6-B498-43B3-948B-1728B52AA6E4}">
-                <adec:decorative xmlns="" xmlns:adec="http://schemas.microsoft.com/office/drawing/2017/decorative" val="1"/>
+                <adec:decorative xmlns:adec="http://schemas.microsoft.com/office/drawing/2017/decorative" val="1"/>
               </a:ext>
             </a:extLst>
           </p:cNvPr>
@@ -4229,7 +4217,7 @@
                 <a16:creationId xmlns:a16="http://schemas.microsoft.com/office/drawing/2014/main" id="{07EE0F9E-42CB-4AE4-971C-7BD191D5DCB3}"/>
               </a:ext>
               <a:ext uri="{C183D7F6-B498-43B3-948B-1728B52AA6E4}">
-                <adec:decorative xmlns="" xmlns:adec="http://schemas.microsoft.com/office/drawing/2017/decorative" val="1"/>
+                <adec:decorative xmlns:adec="http://schemas.microsoft.com/office/drawing/2017/decorative" val="1"/>
               </a:ext>
             </a:extLst>
           </p:cNvPr>
@@ -4295,7 +4283,7 @@
                 <a16:creationId xmlns:a16="http://schemas.microsoft.com/office/drawing/2014/main" id="{1AEB967B-31A3-42E3-8382-73443D264092}"/>
               </a:ext>
               <a:ext uri="{C183D7F6-B498-43B3-948B-1728B52AA6E4}">
-                <adec:decorative xmlns="" xmlns:adec="http://schemas.microsoft.com/office/drawing/2017/decorative" val="1"/>
+                <adec:decorative xmlns:adec="http://schemas.microsoft.com/office/drawing/2017/decorative" val="1"/>
               </a:ext>
             </a:extLst>
           </p:cNvPr>
@@ -4727,18 +4715,13 @@
           <a:lstStyle/>
           <a:p>
             <a:r>
-              <a:rPr lang="fr-CH" dirty="0" smtClean="0">
+              <a:rPr lang="fr-CH" dirty="0">
                 <a:solidFill>
                   <a:schemeClr val="bg1"/>
                 </a:solidFill>
               </a:rPr>
               <a:t>ANALYSE</a:t>
             </a:r>
-            <a:endParaRPr lang="fr-CH" dirty="0">
-              <a:solidFill>
-                <a:schemeClr val="bg1"/>
-              </a:solidFill>
-            </a:endParaRPr>
           </a:p>
         </p:txBody>
       </p:sp>
@@ -4774,7 +4757,7 @@
         <p:spPr>
           <a:xfrm>
             <a:off x="5910891" y="3010819"/>
-            <a:ext cx="2993127" cy="369332"/>
+            <a:ext cx="2091278" cy="369332"/>
           </a:xfrm>
           <a:prstGeom prst="rect">
             <a:avLst/>
@@ -4788,10 +4771,9 @@
           <a:lstStyle/>
           <a:p>
             <a:r>
-              <a:rPr lang="fr-CH" dirty="0" smtClean="0"/>
-              <a:t>Annonce d’un vélo retrouvé</a:t>
+              <a:rPr lang="fr-CH" dirty="0"/>
+              <a:t>Recherche d’un vélo</a:t>
             </a:r>
-            <a:endParaRPr lang="fr-CH" dirty="0"/>
           </a:p>
         </p:txBody>
       </p:sp>
@@ -4804,7 +4786,7 @@
         <p:spPr>
           <a:xfrm>
             <a:off x="5910891" y="3380150"/>
-            <a:ext cx="4667898" cy="954107"/>
+            <a:ext cx="4667898" cy="738664"/>
           </a:xfrm>
           <a:prstGeom prst="rect">
             <a:avLst/>
@@ -4822,8 +4804,8 @@
               <a:buChar char="•"/>
             </a:pPr>
             <a:r>
-              <a:rPr lang="fr-CH" sz="1400" dirty="0" smtClean="0"/>
-              <a:t>L’utilisateur peut uploader plusieurs photos par vélo</a:t>
+              <a:rPr lang="fr-CH" sz="1400" dirty="0"/>
+              <a:t>L’utilisateur choisit les différents attributs du vélo recherché</a:t>
             </a:r>
           </a:p>
           <a:p>
@@ -4832,20 +4814,9 @@
               <a:buChar char="•"/>
             </a:pPr>
             <a:r>
-              <a:rPr lang="fr-CH" sz="1400" dirty="0" smtClean="0"/>
-              <a:t>Possibilité d’ajouter de nouvelles marques/couleurs à partir de cette page</a:t>
+              <a:rPr lang="fr-CH" sz="1400" dirty="0"/>
+              <a:t>Si aucun attribut n’est rempli, affiche tous les vélos</a:t>
             </a:r>
-          </a:p>
-          <a:p>
-            <a:pPr marL="285750" indent="-285750">
-              <a:buFont typeface="Arial" panose="020B0604020202020204" pitchFamily="34" charset="0"/>
-              <a:buChar char="•"/>
-            </a:pPr>
-            <a:r>
-              <a:rPr lang="fr-CH" sz="1400" dirty="0" smtClean="0"/>
-              <a:t>Message de confirmation à l’ajout du vélo</a:t>
-            </a:r>
-            <a:endParaRPr lang="fr-CH" sz="1400" dirty="0"/>
           </a:p>
         </p:txBody>
       </p:sp>
@@ -5379,13 +5350,2202 @@
   <p:clrMapOvr>
     <a:masterClrMapping/>
   </p:clrMapOvr>
-  <p:timing>
-    <p:tnLst>
-      <p:par>
-        <p:cTn id="1" dur="indefinite" restart="never" nodeType="tmRoot"/>
-      </p:par>
-    </p:tnLst>
-  </p:timing>
+</p:sld>
+</file>
+
+<file path=ppt/slides/slide11.xml><?xml version="1.0" encoding="utf-8"?>
+<p:sld xmlns:a="http://schemas.openxmlformats.org/drawingml/2006/main" xmlns:r="http://schemas.openxmlformats.org/officeDocument/2006/relationships" xmlns:p="http://schemas.openxmlformats.org/presentationml/2006/main">
+  <p:cSld>
+    <p:spTree>
+      <p:nvGrpSpPr>
+        <p:cNvPr id="1" name=""/>
+        <p:cNvGrpSpPr/>
+        <p:nvPr/>
+      </p:nvGrpSpPr>
+      <p:grpSpPr>
+        <a:xfrm>
+          <a:off x="0" y="0"/>
+          <a:ext cx="0" cy="0"/>
+          <a:chOff x="0" y="0"/>
+          <a:chExt cx="0" cy="0"/>
+        </a:xfrm>
+      </p:grpSpPr>
+      <p:sp>
+        <p:nvSpPr>
+          <p:cNvPr id="4" name="Rectangle 3"/>
+          <p:cNvSpPr/>
+          <p:nvPr/>
+        </p:nvSpPr>
+        <p:spPr>
+          <a:xfrm>
+            <a:off x="-1" y="0"/>
+            <a:ext cx="12192001" cy="889462"/>
+          </a:xfrm>
+          <a:prstGeom prst="rect">
+            <a:avLst/>
+          </a:prstGeom>
+          <a:solidFill>
+            <a:srgbClr val="83486B"/>
+          </a:solidFill>
+          <a:ln>
+            <a:solidFill>
+              <a:srgbClr val="83486B"/>
+            </a:solidFill>
+          </a:ln>
+        </p:spPr>
+        <p:style>
+          <a:lnRef idx="2">
+            <a:schemeClr val="accent1">
+              <a:shade val="50000"/>
+            </a:schemeClr>
+          </a:lnRef>
+          <a:fillRef idx="1">
+            <a:schemeClr val="accent1"/>
+          </a:fillRef>
+          <a:effectRef idx="0">
+            <a:schemeClr val="accent1"/>
+          </a:effectRef>
+          <a:fontRef idx="minor">
+            <a:schemeClr val="lt1"/>
+          </a:fontRef>
+        </p:style>
+        <p:txBody>
+          <a:bodyPr rtlCol="0" anchor="ctr"/>
+          <a:lstStyle/>
+          <a:p>
+            <a:pPr algn="ctr"/>
+            <a:endParaRPr lang="fr-CH" dirty="0"/>
+          </a:p>
+        </p:txBody>
+      </p:sp>
+      <p:sp>
+        <p:nvSpPr>
+          <p:cNvPr id="5" name="ZoneTexte 4"/>
+          <p:cNvSpPr txBox="1"/>
+          <p:nvPr/>
+        </p:nvSpPr>
+        <p:spPr>
+          <a:xfrm>
+            <a:off x="166255" y="260065"/>
+            <a:ext cx="1231940" cy="369332"/>
+          </a:xfrm>
+          <a:prstGeom prst="rect">
+            <a:avLst/>
+          </a:prstGeom>
+          <a:noFill/>
+        </p:spPr>
+        <p:txBody>
+          <a:bodyPr wrap="none" rtlCol="0">
+            <a:spAutoFit/>
+          </a:bodyPr>
+          <a:lstStyle/>
+          <a:p>
+            <a:r>
+              <a:rPr lang="fr-CH" dirty="0">
+                <a:solidFill>
+                  <a:schemeClr val="bg1"/>
+                </a:solidFill>
+              </a:rPr>
+              <a:t>ANALYSE</a:t>
+            </a:r>
+          </a:p>
+        </p:txBody>
+      </p:sp>
+      <p:sp>
+        <p:nvSpPr>
+          <p:cNvPr id="8" name="Espace réservé du numéro de diapositive 7"/>
+          <p:cNvSpPr>
+            <a:spLocks noGrp="1"/>
+          </p:cNvSpPr>
+          <p:nvPr>
+            <p:ph type="sldNum" sz="quarter" idx="12"/>
+          </p:nvPr>
+        </p:nvSpPr>
+        <p:spPr/>
+        <p:txBody>
+          <a:bodyPr/>
+          <a:lstStyle/>
+          <a:p>
+            <a:fld id="{F8E28480-1C08-4458-AD97-0283E6FFD09D}" type="slidenum">
+              <a:rPr lang="en-US" sz="2000" smtClean="0"/>
+              <a:t>11</a:t>
+            </a:fld>
+            <a:endParaRPr lang="en-US" sz="2000" dirty="0"/>
+          </a:p>
+        </p:txBody>
+      </p:sp>
+      <p:sp>
+        <p:nvSpPr>
+          <p:cNvPr id="2" name="ZoneTexte 1"/>
+          <p:cNvSpPr txBox="1"/>
+          <p:nvPr/>
+        </p:nvSpPr>
+        <p:spPr>
+          <a:xfrm>
+            <a:off x="7119549" y="3008641"/>
+            <a:ext cx="1848583" cy="369332"/>
+          </a:xfrm>
+          <a:prstGeom prst="rect">
+            <a:avLst/>
+          </a:prstGeom>
+          <a:noFill/>
+        </p:spPr>
+        <p:txBody>
+          <a:bodyPr wrap="none" rtlCol="0">
+            <a:spAutoFit/>
+          </a:bodyPr>
+          <a:lstStyle/>
+          <a:p>
+            <a:r>
+              <a:rPr lang="fr-CH" dirty="0"/>
+              <a:t>Page des résultats</a:t>
+            </a:r>
+          </a:p>
+        </p:txBody>
+      </p:sp>
+      <p:sp>
+        <p:nvSpPr>
+          <p:cNvPr id="3" name="ZoneTexte 2"/>
+          <p:cNvSpPr txBox="1"/>
+          <p:nvPr/>
+        </p:nvSpPr>
+        <p:spPr>
+          <a:xfrm>
+            <a:off x="7119549" y="3377972"/>
+            <a:ext cx="4667898" cy="738664"/>
+          </a:xfrm>
+          <a:prstGeom prst="rect">
+            <a:avLst/>
+          </a:prstGeom>
+          <a:noFill/>
+        </p:spPr>
+        <p:txBody>
+          <a:bodyPr wrap="square" rtlCol="0">
+            <a:spAutoFit/>
+          </a:bodyPr>
+          <a:lstStyle/>
+          <a:p>
+            <a:pPr marL="285750" indent="-285750">
+              <a:buFont typeface="Arial" panose="020B0604020202020204" pitchFamily="34" charset="0"/>
+              <a:buChar char="•"/>
+            </a:pPr>
+            <a:r>
+              <a:rPr lang="fr-CH" sz="1400" dirty="0"/>
+              <a:t>Peut afficher les vélos rendus et non rendus</a:t>
+            </a:r>
+          </a:p>
+          <a:p>
+            <a:pPr marL="285750" indent="-285750">
+              <a:buFont typeface="Arial" panose="020B0604020202020204" pitchFamily="34" charset="0"/>
+              <a:buChar char="•"/>
+            </a:pPr>
+            <a:r>
+              <a:rPr lang="fr-CH" sz="1400" dirty="0"/>
+              <a:t>Permet d’accéder aux détails ou de modifier le vélo (si il est stocké dans la commune liée au compte)</a:t>
+            </a:r>
+          </a:p>
+        </p:txBody>
+      </p:sp>
+      <p:cxnSp>
+        <p:nvCxnSpPr>
+          <p:cNvPr id="13" name="Connecteur droit 12"/>
+          <p:cNvCxnSpPr/>
+          <p:nvPr/>
+        </p:nvCxnSpPr>
+        <p:spPr>
+          <a:xfrm>
+            <a:off x="7358052" y="6576639"/>
+            <a:ext cx="440559" cy="0"/>
+          </a:xfrm>
+          <a:prstGeom prst="line">
+            <a:avLst/>
+          </a:prstGeom>
+          <a:ln w="38100">
+            <a:solidFill>
+              <a:schemeClr val="bg1">
+                <a:lumMod val="75000"/>
+              </a:schemeClr>
+            </a:solidFill>
+            <a:prstDash val="sysDot"/>
+          </a:ln>
+        </p:spPr>
+        <p:style>
+          <a:lnRef idx="1">
+            <a:schemeClr val="accent1"/>
+          </a:lnRef>
+          <a:fillRef idx="0">
+            <a:schemeClr val="accent1"/>
+          </a:fillRef>
+          <a:effectRef idx="0">
+            <a:schemeClr val="accent1"/>
+          </a:effectRef>
+          <a:fontRef idx="minor">
+            <a:schemeClr val="tx1"/>
+          </a:fontRef>
+        </p:style>
+      </p:cxnSp>
+      <p:sp>
+        <p:nvSpPr>
+          <p:cNvPr id="14" name="Ellipse 13"/>
+          <p:cNvSpPr/>
+          <p:nvPr/>
+        </p:nvSpPr>
+        <p:spPr>
+          <a:xfrm>
+            <a:off x="7119549" y="6476886"/>
+            <a:ext cx="199505" cy="199505"/>
+          </a:xfrm>
+          <a:prstGeom prst="ellipse">
+            <a:avLst/>
+          </a:prstGeom>
+          <a:solidFill>
+            <a:schemeClr val="bg1"/>
+          </a:solidFill>
+          <a:ln>
+            <a:solidFill>
+              <a:schemeClr val="tx2">
+                <a:lumMod val="75000"/>
+                <a:lumOff val="25000"/>
+              </a:schemeClr>
+            </a:solidFill>
+          </a:ln>
+        </p:spPr>
+        <p:style>
+          <a:lnRef idx="2">
+            <a:schemeClr val="accent1">
+              <a:shade val="50000"/>
+            </a:schemeClr>
+          </a:lnRef>
+          <a:fillRef idx="1">
+            <a:schemeClr val="accent1"/>
+          </a:fillRef>
+          <a:effectRef idx="0">
+            <a:schemeClr val="accent1"/>
+          </a:effectRef>
+          <a:fontRef idx="minor">
+            <a:schemeClr val="lt1"/>
+          </a:fontRef>
+        </p:style>
+        <p:txBody>
+          <a:bodyPr rtlCol="0" anchor="ctr"/>
+          <a:lstStyle/>
+          <a:p>
+            <a:pPr algn="ctr"/>
+            <a:endParaRPr lang="fr-CH"/>
+          </a:p>
+        </p:txBody>
+      </p:sp>
+      <p:cxnSp>
+        <p:nvCxnSpPr>
+          <p:cNvPr id="15" name="Connecteur droit 14"/>
+          <p:cNvCxnSpPr/>
+          <p:nvPr/>
+        </p:nvCxnSpPr>
+        <p:spPr>
+          <a:xfrm>
+            <a:off x="8080756" y="6576639"/>
+            <a:ext cx="440559" cy="0"/>
+          </a:xfrm>
+          <a:prstGeom prst="line">
+            <a:avLst/>
+          </a:prstGeom>
+          <a:ln w="38100">
+            <a:solidFill>
+              <a:schemeClr val="bg1">
+                <a:lumMod val="75000"/>
+              </a:schemeClr>
+            </a:solidFill>
+            <a:prstDash val="sysDot"/>
+          </a:ln>
+        </p:spPr>
+        <p:style>
+          <a:lnRef idx="1">
+            <a:schemeClr val="accent1"/>
+          </a:lnRef>
+          <a:fillRef idx="0">
+            <a:schemeClr val="accent1"/>
+          </a:fillRef>
+          <a:effectRef idx="0">
+            <a:schemeClr val="accent1"/>
+          </a:effectRef>
+          <a:fontRef idx="minor">
+            <a:schemeClr val="tx1"/>
+          </a:fontRef>
+        </p:style>
+      </p:cxnSp>
+      <p:sp>
+        <p:nvSpPr>
+          <p:cNvPr id="16" name="Ellipse 15"/>
+          <p:cNvSpPr/>
+          <p:nvPr/>
+        </p:nvSpPr>
+        <p:spPr>
+          <a:xfrm>
+            <a:off x="7842253" y="6476886"/>
+            <a:ext cx="199505" cy="199505"/>
+          </a:xfrm>
+          <a:prstGeom prst="ellipse">
+            <a:avLst/>
+          </a:prstGeom>
+          <a:solidFill>
+            <a:schemeClr val="tx1"/>
+          </a:solidFill>
+          <a:ln>
+            <a:solidFill>
+              <a:schemeClr val="tx2">
+                <a:lumMod val="75000"/>
+                <a:lumOff val="25000"/>
+              </a:schemeClr>
+            </a:solidFill>
+          </a:ln>
+        </p:spPr>
+        <p:style>
+          <a:lnRef idx="2">
+            <a:schemeClr val="accent1">
+              <a:shade val="50000"/>
+            </a:schemeClr>
+          </a:lnRef>
+          <a:fillRef idx="1">
+            <a:schemeClr val="accent1"/>
+          </a:fillRef>
+          <a:effectRef idx="0">
+            <a:schemeClr val="accent1"/>
+          </a:effectRef>
+          <a:fontRef idx="minor">
+            <a:schemeClr val="lt1"/>
+          </a:fontRef>
+        </p:style>
+        <p:txBody>
+          <a:bodyPr rtlCol="0" anchor="ctr"/>
+          <a:lstStyle/>
+          <a:p>
+            <a:pPr algn="ctr"/>
+            <a:endParaRPr lang="fr-CH"/>
+          </a:p>
+        </p:txBody>
+      </p:sp>
+      <p:cxnSp>
+        <p:nvCxnSpPr>
+          <p:cNvPr id="17" name="Connecteur droit 16"/>
+          <p:cNvCxnSpPr/>
+          <p:nvPr/>
+        </p:nvCxnSpPr>
+        <p:spPr>
+          <a:xfrm>
+            <a:off x="8803460" y="6576639"/>
+            <a:ext cx="440559" cy="0"/>
+          </a:xfrm>
+          <a:prstGeom prst="line">
+            <a:avLst/>
+          </a:prstGeom>
+          <a:ln w="38100">
+            <a:solidFill>
+              <a:schemeClr val="bg1">
+                <a:lumMod val="75000"/>
+              </a:schemeClr>
+            </a:solidFill>
+            <a:prstDash val="sysDot"/>
+          </a:ln>
+        </p:spPr>
+        <p:style>
+          <a:lnRef idx="1">
+            <a:schemeClr val="accent1"/>
+          </a:lnRef>
+          <a:fillRef idx="0">
+            <a:schemeClr val="accent1"/>
+          </a:fillRef>
+          <a:effectRef idx="0">
+            <a:schemeClr val="accent1"/>
+          </a:effectRef>
+          <a:fontRef idx="minor">
+            <a:schemeClr val="tx1"/>
+          </a:fontRef>
+        </p:style>
+      </p:cxnSp>
+      <p:sp>
+        <p:nvSpPr>
+          <p:cNvPr id="18" name="Ellipse 17"/>
+          <p:cNvSpPr/>
+          <p:nvPr/>
+        </p:nvSpPr>
+        <p:spPr>
+          <a:xfrm>
+            <a:off x="8564957" y="6476886"/>
+            <a:ext cx="199505" cy="199505"/>
+          </a:xfrm>
+          <a:prstGeom prst="ellipse">
+            <a:avLst/>
+          </a:prstGeom>
+          <a:solidFill>
+            <a:schemeClr val="bg1"/>
+          </a:solidFill>
+          <a:ln>
+            <a:solidFill>
+              <a:schemeClr val="tx2">
+                <a:lumMod val="75000"/>
+                <a:lumOff val="25000"/>
+              </a:schemeClr>
+            </a:solidFill>
+          </a:ln>
+        </p:spPr>
+        <p:style>
+          <a:lnRef idx="2">
+            <a:schemeClr val="accent1">
+              <a:shade val="50000"/>
+            </a:schemeClr>
+          </a:lnRef>
+          <a:fillRef idx="1">
+            <a:schemeClr val="accent1"/>
+          </a:fillRef>
+          <a:effectRef idx="0">
+            <a:schemeClr val="accent1"/>
+          </a:effectRef>
+          <a:fontRef idx="minor">
+            <a:schemeClr val="lt1"/>
+          </a:fontRef>
+        </p:style>
+        <p:txBody>
+          <a:bodyPr rtlCol="0" anchor="ctr"/>
+          <a:lstStyle/>
+          <a:p>
+            <a:pPr algn="ctr"/>
+            <a:endParaRPr lang="fr-CH"/>
+          </a:p>
+        </p:txBody>
+      </p:sp>
+      <p:cxnSp>
+        <p:nvCxnSpPr>
+          <p:cNvPr id="19" name="Connecteur droit 18"/>
+          <p:cNvCxnSpPr/>
+          <p:nvPr/>
+        </p:nvCxnSpPr>
+        <p:spPr>
+          <a:xfrm>
+            <a:off x="9521520" y="6576639"/>
+            <a:ext cx="440559" cy="0"/>
+          </a:xfrm>
+          <a:prstGeom prst="line">
+            <a:avLst/>
+          </a:prstGeom>
+          <a:ln w="38100">
+            <a:solidFill>
+              <a:schemeClr val="bg1">
+                <a:lumMod val="75000"/>
+              </a:schemeClr>
+            </a:solidFill>
+            <a:prstDash val="sysDot"/>
+          </a:ln>
+        </p:spPr>
+        <p:style>
+          <a:lnRef idx="1">
+            <a:schemeClr val="accent1"/>
+          </a:lnRef>
+          <a:fillRef idx="0">
+            <a:schemeClr val="accent1"/>
+          </a:fillRef>
+          <a:effectRef idx="0">
+            <a:schemeClr val="accent1"/>
+          </a:effectRef>
+          <a:fontRef idx="minor">
+            <a:schemeClr val="tx1"/>
+          </a:fontRef>
+        </p:style>
+      </p:cxnSp>
+      <p:sp>
+        <p:nvSpPr>
+          <p:cNvPr id="20" name="Ellipse 19"/>
+          <p:cNvSpPr/>
+          <p:nvPr/>
+        </p:nvSpPr>
+        <p:spPr>
+          <a:xfrm>
+            <a:off x="9283017" y="6476886"/>
+            <a:ext cx="199505" cy="199505"/>
+          </a:xfrm>
+          <a:prstGeom prst="ellipse">
+            <a:avLst/>
+          </a:prstGeom>
+          <a:solidFill>
+            <a:schemeClr val="bg1"/>
+          </a:solidFill>
+          <a:ln>
+            <a:solidFill>
+              <a:schemeClr val="tx2">
+                <a:lumMod val="75000"/>
+                <a:lumOff val="25000"/>
+              </a:schemeClr>
+            </a:solidFill>
+          </a:ln>
+        </p:spPr>
+        <p:style>
+          <a:lnRef idx="2">
+            <a:schemeClr val="accent1">
+              <a:shade val="50000"/>
+            </a:schemeClr>
+          </a:lnRef>
+          <a:fillRef idx="1">
+            <a:schemeClr val="accent1"/>
+          </a:fillRef>
+          <a:effectRef idx="0">
+            <a:schemeClr val="accent1"/>
+          </a:effectRef>
+          <a:fontRef idx="minor">
+            <a:schemeClr val="lt1"/>
+          </a:fontRef>
+        </p:style>
+        <p:txBody>
+          <a:bodyPr rtlCol="0" anchor="ctr"/>
+          <a:lstStyle/>
+          <a:p>
+            <a:pPr algn="ctr"/>
+            <a:endParaRPr lang="fr-CH"/>
+          </a:p>
+        </p:txBody>
+      </p:sp>
+      <p:cxnSp>
+        <p:nvCxnSpPr>
+          <p:cNvPr id="21" name="Connecteur droit 20"/>
+          <p:cNvCxnSpPr/>
+          <p:nvPr/>
+        </p:nvCxnSpPr>
+        <p:spPr>
+          <a:xfrm>
+            <a:off x="10239580" y="6576639"/>
+            <a:ext cx="440559" cy="0"/>
+          </a:xfrm>
+          <a:prstGeom prst="line">
+            <a:avLst/>
+          </a:prstGeom>
+          <a:ln w="38100">
+            <a:solidFill>
+              <a:schemeClr val="bg1">
+                <a:lumMod val="75000"/>
+              </a:schemeClr>
+            </a:solidFill>
+            <a:prstDash val="sysDot"/>
+          </a:ln>
+        </p:spPr>
+        <p:style>
+          <a:lnRef idx="1">
+            <a:schemeClr val="accent1"/>
+          </a:lnRef>
+          <a:fillRef idx="0">
+            <a:schemeClr val="accent1"/>
+          </a:fillRef>
+          <a:effectRef idx="0">
+            <a:schemeClr val="accent1"/>
+          </a:effectRef>
+          <a:fontRef idx="minor">
+            <a:schemeClr val="tx1"/>
+          </a:fontRef>
+        </p:style>
+      </p:cxnSp>
+      <p:sp>
+        <p:nvSpPr>
+          <p:cNvPr id="22" name="Ellipse 21"/>
+          <p:cNvSpPr/>
+          <p:nvPr/>
+        </p:nvSpPr>
+        <p:spPr>
+          <a:xfrm>
+            <a:off x="10001077" y="6476886"/>
+            <a:ext cx="199505" cy="199505"/>
+          </a:xfrm>
+          <a:prstGeom prst="ellipse">
+            <a:avLst/>
+          </a:prstGeom>
+          <a:solidFill>
+            <a:schemeClr val="bg1"/>
+          </a:solidFill>
+          <a:ln>
+            <a:solidFill>
+              <a:schemeClr val="tx2">
+                <a:lumMod val="75000"/>
+                <a:lumOff val="25000"/>
+              </a:schemeClr>
+            </a:solidFill>
+          </a:ln>
+        </p:spPr>
+        <p:style>
+          <a:lnRef idx="2">
+            <a:schemeClr val="accent1">
+              <a:shade val="50000"/>
+            </a:schemeClr>
+          </a:lnRef>
+          <a:fillRef idx="1">
+            <a:schemeClr val="accent1"/>
+          </a:fillRef>
+          <a:effectRef idx="0">
+            <a:schemeClr val="accent1"/>
+          </a:effectRef>
+          <a:fontRef idx="minor">
+            <a:schemeClr val="lt1"/>
+          </a:fontRef>
+        </p:style>
+        <p:txBody>
+          <a:bodyPr rtlCol="0" anchor="ctr"/>
+          <a:lstStyle/>
+          <a:p>
+            <a:pPr algn="ctr"/>
+            <a:endParaRPr lang="fr-CH"/>
+          </a:p>
+        </p:txBody>
+      </p:sp>
+      <p:sp>
+        <p:nvSpPr>
+          <p:cNvPr id="23" name="Ellipse 22"/>
+          <p:cNvSpPr/>
+          <p:nvPr/>
+        </p:nvSpPr>
+        <p:spPr>
+          <a:xfrm>
+            <a:off x="10713043" y="6476886"/>
+            <a:ext cx="199505" cy="199505"/>
+          </a:xfrm>
+          <a:prstGeom prst="ellipse">
+            <a:avLst/>
+          </a:prstGeom>
+          <a:solidFill>
+            <a:schemeClr val="bg1"/>
+          </a:solidFill>
+          <a:ln>
+            <a:solidFill>
+              <a:schemeClr val="tx2">
+                <a:lumMod val="75000"/>
+                <a:lumOff val="25000"/>
+              </a:schemeClr>
+            </a:solidFill>
+          </a:ln>
+        </p:spPr>
+        <p:style>
+          <a:lnRef idx="2">
+            <a:schemeClr val="accent1">
+              <a:shade val="50000"/>
+            </a:schemeClr>
+          </a:lnRef>
+          <a:fillRef idx="1">
+            <a:schemeClr val="accent1"/>
+          </a:fillRef>
+          <a:effectRef idx="0">
+            <a:schemeClr val="accent1"/>
+          </a:effectRef>
+          <a:fontRef idx="minor">
+            <a:schemeClr val="lt1"/>
+          </a:fontRef>
+        </p:style>
+        <p:txBody>
+          <a:bodyPr rtlCol="0" anchor="ctr"/>
+          <a:lstStyle/>
+          <a:p>
+            <a:pPr algn="ctr"/>
+            <a:endParaRPr lang="fr-CH"/>
+          </a:p>
+        </p:txBody>
+      </p:sp>
+      <p:pic>
+        <p:nvPicPr>
+          <p:cNvPr id="9" name="Image 8">
+            <a:extLst>
+              <a:ext uri="{FF2B5EF4-FFF2-40B4-BE49-F238E27FC236}">
+                <a16:creationId xmlns:a16="http://schemas.microsoft.com/office/drawing/2014/main" id="{EA229B94-8B2C-40FC-A40E-002357427372}"/>
+              </a:ext>
+            </a:extLst>
+          </p:cNvPr>
+          <p:cNvPicPr>
+            <a:picLocks noChangeAspect="1"/>
+          </p:cNvPicPr>
+          <p:nvPr/>
+        </p:nvPicPr>
+        <p:blipFill>
+          <a:blip r:embed="rId2"/>
+          <a:stretch>
+            <a:fillRect/>
+          </a:stretch>
+        </p:blipFill>
+        <p:spPr>
+          <a:xfrm>
+            <a:off x="320478" y="1861210"/>
+            <a:ext cx="6708586" cy="3772187"/>
+          </a:xfrm>
+          <a:prstGeom prst="rect">
+            <a:avLst/>
+          </a:prstGeom>
+        </p:spPr>
+      </p:pic>
+    </p:spTree>
+    <p:extLst>
+      <p:ext uri="{BB962C8B-B14F-4D97-AF65-F5344CB8AC3E}">
+        <p14:creationId xmlns:p14="http://schemas.microsoft.com/office/powerpoint/2010/main" val="2027902396"/>
+      </p:ext>
+    </p:extLst>
+  </p:cSld>
+  <p:clrMapOvr>
+    <a:masterClrMapping/>
+  </p:clrMapOvr>
+</p:sld>
+</file>
+
+<file path=ppt/slides/slide12.xml><?xml version="1.0" encoding="utf-8"?>
+<p:sld xmlns:a="http://schemas.openxmlformats.org/drawingml/2006/main" xmlns:r="http://schemas.openxmlformats.org/officeDocument/2006/relationships" xmlns:p="http://schemas.openxmlformats.org/presentationml/2006/main">
+  <p:cSld>
+    <p:spTree>
+      <p:nvGrpSpPr>
+        <p:cNvPr id="1" name=""/>
+        <p:cNvGrpSpPr/>
+        <p:nvPr/>
+      </p:nvGrpSpPr>
+      <p:grpSpPr>
+        <a:xfrm>
+          <a:off x="0" y="0"/>
+          <a:ext cx="0" cy="0"/>
+          <a:chOff x="0" y="0"/>
+          <a:chExt cx="0" cy="0"/>
+        </a:xfrm>
+      </p:grpSpPr>
+      <p:sp>
+        <p:nvSpPr>
+          <p:cNvPr id="4" name="Rectangle 3"/>
+          <p:cNvSpPr/>
+          <p:nvPr/>
+        </p:nvSpPr>
+        <p:spPr>
+          <a:xfrm>
+            <a:off x="-1" y="0"/>
+            <a:ext cx="12192001" cy="889462"/>
+          </a:xfrm>
+          <a:prstGeom prst="rect">
+            <a:avLst/>
+          </a:prstGeom>
+          <a:solidFill>
+            <a:srgbClr val="83486B"/>
+          </a:solidFill>
+          <a:ln>
+            <a:solidFill>
+              <a:srgbClr val="83486B"/>
+            </a:solidFill>
+          </a:ln>
+        </p:spPr>
+        <p:style>
+          <a:lnRef idx="2">
+            <a:schemeClr val="accent1">
+              <a:shade val="50000"/>
+            </a:schemeClr>
+          </a:lnRef>
+          <a:fillRef idx="1">
+            <a:schemeClr val="accent1"/>
+          </a:fillRef>
+          <a:effectRef idx="0">
+            <a:schemeClr val="accent1"/>
+          </a:effectRef>
+          <a:fontRef idx="minor">
+            <a:schemeClr val="lt1"/>
+          </a:fontRef>
+        </p:style>
+        <p:txBody>
+          <a:bodyPr rtlCol="0" anchor="ctr"/>
+          <a:lstStyle/>
+          <a:p>
+            <a:pPr algn="ctr"/>
+            <a:endParaRPr lang="fr-CH" dirty="0"/>
+          </a:p>
+        </p:txBody>
+      </p:sp>
+      <p:sp>
+        <p:nvSpPr>
+          <p:cNvPr id="5" name="ZoneTexte 4"/>
+          <p:cNvSpPr txBox="1"/>
+          <p:nvPr/>
+        </p:nvSpPr>
+        <p:spPr>
+          <a:xfrm>
+            <a:off x="166255" y="260065"/>
+            <a:ext cx="1231940" cy="369332"/>
+          </a:xfrm>
+          <a:prstGeom prst="rect">
+            <a:avLst/>
+          </a:prstGeom>
+          <a:noFill/>
+        </p:spPr>
+        <p:txBody>
+          <a:bodyPr wrap="none" rtlCol="0">
+            <a:spAutoFit/>
+          </a:bodyPr>
+          <a:lstStyle/>
+          <a:p>
+            <a:r>
+              <a:rPr lang="fr-CH" dirty="0">
+                <a:solidFill>
+                  <a:schemeClr val="bg1"/>
+                </a:solidFill>
+              </a:rPr>
+              <a:t>ANALYSE</a:t>
+            </a:r>
+          </a:p>
+        </p:txBody>
+      </p:sp>
+      <p:sp>
+        <p:nvSpPr>
+          <p:cNvPr id="8" name="Espace réservé du numéro de diapositive 7"/>
+          <p:cNvSpPr>
+            <a:spLocks noGrp="1"/>
+          </p:cNvSpPr>
+          <p:nvPr>
+            <p:ph type="sldNum" sz="quarter" idx="12"/>
+          </p:nvPr>
+        </p:nvSpPr>
+        <p:spPr/>
+        <p:txBody>
+          <a:bodyPr/>
+          <a:lstStyle/>
+          <a:p>
+            <a:fld id="{F8E28480-1C08-4458-AD97-0283E6FFD09D}" type="slidenum">
+              <a:rPr lang="en-US" sz="2000" smtClean="0"/>
+              <a:t>12</a:t>
+            </a:fld>
+            <a:endParaRPr lang="en-US" sz="2000" dirty="0"/>
+          </a:p>
+        </p:txBody>
+      </p:sp>
+      <p:sp>
+        <p:nvSpPr>
+          <p:cNvPr id="2" name="ZoneTexte 1"/>
+          <p:cNvSpPr txBox="1"/>
+          <p:nvPr/>
+        </p:nvSpPr>
+        <p:spPr>
+          <a:xfrm>
+            <a:off x="6874319" y="3089560"/>
+            <a:ext cx="1645002" cy="369332"/>
+          </a:xfrm>
+          <a:prstGeom prst="rect">
+            <a:avLst/>
+          </a:prstGeom>
+          <a:noFill/>
+        </p:spPr>
+        <p:txBody>
+          <a:bodyPr wrap="none" rtlCol="0">
+            <a:spAutoFit/>
+          </a:bodyPr>
+          <a:lstStyle/>
+          <a:p>
+            <a:r>
+              <a:rPr lang="fr-CH" dirty="0"/>
+              <a:t>Page des détails</a:t>
+            </a:r>
+          </a:p>
+        </p:txBody>
+      </p:sp>
+      <p:sp>
+        <p:nvSpPr>
+          <p:cNvPr id="3" name="ZoneTexte 2"/>
+          <p:cNvSpPr txBox="1"/>
+          <p:nvPr/>
+        </p:nvSpPr>
+        <p:spPr>
+          <a:xfrm>
+            <a:off x="6874319" y="3458891"/>
+            <a:ext cx="4667898" cy="523220"/>
+          </a:xfrm>
+          <a:prstGeom prst="rect">
+            <a:avLst/>
+          </a:prstGeom>
+          <a:noFill/>
+        </p:spPr>
+        <p:txBody>
+          <a:bodyPr wrap="square" rtlCol="0">
+            <a:spAutoFit/>
+          </a:bodyPr>
+          <a:lstStyle/>
+          <a:p>
+            <a:pPr marL="285750" indent="-285750">
+              <a:buFont typeface="Arial" panose="020B0604020202020204" pitchFamily="34" charset="0"/>
+              <a:buChar char="•"/>
+            </a:pPr>
+            <a:r>
+              <a:rPr lang="fr-CH" sz="1400" dirty="0"/>
+              <a:t>Affiche les détails concernant le vélo</a:t>
+            </a:r>
+          </a:p>
+          <a:p>
+            <a:pPr marL="285750" indent="-285750">
+              <a:buFont typeface="Arial" panose="020B0604020202020204" pitchFamily="34" charset="0"/>
+              <a:buChar char="•"/>
+            </a:pPr>
+            <a:r>
+              <a:rPr lang="fr-CH" sz="1400" dirty="0"/>
+              <a:t>L’utilisateur peut rendre le rendre à partir de cette page</a:t>
+            </a:r>
+          </a:p>
+        </p:txBody>
+      </p:sp>
+      <p:cxnSp>
+        <p:nvCxnSpPr>
+          <p:cNvPr id="13" name="Connecteur droit 12"/>
+          <p:cNvCxnSpPr/>
+          <p:nvPr/>
+        </p:nvCxnSpPr>
+        <p:spPr>
+          <a:xfrm>
+            <a:off x="7358052" y="6576639"/>
+            <a:ext cx="440559" cy="0"/>
+          </a:xfrm>
+          <a:prstGeom prst="line">
+            <a:avLst/>
+          </a:prstGeom>
+          <a:ln w="38100">
+            <a:solidFill>
+              <a:schemeClr val="bg1">
+                <a:lumMod val="75000"/>
+              </a:schemeClr>
+            </a:solidFill>
+            <a:prstDash val="sysDot"/>
+          </a:ln>
+        </p:spPr>
+        <p:style>
+          <a:lnRef idx="1">
+            <a:schemeClr val="accent1"/>
+          </a:lnRef>
+          <a:fillRef idx="0">
+            <a:schemeClr val="accent1"/>
+          </a:fillRef>
+          <a:effectRef idx="0">
+            <a:schemeClr val="accent1"/>
+          </a:effectRef>
+          <a:fontRef idx="minor">
+            <a:schemeClr val="tx1"/>
+          </a:fontRef>
+        </p:style>
+      </p:cxnSp>
+      <p:sp>
+        <p:nvSpPr>
+          <p:cNvPr id="14" name="Ellipse 13"/>
+          <p:cNvSpPr/>
+          <p:nvPr/>
+        </p:nvSpPr>
+        <p:spPr>
+          <a:xfrm>
+            <a:off x="7119549" y="6476886"/>
+            <a:ext cx="199505" cy="199505"/>
+          </a:xfrm>
+          <a:prstGeom prst="ellipse">
+            <a:avLst/>
+          </a:prstGeom>
+          <a:solidFill>
+            <a:schemeClr val="bg1"/>
+          </a:solidFill>
+          <a:ln>
+            <a:solidFill>
+              <a:schemeClr val="tx2">
+                <a:lumMod val="75000"/>
+                <a:lumOff val="25000"/>
+              </a:schemeClr>
+            </a:solidFill>
+          </a:ln>
+        </p:spPr>
+        <p:style>
+          <a:lnRef idx="2">
+            <a:schemeClr val="accent1">
+              <a:shade val="50000"/>
+            </a:schemeClr>
+          </a:lnRef>
+          <a:fillRef idx="1">
+            <a:schemeClr val="accent1"/>
+          </a:fillRef>
+          <a:effectRef idx="0">
+            <a:schemeClr val="accent1"/>
+          </a:effectRef>
+          <a:fontRef idx="minor">
+            <a:schemeClr val="lt1"/>
+          </a:fontRef>
+        </p:style>
+        <p:txBody>
+          <a:bodyPr rtlCol="0" anchor="ctr"/>
+          <a:lstStyle/>
+          <a:p>
+            <a:pPr algn="ctr"/>
+            <a:endParaRPr lang="fr-CH"/>
+          </a:p>
+        </p:txBody>
+      </p:sp>
+      <p:cxnSp>
+        <p:nvCxnSpPr>
+          <p:cNvPr id="15" name="Connecteur droit 14"/>
+          <p:cNvCxnSpPr/>
+          <p:nvPr/>
+        </p:nvCxnSpPr>
+        <p:spPr>
+          <a:xfrm>
+            <a:off x="8080756" y="6576639"/>
+            <a:ext cx="440559" cy="0"/>
+          </a:xfrm>
+          <a:prstGeom prst="line">
+            <a:avLst/>
+          </a:prstGeom>
+          <a:ln w="38100">
+            <a:solidFill>
+              <a:schemeClr val="bg1">
+                <a:lumMod val="75000"/>
+              </a:schemeClr>
+            </a:solidFill>
+            <a:prstDash val="sysDot"/>
+          </a:ln>
+        </p:spPr>
+        <p:style>
+          <a:lnRef idx="1">
+            <a:schemeClr val="accent1"/>
+          </a:lnRef>
+          <a:fillRef idx="0">
+            <a:schemeClr val="accent1"/>
+          </a:fillRef>
+          <a:effectRef idx="0">
+            <a:schemeClr val="accent1"/>
+          </a:effectRef>
+          <a:fontRef idx="minor">
+            <a:schemeClr val="tx1"/>
+          </a:fontRef>
+        </p:style>
+      </p:cxnSp>
+      <p:sp>
+        <p:nvSpPr>
+          <p:cNvPr id="16" name="Ellipse 15"/>
+          <p:cNvSpPr/>
+          <p:nvPr/>
+        </p:nvSpPr>
+        <p:spPr>
+          <a:xfrm>
+            <a:off x="7842253" y="6476886"/>
+            <a:ext cx="199505" cy="199505"/>
+          </a:xfrm>
+          <a:prstGeom prst="ellipse">
+            <a:avLst/>
+          </a:prstGeom>
+          <a:solidFill>
+            <a:schemeClr val="tx1"/>
+          </a:solidFill>
+          <a:ln>
+            <a:solidFill>
+              <a:schemeClr val="tx2">
+                <a:lumMod val="75000"/>
+                <a:lumOff val="25000"/>
+              </a:schemeClr>
+            </a:solidFill>
+          </a:ln>
+        </p:spPr>
+        <p:style>
+          <a:lnRef idx="2">
+            <a:schemeClr val="accent1">
+              <a:shade val="50000"/>
+            </a:schemeClr>
+          </a:lnRef>
+          <a:fillRef idx="1">
+            <a:schemeClr val="accent1"/>
+          </a:fillRef>
+          <a:effectRef idx="0">
+            <a:schemeClr val="accent1"/>
+          </a:effectRef>
+          <a:fontRef idx="minor">
+            <a:schemeClr val="lt1"/>
+          </a:fontRef>
+        </p:style>
+        <p:txBody>
+          <a:bodyPr rtlCol="0" anchor="ctr"/>
+          <a:lstStyle/>
+          <a:p>
+            <a:pPr algn="ctr"/>
+            <a:endParaRPr lang="fr-CH"/>
+          </a:p>
+        </p:txBody>
+      </p:sp>
+      <p:cxnSp>
+        <p:nvCxnSpPr>
+          <p:cNvPr id="17" name="Connecteur droit 16"/>
+          <p:cNvCxnSpPr/>
+          <p:nvPr/>
+        </p:nvCxnSpPr>
+        <p:spPr>
+          <a:xfrm>
+            <a:off x="8803460" y="6576639"/>
+            <a:ext cx="440559" cy="0"/>
+          </a:xfrm>
+          <a:prstGeom prst="line">
+            <a:avLst/>
+          </a:prstGeom>
+          <a:ln w="38100">
+            <a:solidFill>
+              <a:schemeClr val="bg1">
+                <a:lumMod val="75000"/>
+              </a:schemeClr>
+            </a:solidFill>
+            <a:prstDash val="sysDot"/>
+          </a:ln>
+        </p:spPr>
+        <p:style>
+          <a:lnRef idx="1">
+            <a:schemeClr val="accent1"/>
+          </a:lnRef>
+          <a:fillRef idx="0">
+            <a:schemeClr val="accent1"/>
+          </a:fillRef>
+          <a:effectRef idx="0">
+            <a:schemeClr val="accent1"/>
+          </a:effectRef>
+          <a:fontRef idx="minor">
+            <a:schemeClr val="tx1"/>
+          </a:fontRef>
+        </p:style>
+      </p:cxnSp>
+      <p:sp>
+        <p:nvSpPr>
+          <p:cNvPr id="18" name="Ellipse 17"/>
+          <p:cNvSpPr/>
+          <p:nvPr/>
+        </p:nvSpPr>
+        <p:spPr>
+          <a:xfrm>
+            <a:off x="8564957" y="6476886"/>
+            <a:ext cx="199505" cy="199505"/>
+          </a:xfrm>
+          <a:prstGeom prst="ellipse">
+            <a:avLst/>
+          </a:prstGeom>
+          <a:solidFill>
+            <a:schemeClr val="bg1"/>
+          </a:solidFill>
+          <a:ln>
+            <a:solidFill>
+              <a:schemeClr val="tx2">
+                <a:lumMod val="75000"/>
+                <a:lumOff val="25000"/>
+              </a:schemeClr>
+            </a:solidFill>
+          </a:ln>
+        </p:spPr>
+        <p:style>
+          <a:lnRef idx="2">
+            <a:schemeClr val="accent1">
+              <a:shade val="50000"/>
+            </a:schemeClr>
+          </a:lnRef>
+          <a:fillRef idx="1">
+            <a:schemeClr val="accent1"/>
+          </a:fillRef>
+          <a:effectRef idx="0">
+            <a:schemeClr val="accent1"/>
+          </a:effectRef>
+          <a:fontRef idx="minor">
+            <a:schemeClr val="lt1"/>
+          </a:fontRef>
+        </p:style>
+        <p:txBody>
+          <a:bodyPr rtlCol="0" anchor="ctr"/>
+          <a:lstStyle/>
+          <a:p>
+            <a:pPr algn="ctr"/>
+            <a:endParaRPr lang="fr-CH"/>
+          </a:p>
+        </p:txBody>
+      </p:sp>
+      <p:cxnSp>
+        <p:nvCxnSpPr>
+          <p:cNvPr id="19" name="Connecteur droit 18"/>
+          <p:cNvCxnSpPr/>
+          <p:nvPr/>
+        </p:nvCxnSpPr>
+        <p:spPr>
+          <a:xfrm>
+            <a:off x="9521520" y="6576639"/>
+            <a:ext cx="440559" cy="0"/>
+          </a:xfrm>
+          <a:prstGeom prst="line">
+            <a:avLst/>
+          </a:prstGeom>
+          <a:ln w="38100">
+            <a:solidFill>
+              <a:schemeClr val="bg1">
+                <a:lumMod val="75000"/>
+              </a:schemeClr>
+            </a:solidFill>
+            <a:prstDash val="sysDot"/>
+          </a:ln>
+        </p:spPr>
+        <p:style>
+          <a:lnRef idx="1">
+            <a:schemeClr val="accent1"/>
+          </a:lnRef>
+          <a:fillRef idx="0">
+            <a:schemeClr val="accent1"/>
+          </a:fillRef>
+          <a:effectRef idx="0">
+            <a:schemeClr val="accent1"/>
+          </a:effectRef>
+          <a:fontRef idx="minor">
+            <a:schemeClr val="tx1"/>
+          </a:fontRef>
+        </p:style>
+      </p:cxnSp>
+      <p:sp>
+        <p:nvSpPr>
+          <p:cNvPr id="20" name="Ellipse 19"/>
+          <p:cNvSpPr/>
+          <p:nvPr/>
+        </p:nvSpPr>
+        <p:spPr>
+          <a:xfrm>
+            <a:off x="9283017" y="6476886"/>
+            <a:ext cx="199505" cy="199505"/>
+          </a:xfrm>
+          <a:prstGeom prst="ellipse">
+            <a:avLst/>
+          </a:prstGeom>
+          <a:solidFill>
+            <a:schemeClr val="bg1"/>
+          </a:solidFill>
+          <a:ln>
+            <a:solidFill>
+              <a:schemeClr val="tx2">
+                <a:lumMod val="75000"/>
+                <a:lumOff val="25000"/>
+              </a:schemeClr>
+            </a:solidFill>
+          </a:ln>
+        </p:spPr>
+        <p:style>
+          <a:lnRef idx="2">
+            <a:schemeClr val="accent1">
+              <a:shade val="50000"/>
+            </a:schemeClr>
+          </a:lnRef>
+          <a:fillRef idx="1">
+            <a:schemeClr val="accent1"/>
+          </a:fillRef>
+          <a:effectRef idx="0">
+            <a:schemeClr val="accent1"/>
+          </a:effectRef>
+          <a:fontRef idx="minor">
+            <a:schemeClr val="lt1"/>
+          </a:fontRef>
+        </p:style>
+        <p:txBody>
+          <a:bodyPr rtlCol="0" anchor="ctr"/>
+          <a:lstStyle/>
+          <a:p>
+            <a:pPr algn="ctr"/>
+            <a:endParaRPr lang="fr-CH"/>
+          </a:p>
+        </p:txBody>
+      </p:sp>
+      <p:cxnSp>
+        <p:nvCxnSpPr>
+          <p:cNvPr id="21" name="Connecteur droit 20"/>
+          <p:cNvCxnSpPr/>
+          <p:nvPr/>
+        </p:nvCxnSpPr>
+        <p:spPr>
+          <a:xfrm>
+            <a:off x="10239580" y="6576639"/>
+            <a:ext cx="440559" cy="0"/>
+          </a:xfrm>
+          <a:prstGeom prst="line">
+            <a:avLst/>
+          </a:prstGeom>
+          <a:ln w="38100">
+            <a:solidFill>
+              <a:schemeClr val="bg1">
+                <a:lumMod val="75000"/>
+              </a:schemeClr>
+            </a:solidFill>
+            <a:prstDash val="sysDot"/>
+          </a:ln>
+        </p:spPr>
+        <p:style>
+          <a:lnRef idx="1">
+            <a:schemeClr val="accent1"/>
+          </a:lnRef>
+          <a:fillRef idx="0">
+            <a:schemeClr val="accent1"/>
+          </a:fillRef>
+          <a:effectRef idx="0">
+            <a:schemeClr val="accent1"/>
+          </a:effectRef>
+          <a:fontRef idx="minor">
+            <a:schemeClr val="tx1"/>
+          </a:fontRef>
+        </p:style>
+      </p:cxnSp>
+      <p:sp>
+        <p:nvSpPr>
+          <p:cNvPr id="22" name="Ellipse 21"/>
+          <p:cNvSpPr/>
+          <p:nvPr/>
+        </p:nvSpPr>
+        <p:spPr>
+          <a:xfrm>
+            <a:off x="10001077" y="6476886"/>
+            <a:ext cx="199505" cy="199505"/>
+          </a:xfrm>
+          <a:prstGeom prst="ellipse">
+            <a:avLst/>
+          </a:prstGeom>
+          <a:solidFill>
+            <a:schemeClr val="bg1"/>
+          </a:solidFill>
+          <a:ln>
+            <a:solidFill>
+              <a:schemeClr val="tx2">
+                <a:lumMod val="75000"/>
+                <a:lumOff val="25000"/>
+              </a:schemeClr>
+            </a:solidFill>
+          </a:ln>
+        </p:spPr>
+        <p:style>
+          <a:lnRef idx="2">
+            <a:schemeClr val="accent1">
+              <a:shade val="50000"/>
+            </a:schemeClr>
+          </a:lnRef>
+          <a:fillRef idx="1">
+            <a:schemeClr val="accent1"/>
+          </a:fillRef>
+          <a:effectRef idx="0">
+            <a:schemeClr val="accent1"/>
+          </a:effectRef>
+          <a:fontRef idx="minor">
+            <a:schemeClr val="lt1"/>
+          </a:fontRef>
+        </p:style>
+        <p:txBody>
+          <a:bodyPr rtlCol="0" anchor="ctr"/>
+          <a:lstStyle/>
+          <a:p>
+            <a:pPr algn="ctr"/>
+            <a:endParaRPr lang="fr-CH"/>
+          </a:p>
+        </p:txBody>
+      </p:sp>
+      <p:sp>
+        <p:nvSpPr>
+          <p:cNvPr id="23" name="Ellipse 22"/>
+          <p:cNvSpPr/>
+          <p:nvPr/>
+        </p:nvSpPr>
+        <p:spPr>
+          <a:xfrm>
+            <a:off x="10713043" y="6476886"/>
+            <a:ext cx="199505" cy="199505"/>
+          </a:xfrm>
+          <a:prstGeom prst="ellipse">
+            <a:avLst/>
+          </a:prstGeom>
+          <a:solidFill>
+            <a:schemeClr val="bg1"/>
+          </a:solidFill>
+          <a:ln>
+            <a:solidFill>
+              <a:schemeClr val="tx2">
+                <a:lumMod val="75000"/>
+                <a:lumOff val="25000"/>
+              </a:schemeClr>
+            </a:solidFill>
+          </a:ln>
+        </p:spPr>
+        <p:style>
+          <a:lnRef idx="2">
+            <a:schemeClr val="accent1">
+              <a:shade val="50000"/>
+            </a:schemeClr>
+          </a:lnRef>
+          <a:fillRef idx="1">
+            <a:schemeClr val="accent1"/>
+          </a:fillRef>
+          <a:effectRef idx="0">
+            <a:schemeClr val="accent1"/>
+          </a:effectRef>
+          <a:fontRef idx="minor">
+            <a:schemeClr val="lt1"/>
+          </a:fontRef>
+        </p:style>
+        <p:txBody>
+          <a:bodyPr rtlCol="0" anchor="ctr"/>
+          <a:lstStyle/>
+          <a:p>
+            <a:pPr algn="ctr"/>
+            <a:endParaRPr lang="fr-CH"/>
+          </a:p>
+        </p:txBody>
+      </p:sp>
+      <p:pic>
+        <p:nvPicPr>
+          <p:cNvPr id="7" name="Image 6">
+            <a:extLst>
+              <a:ext uri="{FF2B5EF4-FFF2-40B4-BE49-F238E27FC236}">
+                <a16:creationId xmlns:a16="http://schemas.microsoft.com/office/drawing/2014/main" id="{CA517139-5DC4-435B-AA88-A0480E8D8C70}"/>
+              </a:ext>
+            </a:extLst>
+          </p:cNvPr>
+          <p:cNvPicPr>
+            <a:picLocks noChangeAspect="1"/>
+          </p:cNvPicPr>
+          <p:nvPr/>
+        </p:nvPicPr>
+        <p:blipFill>
+          <a:blip r:embed="rId2"/>
+          <a:stretch>
+            <a:fillRect/>
+          </a:stretch>
+        </p:blipFill>
+        <p:spPr>
+          <a:xfrm>
+            <a:off x="931013" y="1105613"/>
+            <a:ext cx="5595963" cy="5283382"/>
+          </a:xfrm>
+          <a:prstGeom prst="rect">
+            <a:avLst/>
+          </a:prstGeom>
+        </p:spPr>
+      </p:pic>
+    </p:spTree>
+    <p:extLst>
+      <p:ext uri="{BB962C8B-B14F-4D97-AF65-F5344CB8AC3E}">
+        <p14:creationId xmlns:p14="http://schemas.microsoft.com/office/powerpoint/2010/main" val="867906298"/>
+      </p:ext>
+    </p:extLst>
+  </p:cSld>
+  <p:clrMapOvr>
+    <a:masterClrMapping/>
+  </p:clrMapOvr>
+</p:sld>
+</file>
+
+<file path=ppt/slides/slide13.xml><?xml version="1.0" encoding="utf-8"?>
+<p:sld xmlns:a="http://schemas.openxmlformats.org/drawingml/2006/main" xmlns:r="http://schemas.openxmlformats.org/officeDocument/2006/relationships" xmlns:p="http://schemas.openxmlformats.org/presentationml/2006/main">
+  <p:cSld>
+    <p:spTree>
+      <p:nvGrpSpPr>
+        <p:cNvPr id="1" name=""/>
+        <p:cNvGrpSpPr/>
+        <p:nvPr/>
+      </p:nvGrpSpPr>
+      <p:grpSpPr>
+        <a:xfrm>
+          <a:off x="0" y="0"/>
+          <a:ext cx="0" cy="0"/>
+          <a:chOff x="0" y="0"/>
+          <a:chExt cx="0" cy="0"/>
+        </a:xfrm>
+      </p:grpSpPr>
+      <p:sp>
+        <p:nvSpPr>
+          <p:cNvPr id="4" name="Rectangle 3"/>
+          <p:cNvSpPr/>
+          <p:nvPr/>
+        </p:nvSpPr>
+        <p:spPr>
+          <a:xfrm>
+            <a:off x="-1" y="0"/>
+            <a:ext cx="12192001" cy="889462"/>
+          </a:xfrm>
+          <a:prstGeom prst="rect">
+            <a:avLst/>
+          </a:prstGeom>
+          <a:solidFill>
+            <a:srgbClr val="83486B"/>
+          </a:solidFill>
+          <a:ln>
+            <a:solidFill>
+              <a:srgbClr val="83486B"/>
+            </a:solidFill>
+          </a:ln>
+        </p:spPr>
+        <p:style>
+          <a:lnRef idx="2">
+            <a:schemeClr val="accent1">
+              <a:shade val="50000"/>
+            </a:schemeClr>
+          </a:lnRef>
+          <a:fillRef idx="1">
+            <a:schemeClr val="accent1"/>
+          </a:fillRef>
+          <a:effectRef idx="0">
+            <a:schemeClr val="accent1"/>
+          </a:effectRef>
+          <a:fontRef idx="minor">
+            <a:schemeClr val="lt1"/>
+          </a:fontRef>
+        </p:style>
+        <p:txBody>
+          <a:bodyPr rtlCol="0" anchor="ctr"/>
+          <a:lstStyle/>
+          <a:p>
+            <a:pPr algn="ctr"/>
+            <a:endParaRPr lang="fr-CH" dirty="0"/>
+          </a:p>
+        </p:txBody>
+      </p:sp>
+      <p:sp>
+        <p:nvSpPr>
+          <p:cNvPr id="5" name="ZoneTexte 4"/>
+          <p:cNvSpPr txBox="1"/>
+          <p:nvPr/>
+        </p:nvSpPr>
+        <p:spPr>
+          <a:xfrm>
+            <a:off x="166255" y="260065"/>
+            <a:ext cx="1231940" cy="369332"/>
+          </a:xfrm>
+          <a:prstGeom prst="rect">
+            <a:avLst/>
+          </a:prstGeom>
+          <a:noFill/>
+        </p:spPr>
+        <p:txBody>
+          <a:bodyPr wrap="none" rtlCol="0">
+            <a:spAutoFit/>
+          </a:bodyPr>
+          <a:lstStyle/>
+          <a:p>
+            <a:r>
+              <a:rPr lang="fr-CH" dirty="0">
+                <a:solidFill>
+                  <a:schemeClr val="bg1"/>
+                </a:solidFill>
+              </a:rPr>
+              <a:t>ANALYSE</a:t>
+            </a:r>
+          </a:p>
+        </p:txBody>
+      </p:sp>
+      <p:sp>
+        <p:nvSpPr>
+          <p:cNvPr id="8" name="Espace réservé du numéro de diapositive 7"/>
+          <p:cNvSpPr>
+            <a:spLocks noGrp="1"/>
+          </p:cNvSpPr>
+          <p:nvPr>
+            <p:ph type="sldNum" sz="quarter" idx="12"/>
+          </p:nvPr>
+        </p:nvSpPr>
+        <p:spPr/>
+        <p:txBody>
+          <a:bodyPr/>
+          <a:lstStyle/>
+          <a:p>
+            <a:fld id="{F8E28480-1C08-4458-AD97-0283E6FFD09D}" type="slidenum">
+              <a:rPr lang="en-US" sz="2000" smtClean="0"/>
+              <a:t>13</a:t>
+            </a:fld>
+            <a:endParaRPr lang="en-US" sz="2000" dirty="0"/>
+          </a:p>
+        </p:txBody>
+      </p:sp>
+      <p:sp>
+        <p:nvSpPr>
+          <p:cNvPr id="2" name="ZoneTexte 1"/>
+          <p:cNvSpPr txBox="1"/>
+          <p:nvPr/>
+        </p:nvSpPr>
+        <p:spPr>
+          <a:xfrm>
+            <a:off x="6874319" y="3089560"/>
+            <a:ext cx="1645002" cy="369332"/>
+          </a:xfrm>
+          <a:prstGeom prst="rect">
+            <a:avLst/>
+          </a:prstGeom>
+          <a:noFill/>
+        </p:spPr>
+        <p:txBody>
+          <a:bodyPr wrap="none" rtlCol="0">
+            <a:spAutoFit/>
+          </a:bodyPr>
+          <a:lstStyle/>
+          <a:p>
+            <a:r>
+              <a:rPr lang="fr-CH" dirty="0"/>
+              <a:t>Page des détails</a:t>
+            </a:r>
+          </a:p>
+        </p:txBody>
+      </p:sp>
+      <p:sp>
+        <p:nvSpPr>
+          <p:cNvPr id="3" name="ZoneTexte 2"/>
+          <p:cNvSpPr txBox="1"/>
+          <p:nvPr/>
+        </p:nvSpPr>
+        <p:spPr>
+          <a:xfrm>
+            <a:off x="6874319" y="3458891"/>
+            <a:ext cx="4667898" cy="523220"/>
+          </a:xfrm>
+          <a:prstGeom prst="rect">
+            <a:avLst/>
+          </a:prstGeom>
+          <a:noFill/>
+        </p:spPr>
+        <p:txBody>
+          <a:bodyPr wrap="square" rtlCol="0">
+            <a:spAutoFit/>
+          </a:bodyPr>
+          <a:lstStyle/>
+          <a:p>
+            <a:pPr marL="285750" indent="-285750">
+              <a:buFont typeface="Arial" panose="020B0604020202020204" pitchFamily="34" charset="0"/>
+              <a:buChar char="•"/>
+            </a:pPr>
+            <a:r>
+              <a:rPr lang="fr-CH" sz="1400" dirty="0"/>
+              <a:t>Affiche les détails concernant le vélo</a:t>
+            </a:r>
+          </a:p>
+          <a:p>
+            <a:pPr marL="285750" indent="-285750">
+              <a:buFont typeface="Arial" panose="020B0604020202020204" pitchFamily="34" charset="0"/>
+              <a:buChar char="•"/>
+            </a:pPr>
+            <a:r>
+              <a:rPr lang="fr-CH" sz="1400" dirty="0"/>
+              <a:t>L’utilisateur peut rendre le rendre à partir de cette page</a:t>
+            </a:r>
+          </a:p>
+        </p:txBody>
+      </p:sp>
+      <p:cxnSp>
+        <p:nvCxnSpPr>
+          <p:cNvPr id="13" name="Connecteur droit 12"/>
+          <p:cNvCxnSpPr/>
+          <p:nvPr/>
+        </p:nvCxnSpPr>
+        <p:spPr>
+          <a:xfrm>
+            <a:off x="7358052" y="6576639"/>
+            <a:ext cx="440559" cy="0"/>
+          </a:xfrm>
+          <a:prstGeom prst="line">
+            <a:avLst/>
+          </a:prstGeom>
+          <a:ln w="38100">
+            <a:solidFill>
+              <a:schemeClr val="bg1">
+                <a:lumMod val="75000"/>
+              </a:schemeClr>
+            </a:solidFill>
+            <a:prstDash val="sysDot"/>
+          </a:ln>
+        </p:spPr>
+        <p:style>
+          <a:lnRef idx="1">
+            <a:schemeClr val="accent1"/>
+          </a:lnRef>
+          <a:fillRef idx="0">
+            <a:schemeClr val="accent1"/>
+          </a:fillRef>
+          <a:effectRef idx="0">
+            <a:schemeClr val="accent1"/>
+          </a:effectRef>
+          <a:fontRef idx="minor">
+            <a:schemeClr val="tx1"/>
+          </a:fontRef>
+        </p:style>
+      </p:cxnSp>
+      <p:sp>
+        <p:nvSpPr>
+          <p:cNvPr id="14" name="Ellipse 13"/>
+          <p:cNvSpPr/>
+          <p:nvPr/>
+        </p:nvSpPr>
+        <p:spPr>
+          <a:xfrm>
+            <a:off x="7119549" y="6476886"/>
+            <a:ext cx="199505" cy="199505"/>
+          </a:xfrm>
+          <a:prstGeom prst="ellipse">
+            <a:avLst/>
+          </a:prstGeom>
+          <a:solidFill>
+            <a:schemeClr val="bg1"/>
+          </a:solidFill>
+          <a:ln>
+            <a:solidFill>
+              <a:schemeClr val="tx2">
+                <a:lumMod val="75000"/>
+                <a:lumOff val="25000"/>
+              </a:schemeClr>
+            </a:solidFill>
+          </a:ln>
+        </p:spPr>
+        <p:style>
+          <a:lnRef idx="2">
+            <a:schemeClr val="accent1">
+              <a:shade val="50000"/>
+            </a:schemeClr>
+          </a:lnRef>
+          <a:fillRef idx="1">
+            <a:schemeClr val="accent1"/>
+          </a:fillRef>
+          <a:effectRef idx="0">
+            <a:schemeClr val="accent1"/>
+          </a:effectRef>
+          <a:fontRef idx="minor">
+            <a:schemeClr val="lt1"/>
+          </a:fontRef>
+        </p:style>
+        <p:txBody>
+          <a:bodyPr rtlCol="0" anchor="ctr"/>
+          <a:lstStyle/>
+          <a:p>
+            <a:pPr algn="ctr"/>
+            <a:endParaRPr lang="fr-CH"/>
+          </a:p>
+        </p:txBody>
+      </p:sp>
+      <p:cxnSp>
+        <p:nvCxnSpPr>
+          <p:cNvPr id="15" name="Connecteur droit 14"/>
+          <p:cNvCxnSpPr/>
+          <p:nvPr/>
+        </p:nvCxnSpPr>
+        <p:spPr>
+          <a:xfrm>
+            <a:off x="8080756" y="6576639"/>
+            <a:ext cx="440559" cy="0"/>
+          </a:xfrm>
+          <a:prstGeom prst="line">
+            <a:avLst/>
+          </a:prstGeom>
+          <a:ln w="38100">
+            <a:solidFill>
+              <a:schemeClr val="bg1">
+                <a:lumMod val="75000"/>
+              </a:schemeClr>
+            </a:solidFill>
+            <a:prstDash val="sysDot"/>
+          </a:ln>
+        </p:spPr>
+        <p:style>
+          <a:lnRef idx="1">
+            <a:schemeClr val="accent1"/>
+          </a:lnRef>
+          <a:fillRef idx="0">
+            <a:schemeClr val="accent1"/>
+          </a:fillRef>
+          <a:effectRef idx="0">
+            <a:schemeClr val="accent1"/>
+          </a:effectRef>
+          <a:fontRef idx="minor">
+            <a:schemeClr val="tx1"/>
+          </a:fontRef>
+        </p:style>
+      </p:cxnSp>
+      <p:sp>
+        <p:nvSpPr>
+          <p:cNvPr id="16" name="Ellipse 15"/>
+          <p:cNvSpPr/>
+          <p:nvPr/>
+        </p:nvSpPr>
+        <p:spPr>
+          <a:xfrm>
+            <a:off x="7842253" y="6476886"/>
+            <a:ext cx="199505" cy="199505"/>
+          </a:xfrm>
+          <a:prstGeom prst="ellipse">
+            <a:avLst/>
+          </a:prstGeom>
+          <a:solidFill>
+            <a:schemeClr val="tx1"/>
+          </a:solidFill>
+          <a:ln>
+            <a:solidFill>
+              <a:schemeClr val="tx2">
+                <a:lumMod val="75000"/>
+                <a:lumOff val="25000"/>
+              </a:schemeClr>
+            </a:solidFill>
+          </a:ln>
+        </p:spPr>
+        <p:style>
+          <a:lnRef idx="2">
+            <a:schemeClr val="accent1">
+              <a:shade val="50000"/>
+            </a:schemeClr>
+          </a:lnRef>
+          <a:fillRef idx="1">
+            <a:schemeClr val="accent1"/>
+          </a:fillRef>
+          <a:effectRef idx="0">
+            <a:schemeClr val="accent1"/>
+          </a:effectRef>
+          <a:fontRef idx="minor">
+            <a:schemeClr val="lt1"/>
+          </a:fontRef>
+        </p:style>
+        <p:txBody>
+          <a:bodyPr rtlCol="0" anchor="ctr"/>
+          <a:lstStyle/>
+          <a:p>
+            <a:pPr algn="ctr"/>
+            <a:endParaRPr lang="fr-CH"/>
+          </a:p>
+        </p:txBody>
+      </p:sp>
+      <p:cxnSp>
+        <p:nvCxnSpPr>
+          <p:cNvPr id="17" name="Connecteur droit 16"/>
+          <p:cNvCxnSpPr/>
+          <p:nvPr/>
+        </p:nvCxnSpPr>
+        <p:spPr>
+          <a:xfrm>
+            <a:off x="8803460" y="6576639"/>
+            <a:ext cx="440559" cy="0"/>
+          </a:xfrm>
+          <a:prstGeom prst="line">
+            <a:avLst/>
+          </a:prstGeom>
+          <a:ln w="38100">
+            <a:solidFill>
+              <a:schemeClr val="bg1">
+                <a:lumMod val="75000"/>
+              </a:schemeClr>
+            </a:solidFill>
+            <a:prstDash val="sysDot"/>
+          </a:ln>
+        </p:spPr>
+        <p:style>
+          <a:lnRef idx="1">
+            <a:schemeClr val="accent1"/>
+          </a:lnRef>
+          <a:fillRef idx="0">
+            <a:schemeClr val="accent1"/>
+          </a:fillRef>
+          <a:effectRef idx="0">
+            <a:schemeClr val="accent1"/>
+          </a:effectRef>
+          <a:fontRef idx="minor">
+            <a:schemeClr val="tx1"/>
+          </a:fontRef>
+        </p:style>
+      </p:cxnSp>
+      <p:sp>
+        <p:nvSpPr>
+          <p:cNvPr id="18" name="Ellipse 17"/>
+          <p:cNvSpPr/>
+          <p:nvPr/>
+        </p:nvSpPr>
+        <p:spPr>
+          <a:xfrm>
+            <a:off x="8564957" y="6476886"/>
+            <a:ext cx="199505" cy="199505"/>
+          </a:xfrm>
+          <a:prstGeom prst="ellipse">
+            <a:avLst/>
+          </a:prstGeom>
+          <a:solidFill>
+            <a:schemeClr val="bg1"/>
+          </a:solidFill>
+          <a:ln>
+            <a:solidFill>
+              <a:schemeClr val="tx2">
+                <a:lumMod val="75000"/>
+                <a:lumOff val="25000"/>
+              </a:schemeClr>
+            </a:solidFill>
+          </a:ln>
+        </p:spPr>
+        <p:style>
+          <a:lnRef idx="2">
+            <a:schemeClr val="accent1">
+              <a:shade val="50000"/>
+            </a:schemeClr>
+          </a:lnRef>
+          <a:fillRef idx="1">
+            <a:schemeClr val="accent1"/>
+          </a:fillRef>
+          <a:effectRef idx="0">
+            <a:schemeClr val="accent1"/>
+          </a:effectRef>
+          <a:fontRef idx="minor">
+            <a:schemeClr val="lt1"/>
+          </a:fontRef>
+        </p:style>
+        <p:txBody>
+          <a:bodyPr rtlCol="0" anchor="ctr"/>
+          <a:lstStyle/>
+          <a:p>
+            <a:pPr algn="ctr"/>
+            <a:endParaRPr lang="fr-CH"/>
+          </a:p>
+        </p:txBody>
+      </p:sp>
+      <p:cxnSp>
+        <p:nvCxnSpPr>
+          <p:cNvPr id="19" name="Connecteur droit 18"/>
+          <p:cNvCxnSpPr/>
+          <p:nvPr/>
+        </p:nvCxnSpPr>
+        <p:spPr>
+          <a:xfrm>
+            <a:off x="9521520" y="6576639"/>
+            <a:ext cx="440559" cy="0"/>
+          </a:xfrm>
+          <a:prstGeom prst="line">
+            <a:avLst/>
+          </a:prstGeom>
+          <a:ln w="38100">
+            <a:solidFill>
+              <a:schemeClr val="bg1">
+                <a:lumMod val="75000"/>
+              </a:schemeClr>
+            </a:solidFill>
+            <a:prstDash val="sysDot"/>
+          </a:ln>
+        </p:spPr>
+        <p:style>
+          <a:lnRef idx="1">
+            <a:schemeClr val="accent1"/>
+          </a:lnRef>
+          <a:fillRef idx="0">
+            <a:schemeClr val="accent1"/>
+          </a:fillRef>
+          <a:effectRef idx="0">
+            <a:schemeClr val="accent1"/>
+          </a:effectRef>
+          <a:fontRef idx="minor">
+            <a:schemeClr val="tx1"/>
+          </a:fontRef>
+        </p:style>
+      </p:cxnSp>
+      <p:sp>
+        <p:nvSpPr>
+          <p:cNvPr id="20" name="Ellipse 19"/>
+          <p:cNvSpPr/>
+          <p:nvPr/>
+        </p:nvSpPr>
+        <p:spPr>
+          <a:xfrm>
+            <a:off x="9283017" y="6476886"/>
+            <a:ext cx="199505" cy="199505"/>
+          </a:xfrm>
+          <a:prstGeom prst="ellipse">
+            <a:avLst/>
+          </a:prstGeom>
+          <a:solidFill>
+            <a:schemeClr val="bg1"/>
+          </a:solidFill>
+          <a:ln>
+            <a:solidFill>
+              <a:schemeClr val="tx2">
+                <a:lumMod val="75000"/>
+                <a:lumOff val="25000"/>
+              </a:schemeClr>
+            </a:solidFill>
+          </a:ln>
+        </p:spPr>
+        <p:style>
+          <a:lnRef idx="2">
+            <a:schemeClr val="accent1">
+              <a:shade val="50000"/>
+            </a:schemeClr>
+          </a:lnRef>
+          <a:fillRef idx="1">
+            <a:schemeClr val="accent1"/>
+          </a:fillRef>
+          <a:effectRef idx="0">
+            <a:schemeClr val="accent1"/>
+          </a:effectRef>
+          <a:fontRef idx="minor">
+            <a:schemeClr val="lt1"/>
+          </a:fontRef>
+        </p:style>
+        <p:txBody>
+          <a:bodyPr rtlCol="0" anchor="ctr"/>
+          <a:lstStyle/>
+          <a:p>
+            <a:pPr algn="ctr"/>
+            <a:endParaRPr lang="fr-CH"/>
+          </a:p>
+        </p:txBody>
+      </p:sp>
+      <p:cxnSp>
+        <p:nvCxnSpPr>
+          <p:cNvPr id="21" name="Connecteur droit 20"/>
+          <p:cNvCxnSpPr/>
+          <p:nvPr/>
+        </p:nvCxnSpPr>
+        <p:spPr>
+          <a:xfrm>
+            <a:off x="10239580" y="6576639"/>
+            <a:ext cx="440559" cy="0"/>
+          </a:xfrm>
+          <a:prstGeom prst="line">
+            <a:avLst/>
+          </a:prstGeom>
+          <a:ln w="38100">
+            <a:solidFill>
+              <a:schemeClr val="bg1">
+                <a:lumMod val="75000"/>
+              </a:schemeClr>
+            </a:solidFill>
+            <a:prstDash val="sysDot"/>
+          </a:ln>
+        </p:spPr>
+        <p:style>
+          <a:lnRef idx="1">
+            <a:schemeClr val="accent1"/>
+          </a:lnRef>
+          <a:fillRef idx="0">
+            <a:schemeClr val="accent1"/>
+          </a:fillRef>
+          <a:effectRef idx="0">
+            <a:schemeClr val="accent1"/>
+          </a:effectRef>
+          <a:fontRef idx="minor">
+            <a:schemeClr val="tx1"/>
+          </a:fontRef>
+        </p:style>
+      </p:cxnSp>
+      <p:sp>
+        <p:nvSpPr>
+          <p:cNvPr id="22" name="Ellipse 21"/>
+          <p:cNvSpPr/>
+          <p:nvPr/>
+        </p:nvSpPr>
+        <p:spPr>
+          <a:xfrm>
+            <a:off x="10001077" y="6476886"/>
+            <a:ext cx="199505" cy="199505"/>
+          </a:xfrm>
+          <a:prstGeom prst="ellipse">
+            <a:avLst/>
+          </a:prstGeom>
+          <a:solidFill>
+            <a:schemeClr val="bg1"/>
+          </a:solidFill>
+          <a:ln>
+            <a:solidFill>
+              <a:schemeClr val="tx2">
+                <a:lumMod val="75000"/>
+                <a:lumOff val="25000"/>
+              </a:schemeClr>
+            </a:solidFill>
+          </a:ln>
+        </p:spPr>
+        <p:style>
+          <a:lnRef idx="2">
+            <a:schemeClr val="accent1">
+              <a:shade val="50000"/>
+            </a:schemeClr>
+          </a:lnRef>
+          <a:fillRef idx="1">
+            <a:schemeClr val="accent1"/>
+          </a:fillRef>
+          <a:effectRef idx="0">
+            <a:schemeClr val="accent1"/>
+          </a:effectRef>
+          <a:fontRef idx="minor">
+            <a:schemeClr val="lt1"/>
+          </a:fontRef>
+        </p:style>
+        <p:txBody>
+          <a:bodyPr rtlCol="0" anchor="ctr"/>
+          <a:lstStyle/>
+          <a:p>
+            <a:pPr algn="ctr"/>
+            <a:endParaRPr lang="fr-CH"/>
+          </a:p>
+        </p:txBody>
+      </p:sp>
+      <p:sp>
+        <p:nvSpPr>
+          <p:cNvPr id="23" name="Ellipse 22"/>
+          <p:cNvSpPr/>
+          <p:nvPr/>
+        </p:nvSpPr>
+        <p:spPr>
+          <a:xfrm>
+            <a:off x="10713043" y="6476886"/>
+            <a:ext cx="199505" cy="199505"/>
+          </a:xfrm>
+          <a:prstGeom prst="ellipse">
+            <a:avLst/>
+          </a:prstGeom>
+          <a:solidFill>
+            <a:schemeClr val="bg1"/>
+          </a:solidFill>
+          <a:ln>
+            <a:solidFill>
+              <a:schemeClr val="tx2">
+                <a:lumMod val="75000"/>
+                <a:lumOff val="25000"/>
+              </a:schemeClr>
+            </a:solidFill>
+          </a:ln>
+        </p:spPr>
+        <p:style>
+          <a:lnRef idx="2">
+            <a:schemeClr val="accent1">
+              <a:shade val="50000"/>
+            </a:schemeClr>
+          </a:lnRef>
+          <a:fillRef idx="1">
+            <a:schemeClr val="accent1"/>
+          </a:fillRef>
+          <a:effectRef idx="0">
+            <a:schemeClr val="accent1"/>
+          </a:effectRef>
+          <a:fontRef idx="minor">
+            <a:schemeClr val="lt1"/>
+          </a:fontRef>
+        </p:style>
+        <p:txBody>
+          <a:bodyPr rtlCol="0" anchor="ctr"/>
+          <a:lstStyle/>
+          <a:p>
+            <a:pPr algn="ctr"/>
+            <a:endParaRPr lang="fr-CH"/>
+          </a:p>
+        </p:txBody>
+      </p:sp>
+      <p:pic>
+        <p:nvPicPr>
+          <p:cNvPr id="7" name="Image 6">
+            <a:extLst>
+              <a:ext uri="{FF2B5EF4-FFF2-40B4-BE49-F238E27FC236}">
+                <a16:creationId xmlns:a16="http://schemas.microsoft.com/office/drawing/2014/main" id="{CA517139-5DC4-435B-AA88-A0480E8D8C70}"/>
+              </a:ext>
+            </a:extLst>
+          </p:cNvPr>
+          <p:cNvPicPr>
+            <a:picLocks noChangeAspect="1"/>
+          </p:cNvPicPr>
+          <p:nvPr/>
+        </p:nvPicPr>
+        <p:blipFill>
+          <a:blip r:embed="rId2"/>
+          <a:stretch>
+            <a:fillRect/>
+          </a:stretch>
+        </p:blipFill>
+        <p:spPr>
+          <a:xfrm>
+            <a:off x="931013" y="1105613"/>
+            <a:ext cx="5595963" cy="5283382"/>
+          </a:xfrm>
+          <a:prstGeom prst="rect">
+            <a:avLst/>
+          </a:prstGeom>
+        </p:spPr>
+      </p:pic>
+    </p:spTree>
+    <p:extLst>
+      <p:ext uri="{BB962C8B-B14F-4D97-AF65-F5344CB8AC3E}">
+        <p14:creationId xmlns:p14="http://schemas.microsoft.com/office/powerpoint/2010/main" val="1831168806"/>
+      </p:ext>
+    </p:extLst>
+  </p:cSld>
+  <p:clrMapOvr>
+    <a:masterClrMapping/>
+  </p:clrMapOvr>
 </p:sld>
 </file>
 
@@ -5422,7 +7582,7 @@
                 <a16:creationId xmlns:a16="http://schemas.microsoft.com/office/drawing/2014/main" id="{99485AE2-6BE9-4DCA-A6C4-83F4EEFCCCC0}"/>
               </a:ext>
               <a:ext uri="{C183D7F6-B498-43B3-948B-1728B52AA6E4}">
-                <adec:decorative xmlns="" xmlns:adec="http://schemas.microsoft.com/office/drawing/2017/decorative" val="1"/>
+                <adec:decorative xmlns:adec="http://schemas.microsoft.com/office/drawing/2017/decorative" val="1"/>
               </a:ext>
             </a:extLst>
           </p:cNvPr>
@@ -5498,7 +7658,7 @@
                 <a16:creationId xmlns:a16="http://schemas.microsoft.com/office/drawing/2014/main" id="{65BA7CAF-5EE9-4EEE-9E12-B2CECCB94D62}"/>
               </a:ext>
               <a:ext uri="{C183D7F6-B498-43B3-948B-1728B52AA6E4}">
-                <adec:decorative xmlns="" xmlns:adec="http://schemas.microsoft.com/office/drawing/2017/decorative" val="1"/>
+                <adec:decorative xmlns:adec="http://schemas.microsoft.com/office/drawing/2017/decorative" val="1"/>
               </a:ext>
             </a:extLst>
           </p:cNvPr>
@@ -5564,7 +7724,7 @@
                 <a16:creationId xmlns:a16="http://schemas.microsoft.com/office/drawing/2014/main" id="{EC199F73-795E-469A-AF4B-13FA2C7AB76F}"/>
               </a:ext>
               <a:ext uri="{C183D7F6-B498-43B3-948B-1728B52AA6E4}">
-                <adec:decorative xmlns="" xmlns:adec="http://schemas.microsoft.com/office/drawing/2017/decorative" val="1"/>
+                <adec:decorative xmlns:adec="http://schemas.microsoft.com/office/drawing/2017/decorative" val="1"/>
               </a:ext>
             </a:extLst>
           </p:cNvPr>
@@ -5766,10 +7926,9 @@
           <a:lstStyle/>
           <a:p>
             <a:r>
-              <a:rPr lang="en-US" smtClean="0"/>
+              <a:rPr lang="en-US"/>
               <a:t>Page</a:t>
             </a:r>
-            <a:endParaRPr lang="en-US"/>
           </a:p>
         </p:txBody>
       </p:sp>
@@ -6249,7 +8408,7 @@
                 <a16:creationId xmlns:a16="http://schemas.microsoft.com/office/drawing/2014/main" id="{6BD1C247-1E5B-4399-87F8-31C532F0A276}"/>
               </a:ext>
               <a:ext uri="{C183D7F6-B498-43B3-948B-1728B52AA6E4}">
-                <adec:decorative xmlns="" xmlns:adec="http://schemas.microsoft.com/office/drawing/2017/decorative" val="1"/>
+                <adec:decorative xmlns:adec="http://schemas.microsoft.com/office/drawing/2017/decorative" val="1"/>
               </a:ext>
             </a:extLst>
           </p:cNvPr>
@@ -6325,7 +8484,7 @@
                 <a16:creationId xmlns:a16="http://schemas.microsoft.com/office/drawing/2014/main" id="{D3F0F311-CB15-4C1D-937F-8DBB429D8E9E}"/>
               </a:ext>
               <a:ext uri="{C183D7F6-B498-43B3-948B-1728B52AA6E4}">
-                <adec:decorative xmlns="" xmlns:adec="http://schemas.microsoft.com/office/drawing/2017/decorative" val="1"/>
+                <adec:decorative xmlns:adec="http://schemas.microsoft.com/office/drawing/2017/decorative" val="1"/>
               </a:ext>
             </a:extLst>
           </p:cNvPr>
@@ -6391,7 +8550,7 @@
                 <a16:creationId xmlns:a16="http://schemas.microsoft.com/office/drawing/2014/main" id="{E6F70DE8-A2A4-4336-A602-73036FEDC795}"/>
               </a:ext>
               <a:ext uri="{C183D7F6-B498-43B3-948B-1728B52AA6E4}">
-                <adec:decorative xmlns="" xmlns:adec="http://schemas.microsoft.com/office/drawing/2017/decorative" val="1"/>
+                <adec:decorative xmlns:adec="http://schemas.microsoft.com/office/drawing/2017/decorative" val="1"/>
               </a:ext>
             </a:extLst>
           </p:cNvPr>
@@ -6487,7 +8646,7 @@
                 <a16:creationId xmlns:a16="http://schemas.microsoft.com/office/drawing/2014/main" id="{0BC37474-18AF-4624-880A-2ACF6A6507D7}"/>
               </a:ext>
               <a:ext uri="{C183D7F6-B498-43B3-948B-1728B52AA6E4}">
-                <adec:decorative xmlns="" xmlns:adec="http://schemas.microsoft.com/office/drawing/2017/decorative" val="1"/>
+                <adec:decorative xmlns:adec="http://schemas.microsoft.com/office/drawing/2017/decorative" val="1"/>
               </a:ext>
             </a:extLst>
           </p:cNvPr>
@@ -6727,10 +8886,9 @@
           <a:lstStyle/>
           <a:p>
             <a:r>
-              <a:rPr lang="en-US" smtClean="0"/>
+              <a:rPr lang="en-US"/>
               <a:t>Page</a:t>
             </a:r>
-            <a:endParaRPr lang="en-US"/>
           </a:p>
         </p:txBody>
       </p:sp>
@@ -7804,66 +9962,13 @@
           <a:lstStyle/>
           <a:p>
             <a:r>
-              <a:rPr lang="fr-CH" dirty="0" smtClean="0">
+              <a:rPr lang="fr-CH" dirty="0">
                 <a:solidFill>
                   <a:schemeClr val="bg1"/>
                 </a:solidFill>
               </a:rPr>
               <a:t>ANALYSE</a:t>
             </a:r>
-            <a:endParaRPr lang="fr-CH" dirty="0">
-              <a:solidFill>
-                <a:schemeClr val="bg1"/>
-              </a:solidFill>
-            </a:endParaRPr>
-          </a:p>
-        </p:txBody>
-      </p:sp>
-      <p:sp>
-        <p:nvSpPr>
-          <p:cNvPr id="10" name="Rectangle 9"/>
-          <p:cNvSpPr/>
-          <p:nvPr/>
-        </p:nvSpPr>
-        <p:spPr>
-          <a:xfrm>
-            <a:off x="2136371" y="1454727"/>
-            <a:ext cx="8296102" cy="4821382"/>
-          </a:xfrm>
-          <a:prstGeom prst="rect">
-            <a:avLst/>
-          </a:prstGeom>
-          <a:solidFill>
-            <a:schemeClr val="bg1">
-              <a:lumMod val="85000"/>
-            </a:schemeClr>
-          </a:solidFill>
-          <a:ln>
-            <a:noFill/>
-          </a:ln>
-        </p:spPr>
-        <p:style>
-          <a:lnRef idx="2">
-            <a:schemeClr val="accent1">
-              <a:shade val="50000"/>
-            </a:schemeClr>
-          </a:lnRef>
-          <a:fillRef idx="1">
-            <a:schemeClr val="accent1"/>
-          </a:fillRef>
-          <a:effectRef idx="0">
-            <a:schemeClr val="accent1"/>
-          </a:effectRef>
-          <a:fontRef idx="minor">
-            <a:schemeClr val="lt1"/>
-          </a:fontRef>
-        </p:style>
-        <p:txBody>
-          <a:bodyPr rtlCol="0" anchor="ctr"/>
-          <a:lstStyle/>
-          <a:p>
-            <a:pPr algn="ctr"/>
-            <a:endParaRPr lang="fr-CH"/>
           </a:p>
         </p:txBody>
       </p:sp>
@@ -7943,10 +10048,9 @@
           <a:lstStyle/>
           <a:p>
             <a:r>
-              <a:rPr lang="fr-CH" sz="2400" dirty="0" smtClean="0"/>
+              <a:rPr lang="fr-CH" sz="2400" dirty="0"/>
               <a:t>Page de connexion</a:t>
             </a:r>
-            <a:endParaRPr lang="fr-CH" sz="2400" dirty="0"/>
           </a:p>
         </p:txBody>
       </p:sp>
@@ -8727,18 +10831,13 @@
           <a:lstStyle/>
           <a:p>
             <a:r>
-              <a:rPr lang="fr-CH" dirty="0" smtClean="0">
+              <a:rPr lang="fr-CH" dirty="0">
                 <a:solidFill>
                   <a:schemeClr val="bg1"/>
                 </a:solidFill>
               </a:rPr>
               <a:t>ANALYSE</a:t>
             </a:r>
-            <a:endParaRPr lang="fr-CH" dirty="0">
-              <a:solidFill>
-                <a:schemeClr val="bg1"/>
-              </a:solidFill>
-            </a:endParaRPr>
           </a:p>
         </p:txBody>
       </p:sp>
@@ -8819,10 +10918,9 @@
           <a:lstStyle/>
           <a:p>
             <a:r>
-              <a:rPr lang="fr-CH" dirty="0" smtClean="0"/>
+              <a:rPr lang="fr-CH" dirty="0"/>
               <a:t>Page de demande d’ouverture de compte</a:t>
             </a:r>
-            <a:endParaRPr lang="fr-CH" dirty="0"/>
           </a:p>
         </p:txBody>
       </p:sp>
@@ -8853,7 +10951,7 @@
               <a:buChar char="•"/>
             </a:pPr>
             <a:r>
-              <a:rPr lang="fr-CH" sz="1400" dirty="0" smtClean="0"/>
+              <a:rPr lang="fr-CH" sz="1400" dirty="0"/>
               <a:t>Envoi d’un mail avec les données entrées par l’utilisateur</a:t>
             </a:r>
           </a:p>
@@ -8863,7 +10961,7 @@
               <a:buChar char="•"/>
             </a:pPr>
             <a:r>
-              <a:rPr lang="fr-CH" sz="1400" dirty="0" smtClean="0"/>
+              <a:rPr lang="fr-CH" sz="1400" dirty="0"/>
               <a:t>Demande acceptée =&gt; Création de la commune + compte «admin»</a:t>
             </a:r>
           </a:p>
@@ -8873,10 +10971,9 @@
               <a:buChar char="•"/>
             </a:pPr>
             <a:r>
-              <a:rPr lang="fr-CH" sz="1400" dirty="0" smtClean="0"/>
+              <a:rPr lang="fr-CH" sz="1400" dirty="0"/>
               <a:t>Mot de passe aléatoire envoyé à l’utilisateur</a:t>
             </a:r>
-            <a:endParaRPr lang="fr-CH" sz="1400" dirty="0"/>
           </a:p>
         </p:txBody>
       </p:sp>
@@ -9386,13 +11483,6 @@
   <p:clrMapOvr>
     <a:masterClrMapping/>
   </p:clrMapOvr>
-  <p:timing>
-    <p:tnLst>
-      <p:par>
-        <p:cTn id="1" dur="indefinite" restart="never" nodeType="tmRoot"/>
-      </p:par>
-    </p:tnLst>
-  </p:timing>
 </p:sld>
 </file>
 
@@ -9484,18 +11574,13 @@
           <a:lstStyle/>
           <a:p>
             <a:r>
-              <a:rPr lang="fr-CH" dirty="0" smtClean="0">
+              <a:rPr lang="fr-CH" dirty="0">
                 <a:solidFill>
                   <a:schemeClr val="bg1"/>
                 </a:solidFill>
               </a:rPr>
               <a:t>ANALYSE</a:t>
             </a:r>
-            <a:endParaRPr lang="fr-CH" dirty="0">
-              <a:solidFill>
-                <a:schemeClr val="bg1"/>
-              </a:solidFill>
-            </a:endParaRPr>
           </a:p>
         </p:txBody>
       </p:sp>
@@ -9569,10 +11654,9 @@
           <a:lstStyle/>
           <a:p>
             <a:r>
-              <a:rPr lang="fr-CH" dirty="0" smtClean="0"/>
+              <a:rPr lang="fr-CH" dirty="0"/>
               <a:t>Demande de création d’un compte «recherche»</a:t>
             </a:r>
-            <a:endParaRPr lang="fr-CH" dirty="0"/>
           </a:p>
         </p:txBody>
       </p:sp>
@@ -9603,7 +11687,7 @@
               <a:buChar char="•"/>
             </a:pPr>
             <a:r>
-              <a:rPr lang="fr-CH" sz="1400" dirty="0" smtClean="0"/>
+              <a:rPr lang="fr-CH" sz="1400" dirty="0"/>
               <a:t>La commune doit déjà être inscrite</a:t>
             </a:r>
           </a:p>
@@ -9613,7 +11697,7 @@
               <a:buChar char="•"/>
             </a:pPr>
             <a:r>
-              <a:rPr lang="fr-CH" sz="1400" dirty="0" smtClean="0"/>
+              <a:rPr lang="fr-CH" sz="1400" dirty="0"/>
               <a:t>Demande envoyée par mail</a:t>
             </a:r>
           </a:p>
@@ -9623,7 +11707,7 @@
               <a:buChar char="•"/>
             </a:pPr>
             <a:r>
-              <a:rPr lang="fr-CH" sz="1400" dirty="0" smtClean="0"/>
+              <a:rPr lang="fr-CH" sz="1400" dirty="0"/>
               <a:t>Mot de passe aléatoire envoyé à l’utilisateur</a:t>
             </a:r>
           </a:p>
@@ -9633,10 +11717,9 @@
               <a:buChar char="•"/>
             </a:pPr>
             <a:r>
-              <a:rPr lang="fr-CH" sz="1400" dirty="0" smtClean="0"/>
+              <a:rPr lang="fr-CH" sz="1400" dirty="0"/>
               <a:t>Le compte ne pourra que rechercher les vélos</a:t>
             </a:r>
-            <a:endParaRPr lang="fr-CH" sz="1400" dirty="0"/>
           </a:p>
         </p:txBody>
       </p:sp>
@@ -10146,13 +12229,6 @@
   <p:clrMapOvr>
     <a:masterClrMapping/>
   </p:clrMapOvr>
-  <p:timing>
-    <p:tnLst>
-      <p:par>
-        <p:cTn id="1" dur="indefinite" restart="never" nodeType="tmRoot"/>
-      </p:par>
-    </p:tnLst>
-  </p:timing>
 </p:sld>
 </file>
 
@@ -10244,18 +12320,13 @@
           <a:lstStyle/>
           <a:p>
             <a:r>
-              <a:rPr lang="fr-CH" dirty="0" smtClean="0">
+              <a:rPr lang="fr-CH" dirty="0">
                 <a:solidFill>
                   <a:schemeClr val="bg1"/>
                 </a:solidFill>
               </a:rPr>
               <a:t>ANALYSE</a:t>
             </a:r>
-            <a:endParaRPr lang="fr-CH" dirty="0">
-              <a:solidFill>
-                <a:schemeClr val="bg1"/>
-              </a:solidFill>
-            </a:endParaRPr>
           </a:p>
         </p:txBody>
       </p:sp>
@@ -10305,10 +12376,9 @@
           <a:lstStyle/>
           <a:p>
             <a:r>
-              <a:rPr lang="fr-CH" dirty="0" smtClean="0"/>
+              <a:rPr lang="fr-CH" dirty="0"/>
               <a:t>Page principale</a:t>
             </a:r>
-            <a:endParaRPr lang="fr-CH" dirty="0"/>
           </a:p>
         </p:txBody>
       </p:sp>
@@ -10339,7 +12409,7 @@
               <a:buChar char="•"/>
             </a:pPr>
             <a:r>
-              <a:rPr lang="fr-CH" sz="1400" dirty="0" smtClean="0"/>
+              <a:rPr lang="fr-CH" sz="1400" dirty="0"/>
               <a:t>Permet d’aller rechercher ou insérer un vélo</a:t>
             </a:r>
           </a:p>
@@ -10349,7 +12419,7 @@
               <a:buChar char="•"/>
             </a:pPr>
             <a:r>
-              <a:rPr lang="fr-CH" sz="1400" dirty="0" smtClean="0"/>
+              <a:rPr lang="fr-CH" sz="1400" dirty="0"/>
               <a:t>Affiche le nombre de vélos présents dans la base de données</a:t>
             </a:r>
           </a:p>
@@ -10359,10 +12429,9 @@
               <a:buChar char="•"/>
             </a:pPr>
             <a:r>
-              <a:rPr lang="fr-CH" sz="1400" dirty="0" smtClean="0"/>
+              <a:rPr lang="fr-CH" sz="1400" dirty="0"/>
               <a:t>Permet d’accéder aux statistiques</a:t>
             </a:r>
-            <a:endParaRPr lang="fr-CH" sz="1400" dirty="0"/>
           </a:p>
         </p:txBody>
       </p:sp>
@@ -10896,13 +12965,6 @@
   <p:clrMapOvr>
     <a:masterClrMapping/>
   </p:clrMapOvr>
-  <p:timing>
-    <p:tnLst>
-      <p:par>
-        <p:cTn id="1" dur="indefinite" restart="never" nodeType="tmRoot"/>
-      </p:par>
-    </p:tnLst>
-  </p:timing>
 </p:sld>
 </file>
 
@@ -10994,18 +13056,13 @@
           <a:lstStyle/>
           <a:p>
             <a:r>
-              <a:rPr lang="fr-CH" dirty="0" smtClean="0">
+              <a:rPr lang="fr-CH" dirty="0">
                 <a:solidFill>
                   <a:schemeClr val="bg1"/>
                 </a:solidFill>
               </a:rPr>
               <a:t>ANALYSE</a:t>
             </a:r>
-            <a:endParaRPr lang="fr-CH" dirty="0">
-              <a:solidFill>
-                <a:schemeClr val="bg1"/>
-              </a:solidFill>
-            </a:endParaRPr>
           </a:p>
         </p:txBody>
       </p:sp>
@@ -11055,10 +13112,9 @@
           <a:lstStyle/>
           <a:p>
             <a:r>
-              <a:rPr lang="fr-CH" dirty="0" smtClean="0"/>
+              <a:rPr lang="fr-CH" dirty="0"/>
               <a:t>Statistiques</a:t>
             </a:r>
-            <a:endParaRPr lang="fr-CH" dirty="0"/>
           </a:p>
         </p:txBody>
       </p:sp>
@@ -11089,7 +13145,7 @@
               <a:buChar char="•"/>
             </a:pPr>
             <a:r>
-              <a:rPr lang="fr-CH" sz="1400" dirty="0" smtClean="0"/>
+              <a:rPr lang="fr-CH" sz="1400" dirty="0"/>
               <a:t>Statistiques concernant les vélos rendus par trimestre et par année</a:t>
             </a:r>
           </a:p>
@@ -11099,10 +13155,9 @@
               <a:buChar char="•"/>
             </a:pPr>
             <a:r>
-              <a:rPr lang="fr-CH" sz="1400" dirty="0" smtClean="0"/>
+              <a:rPr lang="fr-CH" sz="1400" dirty="0"/>
               <a:t>Mis à jour automatiquement</a:t>
             </a:r>
-            <a:endParaRPr lang="fr-CH" sz="1400" dirty="0"/>
           </a:p>
         </p:txBody>
       </p:sp>
@@ -11636,13 +13691,6 @@
   <p:clrMapOvr>
     <a:masterClrMapping/>
   </p:clrMapOvr>
-  <p:timing>
-    <p:tnLst>
-      <p:par>
-        <p:cTn id="1" dur="indefinite" restart="never" nodeType="tmRoot"/>
-      </p:par>
-    </p:tnLst>
-  </p:timing>
 </p:sld>
 </file>
 
@@ -11734,18 +13782,13 @@
           <a:lstStyle/>
           <a:p>
             <a:r>
-              <a:rPr lang="fr-CH" dirty="0" smtClean="0">
+              <a:rPr lang="fr-CH" dirty="0">
                 <a:solidFill>
                   <a:schemeClr val="bg1"/>
                 </a:solidFill>
               </a:rPr>
               <a:t>ANALYSE</a:t>
             </a:r>
-            <a:endParaRPr lang="fr-CH" dirty="0">
-              <a:solidFill>
-                <a:schemeClr val="bg1"/>
-              </a:solidFill>
-            </a:endParaRPr>
           </a:p>
         </p:txBody>
       </p:sp>
@@ -11795,10 +13838,9 @@
           <a:lstStyle/>
           <a:p>
             <a:r>
-              <a:rPr lang="fr-CH" dirty="0" smtClean="0"/>
+              <a:rPr lang="fr-CH" dirty="0"/>
               <a:t>Annonce d’un vélo retrouvé</a:t>
             </a:r>
-            <a:endParaRPr lang="fr-CH" dirty="0"/>
           </a:p>
         </p:txBody>
       </p:sp>
@@ -11829,7 +13871,7 @@
               <a:buChar char="•"/>
             </a:pPr>
             <a:r>
-              <a:rPr lang="fr-CH" sz="1400" dirty="0" smtClean="0"/>
+              <a:rPr lang="fr-CH" sz="1400" dirty="0"/>
               <a:t>L’utilisateur peut uploader plusieurs photos par vélo</a:t>
             </a:r>
           </a:p>
@@ -11839,7 +13881,7 @@
               <a:buChar char="•"/>
             </a:pPr>
             <a:r>
-              <a:rPr lang="fr-CH" sz="1400" dirty="0" smtClean="0"/>
+              <a:rPr lang="fr-CH" sz="1400" dirty="0"/>
               <a:t>Possibilité d’ajouter de nouvelles marques/couleurs à partir de cette page</a:t>
             </a:r>
           </a:p>
@@ -11849,10 +13891,9 @@
               <a:buChar char="•"/>
             </a:pPr>
             <a:r>
-              <a:rPr lang="fr-CH" sz="1400" dirty="0" smtClean="0"/>
+              <a:rPr lang="fr-CH" sz="1400" dirty="0"/>
               <a:t>Message de confirmation à l’ajout du vélo</a:t>
             </a:r>
-            <a:endParaRPr lang="fr-CH" sz="1400" dirty="0"/>
           </a:p>
         </p:txBody>
       </p:sp>
@@ -12402,13 +14443,6 @@
   <p:clrMapOvr>
     <a:masterClrMapping/>
   </p:clrMapOvr>
-  <p:timing>
-    <p:tnLst>
-      <p:par>
-        <p:cTn id="1" dur="indefinite" restart="never" nodeType="tmRoot"/>
-      </p:par>
-    </p:tnLst>
-  </p:timing>
 </p:sld>
 </file>
 
@@ -12884,12 +14918,6 @@
 </file>
 
 <file path=customXml/item2.xml><?xml version="1.0" encoding="utf-8"?>
-<p:properties xmlns:p="http://schemas.microsoft.com/office/2006/metadata/properties" xmlns:xsi="http://www.w3.org/2001/XMLSchema-instance" xmlns:pc="http://schemas.microsoft.com/office/infopath/2007/PartnerControls">
-  <documentManagement/>
-</p:properties>
-</file>
-
-<file path=customXml/item3.xml><?xml version="1.0" encoding="utf-8"?>
 <ct:contentTypeSchema xmlns:ct="http://schemas.microsoft.com/office/2006/metadata/contentType" xmlns:ma="http://schemas.microsoft.com/office/2006/metadata/properties/metaAttributes" ct:_="" ma:_="" ma:contentTypeName="Document" ma:contentTypeID="0x010100BC241BCC23B10947BCB8B0981771BECC" ma:contentTypeVersion="11" ma:contentTypeDescription="Crée un document." ma:contentTypeScope="" ma:versionID="43183f8d4a16e3f9beff39915ec784f7">
   <xsd:schema xmlns:xsd="http://www.w3.org/2001/XMLSchema" xmlns:xs="http://www.w3.org/2001/XMLSchema" xmlns:p="http://schemas.microsoft.com/office/2006/metadata/properties" xmlns:ns3="15a2adb2-9a92-45bc-9379-5d8dde16dc3c" xmlns:ns4="67738394-1d8a-43c4-9891-d7e1fdf7c6ea" targetNamespace="http://schemas.microsoft.com/office/2006/metadata/properties" ma:root="true" ma:fieldsID="98b4d40e37083b76fc2b289fc160c5cb" ns3:_="" ns4:_="">
     <xsd:import namespace="15a2adb2-9a92-45bc-9379-5d8dde16dc3c"/>
@@ -13100,6 +15128,12 @@
 </ct:contentTypeSchema>
 </file>
 
+<file path=customXml/item3.xml><?xml version="1.0" encoding="utf-8"?>
+<p:properties xmlns:p="http://schemas.microsoft.com/office/2006/metadata/properties" xmlns:xsi="http://www.w3.org/2001/XMLSchema-instance" xmlns:pc="http://schemas.microsoft.com/office/infopath/2007/PartnerControls">
+  <documentManagement/>
+</p:properties>
+</file>
+
 <file path=customXml/itemProps1.xml><?xml version="1.0" encoding="utf-8"?>
 <ds:datastoreItem xmlns:ds="http://schemas.openxmlformats.org/officeDocument/2006/customXml" ds:itemID="{F946D130-F458-4966-B896-03A109675128}">
   <ds:schemaRefs>
@@ -13109,23 +15143,6 @@
 </file>
 
 <file path=customXml/itemProps2.xml><?xml version="1.0" encoding="utf-8"?>
-<ds:datastoreItem xmlns:ds="http://schemas.openxmlformats.org/officeDocument/2006/customXml" ds:itemID="{111DA3A3-094A-4C0D-BC50-59E292DEE8EC}">
-  <ds:schemaRefs>
-    <ds:schemaRef ds:uri="http://purl.org/dc/elements/1.1/"/>
-    <ds:schemaRef ds:uri="http://schemas.microsoft.com/office/2006/metadata/properties"/>
-    <ds:schemaRef ds:uri="http://schemas.microsoft.com/office/2006/documentManagement/types"/>
-    <ds:schemaRef ds:uri="http://schemas.microsoft.com/office/infopath/2007/PartnerControls"/>
-    <ds:schemaRef ds:uri="http://purl.org/dc/terms/"/>
-    <ds:schemaRef ds:uri="http://schemas.openxmlformats.org/package/2006/metadata/core-properties"/>
-    <ds:schemaRef ds:uri="15a2adb2-9a92-45bc-9379-5d8dde16dc3c"/>
-    <ds:schemaRef ds:uri="http://purl.org/dc/dcmitype/"/>
-    <ds:schemaRef ds:uri="67738394-1d8a-43c4-9891-d7e1fdf7c6ea"/>
-    <ds:schemaRef ds:uri="http://www.w3.org/XML/1998/namespace"/>
-  </ds:schemaRefs>
-</ds:datastoreItem>
-</file>
-
-<file path=customXml/itemProps3.xml><?xml version="1.0" encoding="utf-8"?>
 <ds:datastoreItem xmlns:ds="http://schemas.openxmlformats.org/officeDocument/2006/customXml" ds:itemID="{FD28877C-8FB4-4640-8F05-E305F8343098}">
   <ds:schemaRefs>
     <ds:schemaRef ds:uri="http://schemas.microsoft.com/office/2006/metadata/contentType"/>
@@ -13142,4 +15159,21 @@
     <ds:schemaRef ds:uri="http://schemas.microsoft.com/internal/obd"/>
   </ds:schemaRefs>
 </ds:datastoreItem>
+</file>
+
+<file path=customXml/itemProps3.xml><?xml version="1.0" encoding="utf-8"?>
+<ds:datastoreItem xmlns:ds="http://schemas.openxmlformats.org/officeDocument/2006/customXml" ds:itemID="{111DA3A3-094A-4C0D-BC50-59E292DEE8EC}">
+  <ds:schemaRefs>
+    <ds:schemaRef ds:uri="http://purl.org/dc/elements/1.1/"/>
+    <ds:schemaRef ds:uri="http://schemas.microsoft.com/office/2006/metadata/properties"/>
+    <ds:schemaRef ds:uri="http://schemas.microsoft.com/office/2006/documentManagement/types"/>
+    <ds:schemaRef ds:uri="http://schemas.microsoft.com/office/infopath/2007/PartnerControls"/>
+    <ds:schemaRef ds:uri="http://purl.org/dc/terms/"/>
+    <ds:schemaRef ds:uri="http://schemas.openxmlformats.org/package/2006/metadata/core-properties"/>
+    <ds:schemaRef ds:uri="15a2adb2-9a92-45bc-9379-5d8dde16dc3c"/>
+    <ds:schemaRef ds:uri="http://purl.org/dc/dcmitype/"/>
+    <ds:schemaRef ds:uri="67738394-1d8a-43c4-9891-d7e1fdf7c6ea"/>
+    <ds:schemaRef ds:uri="http://www.w3.org/XML/1998/namespace"/>
+  </ds:schemaRefs>
+</ds:datastoreItem>
 </file>
--- a/Documentation/Found Your Bike.pptx
+++ b/Documentation/Found Your Bike.pptx
@@ -5,22 +5,30 @@
     <p:sldMasterId id="2147483692" r:id="rId4"/>
   </p:sldMasterIdLst>
   <p:notesMasterIdLst>
-    <p:notesMasterId r:id="rId18"/>
+    <p:notesMasterId r:id="rId26"/>
   </p:notesMasterIdLst>
   <p:sldIdLst>
     <p:sldId id="256" r:id="rId5"/>
     <p:sldId id="257" r:id="rId6"/>
     <p:sldId id="259" r:id="rId7"/>
-    <p:sldId id="265" r:id="rId8"/>
-    <p:sldId id="266" r:id="rId9"/>
-    <p:sldId id="267" r:id="rId10"/>
-    <p:sldId id="268" r:id="rId11"/>
-    <p:sldId id="269" r:id="rId12"/>
-    <p:sldId id="270" r:id="rId13"/>
-    <p:sldId id="271" r:id="rId14"/>
-    <p:sldId id="272" r:id="rId15"/>
-    <p:sldId id="273" r:id="rId16"/>
-    <p:sldId id="274" r:id="rId17"/>
+    <p:sldId id="275" r:id="rId8"/>
+    <p:sldId id="265" r:id="rId9"/>
+    <p:sldId id="266" r:id="rId10"/>
+    <p:sldId id="267" r:id="rId11"/>
+    <p:sldId id="268" r:id="rId12"/>
+    <p:sldId id="269" r:id="rId13"/>
+    <p:sldId id="270" r:id="rId14"/>
+    <p:sldId id="271" r:id="rId15"/>
+    <p:sldId id="272" r:id="rId16"/>
+    <p:sldId id="273" r:id="rId17"/>
+    <p:sldId id="274" r:id="rId18"/>
+    <p:sldId id="276" r:id="rId19"/>
+    <p:sldId id="277" r:id="rId20"/>
+    <p:sldId id="279" r:id="rId21"/>
+    <p:sldId id="280" r:id="rId22"/>
+    <p:sldId id="278" r:id="rId23"/>
+    <p:sldId id="281" r:id="rId24"/>
+    <p:sldId id="282" r:id="rId25"/>
   </p:sldIdLst>
   <p:sldSz cx="12192000" cy="6858000"/>
   <p:notesSz cx="6858000" cy="9144000"/>
@@ -514,7 +522,7 @@
           <a:p>
             <a:fld id="{BB0EAFB9-65E8-4EA4-989D-14DF9376C7D4}" type="datetimeFigureOut">
               <a:rPr lang="fr-CH" smtClean="0"/>
-              <a:t>28.04.2021</a:t>
+              <a:t>29.04.2021</a:t>
             </a:fld>
             <a:endParaRPr lang="fr-CH"/>
           </a:p>
@@ -933,7 +941,7 @@
           <a:p>
             <a:fld id="{A8437946-E45B-4C60-A9D6-E5FD3AB1E3FB}" type="datetime1">
               <a:rPr lang="en-US" smtClean="0"/>
-              <a:t>4/28/2021</a:t>
+              <a:t>4/29/2021</a:t>
             </a:fld>
             <a:endParaRPr lang="en-US" dirty="0"/>
           </a:p>
@@ -1137,7 +1145,7 @@
           <a:p>
             <a:fld id="{4D7DE494-EDEF-45A5-A0E2-6D11FE3C0D59}" type="datetime1">
               <a:rPr lang="en-US" smtClean="0"/>
-              <a:t>4/28/2021</a:t>
+              <a:t>4/29/2021</a:t>
             </a:fld>
             <a:endParaRPr lang="en-US"/>
           </a:p>
@@ -1349,7 +1357,7 @@
           <a:p>
             <a:fld id="{7FB0CE86-CF8D-462C-8866-D94687C386A2}" type="datetime1">
               <a:rPr lang="en-US" smtClean="0"/>
-              <a:t>4/28/2021</a:t>
+              <a:t>4/29/2021</a:t>
             </a:fld>
             <a:endParaRPr lang="en-US"/>
           </a:p>
@@ -1563,7 +1571,7 @@
           <a:p>
             <a:fld id="{6810208F-95EE-41DB-BA1D-11882FEA4D7F}" type="datetime1">
               <a:rPr lang="en-US" smtClean="0"/>
-              <a:t>4/28/2021</a:t>
+              <a:t>4/29/2021</a:t>
             </a:fld>
             <a:endParaRPr lang="en-US"/>
           </a:p>
@@ -1844,7 +1852,7 @@
           <a:p>
             <a:fld id="{B8CD26EC-1C3A-497F-8A9B-6C31FCF6FD3D}" type="datetime1">
               <a:rPr lang="en-US" smtClean="0"/>
-              <a:t>4/28/2021</a:t>
+              <a:t>4/29/2021</a:t>
             </a:fld>
             <a:endParaRPr lang="en-US"/>
           </a:p>
@@ -2125,7 +2133,7 @@
           <a:p>
             <a:fld id="{B3742D8C-CC1F-4867-B02F-A16C4CC42114}" type="datetime1">
               <a:rPr lang="en-US" smtClean="0"/>
-              <a:t>4/28/2021</a:t>
+              <a:t>4/29/2021</a:t>
             </a:fld>
             <a:endParaRPr lang="en-US"/>
           </a:p>
@@ -2547,7 +2555,7 @@
           <a:p>
             <a:fld id="{C11FE7DD-6263-46A4-865C-D417E476DDE4}" type="datetime1">
               <a:rPr lang="en-US" smtClean="0"/>
-              <a:t>4/28/2021</a:t>
+              <a:t>4/29/2021</a:t>
             </a:fld>
             <a:endParaRPr lang="en-US"/>
           </a:p>
@@ -2692,7 +2700,7 @@
           <a:p>
             <a:fld id="{DCD476F0-2F34-438D-9458-D287833F270E}" type="datetime1">
               <a:rPr lang="en-US" smtClean="0"/>
-              <a:t>4/28/2021</a:t>
+              <a:t>4/29/2021</a:t>
             </a:fld>
             <a:endParaRPr lang="en-US"/>
           </a:p>
@@ -2808,7 +2816,7 @@
           <a:p>
             <a:fld id="{D0D25C99-8C19-49E3-80D3-E4D1162B0340}" type="datetime1">
               <a:rPr lang="en-US" smtClean="0"/>
-              <a:t>4/28/2021</a:t>
+              <a:t>4/29/2021</a:t>
             </a:fld>
             <a:endParaRPr lang="en-US"/>
           </a:p>
@@ -3122,7 +3130,7 @@
           <a:p>
             <a:fld id="{4C6470D6-2FEF-46DA-8183-E315BB4376D8}" type="datetime1">
               <a:rPr lang="en-US" smtClean="0"/>
-              <a:t>4/28/2021</a:t>
+              <a:t>4/29/2021</a:t>
             </a:fld>
             <a:endParaRPr lang="en-US"/>
           </a:p>
@@ -3416,7 +3424,7 @@
           <a:p>
             <a:fld id="{E18A46BC-C847-4151-ACF6-927ACD4E878F}" type="datetime1">
               <a:rPr lang="en-US" smtClean="0"/>
-              <a:t>4/28/2021</a:t>
+              <a:t>4/29/2021</a:t>
             </a:fld>
             <a:endParaRPr lang="en-US"/>
           </a:p>
@@ -3664,7 +3672,7 @@
           <a:p>
             <a:fld id="{EEB8E3DF-3669-4C3D-A8C3-9EFE3573747D}" type="datetime1">
               <a:rPr lang="en-US" smtClean="0"/>
-              <a:t>4/28/2021</a:t>
+              <a:t>4/29/2021</a:t>
             </a:fld>
             <a:endParaRPr lang="en-US"/>
           </a:p>
@@ -4112,7 +4120,7 @@
                 <a16:creationId xmlns:a16="http://schemas.microsoft.com/office/drawing/2014/main" id="{6A121316-E4D0-41D7-9C79-9FF8F36D4262}"/>
               </a:ext>
               <a:ext uri="{C183D7F6-B498-43B3-948B-1728B52AA6E4}">
-                <adec:decorative xmlns:adec="http://schemas.microsoft.com/office/drawing/2017/decorative" val="1"/>
+                <adec:decorative xmlns:adec="http://schemas.microsoft.com/office/drawing/2017/decorative" xmlns="" val="1"/>
               </a:ext>
             </a:extLst>
           </p:cNvPr>
@@ -4217,7 +4225,7 @@
                 <a16:creationId xmlns:a16="http://schemas.microsoft.com/office/drawing/2014/main" id="{07EE0F9E-42CB-4AE4-971C-7BD191D5DCB3}"/>
               </a:ext>
               <a:ext uri="{C183D7F6-B498-43B3-948B-1728B52AA6E4}">
-                <adec:decorative xmlns:adec="http://schemas.microsoft.com/office/drawing/2017/decorative" val="1"/>
+                <adec:decorative xmlns:adec="http://schemas.microsoft.com/office/drawing/2017/decorative" xmlns="" val="1"/>
               </a:ext>
             </a:extLst>
           </p:cNvPr>
@@ -4283,7 +4291,7 @@
                 <a16:creationId xmlns:a16="http://schemas.microsoft.com/office/drawing/2014/main" id="{1AEB967B-31A3-42E3-8382-73443D264092}"/>
               </a:ext>
               <a:ext uri="{C183D7F6-B498-43B3-948B-1728B52AA6E4}">
-                <adec:decorative xmlns:adec="http://schemas.microsoft.com/office/drawing/2017/decorative" val="1"/>
+                <adec:decorative xmlns:adec="http://schemas.microsoft.com/office/drawing/2017/decorative" xmlns="" val="1"/>
               </a:ext>
             </a:extLst>
           </p:cNvPr>
@@ -4756,8 +4764,8 @@
         </p:nvSpPr>
         <p:spPr>
           <a:xfrm>
-            <a:off x="5910891" y="3010819"/>
-            <a:ext cx="2091278" cy="369332"/>
+            <a:off x="7119549" y="2947177"/>
+            <a:ext cx="2993127" cy="369332"/>
           </a:xfrm>
           <a:prstGeom prst="rect">
             <a:avLst/>
@@ -4772,7 +4780,7 @@
           <a:p>
             <a:r>
               <a:rPr lang="fr-CH" dirty="0"/>
-              <a:t>Recherche d’un vélo</a:t>
+              <a:t>Annonce d’un vélo retrouvé</a:t>
             </a:r>
           </a:p>
         </p:txBody>
@@ -4785,8 +4793,8 @@
         </p:nvSpPr>
         <p:spPr>
           <a:xfrm>
-            <a:off x="5910891" y="3380150"/>
-            <a:ext cx="4667898" cy="738664"/>
+            <a:off x="7119550" y="3380151"/>
+            <a:ext cx="4667898" cy="954107"/>
           </a:xfrm>
           <a:prstGeom prst="rect">
             <a:avLst/>
@@ -4805,7 +4813,7 @@
             </a:pPr>
             <a:r>
               <a:rPr lang="fr-CH" sz="1400" dirty="0"/>
-              <a:t>L’utilisateur choisit les différents attributs du vélo recherché</a:t>
+              <a:t>L’utilisateur peut uploader plusieurs photos par vélo</a:t>
             </a:r>
           </a:p>
           <a:p>
@@ -4815,7 +4823,17 @@
             </a:pPr>
             <a:r>
               <a:rPr lang="fr-CH" sz="1400" dirty="0"/>
-              <a:t>Si aucun attribut n’est rempli, affiche tous les vélos</a:t>
+              <a:t>Possibilité d’ajouter de nouvelles marques/couleurs à partir de cette page</a:t>
+            </a:r>
+          </a:p>
+          <a:p>
+            <a:pPr marL="285750" indent="-285750">
+              <a:buFont typeface="Arial" panose="020B0604020202020204" pitchFamily="34" charset="0"/>
+              <a:buChar char="•"/>
+            </a:pPr>
+            <a:r>
+              <a:rPr lang="fr-CH" sz="1400" dirty="0"/>
+              <a:t>Message de confirmation à l’ajout du vélo</a:t>
             </a:r>
           </a:p>
         </p:txBody>
@@ -5176,44 +5194,6 @@
           </a:p>
         </p:txBody>
       </p:sp>
-      <p:cxnSp>
-        <p:nvCxnSpPr>
-          <p:cNvPr id="21" name="Connecteur droit 20"/>
-          <p:cNvCxnSpPr/>
-          <p:nvPr/>
-        </p:nvCxnSpPr>
-        <p:spPr>
-          <a:xfrm>
-            <a:off x="10239580" y="6576639"/>
-            <a:ext cx="440559" cy="0"/>
-          </a:xfrm>
-          <a:prstGeom prst="line">
-            <a:avLst/>
-          </a:prstGeom>
-          <a:ln w="38100">
-            <a:solidFill>
-              <a:schemeClr val="bg1">
-                <a:lumMod val="75000"/>
-              </a:schemeClr>
-            </a:solidFill>
-            <a:prstDash val="sysDot"/>
-          </a:ln>
-        </p:spPr>
-        <p:style>
-          <a:lnRef idx="1">
-            <a:schemeClr val="accent1"/>
-          </a:lnRef>
-          <a:fillRef idx="0">
-            <a:schemeClr val="accent1"/>
-          </a:fillRef>
-          <a:effectRef idx="0">
-            <a:schemeClr val="accent1"/>
-          </a:effectRef>
-          <a:fontRef idx="minor">
-            <a:schemeClr val="tx1"/>
-          </a:fontRef>
-        </p:style>
-      </p:cxnSp>
       <p:sp>
         <p:nvSpPr>
           <p:cNvPr id="22" name="Ellipse 21"/>
@@ -5265,60 +5245,15 @@
           </a:p>
         </p:txBody>
       </p:sp>
-      <p:sp>
-        <p:nvSpPr>
-          <p:cNvPr id="23" name="Ellipse 22"/>
-          <p:cNvSpPr/>
-          <p:nvPr/>
-        </p:nvSpPr>
-        <p:spPr>
-          <a:xfrm>
-            <a:off x="10713043" y="6476886"/>
-            <a:ext cx="199505" cy="199505"/>
-          </a:xfrm>
-          <a:prstGeom prst="ellipse">
-            <a:avLst/>
-          </a:prstGeom>
-          <a:solidFill>
-            <a:schemeClr val="bg1"/>
-          </a:solidFill>
-          <a:ln>
-            <a:solidFill>
-              <a:schemeClr val="tx2">
-                <a:lumMod val="75000"/>
-                <a:lumOff val="25000"/>
-              </a:schemeClr>
-            </a:solidFill>
-          </a:ln>
-        </p:spPr>
-        <p:style>
-          <a:lnRef idx="2">
-            <a:schemeClr val="accent1">
-              <a:shade val="50000"/>
-            </a:schemeClr>
-          </a:lnRef>
-          <a:fillRef idx="1">
-            <a:schemeClr val="accent1"/>
-          </a:fillRef>
-          <a:effectRef idx="0">
-            <a:schemeClr val="accent1"/>
-          </a:effectRef>
-          <a:fontRef idx="minor">
-            <a:schemeClr val="lt1"/>
-          </a:fontRef>
-        </p:style>
-        <p:txBody>
-          <a:bodyPr rtlCol="0" anchor="ctr"/>
-          <a:lstStyle/>
-          <a:p>
-            <a:pPr algn="ctr"/>
-            <a:endParaRPr lang="fr-CH"/>
-          </a:p>
-        </p:txBody>
-      </p:sp>
       <p:pic>
         <p:nvPicPr>
-          <p:cNvPr id="6" name="Image 5"/>
+          <p:cNvPr id="24" name="Image 23">
+            <a:extLst>
+              <a:ext uri="{FF2B5EF4-FFF2-40B4-BE49-F238E27FC236}">
+                <a16:creationId xmlns:a16="http://schemas.microsoft.com/office/drawing/2014/main" id="{A1EBCC1F-F9DD-4B47-AA92-43A7493CBBE5}"/>
+              </a:ext>
+            </a:extLst>
+          </p:cNvPr>
           <p:cNvPicPr>
             <a:picLocks noChangeAspect="1"/>
           </p:cNvPicPr>
@@ -5332,24 +5267,41 @@
         </p:blipFill>
         <p:spPr>
           <a:xfrm>
-            <a:off x="1118158" y="1224142"/>
-            <a:ext cx="3695675" cy="5266124"/>
+            <a:off x="240799" y="1103915"/>
+            <a:ext cx="6225500" cy="5572476"/>
           </a:xfrm>
           <a:prstGeom prst="rect">
             <a:avLst/>
           </a:prstGeom>
+          <a:ln>
+            <a:noFill/>
+          </a:ln>
+          <a:effectLst>
+            <a:outerShdw blurRad="292100" dist="139700" dir="2700000" algn="tl" rotWithShape="0">
+              <a:srgbClr val="333333">
+                <a:alpha val="65000"/>
+              </a:srgbClr>
+            </a:outerShdw>
+          </a:effectLst>
         </p:spPr>
       </p:pic>
     </p:spTree>
     <p:extLst>
       <p:ext uri="{BB962C8B-B14F-4D97-AF65-F5344CB8AC3E}">
-        <p14:creationId xmlns:p14="http://schemas.microsoft.com/office/powerpoint/2010/main" val="1354149866"/>
+        <p14:creationId xmlns:p14="http://schemas.microsoft.com/office/powerpoint/2010/main" val="2250102343"/>
       </p:ext>
     </p:extLst>
   </p:cSld>
   <p:clrMapOvr>
     <a:masterClrMapping/>
   </p:clrMapOvr>
+  <p:timing>
+    <p:tnLst>
+      <p:par>
+        <p:cTn id="1" dur="indefinite" restart="never" nodeType="tmRoot"/>
+      </p:par>
+    </p:tnLst>
+  </p:timing>
 </p:sld>
 </file>
 
@@ -5482,8 +5434,8 @@
         </p:nvSpPr>
         <p:spPr>
           <a:xfrm>
-            <a:off x="7119549" y="3008641"/>
-            <a:ext cx="1848583" cy="369332"/>
+            <a:off x="5910891" y="3010819"/>
+            <a:ext cx="2091278" cy="369332"/>
           </a:xfrm>
           <a:prstGeom prst="rect">
             <a:avLst/>
@@ -5498,7 +5450,7 @@
           <a:p>
             <a:r>
               <a:rPr lang="fr-CH" dirty="0"/>
-              <a:t>Page des résultats</a:t>
+              <a:t>Recherche d’un vélo</a:t>
             </a:r>
           </a:p>
         </p:txBody>
@@ -5511,7 +5463,7 @@
         </p:nvSpPr>
         <p:spPr>
           <a:xfrm>
-            <a:off x="7119549" y="3377972"/>
+            <a:off x="5910891" y="3380150"/>
             <a:ext cx="4667898" cy="738664"/>
           </a:xfrm>
           <a:prstGeom prst="rect">
@@ -5531,7 +5483,7 @@
             </a:pPr>
             <a:r>
               <a:rPr lang="fr-CH" sz="1400" dirty="0"/>
-              <a:t>Peut afficher les vélos rendus et non rendus</a:t>
+              <a:t>L’utilisateur choisit les différents attributs du vélo recherché</a:t>
             </a:r>
           </a:p>
           <a:p>
@@ -5541,7 +5493,7 @@
             </a:pPr>
             <a:r>
               <a:rPr lang="fr-CH" sz="1400" dirty="0"/>
-              <a:t>Permet d’accéder aux détails ou de modifier le vélo (si il est stocké dans la commune liée au compte)</a:t>
+              <a:t>Si aucun attribut n’est rempli, affiche tous les vélos</a:t>
             </a:r>
           </a:p>
         </p:txBody>
@@ -5902,44 +5854,6 @@
           </a:p>
         </p:txBody>
       </p:sp>
-      <p:cxnSp>
-        <p:nvCxnSpPr>
-          <p:cNvPr id="21" name="Connecteur droit 20"/>
-          <p:cNvCxnSpPr/>
-          <p:nvPr/>
-        </p:nvCxnSpPr>
-        <p:spPr>
-          <a:xfrm>
-            <a:off x="10239580" y="6576639"/>
-            <a:ext cx="440559" cy="0"/>
-          </a:xfrm>
-          <a:prstGeom prst="line">
-            <a:avLst/>
-          </a:prstGeom>
-          <a:ln w="38100">
-            <a:solidFill>
-              <a:schemeClr val="bg1">
-                <a:lumMod val="75000"/>
-              </a:schemeClr>
-            </a:solidFill>
-            <a:prstDash val="sysDot"/>
-          </a:ln>
-        </p:spPr>
-        <p:style>
-          <a:lnRef idx="1">
-            <a:schemeClr val="accent1"/>
-          </a:lnRef>
-          <a:fillRef idx="0">
-            <a:schemeClr val="accent1"/>
-          </a:fillRef>
-          <a:effectRef idx="0">
-            <a:schemeClr val="accent1"/>
-          </a:effectRef>
-          <a:fontRef idx="minor">
-            <a:schemeClr val="tx1"/>
-          </a:fontRef>
-        </p:style>
-      </p:cxnSp>
       <p:sp>
         <p:nvSpPr>
           <p:cNvPr id="22" name="Ellipse 21"/>
@@ -5991,66 +5905,9 @@
           </a:p>
         </p:txBody>
       </p:sp>
-      <p:sp>
-        <p:nvSpPr>
-          <p:cNvPr id="23" name="Ellipse 22"/>
-          <p:cNvSpPr/>
-          <p:nvPr/>
-        </p:nvSpPr>
-        <p:spPr>
-          <a:xfrm>
-            <a:off x="10713043" y="6476886"/>
-            <a:ext cx="199505" cy="199505"/>
-          </a:xfrm>
-          <a:prstGeom prst="ellipse">
-            <a:avLst/>
-          </a:prstGeom>
-          <a:solidFill>
-            <a:schemeClr val="bg1"/>
-          </a:solidFill>
-          <a:ln>
-            <a:solidFill>
-              <a:schemeClr val="tx2">
-                <a:lumMod val="75000"/>
-                <a:lumOff val="25000"/>
-              </a:schemeClr>
-            </a:solidFill>
-          </a:ln>
-        </p:spPr>
-        <p:style>
-          <a:lnRef idx="2">
-            <a:schemeClr val="accent1">
-              <a:shade val="50000"/>
-            </a:schemeClr>
-          </a:lnRef>
-          <a:fillRef idx="1">
-            <a:schemeClr val="accent1"/>
-          </a:fillRef>
-          <a:effectRef idx="0">
-            <a:schemeClr val="accent1"/>
-          </a:effectRef>
-          <a:fontRef idx="minor">
-            <a:schemeClr val="lt1"/>
-          </a:fontRef>
-        </p:style>
-        <p:txBody>
-          <a:bodyPr rtlCol="0" anchor="ctr"/>
-          <a:lstStyle/>
-          <a:p>
-            <a:pPr algn="ctr"/>
-            <a:endParaRPr lang="fr-CH"/>
-          </a:p>
-        </p:txBody>
-      </p:sp>
       <p:pic>
         <p:nvPicPr>
-          <p:cNvPr id="9" name="Image 8">
-            <a:extLst>
-              <a:ext uri="{FF2B5EF4-FFF2-40B4-BE49-F238E27FC236}">
-                <a16:creationId xmlns:a16="http://schemas.microsoft.com/office/drawing/2014/main" id="{EA229B94-8B2C-40FC-A40E-002357427372}"/>
-              </a:ext>
-            </a:extLst>
-          </p:cNvPr>
+          <p:cNvPr id="6" name="Image 5"/>
           <p:cNvPicPr>
             <a:picLocks noChangeAspect="1"/>
           </p:cNvPicPr>
@@ -6064,8 +5921,8 @@
         </p:blipFill>
         <p:spPr>
           <a:xfrm>
-            <a:off x="320478" y="1861210"/>
-            <a:ext cx="6708586" cy="3772187"/>
+            <a:off x="1118158" y="1224142"/>
+            <a:ext cx="3695675" cy="5266124"/>
           </a:xfrm>
           <a:prstGeom prst="rect">
             <a:avLst/>
@@ -6075,13 +5932,20 @@
     </p:spTree>
     <p:extLst>
       <p:ext uri="{BB962C8B-B14F-4D97-AF65-F5344CB8AC3E}">
-        <p14:creationId xmlns:p14="http://schemas.microsoft.com/office/powerpoint/2010/main" val="2027902396"/>
+        <p14:creationId xmlns:p14="http://schemas.microsoft.com/office/powerpoint/2010/main" val="1354149866"/>
       </p:ext>
     </p:extLst>
   </p:cSld>
   <p:clrMapOvr>
     <a:masterClrMapping/>
   </p:clrMapOvr>
+  <p:timing>
+    <p:tnLst>
+      <p:par>
+        <p:cTn id="1" dur="indefinite" restart="never" nodeType="tmRoot"/>
+      </p:par>
+    </p:tnLst>
+  </p:timing>
 </p:sld>
 </file>
 
@@ -6214,8 +6078,8 @@
         </p:nvSpPr>
         <p:spPr>
           <a:xfrm>
-            <a:off x="6874319" y="3089560"/>
-            <a:ext cx="1645002" cy="369332"/>
+            <a:off x="7119549" y="3008641"/>
+            <a:ext cx="1848583" cy="369332"/>
           </a:xfrm>
           <a:prstGeom prst="rect">
             <a:avLst/>
@@ -6230,7 +6094,7 @@
           <a:p>
             <a:r>
               <a:rPr lang="fr-CH" dirty="0"/>
-              <a:t>Page des détails</a:t>
+              <a:t>Page des résultats</a:t>
             </a:r>
           </a:p>
         </p:txBody>
@@ -6243,8 +6107,8 @@
         </p:nvSpPr>
         <p:spPr>
           <a:xfrm>
-            <a:off x="6874319" y="3458891"/>
-            <a:ext cx="4667898" cy="523220"/>
+            <a:off x="7119549" y="3377972"/>
+            <a:ext cx="4667898" cy="738664"/>
           </a:xfrm>
           <a:prstGeom prst="rect">
             <a:avLst/>
@@ -6263,7 +6127,7 @@
             </a:pPr>
             <a:r>
               <a:rPr lang="fr-CH" sz="1400" dirty="0"/>
-              <a:t>Affiche les détails concernant le vélo</a:t>
+              <a:t>Peut afficher les vélos rendus et non rendus</a:t>
             </a:r>
           </a:p>
           <a:p>
@@ -6273,7 +6137,7 @@
             </a:pPr>
             <a:r>
               <a:rPr lang="fr-CH" sz="1400" dirty="0"/>
-              <a:t>L’utilisateur peut rendre le rendre à partir de cette page</a:t>
+              <a:t>Permet d’accéder aux détails ou de modifier le vélo (si il est stocké dans la commune liée au compte)</a:t>
             </a:r>
           </a:p>
         </p:txBody>
@@ -6634,44 +6498,6 @@
           </a:p>
         </p:txBody>
       </p:sp>
-      <p:cxnSp>
-        <p:nvCxnSpPr>
-          <p:cNvPr id="21" name="Connecteur droit 20"/>
-          <p:cNvCxnSpPr/>
-          <p:nvPr/>
-        </p:nvCxnSpPr>
-        <p:spPr>
-          <a:xfrm>
-            <a:off x="10239580" y="6576639"/>
-            <a:ext cx="440559" cy="0"/>
-          </a:xfrm>
-          <a:prstGeom prst="line">
-            <a:avLst/>
-          </a:prstGeom>
-          <a:ln w="38100">
-            <a:solidFill>
-              <a:schemeClr val="bg1">
-                <a:lumMod val="75000"/>
-              </a:schemeClr>
-            </a:solidFill>
-            <a:prstDash val="sysDot"/>
-          </a:ln>
-        </p:spPr>
-        <p:style>
-          <a:lnRef idx="1">
-            <a:schemeClr val="accent1"/>
-          </a:lnRef>
-          <a:fillRef idx="0">
-            <a:schemeClr val="accent1"/>
-          </a:fillRef>
-          <a:effectRef idx="0">
-            <a:schemeClr val="accent1"/>
-          </a:effectRef>
-          <a:fontRef idx="minor">
-            <a:schemeClr val="tx1"/>
-          </a:fontRef>
-        </p:style>
-      </p:cxnSp>
       <p:sp>
         <p:nvSpPr>
           <p:cNvPr id="22" name="Ellipse 21"/>
@@ -6723,63 +6549,12 @@
           </a:p>
         </p:txBody>
       </p:sp>
-      <p:sp>
-        <p:nvSpPr>
-          <p:cNvPr id="23" name="Ellipse 22"/>
-          <p:cNvSpPr/>
-          <p:nvPr/>
-        </p:nvSpPr>
-        <p:spPr>
-          <a:xfrm>
-            <a:off x="10713043" y="6476886"/>
-            <a:ext cx="199505" cy="199505"/>
-          </a:xfrm>
-          <a:prstGeom prst="ellipse">
-            <a:avLst/>
-          </a:prstGeom>
-          <a:solidFill>
-            <a:schemeClr val="bg1"/>
-          </a:solidFill>
-          <a:ln>
-            <a:solidFill>
-              <a:schemeClr val="tx2">
-                <a:lumMod val="75000"/>
-                <a:lumOff val="25000"/>
-              </a:schemeClr>
-            </a:solidFill>
-          </a:ln>
-        </p:spPr>
-        <p:style>
-          <a:lnRef idx="2">
-            <a:schemeClr val="accent1">
-              <a:shade val="50000"/>
-            </a:schemeClr>
-          </a:lnRef>
-          <a:fillRef idx="1">
-            <a:schemeClr val="accent1"/>
-          </a:fillRef>
-          <a:effectRef idx="0">
-            <a:schemeClr val="accent1"/>
-          </a:effectRef>
-          <a:fontRef idx="minor">
-            <a:schemeClr val="lt1"/>
-          </a:fontRef>
-        </p:style>
-        <p:txBody>
-          <a:bodyPr rtlCol="0" anchor="ctr"/>
-          <a:lstStyle/>
-          <a:p>
-            <a:pPr algn="ctr"/>
-            <a:endParaRPr lang="fr-CH"/>
-          </a:p>
-        </p:txBody>
-      </p:sp>
       <p:pic>
         <p:nvPicPr>
-          <p:cNvPr id="7" name="Image 6">
+          <p:cNvPr id="9" name="Image 8">
             <a:extLst>
               <a:ext uri="{FF2B5EF4-FFF2-40B4-BE49-F238E27FC236}">
-                <a16:creationId xmlns:a16="http://schemas.microsoft.com/office/drawing/2014/main" id="{CA517139-5DC4-435B-AA88-A0480E8D8C70}"/>
+                <a16:creationId xmlns:a16="http://schemas.microsoft.com/office/drawing/2014/main" id="{EA229B94-8B2C-40FC-A40E-002357427372}"/>
               </a:ext>
             </a:extLst>
           </p:cNvPr>
@@ -6796,8 +6571,8 @@
         </p:blipFill>
         <p:spPr>
           <a:xfrm>
-            <a:off x="931013" y="1105613"/>
-            <a:ext cx="5595963" cy="5283382"/>
+            <a:off x="320478" y="1861210"/>
+            <a:ext cx="6708586" cy="3772187"/>
           </a:xfrm>
           <a:prstGeom prst="rect">
             <a:avLst/>
@@ -6807,13 +6582,20 @@
     </p:spTree>
     <p:extLst>
       <p:ext uri="{BB962C8B-B14F-4D97-AF65-F5344CB8AC3E}">
-        <p14:creationId xmlns:p14="http://schemas.microsoft.com/office/powerpoint/2010/main" val="867906298"/>
+        <p14:creationId xmlns:p14="http://schemas.microsoft.com/office/powerpoint/2010/main" val="2027902396"/>
       </p:ext>
     </p:extLst>
   </p:cSld>
   <p:clrMapOvr>
     <a:masterClrMapping/>
   </p:clrMapOvr>
+  <p:timing>
+    <p:tnLst>
+      <p:par>
+        <p:cTn id="1" dur="indefinite" restart="never" nodeType="tmRoot"/>
+      </p:par>
+    </p:tnLst>
+  </p:timing>
 </p:sld>
 </file>
 
@@ -6976,7 +6758,7 @@
         <p:spPr>
           <a:xfrm>
             <a:off x="6874319" y="3458891"/>
-            <a:ext cx="4667898" cy="523220"/>
+            <a:ext cx="4667898" cy="954107"/>
           </a:xfrm>
           <a:prstGeom prst="rect">
             <a:avLst/>
@@ -7005,8 +6787,23 @@
             </a:pPr>
             <a:r>
               <a:rPr lang="fr-CH" sz="1400" dirty="0"/>
-              <a:t>L’utilisateur peut rendre le rendre à partir de cette page</a:t>
+              <a:t>L’utilisateur peut rendre le rendre à partir de cette </a:t>
             </a:r>
+            <a:r>
+              <a:rPr lang="fr-CH" sz="1400" dirty="0" smtClean="0"/>
+              <a:t>page</a:t>
+            </a:r>
+          </a:p>
+          <a:p>
+            <a:pPr marL="285750" indent="-285750">
+              <a:buFont typeface="Arial" panose="020B0604020202020204" pitchFamily="34" charset="0"/>
+              <a:buChar char="•"/>
+            </a:pPr>
+            <a:r>
+              <a:rPr lang="fr-CH" sz="1400" dirty="0" smtClean="0"/>
+              <a:t>Contient une galerie des photos</a:t>
+            </a:r>
+            <a:endParaRPr lang="fr-CH" sz="1400" dirty="0"/>
           </a:p>
         </p:txBody>
       </p:sp>
@@ -7366,44 +7163,6 @@
           </a:p>
         </p:txBody>
       </p:sp>
-      <p:cxnSp>
-        <p:nvCxnSpPr>
-          <p:cNvPr id="21" name="Connecteur droit 20"/>
-          <p:cNvCxnSpPr/>
-          <p:nvPr/>
-        </p:nvCxnSpPr>
-        <p:spPr>
-          <a:xfrm>
-            <a:off x="10239580" y="6576639"/>
-            <a:ext cx="440559" cy="0"/>
-          </a:xfrm>
-          <a:prstGeom prst="line">
-            <a:avLst/>
-          </a:prstGeom>
-          <a:ln w="38100">
-            <a:solidFill>
-              <a:schemeClr val="bg1">
-                <a:lumMod val="75000"/>
-              </a:schemeClr>
-            </a:solidFill>
-            <a:prstDash val="sysDot"/>
-          </a:ln>
-        </p:spPr>
-        <p:style>
-          <a:lnRef idx="1">
-            <a:schemeClr val="accent1"/>
-          </a:lnRef>
-          <a:fillRef idx="0">
-            <a:schemeClr val="accent1"/>
-          </a:fillRef>
-          <a:effectRef idx="0">
-            <a:schemeClr val="accent1"/>
-          </a:effectRef>
-          <a:fontRef idx="minor">
-            <a:schemeClr val="tx1"/>
-          </a:fontRef>
-        </p:style>
-      </p:cxnSp>
       <p:sp>
         <p:nvSpPr>
           <p:cNvPr id="22" name="Ellipse 21"/>
@@ -7413,57 +7172,6 @@
         <p:spPr>
           <a:xfrm>
             <a:off x="10001077" y="6476886"/>
-            <a:ext cx="199505" cy="199505"/>
-          </a:xfrm>
-          <a:prstGeom prst="ellipse">
-            <a:avLst/>
-          </a:prstGeom>
-          <a:solidFill>
-            <a:schemeClr val="bg1"/>
-          </a:solidFill>
-          <a:ln>
-            <a:solidFill>
-              <a:schemeClr val="tx2">
-                <a:lumMod val="75000"/>
-                <a:lumOff val="25000"/>
-              </a:schemeClr>
-            </a:solidFill>
-          </a:ln>
-        </p:spPr>
-        <p:style>
-          <a:lnRef idx="2">
-            <a:schemeClr val="accent1">
-              <a:shade val="50000"/>
-            </a:schemeClr>
-          </a:lnRef>
-          <a:fillRef idx="1">
-            <a:schemeClr val="accent1"/>
-          </a:fillRef>
-          <a:effectRef idx="0">
-            <a:schemeClr val="accent1"/>
-          </a:effectRef>
-          <a:fontRef idx="minor">
-            <a:schemeClr val="lt1"/>
-          </a:fontRef>
-        </p:style>
-        <p:txBody>
-          <a:bodyPr rtlCol="0" anchor="ctr"/>
-          <a:lstStyle/>
-          <a:p>
-            <a:pPr algn="ctr"/>
-            <a:endParaRPr lang="fr-CH"/>
-          </a:p>
-        </p:txBody>
-      </p:sp>
-      <p:sp>
-        <p:nvSpPr>
-          <p:cNvPr id="23" name="Ellipse 22"/>
-          <p:cNvSpPr/>
-          <p:nvPr/>
-        </p:nvSpPr>
-        <p:spPr>
-          <a:xfrm>
-            <a:off x="10713043" y="6476886"/>
             <a:ext cx="199505" cy="199505"/>
           </a:xfrm>
           <a:prstGeom prst="ellipse">
@@ -7539,6 +7247,652 @@
     </p:spTree>
     <p:extLst>
       <p:ext uri="{BB962C8B-B14F-4D97-AF65-F5344CB8AC3E}">
+        <p14:creationId xmlns:p14="http://schemas.microsoft.com/office/powerpoint/2010/main" val="867906298"/>
+      </p:ext>
+    </p:extLst>
+  </p:cSld>
+  <p:clrMapOvr>
+    <a:masterClrMapping/>
+  </p:clrMapOvr>
+  <p:timing>
+    <p:tnLst>
+      <p:par>
+        <p:cTn id="1" dur="indefinite" restart="never" nodeType="tmRoot"/>
+      </p:par>
+    </p:tnLst>
+  </p:timing>
+</p:sld>
+</file>
+
+<file path=ppt/slides/slide14.xml><?xml version="1.0" encoding="utf-8"?>
+<p:sld xmlns:a="http://schemas.openxmlformats.org/drawingml/2006/main" xmlns:r="http://schemas.openxmlformats.org/officeDocument/2006/relationships" xmlns:p="http://schemas.openxmlformats.org/presentationml/2006/main">
+  <p:cSld>
+    <p:spTree>
+      <p:nvGrpSpPr>
+        <p:cNvPr id="1" name=""/>
+        <p:cNvGrpSpPr/>
+        <p:nvPr/>
+      </p:nvGrpSpPr>
+      <p:grpSpPr>
+        <a:xfrm>
+          <a:off x="0" y="0"/>
+          <a:ext cx="0" cy="0"/>
+          <a:chOff x="0" y="0"/>
+          <a:chExt cx="0" cy="0"/>
+        </a:xfrm>
+      </p:grpSpPr>
+      <p:sp>
+        <p:nvSpPr>
+          <p:cNvPr id="4" name="Rectangle 3"/>
+          <p:cNvSpPr/>
+          <p:nvPr/>
+        </p:nvSpPr>
+        <p:spPr>
+          <a:xfrm>
+            <a:off x="-1" y="0"/>
+            <a:ext cx="12192001" cy="889462"/>
+          </a:xfrm>
+          <a:prstGeom prst="rect">
+            <a:avLst/>
+          </a:prstGeom>
+          <a:solidFill>
+            <a:srgbClr val="83486B"/>
+          </a:solidFill>
+          <a:ln>
+            <a:solidFill>
+              <a:srgbClr val="83486B"/>
+            </a:solidFill>
+          </a:ln>
+        </p:spPr>
+        <p:style>
+          <a:lnRef idx="2">
+            <a:schemeClr val="accent1">
+              <a:shade val="50000"/>
+            </a:schemeClr>
+          </a:lnRef>
+          <a:fillRef idx="1">
+            <a:schemeClr val="accent1"/>
+          </a:fillRef>
+          <a:effectRef idx="0">
+            <a:schemeClr val="accent1"/>
+          </a:effectRef>
+          <a:fontRef idx="minor">
+            <a:schemeClr val="lt1"/>
+          </a:fontRef>
+        </p:style>
+        <p:txBody>
+          <a:bodyPr rtlCol="0" anchor="ctr"/>
+          <a:lstStyle/>
+          <a:p>
+            <a:pPr algn="ctr"/>
+            <a:endParaRPr lang="fr-CH" dirty="0"/>
+          </a:p>
+        </p:txBody>
+      </p:sp>
+      <p:sp>
+        <p:nvSpPr>
+          <p:cNvPr id="5" name="ZoneTexte 4"/>
+          <p:cNvSpPr txBox="1"/>
+          <p:nvPr/>
+        </p:nvSpPr>
+        <p:spPr>
+          <a:xfrm>
+            <a:off x="166255" y="260065"/>
+            <a:ext cx="1231940" cy="369332"/>
+          </a:xfrm>
+          <a:prstGeom prst="rect">
+            <a:avLst/>
+          </a:prstGeom>
+          <a:noFill/>
+        </p:spPr>
+        <p:txBody>
+          <a:bodyPr wrap="none" rtlCol="0">
+            <a:spAutoFit/>
+          </a:bodyPr>
+          <a:lstStyle/>
+          <a:p>
+            <a:r>
+              <a:rPr lang="fr-CH" dirty="0">
+                <a:solidFill>
+                  <a:schemeClr val="bg1"/>
+                </a:solidFill>
+              </a:rPr>
+              <a:t>ANALYSE</a:t>
+            </a:r>
+          </a:p>
+        </p:txBody>
+      </p:sp>
+      <p:sp>
+        <p:nvSpPr>
+          <p:cNvPr id="8" name="Espace réservé du numéro de diapositive 7"/>
+          <p:cNvSpPr>
+            <a:spLocks noGrp="1"/>
+          </p:cNvSpPr>
+          <p:nvPr>
+            <p:ph type="sldNum" sz="quarter" idx="12"/>
+          </p:nvPr>
+        </p:nvSpPr>
+        <p:spPr/>
+        <p:txBody>
+          <a:bodyPr/>
+          <a:lstStyle/>
+          <a:p>
+            <a:fld id="{F8E28480-1C08-4458-AD97-0283E6FFD09D}" type="slidenum">
+              <a:rPr lang="en-US" sz="2000" smtClean="0"/>
+              <a:t>14</a:t>
+            </a:fld>
+            <a:endParaRPr lang="en-US" sz="2000" dirty="0"/>
+          </a:p>
+        </p:txBody>
+      </p:sp>
+      <p:sp>
+        <p:nvSpPr>
+          <p:cNvPr id="2" name="ZoneTexte 1"/>
+          <p:cNvSpPr txBox="1"/>
+          <p:nvPr/>
+        </p:nvSpPr>
+        <p:spPr>
+          <a:xfrm>
+            <a:off x="7524102" y="3286775"/>
+            <a:ext cx="1749197" cy="369332"/>
+          </a:xfrm>
+          <a:prstGeom prst="rect">
+            <a:avLst/>
+          </a:prstGeom>
+          <a:noFill/>
+        </p:spPr>
+        <p:txBody>
+          <a:bodyPr wrap="none" rtlCol="0">
+            <a:spAutoFit/>
+          </a:bodyPr>
+          <a:lstStyle/>
+          <a:p>
+            <a:r>
+              <a:rPr lang="fr-CH" dirty="0" smtClean="0"/>
+              <a:t>Rendre un vélo</a:t>
+            </a:r>
+            <a:endParaRPr lang="fr-CH" dirty="0"/>
+          </a:p>
+        </p:txBody>
+      </p:sp>
+      <p:sp>
+        <p:nvSpPr>
+          <p:cNvPr id="3" name="ZoneTexte 2"/>
+          <p:cNvSpPr txBox="1"/>
+          <p:nvPr/>
+        </p:nvSpPr>
+        <p:spPr>
+          <a:xfrm>
+            <a:off x="7524102" y="3656106"/>
+            <a:ext cx="4667898" cy="954107"/>
+          </a:xfrm>
+          <a:prstGeom prst="rect">
+            <a:avLst/>
+          </a:prstGeom>
+          <a:noFill/>
+        </p:spPr>
+        <p:txBody>
+          <a:bodyPr wrap="square" rtlCol="0">
+            <a:spAutoFit/>
+          </a:bodyPr>
+          <a:lstStyle/>
+          <a:p>
+            <a:pPr marL="285750" indent="-285750">
+              <a:buFont typeface="Arial" panose="020B0604020202020204" pitchFamily="34" charset="0"/>
+              <a:buChar char="•"/>
+            </a:pPr>
+            <a:r>
+              <a:rPr lang="fr-CH" sz="1400" dirty="0" smtClean="0"/>
+              <a:t>Permet d’ajouter un receveur/donneur dans la base de données</a:t>
+            </a:r>
+          </a:p>
+          <a:p>
+            <a:pPr marL="285750" indent="-285750">
+              <a:buFont typeface="Arial" panose="020B0604020202020204" pitchFamily="34" charset="0"/>
+              <a:buChar char="•"/>
+            </a:pPr>
+            <a:r>
+              <a:rPr lang="fr-CH" sz="1400" dirty="0" smtClean="0"/>
+              <a:t>L’utilisateur ne peut pas rendre un vélo n’appartenant pas à sa commune</a:t>
+            </a:r>
+            <a:endParaRPr lang="fr-CH" sz="1400" dirty="0"/>
+          </a:p>
+        </p:txBody>
+      </p:sp>
+      <p:cxnSp>
+        <p:nvCxnSpPr>
+          <p:cNvPr id="13" name="Connecteur droit 12"/>
+          <p:cNvCxnSpPr/>
+          <p:nvPr/>
+        </p:nvCxnSpPr>
+        <p:spPr>
+          <a:xfrm>
+            <a:off x="7358052" y="6576639"/>
+            <a:ext cx="440559" cy="0"/>
+          </a:xfrm>
+          <a:prstGeom prst="line">
+            <a:avLst/>
+          </a:prstGeom>
+          <a:ln w="38100">
+            <a:solidFill>
+              <a:schemeClr val="bg1">
+                <a:lumMod val="75000"/>
+              </a:schemeClr>
+            </a:solidFill>
+            <a:prstDash val="sysDot"/>
+          </a:ln>
+        </p:spPr>
+        <p:style>
+          <a:lnRef idx="1">
+            <a:schemeClr val="accent1"/>
+          </a:lnRef>
+          <a:fillRef idx="0">
+            <a:schemeClr val="accent1"/>
+          </a:fillRef>
+          <a:effectRef idx="0">
+            <a:schemeClr val="accent1"/>
+          </a:effectRef>
+          <a:fontRef idx="minor">
+            <a:schemeClr val="tx1"/>
+          </a:fontRef>
+        </p:style>
+      </p:cxnSp>
+      <p:sp>
+        <p:nvSpPr>
+          <p:cNvPr id="14" name="Ellipse 13"/>
+          <p:cNvSpPr/>
+          <p:nvPr/>
+        </p:nvSpPr>
+        <p:spPr>
+          <a:xfrm>
+            <a:off x="7119549" y="6476886"/>
+            <a:ext cx="199505" cy="199505"/>
+          </a:xfrm>
+          <a:prstGeom prst="ellipse">
+            <a:avLst/>
+          </a:prstGeom>
+          <a:solidFill>
+            <a:schemeClr val="bg1"/>
+          </a:solidFill>
+          <a:ln>
+            <a:solidFill>
+              <a:schemeClr val="tx2">
+                <a:lumMod val="75000"/>
+                <a:lumOff val="25000"/>
+              </a:schemeClr>
+            </a:solidFill>
+          </a:ln>
+        </p:spPr>
+        <p:style>
+          <a:lnRef idx="2">
+            <a:schemeClr val="accent1">
+              <a:shade val="50000"/>
+            </a:schemeClr>
+          </a:lnRef>
+          <a:fillRef idx="1">
+            <a:schemeClr val="accent1"/>
+          </a:fillRef>
+          <a:effectRef idx="0">
+            <a:schemeClr val="accent1"/>
+          </a:effectRef>
+          <a:fontRef idx="minor">
+            <a:schemeClr val="lt1"/>
+          </a:fontRef>
+        </p:style>
+        <p:txBody>
+          <a:bodyPr rtlCol="0" anchor="ctr"/>
+          <a:lstStyle/>
+          <a:p>
+            <a:pPr algn="ctr"/>
+            <a:endParaRPr lang="fr-CH"/>
+          </a:p>
+        </p:txBody>
+      </p:sp>
+      <p:cxnSp>
+        <p:nvCxnSpPr>
+          <p:cNvPr id="15" name="Connecteur droit 14"/>
+          <p:cNvCxnSpPr/>
+          <p:nvPr/>
+        </p:nvCxnSpPr>
+        <p:spPr>
+          <a:xfrm>
+            <a:off x="8080756" y="6576639"/>
+            <a:ext cx="440559" cy="0"/>
+          </a:xfrm>
+          <a:prstGeom prst="line">
+            <a:avLst/>
+          </a:prstGeom>
+          <a:ln w="38100">
+            <a:solidFill>
+              <a:schemeClr val="bg1">
+                <a:lumMod val="75000"/>
+              </a:schemeClr>
+            </a:solidFill>
+            <a:prstDash val="sysDot"/>
+          </a:ln>
+        </p:spPr>
+        <p:style>
+          <a:lnRef idx="1">
+            <a:schemeClr val="accent1"/>
+          </a:lnRef>
+          <a:fillRef idx="0">
+            <a:schemeClr val="accent1"/>
+          </a:fillRef>
+          <a:effectRef idx="0">
+            <a:schemeClr val="accent1"/>
+          </a:effectRef>
+          <a:fontRef idx="minor">
+            <a:schemeClr val="tx1"/>
+          </a:fontRef>
+        </p:style>
+      </p:cxnSp>
+      <p:sp>
+        <p:nvSpPr>
+          <p:cNvPr id="16" name="Ellipse 15"/>
+          <p:cNvSpPr/>
+          <p:nvPr/>
+        </p:nvSpPr>
+        <p:spPr>
+          <a:xfrm>
+            <a:off x="7842253" y="6476886"/>
+            <a:ext cx="199505" cy="199505"/>
+          </a:xfrm>
+          <a:prstGeom prst="ellipse">
+            <a:avLst/>
+          </a:prstGeom>
+          <a:solidFill>
+            <a:schemeClr val="tx1"/>
+          </a:solidFill>
+          <a:ln>
+            <a:solidFill>
+              <a:schemeClr val="tx2">
+                <a:lumMod val="75000"/>
+                <a:lumOff val="25000"/>
+              </a:schemeClr>
+            </a:solidFill>
+          </a:ln>
+        </p:spPr>
+        <p:style>
+          <a:lnRef idx="2">
+            <a:schemeClr val="accent1">
+              <a:shade val="50000"/>
+            </a:schemeClr>
+          </a:lnRef>
+          <a:fillRef idx="1">
+            <a:schemeClr val="accent1"/>
+          </a:fillRef>
+          <a:effectRef idx="0">
+            <a:schemeClr val="accent1"/>
+          </a:effectRef>
+          <a:fontRef idx="minor">
+            <a:schemeClr val="lt1"/>
+          </a:fontRef>
+        </p:style>
+        <p:txBody>
+          <a:bodyPr rtlCol="0" anchor="ctr"/>
+          <a:lstStyle/>
+          <a:p>
+            <a:pPr algn="ctr"/>
+            <a:endParaRPr lang="fr-CH"/>
+          </a:p>
+        </p:txBody>
+      </p:sp>
+      <p:cxnSp>
+        <p:nvCxnSpPr>
+          <p:cNvPr id="17" name="Connecteur droit 16"/>
+          <p:cNvCxnSpPr/>
+          <p:nvPr/>
+        </p:nvCxnSpPr>
+        <p:spPr>
+          <a:xfrm>
+            <a:off x="8803460" y="6576639"/>
+            <a:ext cx="440559" cy="0"/>
+          </a:xfrm>
+          <a:prstGeom prst="line">
+            <a:avLst/>
+          </a:prstGeom>
+          <a:ln w="38100">
+            <a:solidFill>
+              <a:schemeClr val="bg1">
+                <a:lumMod val="75000"/>
+              </a:schemeClr>
+            </a:solidFill>
+            <a:prstDash val="sysDot"/>
+          </a:ln>
+        </p:spPr>
+        <p:style>
+          <a:lnRef idx="1">
+            <a:schemeClr val="accent1"/>
+          </a:lnRef>
+          <a:fillRef idx="0">
+            <a:schemeClr val="accent1"/>
+          </a:fillRef>
+          <a:effectRef idx="0">
+            <a:schemeClr val="accent1"/>
+          </a:effectRef>
+          <a:fontRef idx="minor">
+            <a:schemeClr val="tx1"/>
+          </a:fontRef>
+        </p:style>
+      </p:cxnSp>
+      <p:sp>
+        <p:nvSpPr>
+          <p:cNvPr id="18" name="Ellipse 17"/>
+          <p:cNvSpPr/>
+          <p:nvPr/>
+        </p:nvSpPr>
+        <p:spPr>
+          <a:xfrm>
+            <a:off x="8564957" y="6476886"/>
+            <a:ext cx="199505" cy="199505"/>
+          </a:xfrm>
+          <a:prstGeom prst="ellipse">
+            <a:avLst/>
+          </a:prstGeom>
+          <a:solidFill>
+            <a:schemeClr val="bg1"/>
+          </a:solidFill>
+          <a:ln>
+            <a:solidFill>
+              <a:schemeClr val="tx2">
+                <a:lumMod val="75000"/>
+                <a:lumOff val="25000"/>
+              </a:schemeClr>
+            </a:solidFill>
+          </a:ln>
+        </p:spPr>
+        <p:style>
+          <a:lnRef idx="2">
+            <a:schemeClr val="accent1">
+              <a:shade val="50000"/>
+            </a:schemeClr>
+          </a:lnRef>
+          <a:fillRef idx="1">
+            <a:schemeClr val="accent1"/>
+          </a:fillRef>
+          <a:effectRef idx="0">
+            <a:schemeClr val="accent1"/>
+          </a:effectRef>
+          <a:fontRef idx="minor">
+            <a:schemeClr val="lt1"/>
+          </a:fontRef>
+        </p:style>
+        <p:txBody>
+          <a:bodyPr rtlCol="0" anchor="ctr"/>
+          <a:lstStyle/>
+          <a:p>
+            <a:pPr algn="ctr"/>
+            <a:endParaRPr lang="fr-CH"/>
+          </a:p>
+        </p:txBody>
+      </p:sp>
+      <p:cxnSp>
+        <p:nvCxnSpPr>
+          <p:cNvPr id="19" name="Connecteur droit 18"/>
+          <p:cNvCxnSpPr/>
+          <p:nvPr/>
+        </p:nvCxnSpPr>
+        <p:spPr>
+          <a:xfrm>
+            <a:off x="9521520" y="6576639"/>
+            <a:ext cx="440559" cy="0"/>
+          </a:xfrm>
+          <a:prstGeom prst="line">
+            <a:avLst/>
+          </a:prstGeom>
+          <a:ln w="38100">
+            <a:solidFill>
+              <a:schemeClr val="bg1">
+                <a:lumMod val="75000"/>
+              </a:schemeClr>
+            </a:solidFill>
+            <a:prstDash val="sysDot"/>
+          </a:ln>
+        </p:spPr>
+        <p:style>
+          <a:lnRef idx="1">
+            <a:schemeClr val="accent1"/>
+          </a:lnRef>
+          <a:fillRef idx="0">
+            <a:schemeClr val="accent1"/>
+          </a:fillRef>
+          <a:effectRef idx="0">
+            <a:schemeClr val="accent1"/>
+          </a:effectRef>
+          <a:fontRef idx="minor">
+            <a:schemeClr val="tx1"/>
+          </a:fontRef>
+        </p:style>
+      </p:cxnSp>
+      <p:sp>
+        <p:nvSpPr>
+          <p:cNvPr id="20" name="Ellipse 19"/>
+          <p:cNvSpPr/>
+          <p:nvPr/>
+        </p:nvSpPr>
+        <p:spPr>
+          <a:xfrm>
+            <a:off x="9283017" y="6476886"/>
+            <a:ext cx="199505" cy="199505"/>
+          </a:xfrm>
+          <a:prstGeom prst="ellipse">
+            <a:avLst/>
+          </a:prstGeom>
+          <a:solidFill>
+            <a:schemeClr val="bg1"/>
+          </a:solidFill>
+          <a:ln>
+            <a:solidFill>
+              <a:schemeClr val="tx2">
+                <a:lumMod val="75000"/>
+                <a:lumOff val="25000"/>
+              </a:schemeClr>
+            </a:solidFill>
+          </a:ln>
+        </p:spPr>
+        <p:style>
+          <a:lnRef idx="2">
+            <a:schemeClr val="accent1">
+              <a:shade val="50000"/>
+            </a:schemeClr>
+          </a:lnRef>
+          <a:fillRef idx="1">
+            <a:schemeClr val="accent1"/>
+          </a:fillRef>
+          <a:effectRef idx="0">
+            <a:schemeClr val="accent1"/>
+          </a:effectRef>
+          <a:fontRef idx="minor">
+            <a:schemeClr val="lt1"/>
+          </a:fontRef>
+        </p:style>
+        <p:txBody>
+          <a:bodyPr rtlCol="0" anchor="ctr"/>
+          <a:lstStyle/>
+          <a:p>
+            <a:pPr algn="ctr"/>
+            <a:endParaRPr lang="fr-CH"/>
+          </a:p>
+        </p:txBody>
+      </p:sp>
+      <p:sp>
+        <p:nvSpPr>
+          <p:cNvPr id="22" name="Ellipse 21"/>
+          <p:cNvSpPr/>
+          <p:nvPr/>
+        </p:nvSpPr>
+        <p:spPr>
+          <a:xfrm>
+            <a:off x="10001077" y="6476886"/>
+            <a:ext cx="199505" cy="199505"/>
+          </a:xfrm>
+          <a:prstGeom prst="ellipse">
+            <a:avLst/>
+          </a:prstGeom>
+          <a:solidFill>
+            <a:schemeClr val="bg1"/>
+          </a:solidFill>
+          <a:ln>
+            <a:solidFill>
+              <a:schemeClr val="tx2">
+                <a:lumMod val="75000"/>
+                <a:lumOff val="25000"/>
+              </a:schemeClr>
+            </a:solidFill>
+          </a:ln>
+        </p:spPr>
+        <p:style>
+          <a:lnRef idx="2">
+            <a:schemeClr val="accent1">
+              <a:shade val="50000"/>
+            </a:schemeClr>
+          </a:lnRef>
+          <a:fillRef idx="1">
+            <a:schemeClr val="accent1"/>
+          </a:fillRef>
+          <a:effectRef idx="0">
+            <a:schemeClr val="accent1"/>
+          </a:effectRef>
+          <a:fontRef idx="minor">
+            <a:schemeClr val="lt1"/>
+          </a:fontRef>
+        </p:style>
+        <p:txBody>
+          <a:bodyPr rtlCol="0" anchor="ctr"/>
+          <a:lstStyle/>
+          <a:p>
+            <a:pPr algn="ctr"/>
+            <a:endParaRPr lang="fr-CH"/>
+          </a:p>
+        </p:txBody>
+      </p:sp>
+      <p:pic>
+        <p:nvPicPr>
+          <p:cNvPr id="6" name="Image 5"/>
+          <p:cNvPicPr>
+            <a:picLocks noChangeAspect="1"/>
+          </p:cNvPicPr>
+          <p:nvPr/>
+        </p:nvPicPr>
+        <p:blipFill>
+          <a:blip r:embed="rId2"/>
+          <a:stretch>
+            <a:fillRect/>
+          </a:stretch>
+        </p:blipFill>
+        <p:spPr>
+          <a:xfrm>
+            <a:off x="432835" y="2201542"/>
+            <a:ext cx="6925217" cy="3561138"/>
+          </a:xfrm>
+          <a:prstGeom prst="rect">
+            <a:avLst/>
+          </a:prstGeom>
+        </p:spPr>
+      </p:pic>
+    </p:spTree>
+    <p:extLst>
+      <p:ext uri="{BB962C8B-B14F-4D97-AF65-F5344CB8AC3E}">
         <p14:creationId xmlns:p14="http://schemas.microsoft.com/office/powerpoint/2010/main" val="1831168806"/>
       </p:ext>
     </p:extLst>
@@ -7546,6 +7900,3620 @@
   <p:clrMapOvr>
     <a:masterClrMapping/>
   </p:clrMapOvr>
+  <p:timing>
+    <p:tnLst>
+      <p:par>
+        <p:cTn id="1" dur="indefinite" restart="never" nodeType="tmRoot"/>
+      </p:par>
+    </p:tnLst>
+  </p:timing>
+</p:sld>
+</file>
+
+<file path=ppt/slides/slide15.xml><?xml version="1.0" encoding="utf-8"?>
+<p:sld xmlns:a="http://schemas.openxmlformats.org/drawingml/2006/main" xmlns:r="http://schemas.openxmlformats.org/officeDocument/2006/relationships" xmlns:p="http://schemas.openxmlformats.org/presentationml/2006/main">
+  <p:cSld>
+    <p:bg>
+      <p:bgPr>
+        <a:solidFill>
+          <a:schemeClr val="bg1"/>
+        </a:solidFill>
+        <a:effectLst/>
+      </p:bgPr>
+    </p:bg>
+    <p:spTree>
+      <p:nvGrpSpPr>
+        <p:cNvPr id="1" name=""/>
+        <p:cNvGrpSpPr/>
+        <p:nvPr/>
+      </p:nvGrpSpPr>
+      <p:grpSpPr>
+        <a:xfrm>
+          <a:off x="0" y="0"/>
+          <a:ext cx="0" cy="0"/>
+          <a:chOff x="0" y="0"/>
+          <a:chExt cx="0" cy="0"/>
+        </a:xfrm>
+      </p:grpSpPr>
+      <p:sp useBgFill="1">
+        <p:nvSpPr>
+          <p:cNvPr id="8" name="Rectangle 7">
+            <a:extLst>
+              <a:ext uri="{FF2B5EF4-FFF2-40B4-BE49-F238E27FC236}">
+                <a16:creationId xmlns:a16="http://schemas.microsoft.com/office/drawing/2014/main" id="{99485AE2-6BE9-4DCA-A6C4-83F4EEFCCCC0}"/>
+              </a:ext>
+              <a:ext uri="{C183D7F6-B498-43B3-948B-1728B52AA6E4}">
+                <adec:decorative xmlns:adec="http://schemas.microsoft.com/office/drawing/2017/decorative" xmlns="" val="1"/>
+              </a:ext>
+            </a:extLst>
+          </p:cNvPr>
+          <p:cNvSpPr>
+            <a:spLocks noGrp="1" noRot="1" noChangeAspect="1" noMove="1" noResize="1" noEditPoints="1" noAdjustHandles="1" noChangeArrowheads="1" noChangeShapeType="1" noTextEdit="1"/>
+          </p:cNvSpPr>
+          <p:nvPr>
+            <p:extLst>
+              <p:ext uri="{386F3935-93C4-4BCD-93E2-E3B085C9AB24}">
+                <p16:designElem xmlns:p16="http://schemas.microsoft.com/office/powerpoint/2015/main" val="1"/>
+              </p:ext>
+            </p:extLst>
+          </p:nvPr>
+        </p:nvSpPr>
+        <p:spPr>
+          <a:xfrm>
+            <a:off x="0" y="0"/>
+            <a:ext cx="12192000" cy="6858000"/>
+          </a:xfrm>
+          <a:prstGeom prst="rect">
+            <a:avLst/>
+          </a:prstGeom>
+          <a:ln w="12700" cap="flat" cmpd="sng" algn="ctr">
+            <a:noFill/>
+            <a:prstDash val="solid"/>
+            <a:miter lim="800000"/>
+          </a:ln>
+          <a:effectLst/>
+          <a:extLst>
+            <a:ext uri="{91240B29-F687-4F45-9708-019B960494DF}">
+              <a14:hiddenLine xmlns:a14="http://schemas.microsoft.com/office/drawing/2010/main" w="12700" cap="flat" cmpd="sng" algn="ctr">
+                <a:solidFill>
+                  <a:schemeClr val="accent1">
+                    <a:shade val="50000"/>
+                  </a:schemeClr>
+                </a:solidFill>
+                <a:prstDash val="solid"/>
+                <a:miter lim="800000"/>
+              </a14:hiddenLine>
+            </a:ext>
+          </a:extLst>
+        </p:spPr>
+        <p:style>
+          <a:lnRef idx="2">
+            <a:schemeClr val="accent1">
+              <a:shade val="50000"/>
+            </a:schemeClr>
+          </a:lnRef>
+          <a:fillRef idx="1">
+            <a:schemeClr val="accent1"/>
+          </a:fillRef>
+          <a:effectRef idx="0">
+            <a:schemeClr val="accent1"/>
+          </a:effectRef>
+          <a:fontRef idx="minor">
+            <a:schemeClr val="lt1"/>
+          </a:fontRef>
+        </p:style>
+        <p:txBody>
+          <a:bodyPr rtlCol="0" anchor="ctr"/>
+          <a:lstStyle/>
+          <a:p>
+            <a:pPr algn="ctr"/>
+            <a:endParaRPr lang="en-US"/>
+          </a:p>
+        </p:txBody>
+      </p:sp>
+      <p:sp>
+        <p:nvSpPr>
+          <p:cNvPr id="10" name="Rectangle 9">
+            <a:extLst>
+              <a:ext uri="{FF2B5EF4-FFF2-40B4-BE49-F238E27FC236}">
+                <a16:creationId xmlns:a16="http://schemas.microsoft.com/office/drawing/2014/main" id="{65BA7CAF-5EE9-4EEE-9E12-B2CECCB94D62}"/>
+              </a:ext>
+              <a:ext uri="{C183D7F6-B498-43B3-948B-1728B52AA6E4}">
+                <adec:decorative xmlns:adec="http://schemas.microsoft.com/office/drawing/2017/decorative" xmlns="" val="1"/>
+              </a:ext>
+            </a:extLst>
+          </p:cNvPr>
+          <p:cNvSpPr>
+            <a:spLocks noGrp="1" noRot="1" noChangeAspect="1" noMove="1" noResize="1" noEditPoints="1" noAdjustHandles="1" noChangeArrowheads="1" noChangeShapeType="1" noTextEdit="1"/>
+          </p:cNvSpPr>
+          <p:nvPr>
+            <p:extLst>
+              <p:ext uri="{386F3935-93C4-4BCD-93E2-E3B085C9AB24}">
+                <p16:designElem xmlns:p16="http://schemas.microsoft.com/office/powerpoint/2015/main" val="1"/>
+              </p:ext>
+            </p:extLst>
+          </p:nvPr>
+        </p:nvSpPr>
+        <p:spPr>
+          <a:xfrm>
+            <a:off x="0" y="0"/>
+            <a:ext cx="12192000" cy="6857999"/>
+          </a:xfrm>
+          <a:prstGeom prst="rect">
+            <a:avLst/>
+          </a:prstGeom>
+          <a:solidFill>
+            <a:schemeClr val="tx2">
+              <a:lumMod val="75000"/>
+              <a:lumOff val="25000"/>
+            </a:schemeClr>
+          </a:solidFill>
+          <a:ln>
+            <a:noFill/>
+          </a:ln>
+        </p:spPr>
+        <p:style>
+          <a:lnRef idx="2">
+            <a:schemeClr val="accent1">
+              <a:shade val="50000"/>
+            </a:schemeClr>
+          </a:lnRef>
+          <a:fillRef idx="1">
+            <a:schemeClr val="accent1"/>
+          </a:fillRef>
+          <a:effectRef idx="0">
+            <a:schemeClr val="accent1"/>
+          </a:effectRef>
+          <a:fontRef idx="minor">
+            <a:schemeClr val="lt1"/>
+          </a:fontRef>
+        </p:style>
+        <p:txBody>
+          <a:bodyPr rtlCol="0" anchor="ctr"/>
+          <a:lstStyle/>
+          <a:p>
+            <a:pPr algn="ctr"/>
+            <a:endParaRPr lang="en-US"/>
+          </a:p>
+        </p:txBody>
+      </p:sp>
+      <p:sp useBgFill="1">
+        <p:nvSpPr>
+          <p:cNvPr id="12" name="Rectangle 11">
+            <a:extLst>
+              <a:ext uri="{FF2B5EF4-FFF2-40B4-BE49-F238E27FC236}">
+                <a16:creationId xmlns:a16="http://schemas.microsoft.com/office/drawing/2014/main" id="{EC199F73-795E-469A-AF4B-13FA2C7AB76F}"/>
+              </a:ext>
+              <a:ext uri="{C183D7F6-B498-43B3-948B-1728B52AA6E4}">
+                <adec:decorative xmlns:adec="http://schemas.microsoft.com/office/drawing/2017/decorative" xmlns="" val="1"/>
+              </a:ext>
+            </a:extLst>
+          </p:cNvPr>
+          <p:cNvSpPr>
+            <a:spLocks noGrp="1" noRot="1" noChangeAspect="1" noMove="1" noResize="1" noEditPoints="1" noAdjustHandles="1" noChangeArrowheads="1" noChangeShapeType="1" noTextEdit="1"/>
+          </p:cNvSpPr>
+          <p:nvPr>
+            <p:extLst>
+              <p:ext uri="{386F3935-93C4-4BCD-93E2-E3B085C9AB24}">
+                <p16:designElem xmlns:p16="http://schemas.microsoft.com/office/powerpoint/2015/main" val="1"/>
+              </p:ext>
+            </p:extLst>
+          </p:nvPr>
+        </p:nvSpPr>
+        <p:spPr>
+          <a:xfrm>
+            <a:off x="685799" y="684431"/>
+            <a:ext cx="10820401" cy="5486400"/>
+          </a:xfrm>
+          <a:prstGeom prst="rect">
+            <a:avLst/>
+          </a:prstGeom>
+          <a:ln>
+            <a:noFill/>
+          </a:ln>
+        </p:spPr>
+        <p:style>
+          <a:lnRef idx="2">
+            <a:schemeClr val="accent1">
+              <a:shade val="50000"/>
+            </a:schemeClr>
+          </a:lnRef>
+          <a:fillRef idx="1">
+            <a:schemeClr val="accent1"/>
+          </a:fillRef>
+          <a:effectRef idx="0">
+            <a:schemeClr val="accent1"/>
+          </a:effectRef>
+          <a:fontRef idx="minor">
+            <a:schemeClr val="lt1"/>
+          </a:fontRef>
+        </p:style>
+        <p:txBody>
+          <a:bodyPr rtlCol="0" anchor="ctr"/>
+          <a:lstStyle/>
+          <a:p>
+            <a:pPr algn="ctr"/>
+            <a:endParaRPr lang="en-US"/>
+          </a:p>
+        </p:txBody>
+      </p:sp>
+      <p:sp>
+        <p:nvSpPr>
+          <p:cNvPr id="2" name="Titre 1">
+            <a:extLst>
+              <a:ext uri="{FF2B5EF4-FFF2-40B4-BE49-F238E27FC236}">
+                <a16:creationId xmlns:a16="http://schemas.microsoft.com/office/drawing/2014/main" id="{2ADB5AAE-41D5-40DD-A718-BD2FEE8AF21A}"/>
+              </a:ext>
+            </a:extLst>
+          </p:cNvPr>
+          <p:cNvSpPr>
+            <a:spLocks noGrp="1"/>
+          </p:cNvSpPr>
+          <p:nvPr>
+            <p:ph type="title"/>
+          </p:nvPr>
+        </p:nvSpPr>
+        <p:spPr>
+          <a:xfrm>
+            <a:off x="2038349" y="3103780"/>
+            <a:ext cx="8115300" cy="647701"/>
+          </a:xfrm>
+        </p:spPr>
+        <p:txBody>
+          <a:bodyPr vert="horz" lIns="91440" tIns="45720" rIns="91440" bIns="45720" rtlCol="0" anchor="b">
+            <a:normAutofit/>
+          </a:bodyPr>
+          <a:lstStyle/>
+          <a:p>
+            <a:pPr algn="ctr"/>
+            <a:r>
+              <a:rPr lang="en-US" sz="4000" kern="1200" cap="all" spc="300" baseline="0" dirty="0" err="1" smtClean="0">
+                <a:solidFill>
+                  <a:schemeClr val="tx2"/>
+                </a:solidFill>
+                <a:latin typeface="+mj-lt"/>
+                <a:ea typeface="+mj-ea"/>
+                <a:cs typeface="+mj-cs"/>
+              </a:rPr>
+              <a:t>Réalisation</a:t>
+            </a:r>
+            <a:endParaRPr lang="en-US" sz="4000" kern="1200" cap="all" spc="300" baseline="0" dirty="0">
+              <a:solidFill>
+                <a:schemeClr val="tx2"/>
+              </a:solidFill>
+              <a:latin typeface="+mj-lt"/>
+              <a:ea typeface="+mj-ea"/>
+              <a:cs typeface="+mj-cs"/>
+            </a:endParaRPr>
+          </a:p>
+        </p:txBody>
+      </p:sp>
+      <p:sp>
+        <p:nvSpPr>
+          <p:cNvPr id="5" name="Espace réservé du pied de page 4"/>
+          <p:cNvSpPr>
+            <a:spLocks noGrp="1"/>
+          </p:cNvSpPr>
+          <p:nvPr>
+            <p:ph type="ftr" sz="quarter" idx="11"/>
+          </p:nvPr>
+        </p:nvSpPr>
+        <p:spPr/>
+        <p:txBody>
+          <a:bodyPr/>
+          <a:lstStyle/>
+          <a:p>
+            <a:r>
+              <a:rPr lang="en-US"/>
+              <a:t>Page</a:t>
+            </a:r>
+          </a:p>
+        </p:txBody>
+      </p:sp>
+      <p:sp>
+        <p:nvSpPr>
+          <p:cNvPr id="6" name="Espace réservé du numéro de diapositive 5"/>
+          <p:cNvSpPr>
+            <a:spLocks noGrp="1"/>
+          </p:cNvSpPr>
+          <p:nvPr>
+            <p:ph type="sldNum" sz="quarter" idx="12"/>
+          </p:nvPr>
+        </p:nvSpPr>
+        <p:spPr/>
+        <p:txBody>
+          <a:bodyPr/>
+          <a:lstStyle/>
+          <a:p>
+            <a:fld id="{F8E28480-1C08-4458-AD97-0283E6FFD09D}" type="slidenum">
+              <a:rPr lang="en-US" sz="2000" smtClean="0">
+                <a:solidFill>
+                  <a:schemeClr val="bg1"/>
+                </a:solidFill>
+              </a:rPr>
+              <a:t>15</a:t>
+            </a:fld>
+            <a:endParaRPr lang="en-US" sz="2000">
+              <a:solidFill>
+                <a:schemeClr val="bg1"/>
+              </a:solidFill>
+            </a:endParaRPr>
+          </a:p>
+        </p:txBody>
+      </p:sp>
+    </p:spTree>
+    <p:extLst>
+      <p:ext uri="{BB962C8B-B14F-4D97-AF65-F5344CB8AC3E}">
+        <p14:creationId xmlns:p14="http://schemas.microsoft.com/office/powerpoint/2010/main" val="1219528954"/>
+      </p:ext>
+    </p:extLst>
+  </p:cSld>
+  <p:clrMapOvr>
+    <a:masterClrMapping/>
+  </p:clrMapOvr>
+  <p:timing>
+    <p:tnLst>
+      <p:par>
+        <p:cTn id="1" dur="indefinite" restart="never" nodeType="tmRoot"/>
+      </p:par>
+    </p:tnLst>
+  </p:timing>
+</p:sld>
+</file>
+
+<file path=ppt/slides/slide16.xml><?xml version="1.0" encoding="utf-8"?>
+<p:sld xmlns:a="http://schemas.openxmlformats.org/drawingml/2006/main" xmlns:r="http://schemas.openxmlformats.org/officeDocument/2006/relationships" xmlns:p="http://schemas.openxmlformats.org/presentationml/2006/main">
+  <p:cSld>
+    <p:spTree>
+      <p:nvGrpSpPr>
+        <p:cNvPr id="1" name=""/>
+        <p:cNvGrpSpPr/>
+        <p:nvPr/>
+      </p:nvGrpSpPr>
+      <p:grpSpPr>
+        <a:xfrm>
+          <a:off x="0" y="0"/>
+          <a:ext cx="0" cy="0"/>
+          <a:chOff x="0" y="0"/>
+          <a:chExt cx="0" cy="0"/>
+        </a:xfrm>
+      </p:grpSpPr>
+      <p:sp>
+        <p:nvSpPr>
+          <p:cNvPr id="4" name="Rectangle 3"/>
+          <p:cNvSpPr/>
+          <p:nvPr/>
+        </p:nvSpPr>
+        <p:spPr>
+          <a:xfrm>
+            <a:off x="-1" y="0"/>
+            <a:ext cx="12192001" cy="889462"/>
+          </a:xfrm>
+          <a:prstGeom prst="rect">
+            <a:avLst/>
+          </a:prstGeom>
+          <a:solidFill>
+            <a:srgbClr val="83486B"/>
+          </a:solidFill>
+          <a:ln>
+            <a:solidFill>
+              <a:srgbClr val="83486B"/>
+            </a:solidFill>
+          </a:ln>
+        </p:spPr>
+        <p:style>
+          <a:lnRef idx="2">
+            <a:schemeClr val="accent1">
+              <a:shade val="50000"/>
+            </a:schemeClr>
+          </a:lnRef>
+          <a:fillRef idx="1">
+            <a:schemeClr val="accent1"/>
+          </a:fillRef>
+          <a:effectRef idx="0">
+            <a:schemeClr val="accent1"/>
+          </a:effectRef>
+          <a:fontRef idx="minor">
+            <a:schemeClr val="lt1"/>
+          </a:fontRef>
+        </p:style>
+        <p:txBody>
+          <a:bodyPr rtlCol="0" anchor="ctr"/>
+          <a:lstStyle/>
+          <a:p>
+            <a:pPr algn="ctr"/>
+            <a:endParaRPr lang="fr-CH" dirty="0"/>
+          </a:p>
+        </p:txBody>
+      </p:sp>
+      <p:sp>
+        <p:nvSpPr>
+          <p:cNvPr id="5" name="ZoneTexte 4"/>
+          <p:cNvSpPr txBox="1"/>
+          <p:nvPr/>
+        </p:nvSpPr>
+        <p:spPr>
+          <a:xfrm>
+            <a:off x="166255" y="260065"/>
+            <a:ext cx="1693605" cy="369332"/>
+          </a:xfrm>
+          <a:prstGeom prst="rect">
+            <a:avLst/>
+          </a:prstGeom>
+          <a:noFill/>
+        </p:spPr>
+        <p:txBody>
+          <a:bodyPr wrap="none" rtlCol="0">
+            <a:spAutoFit/>
+          </a:bodyPr>
+          <a:lstStyle/>
+          <a:p>
+            <a:r>
+              <a:rPr lang="fr-CH" dirty="0" smtClean="0">
+                <a:solidFill>
+                  <a:schemeClr val="bg1"/>
+                </a:solidFill>
+              </a:rPr>
+              <a:t>REALISATION</a:t>
+            </a:r>
+            <a:endParaRPr lang="fr-CH" dirty="0">
+              <a:solidFill>
+                <a:schemeClr val="bg1"/>
+              </a:solidFill>
+            </a:endParaRPr>
+          </a:p>
+        </p:txBody>
+      </p:sp>
+      <p:sp>
+        <p:nvSpPr>
+          <p:cNvPr id="8" name="Espace réservé du numéro de diapositive 7"/>
+          <p:cNvSpPr>
+            <a:spLocks noGrp="1"/>
+          </p:cNvSpPr>
+          <p:nvPr>
+            <p:ph type="sldNum" sz="quarter" idx="12"/>
+          </p:nvPr>
+        </p:nvSpPr>
+        <p:spPr/>
+        <p:txBody>
+          <a:bodyPr/>
+          <a:lstStyle/>
+          <a:p>
+            <a:fld id="{F8E28480-1C08-4458-AD97-0283E6FFD09D}" type="slidenum">
+              <a:rPr lang="en-US" sz="2000" smtClean="0"/>
+              <a:t>16</a:t>
+            </a:fld>
+            <a:endParaRPr lang="en-US" sz="2000" dirty="0"/>
+          </a:p>
+        </p:txBody>
+      </p:sp>
+      <p:cxnSp>
+        <p:nvCxnSpPr>
+          <p:cNvPr id="13" name="Connecteur droit 12"/>
+          <p:cNvCxnSpPr/>
+          <p:nvPr/>
+        </p:nvCxnSpPr>
+        <p:spPr>
+          <a:xfrm>
+            <a:off x="7358052" y="6576639"/>
+            <a:ext cx="440559" cy="0"/>
+          </a:xfrm>
+          <a:prstGeom prst="line">
+            <a:avLst/>
+          </a:prstGeom>
+          <a:ln w="38100">
+            <a:solidFill>
+              <a:schemeClr val="bg1">
+                <a:lumMod val="75000"/>
+              </a:schemeClr>
+            </a:solidFill>
+            <a:prstDash val="sysDot"/>
+          </a:ln>
+        </p:spPr>
+        <p:style>
+          <a:lnRef idx="1">
+            <a:schemeClr val="accent1"/>
+          </a:lnRef>
+          <a:fillRef idx="0">
+            <a:schemeClr val="accent1"/>
+          </a:fillRef>
+          <a:effectRef idx="0">
+            <a:schemeClr val="accent1"/>
+          </a:effectRef>
+          <a:fontRef idx="minor">
+            <a:schemeClr val="tx1"/>
+          </a:fontRef>
+        </p:style>
+      </p:cxnSp>
+      <p:sp>
+        <p:nvSpPr>
+          <p:cNvPr id="14" name="Ellipse 13"/>
+          <p:cNvSpPr/>
+          <p:nvPr/>
+        </p:nvSpPr>
+        <p:spPr>
+          <a:xfrm>
+            <a:off x="7119549" y="6476886"/>
+            <a:ext cx="199505" cy="199505"/>
+          </a:xfrm>
+          <a:prstGeom prst="ellipse">
+            <a:avLst/>
+          </a:prstGeom>
+          <a:solidFill>
+            <a:schemeClr val="bg1"/>
+          </a:solidFill>
+          <a:ln>
+            <a:solidFill>
+              <a:schemeClr val="tx2">
+                <a:lumMod val="75000"/>
+                <a:lumOff val="25000"/>
+              </a:schemeClr>
+            </a:solidFill>
+          </a:ln>
+        </p:spPr>
+        <p:style>
+          <a:lnRef idx="2">
+            <a:schemeClr val="accent1">
+              <a:shade val="50000"/>
+            </a:schemeClr>
+          </a:lnRef>
+          <a:fillRef idx="1">
+            <a:schemeClr val="accent1"/>
+          </a:fillRef>
+          <a:effectRef idx="0">
+            <a:schemeClr val="accent1"/>
+          </a:effectRef>
+          <a:fontRef idx="minor">
+            <a:schemeClr val="lt1"/>
+          </a:fontRef>
+        </p:style>
+        <p:txBody>
+          <a:bodyPr rtlCol="0" anchor="ctr"/>
+          <a:lstStyle/>
+          <a:p>
+            <a:pPr algn="ctr"/>
+            <a:endParaRPr lang="fr-CH"/>
+          </a:p>
+        </p:txBody>
+      </p:sp>
+      <p:cxnSp>
+        <p:nvCxnSpPr>
+          <p:cNvPr id="15" name="Connecteur droit 14"/>
+          <p:cNvCxnSpPr/>
+          <p:nvPr/>
+        </p:nvCxnSpPr>
+        <p:spPr>
+          <a:xfrm>
+            <a:off x="8080756" y="6576639"/>
+            <a:ext cx="440559" cy="0"/>
+          </a:xfrm>
+          <a:prstGeom prst="line">
+            <a:avLst/>
+          </a:prstGeom>
+          <a:ln w="38100">
+            <a:solidFill>
+              <a:schemeClr val="bg1">
+                <a:lumMod val="75000"/>
+              </a:schemeClr>
+            </a:solidFill>
+            <a:prstDash val="sysDot"/>
+          </a:ln>
+        </p:spPr>
+        <p:style>
+          <a:lnRef idx="1">
+            <a:schemeClr val="accent1"/>
+          </a:lnRef>
+          <a:fillRef idx="0">
+            <a:schemeClr val="accent1"/>
+          </a:fillRef>
+          <a:effectRef idx="0">
+            <a:schemeClr val="accent1"/>
+          </a:effectRef>
+          <a:fontRef idx="minor">
+            <a:schemeClr val="tx1"/>
+          </a:fontRef>
+        </p:style>
+      </p:cxnSp>
+      <p:sp>
+        <p:nvSpPr>
+          <p:cNvPr id="16" name="Ellipse 15"/>
+          <p:cNvSpPr/>
+          <p:nvPr/>
+        </p:nvSpPr>
+        <p:spPr>
+          <a:xfrm>
+            <a:off x="7842253" y="6476886"/>
+            <a:ext cx="199505" cy="199505"/>
+          </a:xfrm>
+          <a:prstGeom prst="ellipse">
+            <a:avLst/>
+          </a:prstGeom>
+          <a:solidFill>
+            <a:schemeClr val="bg1"/>
+          </a:solidFill>
+          <a:ln>
+            <a:solidFill>
+              <a:schemeClr val="tx2">
+                <a:lumMod val="75000"/>
+                <a:lumOff val="25000"/>
+              </a:schemeClr>
+            </a:solidFill>
+          </a:ln>
+        </p:spPr>
+        <p:style>
+          <a:lnRef idx="2">
+            <a:schemeClr val="accent1">
+              <a:shade val="50000"/>
+            </a:schemeClr>
+          </a:lnRef>
+          <a:fillRef idx="1">
+            <a:schemeClr val="accent1"/>
+          </a:fillRef>
+          <a:effectRef idx="0">
+            <a:schemeClr val="accent1"/>
+          </a:effectRef>
+          <a:fontRef idx="minor">
+            <a:schemeClr val="lt1"/>
+          </a:fontRef>
+        </p:style>
+        <p:txBody>
+          <a:bodyPr rtlCol="0" anchor="ctr"/>
+          <a:lstStyle/>
+          <a:p>
+            <a:pPr algn="ctr"/>
+            <a:endParaRPr lang="fr-CH"/>
+          </a:p>
+        </p:txBody>
+      </p:sp>
+      <p:cxnSp>
+        <p:nvCxnSpPr>
+          <p:cNvPr id="17" name="Connecteur droit 16"/>
+          <p:cNvCxnSpPr/>
+          <p:nvPr/>
+        </p:nvCxnSpPr>
+        <p:spPr>
+          <a:xfrm>
+            <a:off x="8803460" y="6576639"/>
+            <a:ext cx="440559" cy="0"/>
+          </a:xfrm>
+          <a:prstGeom prst="line">
+            <a:avLst/>
+          </a:prstGeom>
+          <a:ln w="38100">
+            <a:solidFill>
+              <a:schemeClr val="bg1">
+                <a:lumMod val="75000"/>
+              </a:schemeClr>
+            </a:solidFill>
+            <a:prstDash val="sysDot"/>
+          </a:ln>
+        </p:spPr>
+        <p:style>
+          <a:lnRef idx="1">
+            <a:schemeClr val="accent1"/>
+          </a:lnRef>
+          <a:fillRef idx="0">
+            <a:schemeClr val="accent1"/>
+          </a:fillRef>
+          <a:effectRef idx="0">
+            <a:schemeClr val="accent1"/>
+          </a:effectRef>
+          <a:fontRef idx="minor">
+            <a:schemeClr val="tx1"/>
+          </a:fontRef>
+        </p:style>
+      </p:cxnSp>
+      <p:sp>
+        <p:nvSpPr>
+          <p:cNvPr id="18" name="Ellipse 17"/>
+          <p:cNvSpPr/>
+          <p:nvPr/>
+        </p:nvSpPr>
+        <p:spPr>
+          <a:xfrm>
+            <a:off x="8564957" y="6476886"/>
+            <a:ext cx="199505" cy="199505"/>
+          </a:xfrm>
+          <a:prstGeom prst="ellipse">
+            <a:avLst/>
+          </a:prstGeom>
+          <a:solidFill>
+            <a:schemeClr val="tx1"/>
+          </a:solidFill>
+          <a:ln>
+            <a:solidFill>
+              <a:schemeClr val="tx2">
+                <a:lumMod val="75000"/>
+                <a:lumOff val="25000"/>
+              </a:schemeClr>
+            </a:solidFill>
+          </a:ln>
+        </p:spPr>
+        <p:style>
+          <a:lnRef idx="2">
+            <a:schemeClr val="accent1">
+              <a:shade val="50000"/>
+            </a:schemeClr>
+          </a:lnRef>
+          <a:fillRef idx="1">
+            <a:schemeClr val="accent1"/>
+          </a:fillRef>
+          <a:effectRef idx="0">
+            <a:schemeClr val="accent1"/>
+          </a:effectRef>
+          <a:fontRef idx="minor">
+            <a:schemeClr val="lt1"/>
+          </a:fontRef>
+        </p:style>
+        <p:txBody>
+          <a:bodyPr rtlCol="0" anchor="ctr"/>
+          <a:lstStyle/>
+          <a:p>
+            <a:pPr algn="ctr"/>
+            <a:endParaRPr lang="fr-CH"/>
+          </a:p>
+        </p:txBody>
+      </p:sp>
+      <p:cxnSp>
+        <p:nvCxnSpPr>
+          <p:cNvPr id="19" name="Connecteur droit 18"/>
+          <p:cNvCxnSpPr/>
+          <p:nvPr/>
+        </p:nvCxnSpPr>
+        <p:spPr>
+          <a:xfrm>
+            <a:off x="9521520" y="6576639"/>
+            <a:ext cx="440559" cy="0"/>
+          </a:xfrm>
+          <a:prstGeom prst="line">
+            <a:avLst/>
+          </a:prstGeom>
+          <a:ln w="38100">
+            <a:solidFill>
+              <a:schemeClr val="bg1">
+                <a:lumMod val="75000"/>
+              </a:schemeClr>
+            </a:solidFill>
+            <a:prstDash val="sysDot"/>
+          </a:ln>
+        </p:spPr>
+        <p:style>
+          <a:lnRef idx="1">
+            <a:schemeClr val="accent1"/>
+          </a:lnRef>
+          <a:fillRef idx="0">
+            <a:schemeClr val="accent1"/>
+          </a:fillRef>
+          <a:effectRef idx="0">
+            <a:schemeClr val="accent1"/>
+          </a:effectRef>
+          <a:fontRef idx="minor">
+            <a:schemeClr val="tx1"/>
+          </a:fontRef>
+        </p:style>
+      </p:cxnSp>
+      <p:sp>
+        <p:nvSpPr>
+          <p:cNvPr id="20" name="Ellipse 19"/>
+          <p:cNvSpPr/>
+          <p:nvPr/>
+        </p:nvSpPr>
+        <p:spPr>
+          <a:xfrm>
+            <a:off x="9283017" y="6476886"/>
+            <a:ext cx="199505" cy="199505"/>
+          </a:xfrm>
+          <a:prstGeom prst="ellipse">
+            <a:avLst/>
+          </a:prstGeom>
+          <a:solidFill>
+            <a:schemeClr val="bg1"/>
+          </a:solidFill>
+          <a:ln>
+            <a:solidFill>
+              <a:schemeClr val="tx2">
+                <a:lumMod val="75000"/>
+                <a:lumOff val="25000"/>
+              </a:schemeClr>
+            </a:solidFill>
+          </a:ln>
+        </p:spPr>
+        <p:style>
+          <a:lnRef idx="2">
+            <a:schemeClr val="accent1">
+              <a:shade val="50000"/>
+            </a:schemeClr>
+          </a:lnRef>
+          <a:fillRef idx="1">
+            <a:schemeClr val="accent1"/>
+          </a:fillRef>
+          <a:effectRef idx="0">
+            <a:schemeClr val="accent1"/>
+          </a:effectRef>
+          <a:fontRef idx="minor">
+            <a:schemeClr val="lt1"/>
+          </a:fontRef>
+        </p:style>
+        <p:txBody>
+          <a:bodyPr rtlCol="0" anchor="ctr"/>
+          <a:lstStyle/>
+          <a:p>
+            <a:pPr algn="ctr"/>
+            <a:endParaRPr lang="fr-CH"/>
+          </a:p>
+        </p:txBody>
+      </p:sp>
+      <p:sp>
+        <p:nvSpPr>
+          <p:cNvPr id="22" name="Ellipse 21"/>
+          <p:cNvSpPr/>
+          <p:nvPr/>
+        </p:nvSpPr>
+        <p:spPr>
+          <a:xfrm>
+            <a:off x="10001077" y="6476886"/>
+            <a:ext cx="199505" cy="199505"/>
+          </a:xfrm>
+          <a:prstGeom prst="ellipse">
+            <a:avLst/>
+          </a:prstGeom>
+          <a:solidFill>
+            <a:schemeClr val="bg1"/>
+          </a:solidFill>
+          <a:ln>
+            <a:solidFill>
+              <a:schemeClr val="tx2">
+                <a:lumMod val="75000"/>
+                <a:lumOff val="25000"/>
+              </a:schemeClr>
+            </a:solidFill>
+          </a:ln>
+        </p:spPr>
+        <p:style>
+          <a:lnRef idx="2">
+            <a:schemeClr val="accent1">
+              <a:shade val="50000"/>
+            </a:schemeClr>
+          </a:lnRef>
+          <a:fillRef idx="1">
+            <a:schemeClr val="accent1"/>
+          </a:fillRef>
+          <a:effectRef idx="0">
+            <a:schemeClr val="accent1"/>
+          </a:effectRef>
+          <a:fontRef idx="minor">
+            <a:schemeClr val="lt1"/>
+          </a:fontRef>
+        </p:style>
+        <p:txBody>
+          <a:bodyPr rtlCol="0" anchor="ctr"/>
+          <a:lstStyle/>
+          <a:p>
+            <a:pPr algn="ctr"/>
+            <a:endParaRPr lang="fr-CH"/>
+          </a:p>
+        </p:txBody>
+      </p:sp>
+      <p:pic>
+        <p:nvPicPr>
+          <p:cNvPr id="2" name="Image 1"/>
+          <p:cNvPicPr>
+            <a:picLocks noChangeAspect="1"/>
+          </p:cNvPicPr>
+          <p:nvPr/>
+        </p:nvPicPr>
+        <p:blipFill>
+          <a:blip r:embed="rId2">
+            <a:extLst>
+              <a:ext uri="{28A0092B-C50C-407E-A947-70E740481C1C}">
+                <a14:useLocalDpi xmlns:a14="http://schemas.microsoft.com/office/drawing/2010/main" val="0"/>
+              </a:ext>
+            </a:extLst>
+          </a:blip>
+          <a:stretch>
+            <a:fillRect/>
+          </a:stretch>
+        </p:blipFill>
+        <p:spPr>
+          <a:xfrm>
+            <a:off x="741419" y="2339110"/>
+            <a:ext cx="6477882" cy="3877711"/>
+          </a:xfrm>
+          <a:prstGeom prst="rect">
+            <a:avLst/>
+          </a:prstGeom>
+        </p:spPr>
+      </p:pic>
+      <p:sp>
+        <p:nvSpPr>
+          <p:cNvPr id="3" name="ZoneTexte 2"/>
+          <p:cNvSpPr txBox="1"/>
+          <p:nvPr/>
+        </p:nvSpPr>
+        <p:spPr>
+          <a:xfrm>
+            <a:off x="5105984" y="1043493"/>
+            <a:ext cx="1980029" cy="369332"/>
+          </a:xfrm>
+          <a:prstGeom prst="rect">
+            <a:avLst/>
+          </a:prstGeom>
+          <a:noFill/>
+        </p:spPr>
+        <p:txBody>
+          <a:bodyPr wrap="none" rtlCol="0">
+            <a:spAutoFit/>
+          </a:bodyPr>
+          <a:lstStyle/>
+          <a:p>
+            <a:r>
+              <a:rPr lang="fr-CH" dirty="0" smtClean="0"/>
+              <a:t>Base de données</a:t>
+            </a:r>
+            <a:endParaRPr lang="fr-CH" dirty="0"/>
+          </a:p>
+        </p:txBody>
+      </p:sp>
+      <p:sp>
+        <p:nvSpPr>
+          <p:cNvPr id="7" name="ZoneTexte 6"/>
+          <p:cNvSpPr txBox="1"/>
+          <p:nvPr/>
+        </p:nvSpPr>
+        <p:spPr>
+          <a:xfrm>
+            <a:off x="7691152" y="3631634"/>
+            <a:ext cx="2768707" cy="646331"/>
+          </a:xfrm>
+          <a:prstGeom prst="rect">
+            <a:avLst/>
+          </a:prstGeom>
+          <a:noFill/>
+        </p:spPr>
+        <p:txBody>
+          <a:bodyPr wrap="none" rtlCol="0">
+            <a:spAutoFit/>
+          </a:bodyPr>
+          <a:lstStyle/>
+          <a:p>
+            <a:pPr marL="285750" indent="-285750">
+              <a:buFont typeface="Arial" panose="020B0604020202020204" pitchFamily="34" charset="0"/>
+              <a:buChar char="•"/>
+            </a:pPr>
+            <a:r>
+              <a:rPr lang="fr-CH" dirty="0" smtClean="0"/>
+              <a:t>7 tables au total</a:t>
+            </a:r>
+          </a:p>
+          <a:p>
+            <a:pPr marL="285750" indent="-285750">
+              <a:buFont typeface="Arial" panose="020B0604020202020204" pitchFamily="34" charset="0"/>
+              <a:buChar char="•"/>
+            </a:pPr>
+            <a:r>
+              <a:rPr lang="fr-CH" dirty="0"/>
+              <a:t>Outil utilisé : </a:t>
+            </a:r>
+            <a:r>
+              <a:rPr lang="fr-CH" dirty="0" smtClean="0"/>
+              <a:t>SQLDBM</a:t>
+            </a:r>
+          </a:p>
+        </p:txBody>
+      </p:sp>
+    </p:spTree>
+    <p:extLst>
+      <p:ext uri="{BB962C8B-B14F-4D97-AF65-F5344CB8AC3E}">
+        <p14:creationId xmlns:p14="http://schemas.microsoft.com/office/powerpoint/2010/main" val="3342432833"/>
+      </p:ext>
+    </p:extLst>
+  </p:cSld>
+  <p:clrMapOvr>
+    <a:masterClrMapping/>
+  </p:clrMapOvr>
+  <p:timing>
+    <p:tnLst>
+      <p:par>
+        <p:cTn id="1" dur="indefinite" restart="never" nodeType="tmRoot"/>
+      </p:par>
+    </p:tnLst>
+  </p:timing>
+</p:sld>
+</file>
+
+<file path=ppt/slides/slide17.xml><?xml version="1.0" encoding="utf-8"?>
+<p:sld xmlns:a="http://schemas.openxmlformats.org/drawingml/2006/main" xmlns:r="http://schemas.openxmlformats.org/officeDocument/2006/relationships" xmlns:p="http://schemas.openxmlformats.org/presentationml/2006/main">
+  <p:cSld>
+    <p:spTree>
+      <p:nvGrpSpPr>
+        <p:cNvPr id="1" name=""/>
+        <p:cNvGrpSpPr/>
+        <p:nvPr/>
+      </p:nvGrpSpPr>
+      <p:grpSpPr>
+        <a:xfrm>
+          <a:off x="0" y="0"/>
+          <a:ext cx="0" cy="0"/>
+          <a:chOff x="0" y="0"/>
+          <a:chExt cx="0" cy="0"/>
+        </a:xfrm>
+      </p:grpSpPr>
+      <p:sp>
+        <p:nvSpPr>
+          <p:cNvPr id="4" name="Rectangle 3"/>
+          <p:cNvSpPr/>
+          <p:nvPr/>
+        </p:nvSpPr>
+        <p:spPr>
+          <a:xfrm>
+            <a:off x="-1" y="0"/>
+            <a:ext cx="12192001" cy="889462"/>
+          </a:xfrm>
+          <a:prstGeom prst="rect">
+            <a:avLst/>
+          </a:prstGeom>
+          <a:solidFill>
+            <a:srgbClr val="83486B"/>
+          </a:solidFill>
+          <a:ln>
+            <a:solidFill>
+              <a:srgbClr val="83486B"/>
+            </a:solidFill>
+          </a:ln>
+        </p:spPr>
+        <p:style>
+          <a:lnRef idx="2">
+            <a:schemeClr val="accent1">
+              <a:shade val="50000"/>
+            </a:schemeClr>
+          </a:lnRef>
+          <a:fillRef idx="1">
+            <a:schemeClr val="accent1"/>
+          </a:fillRef>
+          <a:effectRef idx="0">
+            <a:schemeClr val="accent1"/>
+          </a:effectRef>
+          <a:fontRef idx="minor">
+            <a:schemeClr val="lt1"/>
+          </a:fontRef>
+        </p:style>
+        <p:txBody>
+          <a:bodyPr rtlCol="0" anchor="ctr"/>
+          <a:lstStyle/>
+          <a:p>
+            <a:pPr algn="ctr"/>
+            <a:endParaRPr lang="fr-CH" dirty="0"/>
+          </a:p>
+        </p:txBody>
+      </p:sp>
+      <p:sp>
+        <p:nvSpPr>
+          <p:cNvPr id="5" name="ZoneTexte 4"/>
+          <p:cNvSpPr txBox="1"/>
+          <p:nvPr/>
+        </p:nvSpPr>
+        <p:spPr>
+          <a:xfrm>
+            <a:off x="166255" y="260065"/>
+            <a:ext cx="1693605" cy="369332"/>
+          </a:xfrm>
+          <a:prstGeom prst="rect">
+            <a:avLst/>
+          </a:prstGeom>
+          <a:noFill/>
+        </p:spPr>
+        <p:txBody>
+          <a:bodyPr wrap="none" rtlCol="0">
+            <a:spAutoFit/>
+          </a:bodyPr>
+          <a:lstStyle/>
+          <a:p>
+            <a:r>
+              <a:rPr lang="fr-CH" dirty="0" smtClean="0">
+                <a:solidFill>
+                  <a:schemeClr val="bg1"/>
+                </a:solidFill>
+              </a:rPr>
+              <a:t>REALISATION</a:t>
+            </a:r>
+            <a:endParaRPr lang="fr-CH" dirty="0">
+              <a:solidFill>
+                <a:schemeClr val="bg1"/>
+              </a:solidFill>
+            </a:endParaRPr>
+          </a:p>
+        </p:txBody>
+      </p:sp>
+      <p:sp>
+        <p:nvSpPr>
+          <p:cNvPr id="8" name="Espace réservé du numéro de diapositive 7"/>
+          <p:cNvSpPr>
+            <a:spLocks noGrp="1"/>
+          </p:cNvSpPr>
+          <p:nvPr>
+            <p:ph type="sldNum" sz="quarter" idx="12"/>
+          </p:nvPr>
+        </p:nvSpPr>
+        <p:spPr/>
+        <p:txBody>
+          <a:bodyPr/>
+          <a:lstStyle/>
+          <a:p>
+            <a:fld id="{F8E28480-1C08-4458-AD97-0283E6FFD09D}" type="slidenum">
+              <a:rPr lang="en-US" sz="2000" smtClean="0"/>
+              <a:t>17</a:t>
+            </a:fld>
+            <a:endParaRPr lang="en-US" sz="2000" dirty="0"/>
+          </a:p>
+        </p:txBody>
+      </p:sp>
+      <p:cxnSp>
+        <p:nvCxnSpPr>
+          <p:cNvPr id="13" name="Connecteur droit 12"/>
+          <p:cNvCxnSpPr/>
+          <p:nvPr/>
+        </p:nvCxnSpPr>
+        <p:spPr>
+          <a:xfrm>
+            <a:off x="7358052" y="6576639"/>
+            <a:ext cx="440559" cy="0"/>
+          </a:xfrm>
+          <a:prstGeom prst="line">
+            <a:avLst/>
+          </a:prstGeom>
+          <a:ln w="38100">
+            <a:solidFill>
+              <a:schemeClr val="bg1">
+                <a:lumMod val="75000"/>
+              </a:schemeClr>
+            </a:solidFill>
+            <a:prstDash val="sysDot"/>
+          </a:ln>
+        </p:spPr>
+        <p:style>
+          <a:lnRef idx="1">
+            <a:schemeClr val="accent1"/>
+          </a:lnRef>
+          <a:fillRef idx="0">
+            <a:schemeClr val="accent1"/>
+          </a:fillRef>
+          <a:effectRef idx="0">
+            <a:schemeClr val="accent1"/>
+          </a:effectRef>
+          <a:fontRef idx="minor">
+            <a:schemeClr val="tx1"/>
+          </a:fontRef>
+        </p:style>
+      </p:cxnSp>
+      <p:sp>
+        <p:nvSpPr>
+          <p:cNvPr id="14" name="Ellipse 13"/>
+          <p:cNvSpPr/>
+          <p:nvPr/>
+        </p:nvSpPr>
+        <p:spPr>
+          <a:xfrm>
+            <a:off x="7119549" y="6476886"/>
+            <a:ext cx="199505" cy="199505"/>
+          </a:xfrm>
+          <a:prstGeom prst="ellipse">
+            <a:avLst/>
+          </a:prstGeom>
+          <a:solidFill>
+            <a:schemeClr val="bg1"/>
+          </a:solidFill>
+          <a:ln>
+            <a:solidFill>
+              <a:schemeClr val="tx2">
+                <a:lumMod val="75000"/>
+                <a:lumOff val="25000"/>
+              </a:schemeClr>
+            </a:solidFill>
+          </a:ln>
+        </p:spPr>
+        <p:style>
+          <a:lnRef idx="2">
+            <a:schemeClr val="accent1">
+              <a:shade val="50000"/>
+            </a:schemeClr>
+          </a:lnRef>
+          <a:fillRef idx="1">
+            <a:schemeClr val="accent1"/>
+          </a:fillRef>
+          <a:effectRef idx="0">
+            <a:schemeClr val="accent1"/>
+          </a:effectRef>
+          <a:fontRef idx="minor">
+            <a:schemeClr val="lt1"/>
+          </a:fontRef>
+        </p:style>
+        <p:txBody>
+          <a:bodyPr rtlCol="0" anchor="ctr"/>
+          <a:lstStyle/>
+          <a:p>
+            <a:pPr algn="ctr"/>
+            <a:endParaRPr lang="fr-CH"/>
+          </a:p>
+        </p:txBody>
+      </p:sp>
+      <p:cxnSp>
+        <p:nvCxnSpPr>
+          <p:cNvPr id="15" name="Connecteur droit 14"/>
+          <p:cNvCxnSpPr/>
+          <p:nvPr/>
+        </p:nvCxnSpPr>
+        <p:spPr>
+          <a:xfrm>
+            <a:off x="8080756" y="6576639"/>
+            <a:ext cx="440559" cy="0"/>
+          </a:xfrm>
+          <a:prstGeom prst="line">
+            <a:avLst/>
+          </a:prstGeom>
+          <a:ln w="38100">
+            <a:solidFill>
+              <a:schemeClr val="bg1">
+                <a:lumMod val="75000"/>
+              </a:schemeClr>
+            </a:solidFill>
+            <a:prstDash val="sysDot"/>
+          </a:ln>
+        </p:spPr>
+        <p:style>
+          <a:lnRef idx="1">
+            <a:schemeClr val="accent1"/>
+          </a:lnRef>
+          <a:fillRef idx="0">
+            <a:schemeClr val="accent1"/>
+          </a:fillRef>
+          <a:effectRef idx="0">
+            <a:schemeClr val="accent1"/>
+          </a:effectRef>
+          <a:fontRef idx="minor">
+            <a:schemeClr val="tx1"/>
+          </a:fontRef>
+        </p:style>
+      </p:cxnSp>
+      <p:sp>
+        <p:nvSpPr>
+          <p:cNvPr id="16" name="Ellipse 15"/>
+          <p:cNvSpPr/>
+          <p:nvPr/>
+        </p:nvSpPr>
+        <p:spPr>
+          <a:xfrm>
+            <a:off x="7842253" y="6476886"/>
+            <a:ext cx="199505" cy="199505"/>
+          </a:xfrm>
+          <a:prstGeom prst="ellipse">
+            <a:avLst/>
+          </a:prstGeom>
+          <a:solidFill>
+            <a:schemeClr val="bg1"/>
+          </a:solidFill>
+          <a:ln>
+            <a:solidFill>
+              <a:schemeClr val="tx2">
+                <a:lumMod val="75000"/>
+                <a:lumOff val="25000"/>
+              </a:schemeClr>
+            </a:solidFill>
+          </a:ln>
+        </p:spPr>
+        <p:style>
+          <a:lnRef idx="2">
+            <a:schemeClr val="accent1">
+              <a:shade val="50000"/>
+            </a:schemeClr>
+          </a:lnRef>
+          <a:fillRef idx="1">
+            <a:schemeClr val="accent1"/>
+          </a:fillRef>
+          <a:effectRef idx="0">
+            <a:schemeClr val="accent1"/>
+          </a:effectRef>
+          <a:fontRef idx="minor">
+            <a:schemeClr val="lt1"/>
+          </a:fontRef>
+        </p:style>
+        <p:txBody>
+          <a:bodyPr rtlCol="0" anchor="ctr"/>
+          <a:lstStyle/>
+          <a:p>
+            <a:pPr algn="ctr"/>
+            <a:endParaRPr lang="fr-CH"/>
+          </a:p>
+        </p:txBody>
+      </p:sp>
+      <p:cxnSp>
+        <p:nvCxnSpPr>
+          <p:cNvPr id="17" name="Connecteur droit 16"/>
+          <p:cNvCxnSpPr/>
+          <p:nvPr/>
+        </p:nvCxnSpPr>
+        <p:spPr>
+          <a:xfrm>
+            <a:off x="8803460" y="6576639"/>
+            <a:ext cx="440559" cy="0"/>
+          </a:xfrm>
+          <a:prstGeom prst="line">
+            <a:avLst/>
+          </a:prstGeom>
+          <a:ln w="38100">
+            <a:solidFill>
+              <a:schemeClr val="bg1">
+                <a:lumMod val="75000"/>
+              </a:schemeClr>
+            </a:solidFill>
+            <a:prstDash val="sysDot"/>
+          </a:ln>
+        </p:spPr>
+        <p:style>
+          <a:lnRef idx="1">
+            <a:schemeClr val="accent1"/>
+          </a:lnRef>
+          <a:fillRef idx="0">
+            <a:schemeClr val="accent1"/>
+          </a:fillRef>
+          <a:effectRef idx="0">
+            <a:schemeClr val="accent1"/>
+          </a:effectRef>
+          <a:fontRef idx="minor">
+            <a:schemeClr val="tx1"/>
+          </a:fontRef>
+        </p:style>
+      </p:cxnSp>
+      <p:sp>
+        <p:nvSpPr>
+          <p:cNvPr id="18" name="Ellipse 17"/>
+          <p:cNvSpPr/>
+          <p:nvPr/>
+        </p:nvSpPr>
+        <p:spPr>
+          <a:xfrm>
+            <a:off x="8564957" y="6476886"/>
+            <a:ext cx="199505" cy="199505"/>
+          </a:xfrm>
+          <a:prstGeom prst="ellipse">
+            <a:avLst/>
+          </a:prstGeom>
+          <a:solidFill>
+            <a:schemeClr val="tx1"/>
+          </a:solidFill>
+          <a:ln>
+            <a:solidFill>
+              <a:schemeClr val="tx2">
+                <a:lumMod val="75000"/>
+                <a:lumOff val="25000"/>
+              </a:schemeClr>
+            </a:solidFill>
+          </a:ln>
+        </p:spPr>
+        <p:style>
+          <a:lnRef idx="2">
+            <a:schemeClr val="accent1">
+              <a:shade val="50000"/>
+            </a:schemeClr>
+          </a:lnRef>
+          <a:fillRef idx="1">
+            <a:schemeClr val="accent1"/>
+          </a:fillRef>
+          <a:effectRef idx="0">
+            <a:schemeClr val="accent1"/>
+          </a:effectRef>
+          <a:fontRef idx="minor">
+            <a:schemeClr val="lt1"/>
+          </a:fontRef>
+        </p:style>
+        <p:txBody>
+          <a:bodyPr rtlCol="0" anchor="ctr"/>
+          <a:lstStyle/>
+          <a:p>
+            <a:pPr algn="ctr"/>
+            <a:endParaRPr lang="fr-CH"/>
+          </a:p>
+        </p:txBody>
+      </p:sp>
+      <p:cxnSp>
+        <p:nvCxnSpPr>
+          <p:cNvPr id="19" name="Connecteur droit 18"/>
+          <p:cNvCxnSpPr/>
+          <p:nvPr/>
+        </p:nvCxnSpPr>
+        <p:spPr>
+          <a:xfrm>
+            <a:off x="9521520" y="6576639"/>
+            <a:ext cx="440559" cy="0"/>
+          </a:xfrm>
+          <a:prstGeom prst="line">
+            <a:avLst/>
+          </a:prstGeom>
+          <a:ln w="38100">
+            <a:solidFill>
+              <a:schemeClr val="bg1">
+                <a:lumMod val="75000"/>
+              </a:schemeClr>
+            </a:solidFill>
+            <a:prstDash val="sysDot"/>
+          </a:ln>
+        </p:spPr>
+        <p:style>
+          <a:lnRef idx="1">
+            <a:schemeClr val="accent1"/>
+          </a:lnRef>
+          <a:fillRef idx="0">
+            <a:schemeClr val="accent1"/>
+          </a:fillRef>
+          <a:effectRef idx="0">
+            <a:schemeClr val="accent1"/>
+          </a:effectRef>
+          <a:fontRef idx="minor">
+            <a:schemeClr val="tx1"/>
+          </a:fontRef>
+        </p:style>
+      </p:cxnSp>
+      <p:sp>
+        <p:nvSpPr>
+          <p:cNvPr id="20" name="Ellipse 19"/>
+          <p:cNvSpPr/>
+          <p:nvPr/>
+        </p:nvSpPr>
+        <p:spPr>
+          <a:xfrm>
+            <a:off x="9283017" y="6476886"/>
+            <a:ext cx="199505" cy="199505"/>
+          </a:xfrm>
+          <a:prstGeom prst="ellipse">
+            <a:avLst/>
+          </a:prstGeom>
+          <a:solidFill>
+            <a:schemeClr val="bg1"/>
+          </a:solidFill>
+          <a:ln>
+            <a:solidFill>
+              <a:schemeClr val="tx2">
+                <a:lumMod val="75000"/>
+                <a:lumOff val="25000"/>
+              </a:schemeClr>
+            </a:solidFill>
+          </a:ln>
+        </p:spPr>
+        <p:style>
+          <a:lnRef idx="2">
+            <a:schemeClr val="accent1">
+              <a:shade val="50000"/>
+            </a:schemeClr>
+          </a:lnRef>
+          <a:fillRef idx="1">
+            <a:schemeClr val="accent1"/>
+          </a:fillRef>
+          <a:effectRef idx="0">
+            <a:schemeClr val="accent1"/>
+          </a:effectRef>
+          <a:fontRef idx="minor">
+            <a:schemeClr val="lt1"/>
+          </a:fontRef>
+        </p:style>
+        <p:txBody>
+          <a:bodyPr rtlCol="0" anchor="ctr"/>
+          <a:lstStyle/>
+          <a:p>
+            <a:pPr algn="ctr"/>
+            <a:endParaRPr lang="fr-CH"/>
+          </a:p>
+        </p:txBody>
+      </p:sp>
+      <p:sp>
+        <p:nvSpPr>
+          <p:cNvPr id="22" name="Ellipse 21"/>
+          <p:cNvSpPr/>
+          <p:nvPr/>
+        </p:nvSpPr>
+        <p:spPr>
+          <a:xfrm>
+            <a:off x="10001077" y="6476886"/>
+            <a:ext cx="199505" cy="199505"/>
+          </a:xfrm>
+          <a:prstGeom prst="ellipse">
+            <a:avLst/>
+          </a:prstGeom>
+          <a:solidFill>
+            <a:schemeClr val="bg1"/>
+          </a:solidFill>
+          <a:ln>
+            <a:solidFill>
+              <a:schemeClr val="tx2">
+                <a:lumMod val="75000"/>
+                <a:lumOff val="25000"/>
+              </a:schemeClr>
+            </a:solidFill>
+          </a:ln>
+        </p:spPr>
+        <p:style>
+          <a:lnRef idx="2">
+            <a:schemeClr val="accent1">
+              <a:shade val="50000"/>
+            </a:schemeClr>
+          </a:lnRef>
+          <a:fillRef idx="1">
+            <a:schemeClr val="accent1"/>
+          </a:fillRef>
+          <a:effectRef idx="0">
+            <a:schemeClr val="accent1"/>
+          </a:effectRef>
+          <a:fontRef idx="minor">
+            <a:schemeClr val="lt1"/>
+          </a:fontRef>
+        </p:style>
+        <p:txBody>
+          <a:bodyPr rtlCol="0" anchor="ctr"/>
+          <a:lstStyle/>
+          <a:p>
+            <a:pPr algn="ctr"/>
+            <a:endParaRPr lang="fr-CH"/>
+          </a:p>
+        </p:txBody>
+      </p:sp>
+      <p:sp>
+        <p:nvSpPr>
+          <p:cNvPr id="3" name="ZoneTexte 2"/>
+          <p:cNvSpPr txBox="1"/>
+          <p:nvPr/>
+        </p:nvSpPr>
+        <p:spPr>
+          <a:xfrm>
+            <a:off x="4636620" y="1074060"/>
+            <a:ext cx="2351926" cy="369332"/>
+          </a:xfrm>
+          <a:prstGeom prst="rect">
+            <a:avLst/>
+          </a:prstGeom>
+          <a:noFill/>
+        </p:spPr>
+        <p:txBody>
+          <a:bodyPr wrap="none" rtlCol="0">
+            <a:spAutoFit/>
+          </a:bodyPr>
+          <a:lstStyle/>
+          <a:p>
+            <a:r>
+              <a:rPr lang="fr-CH" dirty="0" smtClean="0"/>
+              <a:t>Ouverture de compte</a:t>
+            </a:r>
+            <a:endParaRPr lang="fr-CH" dirty="0"/>
+          </a:p>
+        </p:txBody>
+      </p:sp>
+      <p:pic>
+        <p:nvPicPr>
+          <p:cNvPr id="2" name="Image 1"/>
+          <p:cNvPicPr>
+            <a:picLocks noChangeAspect="1"/>
+          </p:cNvPicPr>
+          <p:nvPr/>
+        </p:nvPicPr>
+        <p:blipFill>
+          <a:blip r:embed="rId2" cstate="hqprint">
+            <a:extLst>
+              <a:ext uri="{28A0092B-C50C-407E-A947-70E740481C1C}">
+                <a14:useLocalDpi xmlns:a14="http://schemas.microsoft.com/office/drawing/2010/main" val="0"/>
+              </a:ext>
+            </a:extLst>
+          </a:blip>
+          <a:stretch>
+            <a:fillRect/>
+          </a:stretch>
+        </p:blipFill>
+        <p:spPr>
+          <a:xfrm>
+            <a:off x="2785821" y="3444347"/>
+            <a:ext cx="1147156" cy="1147156"/>
+          </a:xfrm>
+          <a:prstGeom prst="rect">
+            <a:avLst/>
+          </a:prstGeom>
+        </p:spPr>
+      </p:pic>
+      <p:pic>
+        <p:nvPicPr>
+          <p:cNvPr id="6" name="Image 5"/>
+          <p:cNvPicPr>
+            <a:picLocks noChangeAspect="1"/>
+          </p:cNvPicPr>
+          <p:nvPr/>
+        </p:nvPicPr>
+        <p:blipFill>
+          <a:blip r:embed="rId3" cstate="hqprint">
+            <a:extLst>
+              <a:ext uri="{28A0092B-C50C-407E-A947-70E740481C1C}">
+                <a14:useLocalDpi xmlns:a14="http://schemas.microsoft.com/office/drawing/2010/main" val="0"/>
+              </a:ext>
+            </a:extLst>
+          </a:blip>
+          <a:stretch>
+            <a:fillRect/>
+          </a:stretch>
+        </p:blipFill>
+        <p:spPr>
+          <a:xfrm>
+            <a:off x="3083402" y="2380317"/>
+            <a:ext cx="551994" cy="551994"/>
+          </a:xfrm>
+          <a:prstGeom prst="rect">
+            <a:avLst/>
+          </a:prstGeom>
+        </p:spPr>
+      </p:pic>
+      <p:pic>
+        <p:nvPicPr>
+          <p:cNvPr id="11" name="Image 10"/>
+          <p:cNvPicPr>
+            <a:picLocks noChangeAspect="1"/>
+          </p:cNvPicPr>
+          <p:nvPr/>
+        </p:nvPicPr>
+        <p:blipFill>
+          <a:blip r:embed="rId4" cstate="hqprint">
+            <a:extLst>
+              <a:ext uri="{28A0092B-C50C-407E-A947-70E740481C1C}">
+                <a14:useLocalDpi xmlns:a14="http://schemas.microsoft.com/office/drawing/2010/main" val="0"/>
+              </a:ext>
+            </a:extLst>
+          </a:blip>
+          <a:stretch>
+            <a:fillRect/>
+          </a:stretch>
+        </p:blipFill>
+        <p:spPr>
+          <a:xfrm>
+            <a:off x="8207704" y="3444347"/>
+            <a:ext cx="958222" cy="958222"/>
+          </a:xfrm>
+          <a:prstGeom prst="rect">
+            <a:avLst/>
+          </a:prstGeom>
+        </p:spPr>
+      </p:pic>
+      <p:sp>
+        <p:nvSpPr>
+          <p:cNvPr id="12" name="ZoneTexte 11"/>
+          <p:cNvSpPr txBox="1"/>
+          <p:nvPr/>
+        </p:nvSpPr>
+        <p:spPr>
+          <a:xfrm>
+            <a:off x="2926427" y="1990106"/>
+            <a:ext cx="865943" cy="276999"/>
+          </a:xfrm>
+          <a:prstGeom prst="rect">
+            <a:avLst/>
+          </a:prstGeom>
+          <a:noFill/>
+        </p:spPr>
+        <p:txBody>
+          <a:bodyPr wrap="none" rtlCol="0">
+            <a:spAutoFit/>
+          </a:bodyPr>
+          <a:lstStyle/>
+          <a:p>
+            <a:r>
+              <a:rPr lang="fr-CH" sz="1200" dirty="0" smtClean="0"/>
+              <a:t>Utilisateur</a:t>
+            </a:r>
+            <a:endParaRPr lang="fr-CH" sz="1200" dirty="0"/>
+          </a:p>
+        </p:txBody>
+      </p:sp>
+      <p:sp>
+        <p:nvSpPr>
+          <p:cNvPr id="24" name="Flèche vers le bas 23"/>
+          <p:cNvSpPr/>
+          <p:nvPr/>
+        </p:nvSpPr>
+        <p:spPr>
+          <a:xfrm>
+            <a:off x="3290700" y="3020772"/>
+            <a:ext cx="137396" cy="354094"/>
+          </a:xfrm>
+          <a:prstGeom prst="downArrow">
+            <a:avLst/>
+          </a:prstGeom>
+          <a:solidFill>
+            <a:schemeClr val="tx1"/>
+          </a:solidFill>
+          <a:ln>
+            <a:solidFill>
+              <a:schemeClr val="tx1"/>
+            </a:solidFill>
+          </a:ln>
+        </p:spPr>
+        <p:style>
+          <a:lnRef idx="2">
+            <a:schemeClr val="accent1">
+              <a:shade val="50000"/>
+            </a:schemeClr>
+          </a:lnRef>
+          <a:fillRef idx="1">
+            <a:schemeClr val="accent1"/>
+          </a:fillRef>
+          <a:effectRef idx="0">
+            <a:schemeClr val="accent1"/>
+          </a:effectRef>
+          <a:fontRef idx="minor">
+            <a:schemeClr val="lt1"/>
+          </a:fontRef>
+        </p:style>
+        <p:txBody>
+          <a:bodyPr rtlCol="0" anchor="ctr"/>
+          <a:lstStyle/>
+          <a:p>
+            <a:pPr algn="ctr"/>
+            <a:endParaRPr lang="fr-CH"/>
+          </a:p>
+        </p:txBody>
+      </p:sp>
+      <p:sp>
+        <p:nvSpPr>
+          <p:cNvPr id="25" name="ZoneTexte 24"/>
+          <p:cNvSpPr txBox="1"/>
+          <p:nvPr/>
+        </p:nvSpPr>
+        <p:spPr>
+          <a:xfrm>
+            <a:off x="8129611" y="3069287"/>
+            <a:ext cx="1114408" cy="276999"/>
+          </a:xfrm>
+          <a:prstGeom prst="rect">
+            <a:avLst/>
+          </a:prstGeom>
+          <a:noFill/>
+        </p:spPr>
+        <p:txBody>
+          <a:bodyPr wrap="none" rtlCol="0">
+            <a:spAutoFit/>
+          </a:bodyPr>
+          <a:lstStyle/>
+          <a:p>
+            <a:r>
+              <a:rPr lang="fr-CH" sz="1200" dirty="0" smtClean="0"/>
+              <a:t>Admin du site</a:t>
+            </a:r>
+            <a:endParaRPr lang="fr-CH" sz="1200" dirty="0"/>
+          </a:p>
+        </p:txBody>
+      </p:sp>
+      <p:grpSp>
+        <p:nvGrpSpPr>
+          <p:cNvPr id="27" name="Groupe 26"/>
+          <p:cNvGrpSpPr/>
+          <p:nvPr/>
+        </p:nvGrpSpPr>
+        <p:grpSpPr>
+          <a:xfrm>
+            <a:off x="4154235" y="3530985"/>
+            <a:ext cx="1217000" cy="784946"/>
+            <a:chOff x="3544584" y="3454524"/>
+            <a:chExt cx="1217000" cy="784946"/>
+          </a:xfrm>
+        </p:grpSpPr>
+        <p:pic>
+          <p:nvPicPr>
+            <p:cNvPr id="10" name="Image 9"/>
+            <p:cNvPicPr>
+              <a:picLocks noChangeAspect="1"/>
+            </p:cNvPicPr>
+            <p:nvPr/>
+          </p:nvPicPr>
+          <p:blipFill>
+            <a:blip r:embed="rId5" cstate="hqprint">
+              <a:extLst>
+                <a:ext uri="{28A0092B-C50C-407E-A947-70E740481C1C}">
+                  <a14:useLocalDpi xmlns:a14="http://schemas.microsoft.com/office/drawing/2010/main" val="0"/>
+                </a:ext>
+              </a:extLst>
+            </a:blip>
+            <a:stretch>
+              <a:fillRect/>
+            </a:stretch>
+          </p:blipFill>
+          <p:spPr>
+            <a:xfrm>
+              <a:off x="3898713" y="3724125"/>
+              <a:ext cx="515345" cy="515345"/>
+            </a:xfrm>
+            <a:prstGeom prst="rect">
+              <a:avLst/>
+            </a:prstGeom>
+          </p:spPr>
+        </p:pic>
+        <p:sp>
+          <p:nvSpPr>
+            <p:cNvPr id="26" name="ZoneTexte 25"/>
+            <p:cNvSpPr txBox="1"/>
+            <p:nvPr/>
+          </p:nvSpPr>
+          <p:spPr>
+            <a:xfrm>
+              <a:off x="3544584" y="3454524"/>
+              <a:ext cx="1217000" cy="276999"/>
+            </a:xfrm>
+            <a:prstGeom prst="rect">
+              <a:avLst/>
+            </a:prstGeom>
+            <a:noFill/>
+          </p:spPr>
+          <p:txBody>
+            <a:bodyPr wrap="none" rtlCol="0">
+              <a:spAutoFit/>
+            </a:bodyPr>
+            <a:lstStyle/>
+            <a:p>
+              <a:r>
+                <a:rPr lang="fr-CH" sz="1200" dirty="0" smtClean="0"/>
+                <a:t>Infos utilisateur</a:t>
+              </a:r>
+              <a:endParaRPr lang="fr-CH" sz="1200" dirty="0"/>
+            </a:p>
+          </p:txBody>
+        </p:sp>
+      </p:grpSp>
+      <p:pic>
+        <p:nvPicPr>
+          <p:cNvPr id="28" name="Image 27"/>
+          <p:cNvPicPr>
+            <a:picLocks noChangeAspect="1"/>
+          </p:cNvPicPr>
+          <p:nvPr/>
+        </p:nvPicPr>
+        <p:blipFill>
+          <a:blip r:embed="rId6" cstate="hqprint">
+            <a:extLst>
+              <a:ext uri="{28A0092B-C50C-407E-A947-70E740481C1C}">
+                <a14:useLocalDpi xmlns:a14="http://schemas.microsoft.com/office/drawing/2010/main" val="0"/>
+              </a:ext>
+            </a:extLst>
+          </a:blip>
+          <a:stretch>
+            <a:fillRect/>
+          </a:stretch>
+        </p:blipFill>
+        <p:spPr>
+          <a:xfrm>
+            <a:off x="7416259" y="3213407"/>
+            <a:ext cx="348347" cy="348347"/>
+          </a:xfrm>
+          <a:prstGeom prst="rect">
+            <a:avLst/>
+          </a:prstGeom>
+        </p:spPr>
+      </p:pic>
+    </p:spTree>
+    <p:extLst>
+      <p:ext uri="{BB962C8B-B14F-4D97-AF65-F5344CB8AC3E}">
+        <p14:creationId xmlns:p14="http://schemas.microsoft.com/office/powerpoint/2010/main" val="3768692554"/>
+      </p:ext>
+    </p:extLst>
+  </p:cSld>
+  <p:clrMapOvr>
+    <a:masterClrMapping/>
+  </p:clrMapOvr>
+  <p:timing>
+    <p:tnLst>
+      <p:par>
+        <p:cTn id="1" dur="indefinite" restart="never" nodeType="tmRoot">
+          <p:childTnLst>
+            <p:seq concurrent="1" nextAc="seek">
+              <p:cTn id="2" dur="indefinite" nodeType="mainSeq">
+                <p:childTnLst>
+                  <p:par>
+                    <p:cTn id="3" fill="hold">
+                      <p:stCondLst>
+                        <p:cond delay="indefinite"/>
+                      </p:stCondLst>
+                      <p:childTnLst>
+                        <p:par>
+                          <p:cTn id="4" fill="hold">
+                            <p:stCondLst>
+                              <p:cond delay="0"/>
+                            </p:stCondLst>
+                            <p:childTnLst>
+                              <p:par>
+                                <p:cTn id="5" presetID="47" presetClass="entr" presetSubtype="0" fill="hold" grpId="0" nodeType="clickEffect">
+                                  <p:stCondLst>
+                                    <p:cond delay="0"/>
+                                  </p:stCondLst>
+                                  <p:childTnLst>
+                                    <p:set>
+                                      <p:cBhvr>
+                                        <p:cTn id="6" dur="1" fill="hold">
+                                          <p:stCondLst>
+                                            <p:cond delay="0"/>
+                                          </p:stCondLst>
+                                        </p:cTn>
+                                        <p:tgtEl>
+                                          <p:spTgt spid="24"/>
+                                        </p:tgtEl>
+                                        <p:attrNameLst>
+                                          <p:attrName>style.visibility</p:attrName>
+                                        </p:attrNameLst>
+                                      </p:cBhvr>
+                                      <p:to>
+                                        <p:strVal val="visible"/>
+                                      </p:to>
+                                    </p:set>
+                                    <p:animEffect transition="in" filter="fade">
+                                      <p:cBhvr>
+                                        <p:cTn id="7" dur="1000"/>
+                                        <p:tgtEl>
+                                          <p:spTgt spid="24"/>
+                                        </p:tgtEl>
+                                      </p:cBhvr>
+                                    </p:animEffect>
+                                    <p:anim calcmode="lin" valueType="num">
+                                      <p:cBhvr>
+                                        <p:cTn id="8" dur="1000" fill="hold"/>
+                                        <p:tgtEl>
+                                          <p:spTgt spid="24"/>
+                                        </p:tgtEl>
+                                        <p:attrNameLst>
+                                          <p:attrName>ppt_x</p:attrName>
+                                        </p:attrNameLst>
+                                      </p:cBhvr>
+                                      <p:tavLst>
+                                        <p:tav tm="0">
+                                          <p:val>
+                                            <p:strVal val="#ppt_x"/>
+                                          </p:val>
+                                        </p:tav>
+                                        <p:tav tm="100000">
+                                          <p:val>
+                                            <p:strVal val="#ppt_x"/>
+                                          </p:val>
+                                        </p:tav>
+                                      </p:tavLst>
+                                    </p:anim>
+                                    <p:anim calcmode="lin" valueType="num">
+                                      <p:cBhvr>
+                                        <p:cTn id="9" dur="1000" fill="hold"/>
+                                        <p:tgtEl>
+                                          <p:spTgt spid="24"/>
+                                        </p:tgtEl>
+                                        <p:attrNameLst>
+                                          <p:attrName>ppt_y</p:attrName>
+                                        </p:attrNameLst>
+                                      </p:cBhvr>
+                                      <p:tavLst>
+                                        <p:tav tm="0">
+                                          <p:val>
+                                            <p:strVal val="#ppt_y-.1"/>
+                                          </p:val>
+                                        </p:tav>
+                                        <p:tav tm="100000">
+                                          <p:val>
+                                            <p:strVal val="#ppt_y"/>
+                                          </p:val>
+                                        </p:tav>
+                                      </p:tavLst>
+                                    </p:anim>
+                                  </p:childTnLst>
+                                </p:cTn>
+                              </p:par>
+                            </p:childTnLst>
+                          </p:cTn>
+                        </p:par>
+                      </p:childTnLst>
+                    </p:cTn>
+                  </p:par>
+                  <p:par>
+                    <p:cTn id="10" fill="hold">
+                      <p:stCondLst>
+                        <p:cond delay="indefinite"/>
+                      </p:stCondLst>
+                      <p:childTnLst>
+                        <p:par>
+                          <p:cTn id="11" fill="hold">
+                            <p:stCondLst>
+                              <p:cond delay="0"/>
+                            </p:stCondLst>
+                            <p:childTnLst>
+                              <p:par>
+                                <p:cTn id="12" presetID="63" presetClass="path" presetSubtype="0" accel="50000" decel="50000" fill="hold" nodeType="clickEffect">
+                                  <p:stCondLst>
+                                    <p:cond delay="0"/>
+                                  </p:stCondLst>
+                                  <p:childTnLst>
+                                    <p:animMotion origin="layout" path="M 5E-6 -7.40741E-7 L 0.22683 0.00162 " pathEditMode="relative" rAng="0" ptsTypes="AA">
+                                      <p:cBhvr>
+                                        <p:cTn id="13" dur="2000" fill="hold"/>
+                                        <p:tgtEl>
+                                          <p:spTgt spid="27"/>
+                                        </p:tgtEl>
+                                        <p:attrNameLst>
+                                          <p:attrName>ppt_x</p:attrName>
+                                          <p:attrName>ppt_y</p:attrName>
+                                        </p:attrNameLst>
+                                      </p:cBhvr>
+                                      <p:rCtr x="11341" y="69"/>
+                                    </p:animMotion>
+                                  </p:childTnLst>
+                                </p:cTn>
+                              </p:par>
+                            </p:childTnLst>
+                          </p:cTn>
+                        </p:par>
+                      </p:childTnLst>
+                    </p:cTn>
+                  </p:par>
+                  <p:par>
+                    <p:cTn id="14" fill="hold">
+                      <p:stCondLst>
+                        <p:cond delay="indefinite"/>
+                      </p:stCondLst>
+                      <p:childTnLst>
+                        <p:par>
+                          <p:cTn id="15" fill="hold">
+                            <p:stCondLst>
+                              <p:cond delay="0"/>
+                            </p:stCondLst>
+                            <p:childTnLst>
+                              <p:par>
+                                <p:cTn id="16" presetID="10" presetClass="entr" presetSubtype="0" fill="hold" nodeType="clickEffect">
+                                  <p:stCondLst>
+                                    <p:cond delay="0"/>
+                                  </p:stCondLst>
+                                  <p:childTnLst>
+                                    <p:set>
+                                      <p:cBhvr>
+                                        <p:cTn id="17" dur="1" fill="hold">
+                                          <p:stCondLst>
+                                            <p:cond delay="0"/>
+                                          </p:stCondLst>
+                                        </p:cTn>
+                                        <p:tgtEl>
+                                          <p:spTgt spid="28"/>
+                                        </p:tgtEl>
+                                        <p:attrNameLst>
+                                          <p:attrName>style.visibility</p:attrName>
+                                        </p:attrNameLst>
+                                      </p:cBhvr>
+                                      <p:to>
+                                        <p:strVal val="visible"/>
+                                      </p:to>
+                                    </p:set>
+                                    <p:animEffect transition="in" filter="fade">
+                                      <p:cBhvr>
+                                        <p:cTn id="18" dur="500"/>
+                                        <p:tgtEl>
+                                          <p:spTgt spid="28"/>
+                                        </p:tgtEl>
+                                      </p:cBhvr>
+                                    </p:animEffect>
+                                  </p:childTnLst>
+                                </p:cTn>
+                              </p:par>
+                            </p:childTnLst>
+                          </p:cTn>
+                        </p:par>
+                      </p:childTnLst>
+                    </p:cTn>
+                  </p:par>
+                  <p:par>
+                    <p:cTn id="19" fill="hold">
+                      <p:stCondLst>
+                        <p:cond delay="indefinite"/>
+                      </p:stCondLst>
+                      <p:childTnLst>
+                        <p:par>
+                          <p:cTn id="20" fill="hold">
+                            <p:stCondLst>
+                              <p:cond delay="0"/>
+                            </p:stCondLst>
+                            <p:childTnLst>
+                              <p:par>
+                                <p:cTn id="21" presetID="10" presetClass="exit" presetSubtype="0" fill="hold" nodeType="clickEffect">
+                                  <p:stCondLst>
+                                    <p:cond delay="0"/>
+                                  </p:stCondLst>
+                                  <p:childTnLst>
+                                    <p:animEffect transition="out" filter="fade">
+                                      <p:cBhvr>
+                                        <p:cTn id="22" dur="500"/>
+                                        <p:tgtEl>
+                                          <p:spTgt spid="28"/>
+                                        </p:tgtEl>
+                                      </p:cBhvr>
+                                    </p:animEffect>
+                                    <p:set>
+                                      <p:cBhvr>
+                                        <p:cTn id="23" dur="1" fill="hold">
+                                          <p:stCondLst>
+                                            <p:cond delay="499"/>
+                                          </p:stCondLst>
+                                        </p:cTn>
+                                        <p:tgtEl>
+                                          <p:spTgt spid="28"/>
+                                        </p:tgtEl>
+                                        <p:attrNameLst>
+                                          <p:attrName>style.visibility</p:attrName>
+                                        </p:attrNameLst>
+                                      </p:cBhvr>
+                                      <p:to>
+                                        <p:strVal val="hidden"/>
+                                      </p:to>
+                                    </p:set>
+                                  </p:childTnLst>
+                                </p:cTn>
+                              </p:par>
+                            </p:childTnLst>
+                          </p:cTn>
+                        </p:par>
+                      </p:childTnLst>
+                    </p:cTn>
+                  </p:par>
+                  <p:par>
+                    <p:cTn id="24" fill="hold">
+                      <p:stCondLst>
+                        <p:cond delay="indefinite"/>
+                      </p:stCondLst>
+                      <p:childTnLst>
+                        <p:par>
+                          <p:cTn id="25" fill="hold">
+                            <p:stCondLst>
+                              <p:cond delay="0"/>
+                            </p:stCondLst>
+                            <p:childTnLst>
+                              <p:par>
+                                <p:cTn id="26" presetID="42" presetClass="path" presetSubtype="0" accel="50000" decel="50000" fill="hold" nodeType="clickEffect">
+                                  <p:stCondLst>
+                                    <p:cond delay="0"/>
+                                  </p:stCondLst>
+                                  <p:childTnLst>
+                                    <p:animMotion origin="layout" path="M 0.22683 0.00162 L 5E-6 -7.40741E-7 " pathEditMode="relative" rAng="0" ptsTypes="AA">
+                                      <p:cBhvr>
+                                        <p:cTn id="27" dur="2000" fill="hold"/>
+                                        <p:tgtEl>
+                                          <p:spTgt spid="27"/>
+                                        </p:tgtEl>
+                                        <p:attrNameLst>
+                                          <p:attrName>ppt_x</p:attrName>
+                                          <p:attrName>ppt_y</p:attrName>
+                                        </p:attrNameLst>
+                                      </p:cBhvr>
+                                      <p:rCtr x="-11341" y="-93"/>
+                                    </p:animMotion>
+                                  </p:childTnLst>
+                                </p:cTn>
+                              </p:par>
+                            </p:childTnLst>
+                          </p:cTn>
+                        </p:par>
+                      </p:childTnLst>
+                    </p:cTn>
+                  </p:par>
+                </p:childTnLst>
+              </p:cTn>
+              <p:prevCondLst>
+                <p:cond evt="onPrev" delay="0">
+                  <p:tgtEl>
+                    <p:sldTgt/>
+                  </p:tgtEl>
+                </p:cond>
+              </p:prevCondLst>
+              <p:nextCondLst>
+                <p:cond evt="onNext" delay="0">
+                  <p:tgtEl>
+                    <p:sldTgt/>
+                  </p:tgtEl>
+                </p:cond>
+              </p:nextCondLst>
+            </p:seq>
+          </p:childTnLst>
+        </p:cTn>
+      </p:par>
+    </p:tnLst>
+    <p:bldLst>
+      <p:bldP spid="24" grpId="0" animBg="1"/>
+    </p:bldLst>
+  </p:timing>
+</p:sld>
+</file>
+
+<file path=ppt/slides/slide18.xml><?xml version="1.0" encoding="utf-8"?>
+<p:sld xmlns:a="http://schemas.openxmlformats.org/drawingml/2006/main" xmlns:r="http://schemas.openxmlformats.org/officeDocument/2006/relationships" xmlns:p="http://schemas.openxmlformats.org/presentationml/2006/main">
+  <p:cSld>
+    <p:spTree>
+      <p:nvGrpSpPr>
+        <p:cNvPr id="1" name=""/>
+        <p:cNvGrpSpPr/>
+        <p:nvPr/>
+      </p:nvGrpSpPr>
+      <p:grpSpPr>
+        <a:xfrm>
+          <a:off x="0" y="0"/>
+          <a:ext cx="0" cy="0"/>
+          <a:chOff x="0" y="0"/>
+          <a:chExt cx="0" cy="0"/>
+        </a:xfrm>
+      </p:grpSpPr>
+      <p:sp>
+        <p:nvSpPr>
+          <p:cNvPr id="4" name="Rectangle 3"/>
+          <p:cNvSpPr/>
+          <p:nvPr/>
+        </p:nvSpPr>
+        <p:spPr>
+          <a:xfrm>
+            <a:off x="-1" y="0"/>
+            <a:ext cx="12192001" cy="889462"/>
+          </a:xfrm>
+          <a:prstGeom prst="rect">
+            <a:avLst/>
+          </a:prstGeom>
+          <a:solidFill>
+            <a:srgbClr val="83486B"/>
+          </a:solidFill>
+          <a:ln>
+            <a:solidFill>
+              <a:srgbClr val="83486B"/>
+            </a:solidFill>
+          </a:ln>
+        </p:spPr>
+        <p:style>
+          <a:lnRef idx="2">
+            <a:schemeClr val="accent1">
+              <a:shade val="50000"/>
+            </a:schemeClr>
+          </a:lnRef>
+          <a:fillRef idx="1">
+            <a:schemeClr val="accent1"/>
+          </a:fillRef>
+          <a:effectRef idx="0">
+            <a:schemeClr val="accent1"/>
+          </a:effectRef>
+          <a:fontRef idx="minor">
+            <a:schemeClr val="lt1"/>
+          </a:fontRef>
+        </p:style>
+        <p:txBody>
+          <a:bodyPr rtlCol="0" anchor="ctr"/>
+          <a:lstStyle/>
+          <a:p>
+            <a:pPr algn="ctr"/>
+            <a:endParaRPr lang="fr-CH" dirty="0"/>
+          </a:p>
+        </p:txBody>
+      </p:sp>
+      <p:sp>
+        <p:nvSpPr>
+          <p:cNvPr id="5" name="ZoneTexte 4"/>
+          <p:cNvSpPr txBox="1"/>
+          <p:nvPr/>
+        </p:nvSpPr>
+        <p:spPr>
+          <a:xfrm>
+            <a:off x="166255" y="260065"/>
+            <a:ext cx="1693605" cy="369332"/>
+          </a:xfrm>
+          <a:prstGeom prst="rect">
+            <a:avLst/>
+          </a:prstGeom>
+          <a:noFill/>
+        </p:spPr>
+        <p:txBody>
+          <a:bodyPr wrap="none" rtlCol="0">
+            <a:spAutoFit/>
+          </a:bodyPr>
+          <a:lstStyle/>
+          <a:p>
+            <a:r>
+              <a:rPr lang="fr-CH" dirty="0" smtClean="0">
+                <a:solidFill>
+                  <a:schemeClr val="bg1"/>
+                </a:solidFill>
+              </a:rPr>
+              <a:t>REALISATION</a:t>
+            </a:r>
+            <a:endParaRPr lang="fr-CH" dirty="0">
+              <a:solidFill>
+                <a:schemeClr val="bg1"/>
+              </a:solidFill>
+            </a:endParaRPr>
+          </a:p>
+        </p:txBody>
+      </p:sp>
+      <p:sp>
+        <p:nvSpPr>
+          <p:cNvPr id="8" name="Espace réservé du numéro de diapositive 7"/>
+          <p:cNvSpPr>
+            <a:spLocks noGrp="1"/>
+          </p:cNvSpPr>
+          <p:nvPr>
+            <p:ph type="sldNum" sz="quarter" idx="12"/>
+          </p:nvPr>
+        </p:nvSpPr>
+        <p:spPr/>
+        <p:txBody>
+          <a:bodyPr/>
+          <a:lstStyle/>
+          <a:p>
+            <a:fld id="{F8E28480-1C08-4458-AD97-0283E6FFD09D}" type="slidenum">
+              <a:rPr lang="en-US" sz="2000" smtClean="0"/>
+              <a:t>18</a:t>
+            </a:fld>
+            <a:endParaRPr lang="en-US" sz="2000" dirty="0"/>
+          </a:p>
+        </p:txBody>
+      </p:sp>
+      <p:cxnSp>
+        <p:nvCxnSpPr>
+          <p:cNvPr id="13" name="Connecteur droit 12"/>
+          <p:cNvCxnSpPr/>
+          <p:nvPr/>
+        </p:nvCxnSpPr>
+        <p:spPr>
+          <a:xfrm>
+            <a:off x="7358052" y="6576639"/>
+            <a:ext cx="440559" cy="0"/>
+          </a:xfrm>
+          <a:prstGeom prst="line">
+            <a:avLst/>
+          </a:prstGeom>
+          <a:ln w="38100">
+            <a:solidFill>
+              <a:schemeClr val="bg1">
+                <a:lumMod val="75000"/>
+              </a:schemeClr>
+            </a:solidFill>
+            <a:prstDash val="sysDot"/>
+          </a:ln>
+        </p:spPr>
+        <p:style>
+          <a:lnRef idx="1">
+            <a:schemeClr val="accent1"/>
+          </a:lnRef>
+          <a:fillRef idx="0">
+            <a:schemeClr val="accent1"/>
+          </a:fillRef>
+          <a:effectRef idx="0">
+            <a:schemeClr val="accent1"/>
+          </a:effectRef>
+          <a:fontRef idx="minor">
+            <a:schemeClr val="tx1"/>
+          </a:fontRef>
+        </p:style>
+      </p:cxnSp>
+      <p:sp>
+        <p:nvSpPr>
+          <p:cNvPr id="14" name="Ellipse 13"/>
+          <p:cNvSpPr/>
+          <p:nvPr/>
+        </p:nvSpPr>
+        <p:spPr>
+          <a:xfrm>
+            <a:off x="7119549" y="6476886"/>
+            <a:ext cx="199505" cy="199505"/>
+          </a:xfrm>
+          <a:prstGeom prst="ellipse">
+            <a:avLst/>
+          </a:prstGeom>
+          <a:solidFill>
+            <a:schemeClr val="bg1"/>
+          </a:solidFill>
+          <a:ln>
+            <a:solidFill>
+              <a:schemeClr val="tx2">
+                <a:lumMod val="75000"/>
+                <a:lumOff val="25000"/>
+              </a:schemeClr>
+            </a:solidFill>
+          </a:ln>
+        </p:spPr>
+        <p:style>
+          <a:lnRef idx="2">
+            <a:schemeClr val="accent1">
+              <a:shade val="50000"/>
+            </a:schemeClr>
+          </a:lnRef>
+          <a:fillRef idx="1">
+            <a:schemeClr val="accent1"/>
+          </a:fillRef>
+          <a:effectRef idx="0">
+            <a:schemeClr val="accent1"/>
+          </a:effectRef>
+          <a:fontRef idx="minor">
+            <a:schemeClr val="lt1"/>
+          </a:fontRef>
+        </p:style>
+        <p:txBody>
+          <a:bodyPr rtlCol="0" anchor="ctr"/>
+          <a:lstStyle/>
+          <a:p>
+            <a:pPr algn="ctr"/>
+            <a:endParaRPr lang="fr-CH"/>
+          </a:p>
+        </p:txBody>
+      </p:sp>
+      <p:cxnSp>
+        <p:nvCxnSpPr>
+          <p:cNvPr id="15" name="Connecteur droit 14"/>
+          <p:cNvCxnSpPr/>
+          <p:nvPr/>
+        </p:nvCxnSpPr>
+        <p:spPr>
+          <a:xfrm>
+            <a:off x="8080756" y="6576639"/>
+            <a:ext cx="440559" cy="0"/>
+          </a:xfrm>
+          <a:prstGeom prst="line">
+            <a:avLst/>
+          </a:prstGeom>
+          <a:ln w="38100">
+            <a:solidFill>
+              <a:schemeClr val="bg1">
+                <a:lumMod val="75000"/>
+              </a:schemeClr>
+            </a:solidFill>
+            <a:prstDash val="sysDot"/>
+          </a:ln>
+        </p:spPr>
+        <p:style>
+          <a:lnRef idx="1">
+            <a:schemeClr val="accent1"/>
+          </a:lnRef>
+          <a:fillRef idx="0">
+            <a:schemeClr val="accent1"/>
+          </a:fillRef>
+          <a:effectRef idx="0">
+            <a:schemeClr val="accent1"/>
+          </a:effectRef>
+          <a:fontRef idx="minor">
+            <a:schemeClr val="tx1"/>
+          </a:fontRef>
+        </p:style>
+      </p:cxnSp>
+      <p:sp>
+        <p:nvSpPr>
+          <p:cNvPr id="16" name="Ellipse 15"/>
+          <p:cNvSpPr/>
+          <p:nvPr/>
+        </p:nvSpPr>
+        <p:spPr>
+          <a:xfrm>
+            <a:off x="7842253" y="6476886"/>
+            <a:ext cx="199505" cy="199505"/>
+          </a:xfrm>
+          <a:prstGeom prst="ellipse">
+            <a:avLst/>
+          </a:prstGeom>
+          <a:solidFill>
+            <a:schemeClr val="bg1"/>
+          </a:solidFill>
+          <a:ln>
+            <a:solidFill>
+              <a:schemeClr val="tx2">
+                <a:lumMod val="75000"/>
+                <a:lumOff val="25000"/>
+              </a:schemeClr>
+            </a:solidFill>
+          </a:ln>
+        </p:spPr>
+        <p:style>
+          <a:lnRef idx="2">
+            <a:schemeClr val="accent1">
+              <a:shade val="50000"/>
+            </a:schemeClr>
+          </a:lnRef>
+          <a:fillRef idx="1">
+            <a:schemeClr val="accent1"/>
+          </a:fillRef>
+          <a:effectRef idx="0">
+            <a:schemeClr val="accent1"/>
+          </a:effectRef>
+          <a:fontRef idx="minor">
+            <a:schemeClr val="lt1"/>
+          </a:fontRef>
+        </p:style>
+        <p:txBody>
+          <a:bodyPr rtlCol="0" anchor="ctr"/>
+          <a:lstStyle/>
+          <a:p>
+            <a:pPr algn="ctr"/>
+            <a:endParaRPr lang="fr-CH"/>
+          </a:p>
+        </p:txBody>
+      </p:sp>
+      <p:cxnSp>
+        <p:nvCxnSpPr>
+          <p:cNvPr id="17" name="Connecteur droit 16"/>
+          <p:cNvCxnSpPr/>
+          <p:nvPr/>
+        </p:nvCxnSpPr>
+        <p:spPr>
+          <a:xfrm>
+            <a:off x="8803460" y="6576639"/>
+            <a:ext cx="440559" cy="0"/>
+          </a:xfrm>
+          <a:prstGeom prst="line">
+            <a:avLst/>
+          </a:prstGeom>
+          <a:ln w="38100">
+            <a:solidFill>
+              <a:schemeClr val="bg1">
+                <a:lumMod val="75000"/>
+              </a:schemeClr>
+            </a:solidFill>
+            <a:prstDash val="sysDot"/>
+          </a:ln>
+        </p:spPr>
+        <p:style>
+          <a:lnRef idx="1">
+            <a:schemeClr val="accent1"/>
+          </a:lnRef>
+          <a:fillRef idx="0">
+            <a:schemeClr val="accent1"/>
+          </a:fillRef>
+          <a:effectRef idx="0">
+            <a:schemeClr val="accent1"/>
+          </a:effectRef>
+          <a:fontRef idx="minor">
+            <a:schemeClr val="tx1"/>
+          </a:fontRef>
+        </p:style>
+      </p:cxnSp>
+      <p:sp>
+        <p:nvSpPr>
+          <p:cNvPr id="18" name="Ellipse 17"/>
+          <p:cNvSpPr/>
+          <p:nvPr/>
+        </p:nvSpPr>
+        <p:spPr>
+          <a:xfrm>
+            <a:off x="8564957" y="6476886"/>
+            <a:ext cx="199505" cy="199505"/>
+          </a:xfrm>
+          <a:prstGeom prst="ellipse">
+            <a:avLst/>
+          </a:prstGeom>
+          <a:solidFill>
+            <a:schemeClr val="tx1"/>
+          </a:solidFill>
+          <a:ln>
+            <a:solidFill>
+              <a:schemeClr val="tx2">
+                <a:lumMod val="75000"/>
+                <a:lumOff val="25000"/>
+              </a:schemeClr>
+            </a:solidFill>
+          </a:ln>
+        </p:spPr>
+        <p:style>
+          <a:lnRef idx="2">
+            <a:schemeClr val="accent1">
+              <a:shade val="50000"/>
+            </a:schemeClr>
+          </a:lnRef>
+          <a:fillRef idx="1">
+            <a:schemeClr val="accent1"/>
+          </a:fillRef>
+          <a:effectRef idx="0">
+            <a:schemeClr val="accent1"/>
+          </a:effectRef>
+          <a:fontRef idx="minor">
+            <a:schemeClr val="lt1"/>
+          </a:fontRef>
+        </p:style>
+        <p:txBody>
+          <a:bodyPr rtlCol="0" anchor="ctr"/>
+          <a:lstStyle/>
+          <a:p>
+            <a:pPr algn="ctr"/>
+            <a:endParaRPr lang="fr-CH"/>
+          </a:p>
+        </p:txBody>
+      </p:sp>
+      <p:cxnSp>
+        <p:nvCxnSpPr>
+          <p:cNvPr id="19" name="Connecteur droit 18"/>
+          <p:cNvCxnSpPr/>
+          <p:nvPr/>
+        </p:nvCxnSpPr>
+        <p:spPr>
+          <a:xfrm>
+            <a:off x="9521520" y="6576639"/>
+            <a:ext cx="440559" cy="0"/>
+          </a:xfrm>
+          <a:prstGeom prst="line">
+            <a:avLst/>
+          </a:prstGeom>
+          <a:ln w="38100">
+            <a:solidFill>
+              <a:schemeClr val="bg1">
+                <a:lumMod val="75000"/>
+              </a:schemeClr>
+            </a:solidFill>
+            <a:prstDash val="sysDot"/>
+          </a:ln>
+        </p:spPr>
+        <p:style>
+          <a:lnRef idx="1">
+            <a:schemeClr val="accent1"/>
+          </a:lnRef>
+          <a:fillRef idx="0">
+            <a:schemeClr val="accent1"/>
+          </a:fillRef>
+          <a:effectRef idx="0">
+            <a:schemeClr val="accent1"/>
+          </a:effectRef>
+          <a:fontRef idx="minor">
+            <a:schemeClr val="tx1"/>
+          </a:fontRef>
+        </p:style>
+      </p:cxnSp>
+      <p:sp>
+        <p:nvSpPr>
+          <p:cNvPr id="20" name="Ellipse 19"/>
+          <p:cNvSpPr/>
+          <p:nvPr/>
+        </p:nvSpPr>
+        <p:spPr>
+          <a:xfrm>
+            <a:off x="9283017" y="6476886"/>
+            <a:ext cx="199505" cy="199505"/>
+          </a:xfrm>
+          <a:prstGeom prst="ellipse">
+            <a:avLst/>
+          </a:prstGeom>
+          <a:solidFill>
+            <a:schemeClr val="bg1"/>
+          </a:solidFill>
+          <a:ln>
+            <a:solidFill>
+              <a:schemeClr val="tx2">
+                <a:lumMod val="75000"/>
+                <a:lumOff val="25000"/>
+              </a:schemeClr>
+            </a:solidFill>
+          </a:ln>
+        </p:spPr>
+        <p:style>
+          <a:lnRef idx="2">
+            <a:schemeClr val="accent1">
+              <a:shade val="50000"/>
+            </a:schemeClr>
+          </a:lnRef>
+          <a:fillRef idx="1">
+            <a:schemeClr val="accent1"/>
+          </a:fillRef>
+          <a:effectRef idx="0">
+            <a:schemeClr val="accent1"/>
+          </a:effectRef>
+          <a:fontRef idx="minor">
+            <a:schemeClr val="lt1"/>
+          </a:fontRef>
+        </p:style>
+        <p:txBody>
+          <a:bodyPr rtlCol="0" anchor="ctr"/>
+          <a:lstStyle/>
+          <a:p>
+            <a:pPr algn="ctr"/>
+            <a:endParaRPr lang="fr-CH"/>
+          </a:p>
+        </p:txBody>
+      </p:sp>
+      <p:sp>
+        <p:nvSpPr>
+          <p:cNvPr id="22" name="Ellipse 21"/>
+          <p:cNvSpPr/>
+          <p:nvPr/>
+        </p:nvSpPr>
+        <p:spPr>
+          <a:xfrm>
+            <a:off x="10001077" y="6476886"/>
+            <a:ext cx="199505" cy="199505"/>
+          </a:xfrm>
+          <a:prstGeom prst="ellipse">
+            <a:avLst/>
+          </a:prstGeom>
+          <a:solidFill>
+            <a:schemeClr val="bg1"/>
+          </a:solidFill>
+          <a:ln>
+            <a:solidFill>
+              <a:schemeClr val="tx2">
+                <a:lumMod val="75000"/>
+                <a:lumOff val="25000"/>
+              </a:schemeClr>
+            </a:solidFill>
+          </a:ln>
+        </p:spPr>
+        <p:style>
+          <a:lnRef idx="2">
+            <a:schemeClr val="accent1">
+              <a:shade val="50000"/>
+            </a:schemeClr>
+          </a:lnRef>
+          <a:fillRef idx="1">
+            <a:schemeClr val="accent1"/>
+          </a:fillRef>
+          <a:effectRef idx="0">
+            <a:schemeClr val="accent1"/>
+          </a:effectRef>
+          <a:fontRef idx="minor">
+            <a:schemeClr val="lt1"/>
+          </a:fontRef>
+        </p:style>
+        <p:txBody>
+          <a:bodyPr rtlCol="0" anchor="ctr"/>
+          <a:lstStyle/>
+          <a:p>
+            <a:pPr algn="ctr"/>
+            <a:endParaRPr lang="fr-CH"/>
+          </a:p>
+        </p:txBody>
+      </p:sp>
+      <p:sp>
+        <p:nvSpPr>
+          <p:cNvPr id="3" name="ZoneTexte 2"/>
+          <p:cNvSpPr txBox="1"/>
+          <p:nvPr/>
+        </p:nvSpPr>
+        <p:spPr>
+          <a:xfrm>
+            <a:off x="4636620" y="1074060"/>
+            <a:ext cx="2390398" cy="369332"/>
+          </a:xfrm>
+          <a:prstGeom prst="rect">
+            <a:avLst/>
+          </a:prstGeom>
+          <a:noFill/>
+        </p:spPr>
+        <p:txBody>
+          <a:bodyPr wrap="none" rtlCol="0">
+            <a:spAutoFit/>
+          </a:bodyPr>
+          <a:lstStyle/>
+          <a:p>
+            <a:r>
+              <a:rPr lang="fr-CH" dirty="0" smtClean="0"/>
+              <a:t>Droits des utilisateurs</a:t>
+            </a:r>
+            <a:endParaRPr lang="fr-CH" dirty="0"/>
+          </a:p>
+        </p:txBody>
+      </p:sp>
+      <p:sp>
+        <p:nvSpPr>
+          <p:cNvPr id="7" name="ZoneTexte 6"/>
+          <p:cNvSpPr txBox="1"/>
+          <p:nvPr/>
+        </p:nvSpPr>
+        <p:spPr>
+          <a:xfrm>
+            <a:off x="1222131" y="2233246"/>
+            <a:ext cx="4448907" cy="2585323"/>
+          </a:xfrm>
+          <a:prstGeom prst="rect">
+            <a:avLst/>
+          </a:prstGeom>
+          <a:noFill/>
+        </p:spPr>
+        <p:txBody>
+          <a:bodyPr wrap="square" rtlCol="0">
+            <a:spAutoFit/>
+          </a:bodyPr>
+          <a:lstStyle/>
+          <a:p>
+            <a:pPr>
+              <a:lnSpc>
+                <a:spcPct val="150000"/>
+              </a:lnSpc>
+            </a:pPr>
+            <a:r>
+              <a:rPr lang="fr-CH" dirty="0" smtClean="0"/>
+              <a:t>Compte «admin» de la commune peut:</a:t>
+            </a:r>
+          </a:p>
+          <a:p>
+            <a:pPr marL="285750" indent="-285750">
+              <a:lnSpc>
+                <a:spcPct val="150000"/>
+              </a:lnSpc>
+              <a:buFont typeface="Arial" panose="020B0604020202020204" pitchFamily="34" charset="0"/>
+              <a:buChar char="•"/>
+            </a:pPr>
+            <a:r>
+              <a:rPr lang="fr-CH" dirty="0"/>
+              <a:t>A</a:t>
+            </a:r>
+            <a:r>
+              <a:rPr lang="fr-CH" dirty="0" smtClean="0"/>
+              <a:t>jouter </a:t>
+            </a:r>
+          </a:p>
+          <a:p>
+            <a:pPr marL="285750" indent="-285750">
+              <a:lnSpc>
+                <a:spcPct val="150000"/>
+              </a:lnSpc>
+              <a:buFont typeface="Arial" panose="020B0604020202020204" pitchFamily="34" charset="0"/>
+              <a:buChar char="•"/>
+            </a:pPr>
+            <a:r>
+              <a:rPr lang="fr-CH" dirty="0" smtClean="0"/>
+              <a:t>Modifier </a:t>
+            </a:r>
+          </a:p>
+          <a:p>
+            <a:pPr marL="285750" indent="-285750">
+              <a:lnSpc>
+                <a:spcPct val="150000"/>
+              </a:lnSpc>
+              <a:buFont typeface="Arial" panose="020B0604020202020204" pitchFamily="34" charset="0"/>
+              <a:buChar char="•"/>
+            </a:pPr>
+            <a:r>
+              <a:rPr lang="fr-CH" dirty="0" smtClean="0"/>
+              <a:t>Supprimer</a:t>
+            </a:r>
+          </a:p>
+          <a:p>
+            <a:pPr marL="285750" indent="-285750">
+              <a:lnSpc>
+                <a:spcPct val="150000"/>
+              </a:lnSpc>
+              <a:buFont typeface="Arial" panose="020B0604020202020204" pitchFamily="34" charset="0"/>
+              <a:buChar char="•"/>
+            </a:pPr>
+            <a:r>
+              <a:rPr lang="fr-CH" dirty="0" smtClean="0"/>
+              <a:t>Rechercher</a:t>
+            </a:r>
+          </a:p>
+          <a:p>
+            <a:pPr marL="285750" indent="-285750">
+              <a:lnSpc>
+                <a:spcPct val="150000"/>
+              </a:lnSpc>
+              <a:buFont typeface="Arial" panose="020B0604020202020204" pitchFamily="34" charset="0"/>
+              <a:buChar char="•"/>
+            </a:pPr>
+            <a:r>
+              <a:rPr lang="fr-CH" dirty="0" smtClean="0"/>
+              <a:t>Rendre</a:t>
+            </a:r>
+          </a:p>
+        </p:txBody>
+      </p:sp>
+      <p:sp>
+        <p:nvSpPr>
+          <p:cNvPr id="29" name="ZoneTexte 28"/>
+          <p:cNvSpPr txBox="1"/>
+          <p:nvPr/>
+        </p:nvSpPr>
+        <p:spPr>
+          <a:xfrm>
+            <a:off x="6440255" y="2233245"/>
+            <a:ext cx="5042499" cy="1338828"/>
+          </a:xfrm>
+          <a:prstGeom prst="rect">
+            <a:avLst/>
+          </a:prstGeom>
+          <a:noFill/>
+        </p:spPr>
+        <p:txBody>
+          <a:bodyPr wrap="square" rtlCol="0">
+            <a:spAutoFit/>
+          </a:bodyPr>
+          <a:lstStyle/>
+          <a:p>
+            <a:pPr>
+              <a:lnSpc>
+                <a:spcPct val="150000"/>
+              </a:lnSpc>
+            </a:pPr>
+            <a:r>
+              <a:rPr lang="fr-CH" dirty="0" smtClean="0"/>
+              <a:t>Compte «recherche» de la commune peut:</a:t>
+            </a:r>
+          </a:p>
+          <a:p>
+            <a:pPr marL="285750" indent="-285750">
+              <a:lnSpc>
+                <a:spcPct val="150000"/>
+              </a:lnSpc>
+              <a:buFont typeface="Arial" panose="020B0604020202020204" pitchFamily="34" charset="0"/>
+              <a:buChar char="•"/>
+            </a:pPr>
+            <a:r>
+              <a:rPr lang="fr-CH" dirty="0" smtClean="0"/>
+              <a:t>Rechercher</a:t>
+            </a:r>
+          </a:p>
+          <a:p>
+            <a:pPr marL="285750" indent="-285750">
+              <a:lnSpc>
+                <a:spcPct val="150000"/>
+              </a:lnSpc>
+              <a:buFont typeface="Arial" panose="020B0604020202020204" pitchFamily="34" charset="0"/>
+              <a:buChar char="•"/>
+            </a:pPr>
+            <a:r>
+              <a:rPr lang="fr-CH" dirty="0" smtClean="0"/>
+              <a:t>Rendre</a:t>
+            </a:r>
+          </a:p>
+        </p:txBody>
+      </p:sp>
+    </p:spTree>
+    <p:extLst>
+      <p:ext uri="{BB962C8B-B14F-4D97-AF65-F5344CB8AC3E}">
+        <p14:creationId xmlns:p14="http://schemas.microsoft.com/office/powerpoint/2010/main" val="4043089445"/>
+      </p:ext>
+    </p:extLst>
+  </p:cSld>
+  <p:clrMapOvr>
+    <a:masterClrMapping/>
+  </p:clrMapOvr>
+  <p:timing>
+    <p:tnLst>
+      <p:par>
+        <p:cTn id="1" dur="indefinite" restart="never" nodeType="tmRoot"/>
+      </p:par>
+    </p:tnLst>
+  </p:timing>
+</p:sld>
+</file>
+
+<file path=ppt/slides/slide19.xml><?xml version="1.0" encoding="utf-8"?>
+<p:sld xmlns:a="http://schemas.openxmlformats.org/drawingml/2006/main" xmlns:r="http://schemas.openxmlformats.org/officeDocument/2006/relationships" xmlns:p="http://schemas.openxmlformats.org/presentationml/2006/main">
+  <p:cSld>
+    <p:spTree>
+      <p:nvGrpSpPr>
+        <p:cNvPr id="1" name=""/>
+        <p:cNvGrpSpPr/>
+        <p:nvPr/>
+      </p:nvGrpSpPr>
+      <p:grpSpPr>
+        <a:xfrm>
+          <a:off x="0" y="0"/>
+          <a:ext cx="0" cy="0"/>
+          <a:chOff x="0" y="0"/>
+          <a:chExt cx="0" cy="0"/>
+        </a:xfrm>
+      </p:grpSpPr>
+      <p:sp>
+        <p:nvSpPr>
+          <p:cNvPr id="4" name="Rectangle 3"/>
+          <p:cNvSpPr/>
+          <p:nvPr/>
+        </p:nvSpPr>
+        <p:spPr>
+          <a:xfrm>
+            <a:off x="-1" y="0"/>
+            <a:ext cx="12192001" cy="889462"/>
+          </a:xfrm>
+          <a:prstGeom prst="rect">
+            <a:avLst/>
+          </a:prstGeom>
+          <a:solidFill>
+            <a:srgbClr val="83486B"/>
+          </a:solidFill>
+          <a:ln>
+            <a:solidFill>
+              <a:srgbClr val="83486B"/>
+            </a:solidFill>
+          </a:ln>
+        </p:spPr>
+        <p:style>
+          <a:lnRef idx="2">
+            <a:schemeClr val="accent1">
+              <a:shade val="50000"/>
+            </a:schemeClr>
+          </a:lnRef>
+          <a:fillRef idx="1">
+            <a:schemeClr val="accent1"/>
+          </a:fillRef>
+          <a:effectRef idx="0">
+            <a:schemeClr val="accent1"/>
+          </a:effectRef>
+          <a:fontRef idx="minor">
+            <a:schemeClr val="lt1"/>
+          </a:fontRef>
+        </p:style>
+        <p:txBody>
+          <a:bodyPr rtlCol="0" anchor="ctr"/>
+          <a:lstStyle/>
+          <a:p>
+            <a:pPr algn="ctr"/>
+            <a:endParaRPr lang="fr-CH" dirty="0"/>
+          </a:p>
+        </p:txBody>
+      </p:sp>
+      <p:sp>
+        <p:nvSpPr>
+          <p:cNvPr id="5" name="ZoneTexte 4"/>
+          <p:cNvSpPr txBox="1"/>
+          <p:nvPr/>
+        </p:nvSpPr>
+        <p:spPr>
+          <a:xfrm>
+            <a:off x="166255" y="260065"/>
+            <a:ext cx="1693605" cy="369332"/>
+          </a:xfrm>
+          <a:prstGeom prst="rect">
+            <a:avLst/>
+          </a:prstGeom>
+          <a:noFill/>
+        </p:spPr>
+        <p:txBody>
+          <a:bodyPr wrap="none" rtlCol="0">
+            <a:spAutoFit/>
+          </a:bodyPr>
+          <a:lstStyle/>
+          <a:p>
+            <a:r>
+              <a:rPr lang="fr-CH" dirty="0" smtClean="0">
+                <a:solidFill>
+                  <a:schemeClr val="bg1"/>
+                </a:solidFill>
+              </a:rPr>
+              <a:t>REALISATION</a:t>
+            </a:r>
+            <a:endParaRPr lang="fr-CH" dirty="0">
+              <a:solidFill>
+                <a:schemeClr val="bg1"/>
+              </a:solidFill>
+            </a:endParaRPr>
+          </a:p>
+        </p:txBody>
+      </p:sp>
+      <p:sp>
+        <p:nvSpPr>
+          <p:cNvPr id="8" name="Espace réservé du numéro de diapositive 7"/>
+          <p:cNvSpPr>
+            <a:spLocks noGrp="1"/>
+          </p:cNvSpPr>
+          <p:nvPr>
+            <p:ph type="sldNum" sz="quarter" idx="12"/>
+          </p:nvPr>
+        </p:nvSpPr>
+        <p:spPr/>
+        <p:txBody>
+          <a:bodyPr/>
+          <a:lstStyle/>
+          <a:p>
+            <a:fld id="{F8E28480-1C08-4458-AD97-0283E6FFD09D}" type="slidenum">
+              <a:rPr lang="en-US" sz="2000" smtClean="0"/>
+              <a:t>19</a:t>
+            </a:fld>
+            <a:endParaRPr lang="en-US" sz="2000" dirty="0"/>
+          </a:p>
+        </p:txBody>
+      </p:sp>
+      <p:cxnSp>
+        <p:nvCxnSpPr>
+          <p:cNvPr id="13" name="Connecteur droit 12"/>
+          <p:cNvCxnSpPr/>
+          <p:nvPr/>
+        </p:nvCxnSpPr>
+        <p:spPr>
+          <a:xfrm>
+            <a:off x="7358052" y="6576639"/>
+            <a:ext cx="440559" cy="0"/>
+          </a:xfrm>
+          <a:prstGeom prst="line">
+            <a:avLst/>
+          </a:prstGeom>
+          <a:ln w="38100">
+            <a:solidFill>
+              <a:schemeClr val="bg1">
+                <a:lumMod val="75000"/>
+              </a:schemeClr>
+            </a:solidFill>
+            <a:prstDash val="sysDot"/>
+          </a:ln>
+        </p:spPr>
+        <p:style>
+          <a:lnRef idx="1">
+            <a:schemeClr val="accent1"/>
+          </a:lnRef>
+          <a:fillRef idx="0">
+            <a:schemeClr val="accent1"/>
+          </a:fillRef>
+          <a:effectRef idx="0">
+            <a:schemeClr val="accent1"/>
+          </a:effectRef>
+          <a:fontRef idx="minor">
+            <a:schemeClr val="tx1"/>
+          </a:fontRef>
+        </p:style>
+      </p:cxnSp>
+      <p:sp>
+        <p:nvSpPr>
+          <p:cNvPr id="14" name="Ellipse 13"/>
+          <p:cNvSpPr/>
+          <p:nvPr/>
+        </p:nvSpPr>
+        <p:spPr>
+          <a:xfrm>
+            <a:off x="7119549" y="6476886"/>
+            <a:ext cx="199505" cy="199505"/>
+          </a:xfrm>
+          <a:prstGeom prst="ellipse">
+            <a:avLst/>
+          </a:prstGeom>
+          <a:solidFill>
+            <a:schemeClr val="bg1"/>
+          </a:solidFill>
+          <a:ln>
+            <a:solidFill>
+              <a:schemeClr val="tx2">
+                <a:lumMod val="75000"/>
+                <a:lumOff val="25000"/>
+              </a:schemeClr>
+            </a:solidFill>
+          </a:ln>
+        </p:spPr>
+        <p:style>
+          <a:lnRef idx="2">
+            <a:schemeClr val="accent1">
+              <a:shade val="50000"/>
+            </a:schemeClr>
+          </a:lnRef>
+          <a:fillRef idx="1">
+            <a:schemeClr val="accent1"/>
+          </a:fillRef>
+          <a:effectRef idx="0">
+            <a:schemeClr val="accent1"/>
+          </a:effectRef>
+          <a:fontRef idx="minor">
+            <a:schemeClr val="lt1"/>
+          </a:fontRef>
+        </p:style>
+        <p:txBody>
+          <a:bodyPr rtlCol="0" anchor="ctr"/>
+          <a:lstStyle/>
+          <a:p>
+            <a:pPr algn="ctr"/>
+            <a:endParaRPr lang="fr-CH"/>
+          </a:p>
+        </p:txBody>
+      </p:sp>
+      <p:cxnSp>
+        <p:nvCxnSpPr>
+          <p:cNvPr id="15" name="Connecteur droit 14"/>
+          <p:cNvCxnSpPr/>
+          <p:nvPr/>
+        </p:nvCxnSpPr>
+        <p:spPr>
+          <a:xfrm>
+            <a:off x="8080756" y="6576639"/>
+            <a:ext cx="440559" cy="0"/>
+          </a:xfrm>
+          <a:prstGeom prst="line">
+            <a:avLst/>
+          </a:prstGeom>
+          <a:ln w="38100">
+            <a:solidFill>
+              <a:schemeClr val="bg1">
+                <a:lumMod val="75000"/>
+              </a:schemeClr>
+            </a:solidFill>
+            <a:prstDash val="sysDot"/>
+          </a:ln>
+        </p:spPr>
+        <p:style>
+          <a:lnRef idx="1">
+            <a:schemeClr val="accent1"/>
+          </a:lnRef>
+          <a:fillRef idx="0">
+            <a:schemeClr val="accent1"/>
+          </a:fillRef>
+          <a:effectRef idx="0">
+            <a:schemeClr val="accent1"/>
+          </a:effectRef>
+          <a:fontRef idx="minor">
+            <a:schemeClr val="tx1"/>
+          </a:fontRef>
+        </p:style>
+      </p:cxnSp>
+      <p:sp>
+        <p:nvSpPr>
+          <p:cNvPr id="16" name="Ellipse 15"/>
+          <p:cNvSpPr/>
+          <p:nvPr/>
+        </p:nvSpPr>
+        <p:spPr>
+          <a:xfrm>
+            <a:off x="7842253" y="6476886"/>
+            <a:ext cx="199505" cy="199505"/>
+          </a:xfrm>
+          <a:prstGeom prst="ellipse">
+            <a:avLst/>
+          </a:prstGeom>
+          <a:solidFill>
+            <a:schemeClr val="bg1"/>
+          </a:solidFill>
+          <a:ln>
+            <a:solidFill>
+              <a:schemeClr val="tx2">
+                <a:lumMod val="75000"/>
+                <a:lumOff val="25000"/>
+              </a:schemeClr>
+            </a:solidFill>
+          </a:ln>
+        </p:spPr>
+        <p:style>
+          <a:lnRef idx="2">
+            <a:schemeClr val="accent1">
+              <a:shade val="50000"/>
+            </a:schemeClr>
+          </a:lnRef>
+          <a:fillRef idx="1">
+            <a:schemeClr val="accent1"/>
+          </a:fillRef>
+          <a:effectRef idx="0">
+            <a:schemeClr val="accent1"/>
+          </a:effectRef>
+          <a:fontRef idx="minor">
+            <a:schemeClr val="lt1"/>
+          </a:fontRef>
+        </p:style>
+        <p:txBody>
+          <a:bodyPr rtlCol="0" anchor="ctr"/>
+          <a:lstStyle/>
+          <a:p>
+            <a:pPr algn="ctr"/>
+            <a:endParaRPr lang="fr-CH"/>
+          </a:p>
+        </p:txBody>
+      </p:sp>
+      <p:cxnSp>
+        <p:nvCxnSpPr>
+          <p:cNvPr id="17" name="Connecteur droit 16"/>
+          <p:cNvCxnSpPr/>
+          <p:nvPr/>
+        </p:nvCxnSpPr>
+        <p:spPr>
+          <a:xfrm>
+            <a:off x="8803460" y="6576639"/>
+            <a:ext cx="440559" cy="0"/>
+          </a:xfrm>
+          <a:prstGeom prst="line">
+            <a:avLst/>
+          </a:prstGeom>
+          <a:ln w="38100">
+            <a:solidFill>
+              <a:schemeClr val="bg1">
+                <a:lumMod val="75000"/>
+              </a:schemeClr>
+            </a:solidFill>
+            <a:prstDash val="sysDot"/>
+          </a:ln>
+        </p:spPr>
+        <p:style>
+          <a:lnRef idx="1">
+            <a:schemeClr val="accent1"/>
+          </a:lnRef>
+          <a:fillRef idx="0">
+            <a:schemeClr val="accent1"/>
+          </a:fillRef>
+          <a:effectRef idx="0">
+            <a:schemeClr val="accent1"/>
+          </a:effectRef>
+          <a:fontRef idx="minor">
+            <a:schemeClr val="tx1"/>
+          </a:fontRef>
+        </p:style>
+      </p:cxnSp>
+      <p:sp>
+        <p:nvSpPr>
+          <p:cNvPr id="18" name="Ellipse 17"/>
+          <p:cNvSpPr/>
+          <p:nvPr/>
+        </p:nvSpPr>
+        <p:spPr>
+          <a:xfrm>
+            <a:off x="8564957" y="6476886"/>
+            <a:ext cx="199505" cy="199505"/>
+          </a:xfrm>
+          <a:prstGeom prst="ellipse">
+            <a:avLst/>
+          </a:prstGeom>
+          <a:solidFill>
+            <a:schemeClr val="tx1"/>
+          </a:solidFill>
+          <a:ln>
+            <a:solidFill>
+              <a:schemeClr val="tx2">
+                <a:lumMod val="75000"/>
+                <a:lumOff val="25000"/>
+              </a:schemeClr>
+            </a:solidFill>
+          </a:ln>
+        </p:spPr>
+        <p:style>
+          <a:lnRef idx="2">
+            <a:schemeClr val="accent1">
+              <a:shade val="50000"/>
+            </a:schemeClr>
+          </a:lnRef>
+          <a:fillRef idx="1">
+            <a:schemeClr val="accent1"/>
+          </a:fillRef>
+          <a:effectRef idx="0">
+            <a:schemeClr val="accent1"/>
+          </a:effectRef>
+          <a:fontRef idx="minor">
+            <a:schemeClr val="lt1"/>
+          </a:fontRef>
+        </p:style>
+        <p:txBody>
+          <a:bodyPr rtlCol="0" anchor="ctr"/>
+          <a:lstStyle/>
+          <a:p>
+            <a:pPr algn="ctr"/>
+            <a:endParaRPr lang="fr-CH"/>
+          </a:p>
+        </p:txBody>
+      </p:sp>
+      <p:cxnSp>
+        <p:nvCxnSpPr>
+          <p:cNvPr id="19" name="Connecteur droit 18"/>
+          <p:cNvCxnSpPr/>
+          <p:nvPr/>
+        </p:nvCxnSpPr>
+        <p:spPr>
+          <a:xfrm>
+            <a:off x="9521520" y="6576639"/>
+            <a:ext cx="440559" cy="0"/>
+          </a:xfrm>
+          <a:prstGeom prst="line">
+            <a:avLst/>
+          </a:prstGeom>
+          <a:ln w="38100">
+            <a:solidFill>
+              <a:schemeClr val="bg1">
+                <a:lumMod val="75000"/>
+              </a:schemeClr>
+            </a:solidFill>
+            <a:prstDash val="sysDot"/>
+          </a:ln>
+        </p:spPr>
+        <p:style>
+          <a:lnRef idx="1">
+            <a:schemeClr val="accent1"/>
+          </a:lnRef>
+          <a:fillRef idx="0">
+            <a:schemeClr val="accent1"/>
+          </a:fillRef>
+          <a:effectRef idx="0">
+            <a:schemeClr val="accent1"/>
+          </a:effectRef>
+          <a:fontRef idx="minor">
+            <a:schemeClr val="tx1"/>
+          </a:fontRef>
+        </p:style>
+      </p:cxnSp>
+      <p:sp>
+        <p:nvSpPr>
+          <p:cNvPr id="20" name="Ellipse 19"/>
+          <p:cNvSpPr/>
+          <p:nvPr/>
+        </p:nvSpPr>
+        <p:spPr>
+          <a:xfrm>
+            <a:off x="9283017" y="6476886"/>
+            <a:ext cx="199505" cy="199505"/>
+          </a:xfrm>
+          <a:prstGeom prst="ellipse">
+            <a:avLst/>
+          </a:prstGeom>
+          <a:solidFill>
+            <a:schemeClr val="bg1"/>
+          </a:solidFill>
+          <a:ln>
+            <a:solidFill>
+              <a:schemeClr val="tx2">
+                <a:lumMod val="75000"/>
+                <a:lumOff val="25000"/>
+              </a:schemeClr>
+            </a:solidFill>
+          </a:ln>
+        </p:spPr>
+        <p:style>
+          <a:lnRef idx="2">
+            <a:schemeClr val="accent1">
+              <a:shade val="50000"/>
+            </a:schemeClr>
+          </a:lnRef>
+          <a:fillRef idx="1">
+            <a:schemeClr val="accent1"/>
+          </a:fillRef>
+          <a:effectRef idx="0">
+            <a:schemeClr val="accent1"/>
+          </a:effectRef>
+          <a:fontRef idx="minor">
+            <a:schemeClr val="lt1"/>
+          </a:fontRef>
+        </p:style>
+        <p:txBody>
+          <a:bodyPr rtlCol="0" anchor="ctr"/>
+          <a:lstStyle/>
+          <a:p>
+            <a:pPr algn="ctr"/>
+            <a:endParaRPr lang="fr-CH"/>
+          </a:p>
+        </p:txBody>
+      </p:sp>
+      <p:sp>
+        <p:nvSpPr>
+          <p:cNvPr id="22" name="Ellipse 21"/>
+          <p:cNvSpPr/>
+          <p:nvPr/>
+        </p:nvSpPr>
+        <p:spPr>
+          <a:xfrm>
+            <a:off x="10001077" y="6476886"/>
+            <a:ext cx="199505" cy="199505"/>
+          </a:xfrm>
+          <a:prstGeom prst="ellipse">
+            <a:avLst/>
+          </a:prstGeom>
+          <a:solidFill>
+            <a:schemeClr val="bg1"/>
+          </a:solidFill>
+          <a:ln>
+            <a:solidFill>
+              <a:schemeClr val="tx2">
+                <a:lumMod val="75000"/>
+                <a:lumOff val="25000"/>
+              </a:schemeClr>
+            </a:solidFill>
+          </a:ln>
+        </p:spPr>
+        <p:style>
+          <a:lnRef idx="2">
+            <a:schemeClr val="accent1">
+              <a:shade val="50000"/>
+            </a:schemeClr>
+          </a:lnRef>
+          <a:fillRef idx="1">
+            <a:schemeClr val="accent1"/>
+          </a:fillRef>
+          <a:effectRef idx="0">
+            <a:schemeClr val="accent1"/>
+          </a:effectRef>
+          <a:fontRef idx="minor">
+            <a:schemeClr val="lt1"/>
+          </a:fontRef>
+        </p:style>
+        <p:txBody>
+          <a:bodyPr rtlCol="0" anchor="ctr"/>
+          <a:lstStyle/>
+          <a:p>
+            <a:pPr algn="ctr"/>
+            <a:endParaRPr lang="fr-CH"/>
+          </a:p>
+        </p:txBody>
+      </p:sp>
+      <p:sp>
+        <p:nvSpPr>
+          <p:cNvPr id="3" name="ZoneTexte 2"/>
+          <p:cNvSpPr txBox="1"/>
+          <p:nvPr/>
+        </p:nvSpPr>
+        <p:spPr>
+          <a:xfrm>
+            <a:off x="4849504" y="1101682"/>
+            <a:ext cx="2492990" cy="369332"/>
+          </a:xfrm>
+          <a:prstGeom prst="rect">
+            <a:avLst/>
+          </a:prstGeom>
+          <a:noFill/>
+        </p:spPr>
+        <p:txBody>
+          <a:bodyPr wrap="none" rtlCol="0">
+            <a:spAutoFit/>
+          </a:bodyPr>
+          <a:lstStyle/>
+          <a:p>
+            <a:r>
+              <a:rPr lang="fr-CH" dirty="0" smtClean="0"/>
+              <a:t>Système de recherche</a:t>
+            </a:r>
+            <a:endParaRPr lang="fr-CH" dirty="0"/>
+          </a:p>
+        </p:txBody>
+      </p:sp>
+      <p:sp>
+        <p:nvSpPr>
+          <p:cNvPr id="7" name="ZoneTexte 6"/>
+          <p:cNvSpPr txBox="1"/>
+          <p:nvPr/>
+        </p:nvSpPr>
+        <p:spPr>
+          <a:xfrm>
+            <a:off x="4636620" y="3373785"/>
+            <a:ext cx="4387119" cy="1200329"/>
+          </a:xfrm>
+          <a:prstGeom prst="rect">
+            <a:avLst/>
+          </a:prstGeom>
+          <a:noFill/>
+        </p:spPr>
+        <p:txBody>
+          <a:bodyPr wrap="square" rtlCol="0">
+            <a:spAutoFit/>
+          </a:bodyPr>
+          <a:lstStyle/>
+          <a:p>
+            <a:pPr marL="285750" indent="-285750">
+              <a:buFont typeface="Arial" panose="020B0604020202020204" pitchFamily="34" charset="0"/>
+              <a:buChar char="•"/>
+            </a:pPr>
+            <a:r>
+              <a:rPr lang="fr-CH" dirty="0" smtClean="0"/>
+              <a:t>Création de la requête SQL dynamiquement en fonction des attributs recherchés</a:t>
+            </a:r>
+          </a:p>
+          <a:p>
+            <a:pPr marL="285750" indent="-285750">
+              <a:buFont typeface="Arial" panose="020B0604020202020204" pitchFamily="34" charset="0"/>
+              <a:buChar char="•"/>
+            </a:pPr>
+            <a:endParaRPr lang="fr-CH" dirty="0" smtClean="0"/>
+          </a:p>
+        </p:txBody>
+      </p:sp>
+      <p:pic>
+        <p:nvPicPr>
+          <p:cNvPr id="9" name="Image 8"/>
+          <p:cNvPicPr>
+            <a:picLocks noChangeAspect="1"/>
+          </p:cNvPicPr>
+          <p:nvPr/>
+        </p:nvPicPr>
+        <p:blipFill>
+          <a:blip r:embed="rId2">
+            <a:extLst>
+              <a:ext uri="{28A0092B-C50C-407E-A947-70E740481C1C}">
+                <a14:useLocalDpi xmlns:a14="http://schemas.microsoft.com/office/drawing/2010/main" val="0"/>
+              </a:ext>
+            </a:extLst>
+          </a:blip>
+          <a:stretch>
+            <a:fillRect/>
+          </a:stretch>
+        </p:blipFill>
+        <p:spPr>
+          <a:xfrm>
+            <a:off x="1301236" y="3076585"/>
+            <a:ext cx="3345578" cy="1756428"/>
+          </a:xfrm>
+          <a:prstGeom prst="rect">
+            <a:avLst/>
+          </a:prstGeom>
+        </p:spPr>
+      </p:pic>
+    </p:spTree>
+    <p:extLst>
+      <p:ext uri="{BB962C8B-B14F-4D97-AF65-F5344CB8AC3E}">
+        <p14:creationId xmlns:p14="http://schemas.microsoft.com/office/powerpoint/2010/main" val="3214091513"/>
+      </p:ext>
+    </p:extLst>
+  </p:cSld>
+  <p:clrMapOvr>
+    <a:masterClrMapping/>
+  </p:clrMapOvr>
+  <p:timing>
+    <p:tnLst>
+      <p:par>
+        <p:cTn id="1" dur="indefinite" restart="never" nodeType="tmRoot"/>
+      </p:par>
+    </p:tnLst>
+  </p:timing>
 </p:sld>
 </file>
 
@@ -7582,7 +11550,7 @@
                 <a16:creationId xmlns:a16="http://schemas.microsoft.com/office/drawing/2014/main" id="{99485AE2-6BE9-4DCA-A6C4-83F4EEFCCCC0}"/>
               </a:ext>
               <a:ext uri="{C183D7F6-B498-43B3-948B-1728B52AA6E4}">
-                <adec:decorative xmlns:adec="http://schemas.microsoft.com/office/drawing/2017/decorative" val="1"/>
+                <adec:decorative xmlns:adec="http://schemas.microsoft.com/office/drawing/2017/decorative" xmlns="" val="1"/>
               </a:ext>
             </a:extLst>
           </p:cNvPr>
@@ -7658,7 +11626,7 @@
                 <a16:creationId xmlns:a16="http://schemas.microsoft.com/office/drawing/2014/main" id="{65BA7CAF-5EE9-4EEE-9E12-B2CECCB94D62}"/>
               </a:ext>
               <a:ext uri="{C183D7F6-B498-43B3-948B-1728B52AA6E4}">
-                <adec:decorative xmlns:adec="http://schemas.microsoft.com/office/drawing/2017/decorative" val="1"/>
+                <adec:decorative xmlns:adec="http://schemas.microsoft.com/office/drawing/2017/decorative" xmlns="" val="1"/>
               </a:ext>
             </a:extLst>
           </p:cNvPr>
@@ -7724,7 +11692,7 @@
                 <a16:creationId xmlns:a16="http://schemas.microsoft.com/office/drawing/2014/main" id="{EC199F73-795E-469A-AF4B-13FA2C7AB76F}"/>
               </a:ext>
               <a:ext uri="{C183D7F6-B498-43B3-948B-1728B52AA6E4}">
-                <adec:decorative xmlns:adec="http://schemas.microsoft.com/office/drawing/2017/decorative" val="1"/>
+                <adec:decorative xmlns:adec="http://schemas.microsoft.com/office/drawing/2017/decorative" xmlns="" val="1"/>
               </a:ext>
             </a:extLst>
           </p:cNvPr>
@@ -7842,7 +11810,7 @@
         <p:spPr>
           <a:xfrm>
             <a:off x="1209675" y="2028825"/>
-            <a:ext cx="9801225" cy="1754326"/>
+            <a:ext cx="9801225" cy="2793842"/>
           </a:xfrm>
           <a:prstGeom prst="rect">
             <a:avLst/>
@@ -7856,57 +11824,64 @@
           <a:lstStyle/>
           <a:p>
             <a:pPr marL="342900" indent="-342900">
+              <a:lnSpc>
+                <a:spcPct val="150000"/>
+              </a:lnSpc>
               <a:buAutoNum type="arabicPeriod"/>
             </a:pPr>
             <a:r>
-              <a:rPr lang="fr-CH" dirty="0"/>
+              <a:rPr lang="fr-CH" sz="2400" dirty="0"/>
               <a:t>Introduction</a:t>
             </a:r>
           </a:p>
           <a:p>
             <a:pPr marL="342900" indent="-342900">
+              <a:lnSpc>
+                <a:spcPct val="150000"/>
+              </a:lnSpc>
               <a:buAutoNum type="arabicPeriod"/>
             </a:pPr>
             <a:r>
-              <a:rPr lang="fr-CH" dirty="0"/>
+              <a:rPr lang="fr-CH" sz="2400" dirty="0"/>
               <a:t>Analyse</a:t>
             </a:r>
           </a:p>
           <a:p>
             <a:pPr marL="342900" indent="-342900">
+              <a:lnSpc>
+                <a:spcPct val="150000"/>
+              </a:lnSpc>
               <a:buAutoNum type="arabicPeriod"/>
             </a:pPr>
             <a:r>
-              <a:rPr lang="fr-CH" dirty="0"/>
+              <a:rPr lang="fr-CH" sz="2400" dirty="0"/>
               <a:t>Réalisation</a:t>
             </a:r>
           </a:p>
           <a:p>
             <a:pPr marL="342900" indent="-342900">
+              <a:lnSpc>
+                <a:spcPct val="150000"/>
+              </a:lnSpc>
               <a:buAutoNum type="arabicPeriod"/>
             </a:pPr>
             <a:r>
-              <a:rPr lang="fr-CH" dirty="0"/>
+              <a:rPr lang="fr-CH" sz="2400" dirty="0"/>
               <a:t>Problèmes rencontrés</a:t>
             </a:r>
           </a:p>
           <a:p>
             <a:pPr marL="342900" indent="-342900">
+              <a:lnSpc>
+                <a:spcPct val="150000"/>
+              </a:lnSpc>
               <a:buAutoNum type="arabicPeriod"/>
             </a:pPr>
             <a:r>
-              <a:rPr lang="fr-CH" dirty="0"/>
-              <a:t>Solutions</a:t>
-            </a:r>
-          </a:p>
-          <a:p>
-            <a:pPr marL="342900" indent="-342900">
-              <a:buAutoNum type="arabicPeriod"/>
-            </a:pPr>
-            <a:r>
-              <a:rPr lang="fr-CH" dirty="0"/>
+              <a:rPr lang="fr-CH" sz="2400" dirty="0" smtClean="0"/>
               <a:t>Conclusion</a:t>
             </a:r>
+            <a:endParaRPr lang="fr-CH" sz="2400" dirty="0"/>
           </a:p>
         </p:txBody>
       </p:sp>
@@ -7926,7 +11901,7 @@
           <a:lstStyle/>
           <a:p>
             <a:r>
-              <a:rPr lang="en-US"/>
+              <a:rPr lang="en-US" dirty="0"/>
               <a:t>Page</a:t>
             </a:r>
           </a:p>
@@ -7967,6 +11942,889 @@
     <p:extLst>
       <p:ext uri="{BB962C8B-B14F-4D97-AF65-F5344CB8AC3E}">
         <p14:creationId xmlns:p14="http://schemas.microsoft.com/office/powerpoint/2010/main" val="2278421447"/>
+      </p:ext>
+    </p:extLst>
+  </p:cSld>
+  <p:clrMapOvr>
+    <a:masterClrMapping/>
+  </p:clrMapOvr>
+  <p:timing>
+    <p:tnLst>
+      <p:par>
+        <p:cTn id="1" dur="indefinite" restart="never" nodeType="tmRoot"/>
+      </p:par>
+    </p:tnLst>
+  </p:timing>
+</p:sld>
+</file>
+
+<file path=ppt/slides/slide20.xml><?xml version="1.0" encoding="utf-8"?>
+<p:sld xmlns:a="http://schemas.openxmlformats.org/drawingml/2006/main" xmlns:r="http://schemas.openxmlformats.org/officeDocument/2006/relationships" xmlns:p="http://schemas.openxmlformats.org/presentationml/2006/main">
+  <p:cSld>
+    <p:spTree>
+      <p:nvGrpSpPr>
+        <p:cNvPr id="1" name=""/>
+        <p:cNvGrpSpPr/>
+        <p:nvPr/>
+      </p:nvGrpSpPr>
+      <p:grpSpPr>
+        <a:xfrm>
+          <a:off x="0" y="0"/>
+          <a:ext cx="0" cy="0"/>
+          <a:chOff x="0" y="0"/>
+          <a:chExt cx="0" cy="0"/>
+        </a:xfrm>
+      </p:grpSpPr>
+      <p:sp>
+        <p:nvSpPr>
+          <p:cNvPr id="4" name="Rectangle 3"/>
+          <p:cNvSpPr/>
+          <p:nvPr/>
+        </p:nvSpPr>
+        <p:spPr>
+          <a:xfrm>
+            <a:off x="-1" y="0"/>
+            <a:ext cx="12192001" cy="889462"/>
+          </a:xfrm>
+          <a:prstGeom prst="rect">
+            <a:avLst/>
+          </a:prstGeom>
+          <a:solidFill>
+            <a:srgbClr val="83486B"/>
+          </a:solidFill>
+          <a:ln>
+            <a:solidFill>
+              <a:srgbClr val="83486B"/>
+            </a:solidFill>
+          </a:ln>
+        </p:spPr>
+        <p:style>
+          <a:lnRef idx="2">
+            <a:schemeClr val="accent1">
+              <a:shade val="50000"/>
+            </a:schemeClr>
+          </a:lnRef>
+          <a:fillRef idx="1">
+            <a:schemeClr val="accent1"/>
+          </a:fillRef>
+          <a:effectRef idx="0">
+            <a:schemeClr val="accent1"/>
+          </a:effectRef>
+          <a:fontRef idx="minor">
+            <a:schemeClr val="lt1"/>
+          </a:fontRef>
+        </p:style>
+        <p:txBody>
+          <a:bodyPr rtlCol="0" anchor="ctr"/>
+          <a:lstStyle/>
+          <a:p>
+            <a:pPr algn="ctr"/>
+            <a:endParaRPr lang="fr-CH" dirty="0"/>
+          </a:p>
+        </p:txBody>
+      </p:sp>
+      <p:sp>
+        <p:nvSpPr>
+          <p:cNvPr id="5" name="ZoneTexte 4"/>
+          <p:cNvSpPr txBox="1"/>
+          <p:nvPr/>
+        </p:nvSpPr>
+        <p:spPr>
+          <a:xfrm>
+            <a:off x="166255" y="260065"/>
+            <a:ext cx="3300904" cy="369332"/>
+          </a:xfrm>
+          <a:prstGeom prst="rect">
+            <a:avLst/>
+          </a:prstGeom>
+          <a:noFill/>
+        </p:spPr>
+        <p:txBody>
+          <a:bodyPr wrap="none" rtlCol="0">
+            <a:spAutoFit/>
+          </a:bodyPr>
+          <a:lstStyle/>
+          <a:p>
+            <a:r>
+              <a:rPr lang="fr-CH" dirty="0" smtClean="0">
+                <a:solidFill>
+                  <a:schemeClr val="bg1"/>
+                </a:solidFill>
+              </a:rPr>
+              <a:t>PROBLEMES RENCONTRES</a:t>
+            </a:r>
+            <a:endParaRPr lang="fr-CH" dirty="0">
+              <a:solidFill>
+                <a:schemeClr val="bg1"/>
+              </a:solidFill>
+            </a:endParaRPr>
+          </a:p>
+        </p:txBody>
+      </p:sp>
+      <p:sp>
+        <p:nvSpPr>
+          <p:cNvPr id="8" name="Espace réservé du numéro de diapositive 7"/>
+          <p:cNvSpPr>
+            <a:spLocks noGrp="1"/>
+          </p:cNvSpPr>
+          <p:nvPr>
+            <p:ph type="sldNum" sz="quarter" idx="12"/>
+          </p:nvPr>
+        </p:nvSpPr>
+        <p:spPr/>
+        <p:txBody>
+          <a:bodyPr/>
+          <a:lstStyle/>
+          <a:p>
+            <a:fld id="{F8E28480-1C08-4458-AD97-0283E6FFD09D}" type="slidenum">
+              <a:rPr lang="en-US" sz="2000" smtClean="0"/>
+              <a:t>20</a:t>
+            </a:fld>
+            <a:endParaRPr lang="en-US" sz="2000" dirty="0"/>
+          </a:p>
+        </p:txBody>
+      </p:sp>
+      <p:cxnSp>
+        <p:nvCxnSpPr>
+          <p:cNvPr id="13" name="Connecteur droit 12"/>
+          <p:cNvCxnSpPr/>
+          <p:nvPr/>
+        </p:nvCxnSpPr>
+        <p:spPr>
+          <a:xfrm>
+            <a:off x="7358052" y="6576639"/>
+            <a:ext cx="440559" cy="0"/>
+          </a:xfrm>
+          <a:prstGeom prst="line">
+            <a:avLst/>
+          </a:prstGeom>
+          <a:ln w="38100">
+            <a:solidFill>
+              <a:schemeClr val="bg1">
+                <a:lumMod val="75000"/>
+              </a:schemeClr>
+            </a:solidFill>
+            <a:prstDash val="sysDot"/>
+          </a:ln>
+        </p:spPr>
+        <p:style>
+          <a:lnRef idx="1">
+            <a:schemeClr val="accent1"/>
+          </a:lnRef>
+          <a:fillRef idx="0">
+            <a:schemeClr val="accent1"/>
+          </a:fillRef>
+          <a:effectRef idx="0">
+            <a:schemeClr val="accent1"/>
+          </a:effectRef>
+          <a:fontRef idx="minor">
+            <a:schemeClr val="tx1"/>
+          </a:fontRef>
+        </p:style>
+      </p:cxnSp>
+      <p:sp>
+        <p:nvSpPr>
+          <p:cNvPr id="14" name="Ellipse 13"/>
+          <p:cNvSpPr/>
+          <p:nvPr/>
+        </p:nvSpPr>
+        <p:spPr>
+          <a:xfrm>
+            <a:off x="7119549" y="6476886"/>
+            <a:ext cx="199505" cy="199505"/>
+          </a:xfrm>
+          <a:prstGeom prst="ellipse">
+            <a:avLst/>
+          </a:prstGeom>
+          <a:solidFill>
+            <a:schemeClr val="bg1"/>
+          </a:solidFill>
+          <a:ln>
+            <a:solidFill>
+              <a:schemeClr val="tx2">
+                <a:lumMod val="75000"/>
+                <a:lumOff val="25000"/>
+              </a:schemeClr>
+            </a:solidFill>
+          </a:ln>
+        </p:spPr>
+        <p:style>
+          <a:lnRef idx="2">
+            <a:schemeClr val="accent1">
+              <a:shade val="50000"/>
+            </a:schemeClr>
+          </a:lnRef>
+          <a:fillRef idx="1">
+            <a:schemeClr val="accent1"/>
+          </a:fillRef>
+          <a:effectRef idx="0">
+            <a:schemeClr val="accent1"/>
+          </a:effectRef>
+          <a:fontRef idx="minor">
+            <a:schemeClr val="lt1"/>
+          </a:fontRef>
+        </p:style>
+        <p:txBody>
+          <a:bodyPr rtlCol="0" anchor="ctr"/>
+          <a:lstStyle/>
+          <a:p>
+            <a:pPr algn="ctr"/>
+            <a:endParaRPr lang="fr-CH"/>
+          </a:p>
+        </p:txBody>
+      </p:sp>
+      <p:cxnSp>
+        <p:nvCxnSpPr>
+          <p:cNvPr id="15" name="Connecteur droit 14"/>
+          <p:cNvCxnSpPr/>
+          <p:nvPr/>
+        </p:nvCxnSpPr>
+        <p:spPr>
+          <a:xfrm>
+            <a:off x="8080756" y="6576639"/>
+            <a:ext cx="440559" cy="0"/>
+          </a:xfrm>
+          <a:prstGeom prst="line">
+            <a:avLst/>
+          </a:prstGeom>
+          <a:ln w="38100">
+            <a:solidFill>
+              <a:schemeClr val="bg1">
+                <a:lumMod val="75000"/>
+              </a:schemeClr>
+            </a:solidFill>
+            <a:prstDash val="sysDot"/>
+          </a:ln>
+        </p:spPr>
+        <p:style>
+          <a:lnRef idx="1">
+            <a:schemeClr val="accent1"/>
+          </a:lnRef>
+          <a:fillRef idx="0">
+            <a:schemeClr val="accent1"/>
+          </a:fillRef>
+          <a:effectRef idx="0">
+            <a:schemeClr val="accent1"/>
+          </a:effectRef>
+          <a:fontRef idx="minor">
+            <a:schemeClr val="tx1"/>
+          </a:fontRef>
+        </p:style>
+      </p:cxnSp>
+      <p:sp>
+        <p:nvSpPr>
+          <p:cNvPr id="16" name="Ellipse 15"/>
+          <p:cNvSpPr/>
+          <p:nvPr/>
+        </p:nvSpPr>
+        <p:spPr>
+          <a:xfrm>
+            <a:off x="7842253" y="6476886"/>
+            <a:ext cx="199505" cy="199505"/>
+          </a:xfrm>
+          <a:prstGeom prst="ellipse">
+            <a:avLst/>
+          </a:prstGeom>
+          <a:solidFill>
+            <a:schemeClr val="bg1"/>
+          </a:solidFill>
+          <a:ln>
+            <a:solidFill>
+              <a:schemeClr val="tx2">
+                <a:lumMod val="75000"/>
+                <a:lumOff val="25000"/>
+              </a:schemeClr>
+            </a:solidFill>
+          </a:ln>
+        </p:spPr>
+        <p:style>
+          <a:lnRef idx="2">
+            <a:schemeClr val="accent1">
+              <a:shade val="50000"/>
+            </a:schemeClr>
+          </a:lnRef>
+          <a:fillRef idx="1">
+            <a:schemeClr val="accent1"/>
+          </a:fillRef>
+          <a:effectRef idx="0">
+            <a:schemeClr val="accent1"/>
+          </a:effectRef>
+          <a:fontRef idx="minor">
+            <a:schemeClr val="lt1"/>
+          </a:fontRef>
+        </p:style>
+        <p:txBody>
+          <a:bodyPr rtlCol="0" anchor="ctr"/>
+          <a:lstStyle/>
+          <a:p>
+            <a:pPr algn="ctr"/>
+            <a:endParaRPr lang="fr-CH"/>
+          </a:p>
+        </p:txBody>
+      </p:sp>
+      <p:cxnSp>
+        <p:nvCxnSpPr>
+          <p:cNvPr id="17" name="Connecteur droit 16"/>
+          <p:cNvCxnSpPr/>
+          <p:nvPr/>
+        </p:nvCxnSpPr>
+        <p:spPr>
+          <a:xfrm>
+            <a:off x="8803460" y="6576639"/>
+            <a:ext cx="440559" cy="0"/>
+          </a:xfrm>
+          <a:prstGeom prst="line">
+            <a:avLst/>
+          </a:prstGeom>
+          <a:ln w="38100">
+            <a:solidFill>
+              <a:schemeClr val="bg1">
+                <a:lumMod val="75000"/>
+              </a:schemeClr>
+            </a:solidFill>
+            <a:prstDash val="sysDot"/>
+          </a:ln>
+        </p:spPr>
+        <p:style>
+          <a:lnRef idx="1">
+            <a:schemeClr val="accent1"/>
+          </a:lnRef>
+          <a:fillRef idx="0">
+            <a:schemeClr val="accent1"/>
+          </a:fillRef>
+          <a:effectRef idx="0">
+            <a:schemeClr val="accent1"/>
+          </a:effectRef>
+          <a:fontRef idx="minor">
+            <a:schemeClr val="tx1"/>
+          </a:fontRef>
+        </p:style>
+      </p:cxnSp>
+      <p:sp>
+        <p:nvSpPr>
+          <p:cNvPr id="18" name="Ellipse 17"/>
+          <p:cNvSpPr/>
+          <p:nvPr/>
+        </p:nvSpPr>
+        <p:spPr>
+          <a:xfrm>
+            <a:off x="8564957" y="6476886"/>
+            <a:ext cx="199505" cy="199505"/>
+          </a:xfrm>
+          <a:prstGeom prst="ellipse">
+            <a:avLst/>
+          </a:prstGeom>
+          <a:solidFill>
+            <a:schemeClr val="bg1"/>
+          </a:solidFill>
+          <a:ln>
+            <a:solidFill>
+              <a:schemeClr val="tx2">
+                <a:lumMod val="75000"/>
+                <a:lumOff val="25000"/>
+              </a:schemeClr>
+            </a:solidFill>
+          </a:ln>
+        </p:spPr>
+        <p:style>
+          <a:lnRef idx="2">
+            <a:schemeClr val="accent1">
+              <a:shade val="50000"/>
+            </a:schemeClr>
+          </a:lnRef>
+          <a:fillRef idx="1">
+            <a:schemeClr val="accent1"/>
+          </a:fillRef>
+          <a:effectRef idx="0">
+            <a:schemeClr val="accent1"/>
+          </a:effectRef>
+          <a:fontRef idx="minor">
+            <a:schemeClr val="lt1"/>
+          </a:fontRef>
+        </p:style>
+        <p:txBody>
+          <a:bodyPr rtlCol="0" anchor="ctr"/>
+          <a:lstStyle/>
+          <a:p>
+            <a:pPr algn="ctr"/>
+            <a:endParaRPr lang="fr-CH"/>
+          </a:p>
+        </p:txBody>
+      </p:sp>
+      <p:cxnSp>
+        <p:nvCxnSpPr>
+          <p:cNvPr id="19" name="Connecteur droit 18"/>
+          <p:cNvCxnSpPr/>
+          <p:nvPr/>
+        </p:nvCxnSpPr>
+        <p:spPr>
+          <a:xfrm>
+            <a:off x="9521520" y="6576639"/>
+            <a:ext cx="440559" cy="0"/>
+          </a:xfrm>
+          <a:prstGeom prst="line">
+            <a:avLst/>
+          </a:prstGeom>
+          <a:ln w="38100">
+            <a:solidFill>
+              <a:schemeClr val="bg1">
+                <a:lumMod val="75000"/>
+              </a:schemeClr>
+            </a:solidFill>
+            <a:prstDash val="sysDot"/>
+          </a:ln>
+        </p:spPr>
+        <p:style>
+          <a:lnRef idx="1">
+            <a:schemeClr val="accent1"/>
+          </a:lnRef>
+          <a:fillRef idx="0">
+            <a:schemeClr val="accent1"/>
+          </a:fillRef>
+          <a:effectRef idx="0">
+            <a:schemeClr val="accent1"/>
+          </a:effectRef>
+          <a:fontRef idx="minor">
+            <a:schemeClr val="tx1"/>
+          </a:fontRef>
+        </p:style>
+      </p:cxnSp>
+      <p:sp>
+        <p:nvSpPr>
+          <p:cNvPr id="20" name="Ellipse 19"/>
+          <p:cNvSpPr/>
+          <p:nvPr/>
+        </p:nvSpPr>
+        <p:spPr>
+          <a:xfrm>
+            <a:off x="9283017" y="6476886"/>
+            <a:ext cx="199505" cy="199505"/>
+          </a:xfrm>
+          <a:prstGeom prst="ellipse">
+            <a:avLst/>
+          </a:prstGeom>
+          <a:solidFill>
+            <a:schemeClr val="tx1"/>
+          </a:solidFill>
+          <a:ln>
+            <a:solidFill>
+              <a:schemeClr val="tx2">
+                <a:lumMod val="75000"/>
+                <a:lumOff val="25000"/>
+              </a:schemeClr>
+            </a:solidFill>
+          </a:ln>
+        </p:spPr>
+        <p:style>
+          <a:lnRef idx="2">
+            <a:schemeClr val="accent1">
+              <a:shade val="50000"/>
+            </a:schemeClr>
+          </a:lnRef>
+          <a:fillRef idx="1">
+            <a:schemeClr val="accent1"/>
+          </a:fillRef>
+          <a:effectRef idx="0">
+            <a:schemeClr val="accent1"/>
+          </a:effectRef>
+          <a:fontRef idx="minor">
+            <a:schemeClr val="lt1"/>
+          </a:fontRef>
+        </p:style>
+        <p:txBody>
+          <a:bodyPr rtlCol="0" anchor="ctr"/>
+          <a:lstStyle/>
+          <a:p>
+            <a:pPr algn="ctr"/>
+            <a:endParaRPr lang="fr-CH"/>
+          </a:p>
+        </p:txBody>
+      </p:sp>
+      <p:sp>
+        <p:nvSpPr>
+          <p:cNvPr id="22" name="Ellipse 21"/>
+          <p:cNvSpPr/>
+          <p:nvPr/>
+        </p:nvSpPr>
+        <p:spPr>
+          <a:xfrm>
+            <a:off x="10001077" y="6476886"/>
+            <a:ext cx="199505" cy="199505"/>
+          </a:xfrm>
+          <a:prstGeom prst="ellipse">
+            <a:avLst/>
+          </a:prstGeom>
+          <a:solidFill>
+            <a:schemeClr val="bg1"/>
+          </a:solidFill>
+          <a:ln>
+            <a:solidFill>
+              <a:schemeClr val="tx2">
+                <a:lumMod val="75000"/>
+                <a:lumOff val="25000"/>
+              </a:schemeClr>
+            </a:solidFill>
+          </a:ln>
+        </p:spPr>
+        <p:style>
+          <a:lnRef idx="2">
+            <a:schemeClr val="accent1">
+              <a:shade val="50000"/>
+            </a:schemeClr>
+          </a:lnRef>
+          <a:fillRef idx="1">
+            <a:schemeClr val="accent1"/>
+          </a:fillRef>
+          <a:effectRef idx="0">
+            <a:schemeClr val="accent1"/>
+          </a:effectRef>
+          <a:fontRef idx="minor">
+            <a:schemeClr val="lt1"/>
+          </a:fontRef>
+        </p:style>
+        <p:txBody>
+          <a:bodyPr rtlCol="0" anchor="ctr"/>
+          <a:lstStyle/>
+          <a:p>
+            <a:pPr algn="ctr"/>
+            <a:endParaRPr lang="fr-CH"/>
+          </a:p>
+        </p:txBody>
+      </p:sp>
+      <p:sp>
+        <p:nvSpPr>
+          <p:cNvPr id="3" name="ZoneTexte 2"/>
+          <p:cNvSpPr txBox="1"/>
+          <p:nvPr/>
+        </p:nvSpPr>
+        <p:spPr>
+          <a:xfrm>
+            <a:off x="4894388" y="1207188"/>
+            <a:ext cx="2403222" cy="369332"/>
+          </a:xfrm>
+          <a:prstGeom prst="rect">
+            <a:avLst/>
+          </a:prstGeom>
+          <a:noFill/>
+        </p:spPr>
+        <p:txBody>
+          <a:bodyPr wrap="none" rtlCol="0">
+            <a:spAutoFit/>
+          </a:bodyPr>
+          <a:lstStyle/>
+          <a:p>
+            <a:r>
+              <a:rPr lang="fr-CH" dirty="0" smtClean="0"/>
+              <a:t>Problèmes principaux</a:t>
+            </a:r>
+            <a:endParaRPr lang="fr-CH" dirty="0"/>
+          </a:p>
+        </p:txBody>
+      </p:sp>
+      <p:grpSp>
+        <p:nvGrpSpPr>
+          <p:cNvPr id="10" name="Groupe 9"/>
+          <p:cNvGrpSpPr/>
+          <p:nvPr/>
+        </p:nvGrpSpPr>
+        <p:grpSpPr>
+          <a:xfrm>
+            <a:off x="916459" y="3165175"/>
+            <a:ext cx="1800493" cy="1268075"/>
+            <a:chOff x="916459" y="3165175"/>
+            <a:chExt cx="1800493" cy="1268075"/>
+          </a:xfrm>
+        </p:grpSpPr>
+        <p:pic>
+          <p:nvPicPr>
+            <p:cNvPr id="2" name="Image 1"/>
+            <p:cNvPicPr>
+              <a:picLocks noChangeAspect="1"/>
+            </p:cNvPicPr>
+            <p:nvPr/>
+          </p:nvPicPr>
+          <p:blipFill>
+            <a:blip r:embed="rId2" cstate="hqprint">
+              <a:extLst>
+                <a:ext uri="{28A0092B-C50C-407E-A947-70E740481C1C}">
+                  <a14:useLocalDpi xmlns:a14="http://schemas.microsoft.com/office/drawing/2010/main" val="0"/>
+                </a:ext>
+              </a:extLst>
+            </a:blip>
+            <a:stretch>
+              <a:fillRect/>
+            </a:stretch>
+          </p:blipFill>
+          <p:spPr>
+            <a:xfrm>
+              <a:off x="1367335" y="3534507"/>
+              <a:ext cx="898743" cy="898743"/>
+            </a:xfrm>
+            <a:prstGeom prst="rect">
+              <a:avLst/>
+            </a:prstGeom>
+          </p:spPr>
+        </p:pic>
+        <p:sp>
+          <p:nvSpPr>
+            <p:cNvPr id="6" name="ZoneTexte 5"/>
+            <p:cNvSpPr txBox="1"/>
+            <p:nvPr/>
+          </p:nvSpPr>
+          <p:spPr>
+            <a:xfrm>
+              <a:off x="916459" y="3165175"/>
+              <a:ext cx="1800493" cy="369332"/>
+            </a:xfrm>
+            <a:prstGeom prst="rect">
+              <a:avLst/>
+            </a:prstGeom>
+            <a:noFill/>
+          </p:spPr>
+          <p:txBody>
+            <a:bodyPr wrap="none" rtlCol="0">
+              <a:spAutoFit/>
+            </a:bodyPr>
+            <a:lstStyle/>
+            <a:p>
+              <a:r>
+                <a:rPr lang="fr-CH" dirty="0" smtClean="0"/>
+                <a:t>Envoi des mails</a:t>
+              </a:r>
+              <a:endParaRPr lang="fr-CH" dirty="0"/>
+            </a:p>
+          </p:txBody>
+        </p:sp>
+      </p:grpSp>
+      <p:grpSp>
+        <p:nvGrpSpPr>
+          <p:cNvPr id="30" name="Groupe 29"/>
+          <p:cNvGrpSpPr/>
+          <p:nvPr/>
+        </p:nvGrpSpPr>
+        <p:grpSpPr>
+          <a:xfrm>
+            <a:off x="3757982" y="3165175"/>
+            <a:ext cx="1980029" cy="1174640"/>
+            <a:chOff x="3757982" y="3165175"/>
+            <a:chExt cx="1980029" cy="1174640"/>
+          </a:xfrm>
+        </p:grpSpPr>
+        <p:pic>
+          <p:nvPicPr>
+            <p:cNvPr id="12" name="Image 11"/>
+            <p:cNvPicPr>
+              <a:picLocks noChangeAspect="1"/>
+            </p:cNvPicPr>
+            <p:nvPr/>
+          </p:nvPicPr>
+          <p:blipFill>
+            <a:blip r:embed="rId3" cstate="hqprint">
+              <a:extLst>
+                <a:ext uri="{28A0092B-C50C-407E-A947-70E740481C1C}">
+                  <a14:useLocalDpi xmlns:a14="http://schemas.microsoft.com/office/drawing/2010/main" val="0"/>
+                </a:ext>
+              </a:extLst>
+            </a:blip>
+            <a:stretch>
+              <a:fillRect/>
+            </a:stretch>
+          </p:blipFill>
+          <p:spPr>
+            <a:xfrm>
+              <a:off x="4392060" y="3627941"/>
+              <a:ext cx="711874" cy="711874"/>
+            </a:xfrm>
+            <a:prstGeom prst="rect">
+              <a:avLst/>
+            </a:prstGeom>
+          </p:spPr>
+        </p:pic>
+        <p:sp>
+          <p:nvSpPr>
+            <p:cNvPr id="25" name="ZoneTexte 24"/>
+            <p:cNvSpPr txBox="1"/>
+            <p:nvPr/>
+          </p:nvSpPr>
+          <p:spPr>
+            <a:xfrm>
+              <a:off x="3757982" y="3165175"/>
+              <a:ext cx="1980029" cy="369332"/>
+            </a:xfrm>
+            <a:prstGeom prst="rect">
+              <a:avLst/>
+            </a:prstGeom>
+            <a:noFill/>
+          </p:spPr>
+          <p:txBody>
+            <a:bodyPr wrap="none" rtlCol="0">
+              <a:spAutoFit/>
+            </a:bodyPr>
+            <a:lstStyle/>
+            <a:p>
+              <a:r>
+                <a:rPr lang="fr-CH" dirty="0" smtClean="0"/>
+                <a:t>Base de données</a:t>
+              </a:r>
+              <a:endParaRPr lang="fr-CH" dirty="0"/>
+            </a:p>
+          </p:txBody>
+        </p:sp>
+      </p:grpSp>
+      <p:grpSp>
+        <p:nvGrpSpPr>
+          <p:cNvPr id="31" name="Groupe 30"/>
+          <p:cNvGrpSpPr/>
+          <p:nvPr/>
+        </p:nvGrpSpPr>
+        <p:grpSpPr>
+          <a:xfrm>
+            <a:off x="6839495" y="3179052"/>
+            <a:ext cx="1492716" cy="1160763"/>
+            <a:chOff x="6839495" y="3179052"/>
+            <a:chExt cx="1492716" cy="1160763"/>
+          </a:xfrm>
+        </p:grpSpPr>
+        <p:pic>
+          <p:nvPicPr>
+            <p:cNvPr id="26" name="Image 25"/>
+            <p:cNvPicPr>
+              <a:picLocks noChangeAspect="1"/>
+            </p:cNvPicPr>
+            <p:nvPr/>
+          </p:nvPicPr>
+          <p:blipFill>
+            <a:blip r:embed="rId4" cstate="hqprint">
+              <a:extLst>
+                <a:ext uri="{28A0092B-C50C-407E-A947-70E740481C1C}">
+                  <a14:useLocalDpi xmlns:a14="http://schemas.microsoft.com/office/drawing/2010/main" val="0"/>
+                </a:ext>
+              </a:extLst>
+            </a:blip>
+            <a:stretch>
+              <a:fillRect/>
+            </a:stretch>
+          </p:blipFill>
+          <p:spPr>
+            <a:xfrm>
+              <a:off x="7229916" y="3627941"/>
+              <a:ext cx="711874" cy="711874"/>
+            </a:xfrm>
+            <a:prstGeom prst="rect">
+              <a:avLst/>
+            </a:prstGeom>
+          </p:spPr>
+        </p:pic>
+        <p:sp>
+          <p:nvSpPr>
+            <p:cNvPr id="27" name="ZoneTexte 26"/>
+            <p:cNvSpPr txBox="1"/>
+            <p:nvPr/>
+          </p:nvSpPr>
+          <p:spPr>
+            <a:xfrm>
+              <a:off x="6839495" y="3179052"/>
+              <a:ext cx="1492716" cy="369332"/>
+            </a:xfrm>
+            <a:prstGeom prst="rect">
+              <a:avLst/>
+            </a:prstGeom>
+            <a:noFill/>
+          </p:spPr>
+          <p:txBody>
+            <a:bodyPr wrap="none" rtlCol="0">
+              <a:spAutoFit/>
+            </a:bodyPr>
+            <a:lstStyle/>
+            <a:p>
+              <a:r>
+                <a:rPr lang="fr-CH" dirty="0" smtClean="0"/>
+                <a:t>Organisation</a:t>
+              </a:r>
+              <a:endParaRPr lang="fr-CH" dirty="0"/>
+            </a:p>
+          </p:txBody>
+        </p:sp>
+      </p:grpSp>
+      <p:grpSp>
+        <p:nvGrpSpPr>
+          <p:cNvPr id="32" name="Groupe 31"/>
+          <p:cNvGrpSpPr/>
+          <p:nvPr/>
+        </p:nvGrpSpPr>
+        <p:grpSpPr>
+          <a:xfrm>
+            <a:off x="9376997" y="3165175"/>
+            <a:ext cx="1774845" cy="1266578"/>
+            <a:chOff x="9376997" y="3165175"/>
+            <a:chExt cx="1774845" cy="1266578"/>
+          </a:xfrm>
+        </p:grpSpPr>
+        <p:pic>
+          <p:nvPicPr>
+            <p:cNvPr id="28" name="Image 27"/>
+            <p:cNvPicPr>
+              <a:picLocks noChangeAspect="1"/>
+            </p:cNvPicPr>
+            <p:nvPr/>
+          </p:nvPicPr>
+          <p:blipFill>
+            <a:blip r:embed="rId5" cstate="hqprint">
+              <a:extLst>
+                <a:ext uri="{28A0092B-C50C-407E-A947-70E740481C1C}">
+                  <a14:useLocalDpi xmlns:a14="http://schemas.microsoft.com/office/drawing/2010/main" val="0"/>
+                </a:ext>
+              </a:extLst>
+            </a:blip>
+            <a:stretch>
+              <a:fillRect/>
+            </a:stretch>
+          </p:blipFill>
+          <p:spPr>
+            <a:xfrm>
+              <a:off x="9815797" y="3534507"/>
+              <a:ext cx="897246" cy="897246"/>
+            </a:xfrm>
+            <a:prstGeom prst="rect">
+              <a:avLst/>
+            </a:prstGeom>
+          </p:spPr>
+        </p:pic>
+        <p:sp>
+          <p:nvSpPr>
+            <p:cNvPr id="29" name="ZoneTexte 28"/>
+            <p:cNvSpPr txBox="1"/>
+            <p:nvPr/>
+          </p:nvSpPr>
+          <p:spPr>
+            <a:xfrm>
+              <a:off x="9376997" y="3165175"/>
+              <a:ext cx="1774845" cy="369332"/>
+            </a:xfrm>
+            <a:prstGeom prst="rect">
+              <a:avLst/>
+            </a:prstGeom>
+            <a:noFill/>
+          </p:spPr>
+          <p:txBody>
+            <a:bodyPr wrap="none" rtlCol="0">
+              <a:spAutoFit/>
+            </a:bodyPr>
+            <a:lstStyle/>
+            <a:p>
+              <a:r>
+                <a:rPr lang="fr-CH" dirty="0" smtClean="0"/>
+                <a:t>Rapport / JDTV</a:t>
+              </a:r>
+              <a:endParaRPr lang="fr-CH" dirty="0"/>
+            </a:p>
+          </p:txBody>
+        </p:sp>
+      </p:grpSp>
+    </p:spTree>
+    <p:extLst>
+      <p:ext uri="{BB962C8B-B14F-4D97-AF65-F5344CB8AC3E}">
+        <p14:creationId xmlns:p14="http://schemas.microsoft.com/office/powerpoint/2010/main" val="4100320322"/>
       </p:ext>
     </p:extLst>
   </p:cSld>
@@ -7994,7 +12852,7 @@
                             </p:stCondLst>
                             <p:childTnLst>
                               <p:par>
-                                <p:cTn id="5" presetID="10" presetClass="entr" presetSubtype="0" fill="hold" grpId="0" nodeType="clickEffect">
+                                <p:cTn id="5" presetID="10" presetClass="entr" presetSubtype="0" fill="hold" nodeType="clickEffect">
                                   <p:stCondLst>
                                     <p:cond delay="0"/>
                                   </p:stCondLst>
@@ -8007,11 +12865,7 @@
                                           </p:stCondLst>
                                         </p:cTn>
                                         <p:tgtEl>
-                                          <p:spTgt spid="4">
-                                            <p:txEl>
-                                              <p:pRg st="0" end="0"/>
-                                            </p:txEl>
-                                          </p:spTgt>
+                                          <p:spTgt spid="10"/>
                                         </p:tgtEl>
                                         <p:attrNameLst>
                                           <p:attrName>style.visibility</p:attrName>
@@ -8025,11 +12879,7 @@
                                       <p:cBhvr>
                                         <p:cTn id="7" dur="500"/>
                                         <p:tgtEl>
-                                          <p:spTgt spid="4">
-                                            <p:txEl>
-                                              <p:pRg st="0" end="0"/>
-                                            </p:txEl>
-                                          </p:spTgt>
+                                          <p:spTgt spid="10"/>
                                         </p:tgtEl>
                                       </p:cBhvr>
                                     </p:animEffect>
@@ -8055,7 +12905,7 @@
                             </p:stCondLst>
                             <p:childTnLst>
                               <p:par>
-                                <p:cTn id="10" presetID="10" presetClass="entr" presetSubtype="0" fill="hold" grpId="0" nodeType="clickEffect">
+                                <p:cTn id="10" presetID="10" presetClass="entr" presetSubtype="0" fill="hold" nodeType="clickEffect">
                                   <p:stCondLst>
                                     <p:cond delay="0"/>
                                   </p:stCondLst>
@@ -8068,11 +12918,7 @@
                                           </p:stCondLst>
                                         </p:cTn>
                                         <p:tgtEl>
-                                          <p:spTgt spid="4">
-                                            <p:txEl>
-                                              <p:pRg st="1" end="1"/>
-                                            </p:txEl>
-                                          </p:spTgt>
+                                          <p:spTgt spid="30"/>
                                         </p:tgtEl>
                                         <p:attrNameLst>
                                           <p:attrName>style.visibility</p:attrName>
@@ -8086,11 +12932,7 @@
                                       <p:cBhvr>
                                         <p:cTn id="12" dur="500"/>
                                         <p:tgtEl>
-                                          <p:spTgt spid="4">
-                                            <p:txEl>
-                                              <p:pRg st="1" end="1"/>
-                                            </p:txEl>
-                                          </p:spTgt>
+                                          <p:spTgt spid="30"/>
                                         </p:tgtEl>
                                       </p:cBhvr>
                                     </p:animEffect>
@@ -8116,7 +12958,7 @@
                             </p:stCondLst>
                             <p:childTnLst>
                               <p:par>
-                                <p:cTn id="15" presetID="10" presetClass="entr" presetSubtype="0" fill="hold" grpId="0" nodeType="clickEffect">
+                                <p:cTn id="15" presetID="10" presetClass="entr" presetSubtype="0" fill="hold" nodeType="clickEffect">
                                   <p:stCondLst>
                                     <p:cond delay="0"/>
                                   </p:stCondLst>
@@ -8129,11 +12971,7 @@
                                           </p:stCondLst>
                                         </p:cTn>
                                         <p:tgtEl>
-                                          <p:spTgt spid="4">
-                                            <p:txEl>
-                                              <p:pRg st="2" end="2"/>
-                                            </p:txEl>
-                                          </p:spTgt>
+                                          <p:spTgt spid="31"/>
                                         </p:tgtEl>
                                         <p:attrNameLst>
                                           <p:attrName>style.visibility</p:attrName>
@@ -8147,11 +12985,7 @@
                                       <p:cBhvr>
                                         <p:cTn id="17" dur="500"/>
                                         <p:tgtEl>
-                                          <p:spTgt spid="4">
-                                            <p:txEl>
-                                              <p:pRg st="2" end="2"/>
-                                            </p:txEl>
-                                          </p:spTgt>
+                                          <p:spTgt spid="31"/>
                                         </p:tgtEl>
                                       </p:cBhvr>
                                     </p:animEffect>
@@ -8177,7 +13011,7 @@
                             </p:stCondLst>
                             <p:childTnLst>
                               <p:par>
-                                <p:cTn id="20" presetID="10" presetClass="entr" presetSubtype="0" fill="hold" grpId="0" nodeType="clickEffect">
+                                <p:cTn id="20" presetID="10" presetClass="entr" presetSubtype="0" fill="hold" nodeType="clickEffect">
                                   <p:stCondLst>
                                     <p:cond delay="0"/>
                                   </p:stCondLst>
@@ -8190,11 +13024,7 @@
                                           </p:stCondLst>
                                         </p:cTn>
                                         <p:tgtEl>
-                                          <p:spTgt spid="4">
-                                            <p:txEl>
-                                              <p:pRg st="3" end="3"/>
-                                            </p:txEl>
-                                          </p:spTgt>
+                                          <p:spTgt spid="32"/>
                                         </p:tgtEl>
                                         <p:attrNameLst>
                                           <p:attrName>style.visibility</p:attrName>
@@ -8208,133 +13038,7 @@
                                       <p:cBhvr>
                                         <p:cTn id="22" dur="500"/>
                                         <p:tgtEl>
-                                          <p:spTgt spid="4">
-                                            <p:txEl>
-                                              <p:pRg st="3" end="3"/>
-                                            </p:txEl>
-                                          </p:spTgt>
-                                        </p:tgtEl>
-                                      </p:cBhvr>
-                                    </p:animEffect>
-                                  </p:childTnLst>
-                                </p:cTn>
-                              </p:par>
-                            </p:childTnLst>
-                          </p:cTn>
-                        </p:par>
-                      </p:childTnLst>
-                    </p:cTn>
-                  </p:par>
-                  <p:par>
-                    <p:cTn id="23" fill="hold">
-                      <p:stCondLst>
-                        <p:cond delay="indefinite"/>
-                      </p:stCondLst>
-                      <p:childTnLst>
-                        <p:par>
-                          <p:cTn id="24" fill="hold">
-                            <p:stCondLst>
-                              <p:cond delay="0"/>
-                            </p:stCondLst>
-                            <p:childTnLst>
-                              <p:par>
-                                <p:cTn id="25" presetID="10" presetClass="entr" presetSubtype="0" fill="hold" grpId="0" nodeType="clickEffect">
-                                  <p:stCondLst>
-                                    <p:cond delay="0"/>
-                                  </p:stCondLst>
-                                  <p:childTnLst>
-                                    <p:set>
-                                      <p:cBhvr>
-                                        <p:cTn id="26" dur="1" fill="hold">
-                                          <p:stCondLst>
-                                            <p:cond delay="0"/>
-                                          </p:stCondLst>
-                                        </p:cTn>
-                                        <p:tgtEl>
-                                          <p:spTgt spid="4">
-                                            <p:txEl>
-                                              <p:pRg st="4" end="4"/>
-                                            </p:txEl>
-                                          </p:spTgt>
-                                        </p:tgtEl>
-                                        <p:attrNameLst>
-                                          <p:attrName>style.visibility</p:attrName>
-                                        </p:attrNameLst>
-                                      </p:cBhvr>
-                                      <p:to>
-                                        <p:strVal val="visible"/>
-                                      </p:to>
-                                    </p:set>
-                                    <p:animEffect transition="in" filter="fade">
-                                      <p:cBhvr>
-                                        <p:cTn id="27" dur="500"/>
-                                        <p:tgtEl>
-                                          <p:spTgt spid="4">
-                                            <p:txEl>
-                                              <p:pRg st="4" end="4"/>
-                                            </p:txEl>
-                                          </p:spTgt>
-                                        </p:tgtEl>
-                                      </p:cBhvr>
-                                    </p:animEffect>
-                                  </p:childTnLst>
-                                </p:cTn>
-                              </p:par>
-                            </p:childTnLst>
-                          </p:cTn>
-                        </p:par>
-                      </p:childTnLst>
-                    </p:cTn>
-                  </p:par>
-                  <p:par>
-                    <p:cTn id="28" fill="hold">
-                      <p:stCondLst>
-                        <p:cond delay="indefinite"/>
-                      </p:stCondLst>
-                      <p:childTnLst>
-                        <p:par>
-                          <p:cTn id="29" fill="hold">
-                            <p:stCondLst>
-                              <p:cond delay="0"/>
-                            </p:stCondLst>
-                            <p:childTnLst>
-                              <p:par>
-                                <p:cTn id="30" presetID="10" presetClass="entr" presetSubtype="0" fill="hold" grpId="0" nodeType="clickEffect">
-                                  <p:stCondLst>
-                                    <p:cond delay="0"/>
-                                  </p:stCondLst>
-                                  <p:childTnLst>
-                                    <p:set>
-                                      <p:cBhvr>
-                                        <p:cTn id="31" dur="1" fill="hold">
-                                          <p:stCondLst>
-                                            <p:cond delay="0"/>
-                                          </p:stCondLst>
-                                        </p:cTn>
-                                        <p:tgtEl>
-                                          <p:spTgt spid="4">
-                                            <p:txEl>
-                                              <p:pRg st="5" end="5"/>
-                                            </p:txEl>
-                                          </p:spTgt>
-                                        </p:tgtEl>
-                                        <p:attrNameLst>
-                                          <p:attrName>style.visibility</p:attrName>
-                                        </p:attrNameLst>
-                                      </p:cBhvr>
-                                      <p:to>
-                                        <p:strVal val="visible"/>
-                                      </p:to>
-                                    </p:set>
-                                    <p:animEffect transition="in" filter="fade">
-                                      <p:cBhvr>
-                                        <p:cTn id="32" dur="500"/>
-                                        <p:tgtEl>
-                                          <p:spTgt spid="4">
-                                            <p:txEl>
-                                              <p:pRg st="5" end="5"/>
-                                            </p:txEl>
-                                          </p:spTgt>
+                                          <p:spTgt spid="32"/>
                                         </p:tgtEl>
                                       </p:cBhvr>
                                     </p:animEffect>
@@ -8368,9 +13072,853 @@
         </p:cTn>
       </p:par>
     </p:tnLst>
-    <p:bldLst>
-      <p:bldP spid="4" grpId="0" build="p"/>
-    </p:bldLst>
+  </p:timing>
+</p:sld>
+</file>
+
+<file path=ppt/slides/slide21.xml><?xml version="1.0" encoding="utf-8"?>
+<p:sld xmlns:a="http://schemas.openxmlformats.org/drawingml/2006/main" xmlns:r="http://schemas.openxmlformats.org/officeDocument/2006/relationships" xmlns:p="http://schemas.openxmlformats.org/presentationml/2006/main">
+  <p:cSld>
+    <p:bg>
+      <p:bgPr>
+        <a:solidFill>
+          <a:schemeClr val="bg1"/>
+        </a:solidFill>
+        <a:effectLst/>
+      </p:bgPr>
+    </p:bg>
+    <p:spTree>
+      <p:nvGrpSpPr>
+        <p:cNvPr id="1" name=""/>
+        <p:cNvGrpSpPr/>
+        <p:nvPr/>
+      </p:nvGrpSpPr>
+      <p:grpSpPr>
+        <a:xfrm>
+          <a:off x="0" y="0"/>
+          <a:ext cx="0" cy="0"/>
+          <a:chOff x="0" y="0"/>
+          <a:chExt cx="0" cy="0"/>
+        </a:xfrm>
+      </p:grpSpPr>
+      <p:sp useBgFill="1">
+        <p:nvSpPr>
+          <p:cNvPr id="8" name="Rectangle 7">
+            <a:extLst>
+              <a:ext uri="{FF2B5EF4-FFF2-40B4-BE49-F238E27FC236}">
+                <a16:creationId xmlns:a16="http://schemas.microsoft.com/office/drawing/2014/main" id="{99485AE2-6BE9-4DCA-A6C4-83F4EEFCCCC0}"/>
+              </a:ext>
+              <a:ext uri="{C183D7F6-B498-43B3-948B-1728B52AA6E4}">
+                <adec:decorative xmlns:adec="http://schemas.microsoft.com/office/drawing/2017/decorative" xmlns="" val="1"/>
+              </a:ext>
+            </a:extLst>
+          </p:cNvPr>
+          <p:cNvSpPr>
+            <a:spLocks noGrp="1" noRot="1" noChangeAspect="1" noMove="1" noResize="1" noEditPoints="1" noAdjustHandles="1" noChangeArrowheads="1" noChangeShapeType="1" noTextEdit="1"/>
+          </p:cNvSpPr>
+          <p:nvPr>
+            <p:extLst>
+              <p:ext uri="{386F3935-93C4-4BCD-93E2-E3B085C9AB24}">
+                <p16:designElem xmlns:p16="http://schemas.microsoft.com/office/powerpoint/2015/main" val="1"/>
+              </p:ext>
+            </p:extLst>
+          </p:nvPr>
+        </p:nvSpPr>
+        <p:spPr>
+          <a:xfrm>
+            <a:off x="0" y="0"/>
+            <a:ext cx="12192000" cy="6858000"/>
+          </a:xfrm>
+          <a:prstGeom prst="rect">
+            <a:avLst/>
+          </a:prstGeom>
+          <a:ln w="12700" cap="flat" cmpd="sng" algn="ctr">
+            <a:noFill/>
+            <a:prstDash val="solid"/>
+            <a:miter lim="800000"/>
+          </a:ln>
+          <a:effectLst/>
+          <a:extLst>
+            <a:ext uri="{91240B29-F687-4F45-9708-019B960494DF}">
+              <a14:hiddenLine xmlns:a14="http://schemas.microsoft.com/office/drawing/2010/main" w="12700" cap="flat" cmpd="sng" algn="ctr">
+                <a:solidFill>
+                  <a:schemeClr val="accent1">
+                    <a:shade val="50000"/>
+                  </a:schemeClr>
+                </a:solidFill>
+                <a:prstDash val="solid"/>
+                <a:miter lim="800000"/>
+              </a14:hiddenLine>
+            </a:ext>
+          </a:extLst>
+        </p:spPr>
+        <p:style>
+          <a:lnRef idx="2">
+            <a:schemeClr val="accent1">
+              <a:shade val="50000"/>
+            </a:schemeClr>
+          </a:lnRef>
+          <a:fillRef idx="1">
+            <a:schemeClr val="accent1"/>
+          </a:fillRef>
+          <a:effectRef idx="0">
+            <a:schemeClr val="accent1"/>
+          </a:effectRef>
+          <a:fontRef idx="minor">
+            <a:schemeClr val="lt1"/>
+          </a:fontRef>
+        </p:style>
+        <p:txBody>
+          <a:bodyPr rtlCol="0" anchor="ctr"/>
+          <a:lstStyle/>
+          <a:p>
+            <a:pPr algn="ctr"/>
+            <a:endParaRPr lang="en-US"/>
+          </a:p>
+        </p:txBody>
+      </p:sp>
+      <p:sp>
+        <p:nvSpPr>
+          <p:cNvPr id="10" name="Rectangle 9">
+            <a:extLst>
+              <a:ext uri="{FF2B5EF4-FFF2-40B4-BE49-F238E27FC236}">
+                <a16:creationId xmlns:a16="http://schemas.microsoft.com/office/drawing/2014/main" id="{65BA7CAF-5EE9-4EEE-9E12-B2CECCB94D62}"/>
+              </a:ext>
+              <a:ext uri="{C183D7F6-B498-43B3-948B-1728B52AA6E4}">
+                <adec:decorative xmlns:adec="http://schemas.microsoft.com/office/drawing/2017/decorative" xmlns="" val="1"/>
+              </a:ext>
+            </a:extLst>
+          </p:cNvPr>
+          <p:cNvSpPr>
+            <a:spLocks noGrp="1" noRot="1" noChangeAspect="1" noMove="1" noResize="1" noEditPoints="1" noAdjustHandles="1" noChangeArrowheads="1" noChangeShapeType="1" noTextEdit="1"/>
+          </p:cNvSpPr>
+          <p:nvPr>
+            <p:extLst>
+              <p:ext uri="{386F3935-93C4-4BCD-93E2-E3B085C9AB24}">
+                <p16:designElem xmlns:p16="http://schemas.microsoft.com/office/powerpoint/2015/main" val="1"/>
+              </p:ext>
+            </p:extLst>
+          </p:nvPr>
+        </p:nvSpPr>
+        <p:spPr>
+          <a:xfrm>
+            <a:off x="0" y="0"/>
+            <a:ext cx="12192000" cy="6857999"/>
+          </a:xfrm>
+          <a:prstGeom prst="rect">
+            <a:avLst/>
+          </a:prstGeom>
+          <a:solidFill>
+            <a:schemeClr val="tx2">
+              <a:lumMod val="75000"/>
+              <a:lumOff val="25000"/>
+            </a:schemeClr>
+          </a:solidFill>
+          <a:ln>
+            <a:noFill/>
+          </a:ln>
+        </p:spPr>
+        <p:style>
+          <a:lnRef idx="2">
+            <a:schemeClr val="accent1">
+              <a:shade val="50000"/>
+            </a:schemeClr>
+          </a:lnRef>
+          <a:fillRef idx="1">
+            <a:schemeClr val="accent1"/>
+          </a:fillRef>
+          <a:effectRef idx="0">
+            <a:schemeClr val="accent1"/>
+          </a:effectRef>
+          <a:fontRef idx="minor">
+            <a:schemeClr val="lt1"/>
+          </a:fontRef>
+        </p:style>
+        <p:txBody>
+          <a:bodyPr rtlCol="0" anchor="ctr"/>
+          <a:lstStyle/>
+          <a:p>
+            <a:pPr algn="ctr"/>
+            <a:endParaRPr lang="en-US"/>
+          </a:p>
+        </p:txBody>
+      </p:sp>
+      <p:sp useBgFill="1">
+        <p:nvSpPr>
+          <p:cNvPr id="12" name="Rectangle 11">
+            <a:extLst>
+              <a:ext uri="{FF2B5EF4-FFF2-40B4-BE49-F238E27FC236}">
+                <a16:creationId xmlns:a16="http://schemas.microsoft.com/office/drawing/2014/main" id="{EC199F73-795E-469A-AF4B-13FA2C7AB76F}"/>
+              </a:ext>
+              <a:ext uri="{C183D7F6-B498-43B3-948B-1728B52AA6E4}">
+                <adec:decorative xmlns:adec="http://schemas.microsoft.com/office/drawing/2017/decorative" xmlns="" val="1"/>
+              </a:ext>
+            </a:extLst>
+          </p:cNvPr>
+          <p:cNvSpPr>
+            <a:spLocks noGrp="1" noRot="1" noChangeAspect="1" noMove="1" noResize="1" noEditPoints="1" noAdjustHandles="1" noChangeArrowheads="1" noChangeShapeType="1" noTextEdit="1"/>
+          </p:cNvSpPr>
+          <p:nvPr>
+            <p:extLst>
+              <p:ext uri="{386F3935-93C4-4BCD-93E2-E3B085C9AB24}">
+                <p16:designElem xmlns:p16="http://schemas.microsoft.com/office/powerpoint/2015/main" val="1"/>
+              </p:ext>
+            </p:extLst>
+          </p:nvPr>
+        </p:nvSpPr>
+        <p:spPr>
+          <a:xfrm>
+            <a:off x="685799" y="684431"/>
+            <a:ext cx="10820401" cy="5486400"/>
+          </a:xfrm>
+          <a:prstGeom prst="rect">
+            <a:avLst/>
+          </a:prstGeom>
+          <a:ln>
+            <a:noFill/>
+          </a:ln>
+        </p:spPr>
+        <p:style>
+          <a:lnRef idx="2">
+            <a:schemeClr val="accent1">
+              <a:shade val="50000"/>
+            </a:schemeClr>
+          </a:lnRef>
+          <a:fillRef idx="1">
+            <a:schemeClr val="accent1"/>
+          </a:fillRef>
+          <a:effectRef idx="0">
+            <a:schemeClr val="accent1"/>
+          </a:effectRef>
+          <a:fontRef idx="minor">
+            <a:schemeClr val="lt1"/>
+          </a:fontRef>
+        </p:style>
+        <p:txBody>
+          <a:bodyPr rtlCol="0" anchor="ctr"/>
+          <a:lstStyle/>
+          <a:p>
+            <a:pPr algn="ctr"/>
+            <a:endParaRPr lang="en-US"/>
+          </a:p>
+        </p:txBody>
+      </p:sp>
+      <p:sp>
+        <p:nvSpPr>
+          <p:cNvPr id="2" name="Titre 1">
+            <a:extLst>
+              <a:ext uri="{FF2B5EF4-FFF2-40B4-BE49-F238E27FC236}">
+                <a16:creationId xmlns:a16="http://schemas.microsoft.com/office/drawing/2014/main" id="{2ADB5AAE-41D5-40DD-A718-BD2FEE8AF21A}"/>
+              </a:ext>
+            </a:extLst>
+          </p:cNvPr>
+          <p:cNvSpPr>
+            <a:spLocks noGrp="1"/>
+          </p:cNvSpPr>
+          <p:nvPr>
+            <p:ph type="title"/>
+          </p:nvPr>
+        </p:nvSpPr>
+        <p:spPr>
+          <a:xfrm>
+            <a:off x="2038349" y="1047749"/>
+            <a:ext cx="8115300" cy="647701"/>
+          </a:xfrm>
+        </p:spPr>
+        <p:txBody>
+          <a:bodyPr vert="horz" lIns="91440" tIns="45720" rIns="91440" bIns="45720" rtlCol="0" anchor="b">
+            <a:normAutofit/>
+          </a:bodyPr>
+          <a:lstStyle/>
+          <a:p>
+            <a:pPr algn="ctr"/>
+            <a:r>
+              <a:rPr lang="en-US" sz="4000" kern="1200" cap="all" spc="300" baseline="0" dirty="0" smtClean="0">
+                <a:solidFill>
+                  <a:schemeClr val="tx2"/>
+                </a:solidFill>
+                <a:latin typeface="+mj-lt"/>
+                <a:ea typeface="+mj-ea"/>
+                <a:cs typeface="+mj-cs"/>
+              </a:rPr>
+              <a:t>Conclusion</a:t>
+            </a:r>
+            <a:endParaRPr lang="en-US" sz="4000" kern="1200" cap="all" spc="300" baseline="0" dirty="0">
+              <a:solidFill>
+                <a:schemeClr val="tx2"/>
+              </a:solidFill>
+              <a:latin typeface="+mj-lt"/>
+              <a:ea typeface="+mj-ea"/>
+              <a:cs typeface="+mj-cs"/>
+            </a:endParaRPr>
+          </a:p>
+        </p:txBody>
+      </p:sp>
+      <p:sp>
+        <p:nvSpPr>
+          <p:cNvPr id="5" name="Espace réservé du pied de page 4"/>
+          <p:cNvSpPr>
+            <a:spLocks noGrp="1"/>
+          </p:cNvSpPr>
+          <p:nvPr>
+            <p:ph type="ftr" sz="quarter" idx="11"/>
+          </p:nvPr>
+        </p:nvSpPr>
+        <p:spPr/>
+        <p:txBody>
+          <a:bodyPr/>
+          <a:lstStyle/>
+          <a:p>
+            <a:r>
+              <a:rPr lang="en-US"/>
+              <a:t>Page</a:t>
+            </a:r>
+          </a:p>
+        </p:txBody>
+      </p:sp>
+      <p:sp>
+        <p:nvSpPr>
+          <p:cNvPr id="6" name="Espace réservé du numéro de diapositive 5"/>
+          <p:cNvSpPr>
+            <a:spLocks noGrp="1"/>
+          </p:cNvSpPr>
+          <p:nvPr>
+            <p:ph type="sldNum" sz="quarter" idx="12"/>
+          </p:nvPr>
+        </p:nvSpPr>
+        <p:spPr/>
+        <p:txBody>
+          <a:bodyPr/>
+          <a:lstStyle/>
+          <a:p>
+            <a:fld id="{F8E28480-1C08-4458-AD97-0283E6FFD09D}" type="slidenum">
+              <a:rPr lang="en-US" sz="2000" smtClean="0">
+                <a:solidFill>
+                  <a:schemeClr val="bg1"/>
+                </a:solidFill>
+              </a:rPr>
+              <a:t>21</a:t>
+            </a:fld>
+            <a:endParaRPr lang="en-US" sz="2000">
+              <a:solidFill>
+                <a:schemeClr val="bg1"/>
+              </a:solidFill>
+            </a:endParaRPr>
+          </a:p>
+        </p:txBody>
+      </p:sp>
+      <p:sp>
+        <p:nvSpPr>
+          <p:cNvPr id="3" name="ZoneTexte 2"/>
+          <p:cNvSpPr txBox="1"/>
+          <p:nvPr/>
+        </p:nvSpPr>
+        <p:spPr>
+          <a:xfrm>
+            <a:off x="3385038" y="2479431"/>
+            <a:ext cx="184731" cy="369332"/>
+          </a:xfrm>
+          <a:prstGeom prst="rect">
+            <a:avLst/>
+          </a:prstGeom>
+          <a:noFill/>
+        </p:spPr>
+        <p:txBody>
+          <a:bodyPr wrap="none" rtlCol="0">
+            <a:spAutoFit/>
+          </a:bodyPr>
+          <a:lstStyle/>
+          <a:p>
+            <a:endParaRPr lang="fr-CH" dirty="0"/>
+          </a:p>
+        </p:txBody>
+      </p:sp>
+      <p:cxnSp>
+        <p:nvCxnSpPr>
+          <p:cNvPr id="9" name="Connecteur droit 8"/>
+          <p:cNvCxnSpPr/>
+          <p:nvPr/>
+        </p:nvCxnSpPr>
+        <p:spPr>
+          <a:xfrm>
+            <a:off x="7358052" y="6576639"/>
+            <a:ext cx="440559" cy="0"/>
+          </a:xfrm>
+          <a:prstGeom prst="line">
+            <a:avLst/>
+          </a:prstGeom>
+          <a:ln w="38100">
+            <a:solidFill>
+              <a:schemeClr val="bg1">
+                <a:lumMod val="75000"/>
+              </a:schemeClr>
+            </a:solidFill>
+            <a:prstDash val="sysDot"/>
+          </a:ln>
+        </p:spPr>
+        <p:style>
+          <a:lnRef idx="1">
+            <a:schemeClr val="accent1"/>
+          </a:lnRef>
+          <a:fillRef idx="0">
+            <a:schemeClr val="accent1"/>
+          </a:fillRef>
+          <a:effectRef idx="0">
+            <a:schemeClr val="accent1"/>
+          </a:effectRef>
+          <a:fontRef idx="minor">
+            <a:schemeClr val="tx1"/>
+          </a:fontRef>
+        </p:style>
+      </p:cxnSp>
+      <p:sp>
+        <p:nvSpPr>
+          <p:cNvPr id="11" name="Ellipse 10"/>
+          <p:cNvSpPr/>
+          <p:nvPr/>
+        </p:nvSpPr>
+        <p:spPr>
+          <a:xfrm>
+            <a:off x="7119549" y="6476886"/>
+            <a:ext cx="199505" cy="199505"/>
+          </a:xfrm>
+          <a:prstGeom prst="ellipse">
+            <a:avLst/>
+          </a:prstGeom>
+          <a:solidFill>
+            <a:schemeClr val="bg1"/>
+          </a:solidFill>
+          <a:ln>
+            <a:solidFill>
+              <a:schemeClr val="tx2">
+                <a:lumMod val="75000"/>
+                <a:lumOff val="25000"/>
+              </a:schemeClr>
+            </a:solidFill>
+          </a:ln>
+        </p:spPr>
+        <p:style>
+          <a:lnRef idx="2">
+            <a:schemeClr val="accent1">
+              <a:shade val="50000"/>
+            </a:schemeClr>
+          </a:lnRef>
+          <a:fillRef idx="1">
+            <a:schemeClr val="accent1"/>
+          </a:fillRef>
+          <a:effectRef idx="0">
+            <a:schemeClr val="accent1"/>
+          </a:effectRef>
+          <a:fontRef idx="minor">
+            <a:schemeClr val="lt1"/>
+          </a:fontRef>
+        </p:style>
+        <p:txBody>
+          <a:bodyPr rtlCol="0" anchor="ctr"/>
+          <a:lstStyle/>
+          <a:p>
+            <a:pPr algn="ctr"/>
+            <a:endParaRPr lang="fr-CH"/>
+          </a:p>
+        </p:txBody>
+      </p:sp>
+      <p:cxnSp>
+        <p:nvCxnSpPr>
+          <p:cNvPr id="13" name="Connecteur droit 12"/>
+          <p:cNvCxnSpPr/>
+          <p:nvPr/>
+        </p:nvCxnSpPr>
+        <p:spPr>
+          <a:xfrm>
+            <a:off x="8080756" y="6576639"/>
+            <a:ext cx="440559" cy="0"/>
+          </a:xfrm>
+          <a:prstGeom prst="line">
+            <a:avLst/>
+          </a:prstGeom>
+          <a:ln w="38100">
+            <a:solidFill>
+              <a:schemeClr val="bg1">
+                <a:lumMod val="75000"/>
+              </a:schemeClr>
+            </a:solidFill>
+            <a:prstDash val="sysDot"/>
+          </a:ln>
+        </p:spPr>
+        <p:style>
+          <a:lnRef idx="1">
+            <a:schemeClr val="accent1"/>
+          </a:lnRef>
+          <a:fillRef idx="0">
+            <a:schemeClr val="accent1"/>
+          </a:fillRef>
+          <a:effectRef idx="0">
+            <a:schemeClr val="accent1"/>
+          </a:effectRef>
+          <a:fontRef idx="minor">
+            <a:schemeClr val="tx1"/>
+          </a:fontRef>
+        </p:style>
+      </p:cxnSp>
+      <p:sp>
+        <p:nvSpPr>
+          <p:cNvPr id="14" name="Ellipse 13"/>
+          <p:cNvSpPr/>
+          <p:nvPr/>
+        </p:nvSpPr>
+        <p:spPr>
+          <a:xfrm>
+            <a:off x="7842253" y="6476886"/>
+            <a:ext cx="199505" cy="199505"/>
+          </a:xfrm>
+          <a:prstGeom prst="ellipse">
+            <a:avLst/>
+          </a:prstGeom>
+          <a:solidFill>
+            <a:schemeClr val="bg1"/>
+          </a:solidFill>
+          <a:ln>
+            <a:solidFill>
+              <a:schemeClr val="tx2">
+                <a:lumMod val="75000"/>
+                <a:lumOff val="25000"/>
+              </a:schemeClr>
+            </a:solidFill>
+          </a:ln>
+        </p:spPr>
+        <p:style>
+          <a:lnRef idx="2">
+            <a:schemeClr val="accent1">
+              <a:shade val="50000"/>
+            </a:schemeClr>
+          </a:lnRef>
+          <a:fillRef idx="1">
+            <a:schemeClr val="accent1"/>
+          </a:fillRef>
+          <a:effectRef idx="0">
+            <a:schemeClr val="accent1"/>
+          </a:effectRef>
+          <a:fontRef idx="minor">
+            <a:schemeClr val="lt1"/>
+          </a:fontRef>
+        </p:style>
+        <p:txBody>
+          <a:bodyPr rtlCol="0" anchor="ctr"/>
+          <a:lstStyle/>
+          <a:p>
+            <a:pPr algn="ctr"/>
+            <a:endParaRPr lang="fr-CH"/>
+          </a:p>
+        </p:txBody>
+      </p:sp>
+      <p:cxnSp>
+        <p:nvCxnSpPr>
+          <p:cNvPr id="15" name="Connecteur droit 14"/>
+          <p:cNvCxnSpPr/>
+          <p:nvPr/>
+        </p:nvCxnSpPr>
+        <p:spPr>
+          <a:xfrm>
+            <a:off x="8803460" y="6576639"/>
+            <a:ext cx="440559" cy="0"/>
+          </a:xfrm>
+          <a:prstGeom prst="line">
+            <a:avLst/>
+          </a:prstGeom>
+          <a:ln w="38100">
+            <a:solidFill>
+              <a:schemeClr val="bg1">
+                <a:lumMod val="75000"/>
+              </a:schemeClr>
+            </a:solidFill>
+            <a:prstDash val="sysDot"/>
+          </a:ln>
+        </p:spPr>
+        <p:style>
+          <a:lnRef idx="1">
+            <a:schemeClr val="accent1"/>
+          </a:lnRef>
+          <a:fillRef idx="0">
+            <a:schemeClr val="accent1"/>
+          </a:fillRef>
+          <a:effectRef idx="0">
+            <a:schemeClr val="accent1"/>
+          </a:effectRef>
+          <a:fontRef idx="minor">
+            <a:schemeClr val="tx1"/>
+          </a:fontRef>
+        </p:style>
+      </p:cxnSp>
+      <p:sp>
+        <p:nvSpPr>
+          <p:cNvPr id="16" name="Ellipse 15"/>
+          <p:cNvSpPr/>
+          <p:nvPr/>
+        </p:nvSpPr>
+        <p:spPr>
+          <a:xfrm>
+            <a:off x="8564957" y="6476886"/>
+            <a:ext cx="199505" cy="199505"/>
+          </a:xfrm>
+          <a:prstGeom prst="ellipse">
+            <a:avLst/>
+          </a:prstGeom>
+          <a:solidFill>
+            <a:schemeClr val="bg1"/>
+          </a:solidFill>
+          <a:ln>
+            <a:solidFill>
+              <a:schemeClr val="tx2">
+                <a:lumMod val="75000"/>
+                <a:lumOff val="25000"/>
+              </a:schemeClr>
+            </a:solidFill>
+          </a:ln>
+        </p:spPr>
+        <p:style>
+          <a:lnRef idx="2">
+            <a:schemeClr val="accent1">
+              <a:shade val="50000"/>
+            </a:schemeClr>
+          </a:lnRef>
+          <a:fillRef idx="1">
+            <a:schemeClr val="accent1"/>
+          </a:fillRef>
+          <a:effectRef idx="0">
+            <a:schemeClr val="accent1"/>
+          </a:effectRef>
+          <a:fontRef idx="minor">
+            <a:schemeClr val="lt1"/>
+          </a:fontRef>
+        </p:style>
+        <p:txBody>
+          <a:bodyPr rtlCol="0" anchor="ctr"/>
+          <a:lstStyle/>
+          <a:p>
+            <a:pPr algn="ctr"/>
+            <a:endParaRPr lang="fr-CH"/>
+          </a:p>
+        </p:txBody>
+      </p:sp>
+      <p:cxnSp>
+        <p:nvCxnSpPr>
+          <p:cNvPr id="17" name="Connecteur droit 16"/>
+          <p:cNvCxnSpPr/>
+          <p:nvPr/>
+        </p:nvCxnSpPr>
+        <p:spPr>
+          <a:xfrm>
+            <a:off x="9521520" y="6576639"/>
+            <a:ext cx="440559" cy="0"/>
+          </a:xfrm>
+          <a:prstGeom prst="line">
+            <a:avLst/>
+          </a:prstGeom>
+          <a:ln w="38100">
+            <a:solidFill>
+              <a:schemeClr val="bg1">
+                <a:lumMod val="75000"/>
+              </a:schemeClr>
+            </a:solidFill>
+            <a:prstDash val="sysDot"/>
+          </a:ln>
+        </p:spPr>
+        <p:style>
+          <a:lnRef idx="1">
+            <a:schemeClr val="accent1"/>
+          </a:lnRef>
+          <a:fillRef idx="0">
+            <a:schemeClr val="accent1"/>
+          </a:fillRef>
+          <a:effectRef idx="0">
+            <a:schemeClr val="accent1"/>
+          </a:effectRef>
+          <a:fontRef idx="minor">
+            <a:schemeClr val="tx1"/>
+          </a:fontRef>
+        </p:style>
+      </p:cxnSp>
+      <p:sp>
+        <p:nvSpPr>
+          <p:cNvPr id="18" name="Ellipse 17"/>
+          <p:cNvSpPr/>
+          <p:nvPr/>
+        </p:nvSpPr>
+        <p:spPr>
+          <a:xfrm>
+            <a:off x="9283017" y="6476886"/>
+            <a:ext cx="199505" cy="199505"/>
+          </a:xfrm>
+          <a:prstGeom prst="ellipse">
+            <a:avLst/>
+          </a:prstGeom>
+          <a:solidFill>
+            <a:schemeClr val="bg1"/>
+          </a:solidFill>
+          <a:ln>
+            <a:solidFill>
+              <a:schemeClr val="tx2">
+                <a:lumMod val="75000"/>
+                <a:lumOff val="25000"/>
+              </a:schemeClr>
+            </a:solidFill>
+          </a:ln>
+        </p:spPr>
+        <p:style>
+          <a:lnRef idx="2">
+            <a:schemeClr val="accent1">
+              <a:shade val="50000"/>
+            </a:schemeClr>
+          </a:lnRef>
+          <a:fillRef idx="1">
+            <a:schemeClr val="accent1"/>
+          </a:fillRef>
+          <a:effectRef idx="0">
+            <a:schemeClr val="accent1"/>
+          </a:effectRef>
+          <a:fontRef idx="minor">
+            <a:schemeClr val="lt1"/>
+          </a:fontRef>
+        </p:style>
+        <p:txBody>
+          <a:bodyPr rtlCol="0" anchor="ctr"/>
+          <a:lstStyle/>
+          <a:p>
+            <a:pPr algn="ctr"/>
+            <a:endParaRPr lang="fr-CH"/>
+          </a:p>
+        </p:txBody>
+      </p:sp>
+      <p:sp>
+        <p:nvSpPr>
+          <p:cNvPr id="19" name="Ellipse 18"/>
+          <p:cNvSpPr/>
+          <p:nvPr/>
+        </p:nvSpPr>
+        <p:spPr>
+          <a:xfrm>
+            <a:off x="10001077" y="6476886"/>
+            <a:ext cx="199505" cy="199505"/>
+          </a:xfrm>
+          <a:prstGeom prst="ellipse">
+            <a:avLst/>
+          </a:prstGeom>
+          <a:solidFill>
+            <a:schemeClr val="tx1"/>
+          </a:solidFill>
+          <a:ln>
+            <a:solidFill>
+              <a:schemeClr val="tx2">
+                <a:lumMod val="75000"/>
+                <a:lumOff val="25000"/>
+              </a:schemeClr>
+            </a:solidFill>
+          </a:ln>
+        </p:spPr>
+        <p:style>
+          <a:lnRef idx="2">
+            <a:schemeClr val="accent1">
+              <a:shade val="50000"/>
+            </a:schemeClr>
+          </a:lnRef>
+          <a:fillRef idx="1">
+            <a:schemeClr val="accent1"/>
+          </a:fillRef>
+          <a:effectRef idx="0">
+            <a:schemeClr val="accent1"/>
+          </a:effectRef>
+          <a:fontRef idx="minor">
+            <a:schemeClr val="lt1"/>
+          </a:fontRef>
+        </p:style>
+        <p:txBody>
+          <a:bodyPr rtlCol="0" anchor="ctr"/>
+          <a:lstStyle/>
+          <a:p>
+            <a:pPr algn="ctr"/>
+            <a:endParaRPr lang="fr-CH"/>
+          </a:p>
+        </p:txBody>
+      </p:sp>
+      <p:sp>
+        <p:nvSpPr>
+          <p:cNvPr id="4" name="ZoneTexte 3"/>
+          <p:cNvSpPr txBox="1"/>
+          <p:nvPr/>
+        </p:nvSpPr>
+        <p:spPr>
+          <a:xfrm>
+            <a:off x="3156478" y="2379881"/>
+            <a:ext cx="5879041" cy="1754326"/>
+          </a:xfrm>
+          <a:prstGeom prst="rect">
+            <a:avLst/>
+          </a:prstGeom>
+          <a:noFill/>
+        </p:spPr>
+        <p:txBody>
+          <a:bodyPr wrap="square" rtlCol="0">
+            <a:spAutoFit/>
+          </a:bodyPr>
+          <a:lstStyle/>
+          <a:p>
+            <a:pPr marL="342900" indent="-342900">
+              <a:lnSpc>
+                <a:spcPct val="150000"/>
+              </a:lnSpc>
+              <a:buFont typeface="+mj-lt"/>
+              <a:buAutoNum type="arabicPeriod"/>
+            </a:pPr>
+            <a:r>
+              <a:rPr lang="fr-CH" dirty="0" smtClean="0"/>
+              <a:t>Projet intéressant mais long</a:t>
+            </a:r>
+          </a:p>
+          <a:p>
+            <a:pPr marL="342900" indent="-342900">
+              <a:lnSpc>
+                <a:spcPct val="150000"/>
+              </a:lnSpc>
+              <a:buFont typeface="+mj-lt"/>
+              <a:buAutoNum type="arabicPeriod"/>
+            </a:pPr>
+            <a:r>
+              <a:rPr lang="fr-CH" dirty="0" smtClean="0"/>
+              <a:t>Manque d’organisation et de planification</a:t>
+            </a:r>
+          </a:p>
+          <a:p>
+            <a:pPr marL="342900" indent="-342900">
+              <a:lnSpc>
+                <a:spcPct val="150000"/>
+              </a:lnSpc>
+              <a:buFont typeface="+mj-lt"/>
+              <a:buAutoNum type="arabicPeriod"/>
+            </a:pPr>
+            <a:r>
+              <a:rPr lang="fr-CH" dirty="0" smtClean="0"/>
+              <a:t>M’a permis de rafraîchir mes connaissances dans le développement WEB</a:t>
+            </a:r>
+            <a:endParaRPr lang="fr-CH" dirty="0"/>
+          </a:p>
+        </p:txBody>
+      </p:sp>
+    </p:spTree>
+    <p:extLst>
+      <p:ext uri="{BB962C8B-B14F-4D97-AF65-F5344CB8AC3E}">
+        <p14:creationId xmlns:p14="http://schemas.microsoft.com/office/powerpoint/2010/main" val="3907105779"/>
+      </p:ext>
+    </p:extLst>
+  </p:cSld>
+  <p:clrMapOvr>
+    <a:masterClrMapping/>
+  </p:clrMapOvr>
+  <p:timing>
+    <p:tnLst>
+      <p:par>
+        <p:cTn id="1" dur="indefinite" restart="never" nodeType="tmRoot"/>
+      </p:par>
+    </p:tnLst>
   </p:timing>
 </p:sld>
 </file>
@@ -8408,7 +13956,7 @@
                 <a16:creationId xmlns:a16="http://schemas.microsoft.com/office/drawing/2014/main" id="{6BD1C247-1E5B-4399-87F8-31C532F0A276}"/>
               </a:ext>
               <a:ext uri="{C183D7F6-B498-43B3-948B-1728B52AA6E4}">
-                <adec:decorative xmlns:adec="http://schemas.microsoft.com/office/drawing/2017/decorative" val="1"/>
+                <adec:decorative xmlns:adec="http://schemas.microsoft.com/office/drawing/2017/decorative" xmlns="" val="1"/>
               </a:ext>
             </a:extLst>
           </p:cNvPr>
@@ -8484,7 +14032,7 @@
                 <a16:creationId xmlns:a16="http://schemas.microsoft.com/office/drawing/2014/main" id="{D3F0F311-CB15-4C1D-937F-8DBB429D8E9E}"/>
               </a:ext>
               <a:ext uri="{C183D7F6-B498-43B3-948B-1728B52AA6E4}">
-                <adec:decorative xmlns:adec="http://schemas.microsoft.com/office/drawing/2017/decorative" val="1"/>
+                <adec:decorative xmlns:adec="http://schemas.microsoft.com/office/drawing/2017/decorative" xmlns="" val="1"/>
               </a:ext>
             </a:extLst>
           </p:cNvPr>
@@ -8550,7 +14098,7 @@
                 <a16:creationId xmlns:a16="http://schemas.microsoft.com/office/drawing/2014/main" id="{E6F70DE8-A2A4-4336-A602-73036FEDC795}"/>
               </a:ext>
               <a:ext uri="{C183D7F6-B498-43B3-948B-1728B52AA6E4}">
-                <adec:decorative xmlns:adec="http://schemas.microsoft.com/office/drawing/2017/decorative" val="1"/>
+                <adec:decorative xmlns:adec="http://schemas.microsoft.com/office/drawing/2017/decorative" xmlns="" val="1"/>
               </a:ext>
             </a:extLst>
           </p:cNvPr>
@@ -8646,7 +14194,7 @@
                 <a16:creationId xmlns:a16="http://schemas.microsoft.com/office/drawing/2014/main" id="{0BC37474-18AF-4624-880A-2ACF6A6507D7}"/>
               </a:ext>
               <a:ext uri="{C183D7F6-B498-43B3-948B-1728B52AA6E4}">
-                <adec:decorative xmlns:adec="http://schemas.microsoft.com/office/drawing/2017/decorative" val="1"/>
+                <adec:decorative xmlns:adec="http://schemas.microsoft.com/office/drawing/2017/decorative" xmlns="" val="1"/>
               </a:ext>
             </a:extLst>
           </p:cNvPr>
@@ -9263,42 +14811,6 @@
           </a:p>
         </p:txBody>
       </p:sp>
-      <p:cxnSp>
-        <p:nvCxnSpPr>
-          <p:cNvPr id="22" name="Connecteur droit 21"/>
-          <p:cNvCxnSpPr/>
-          <p:nvPr/>
-        </p:nvCxnSpPr>
-        <p:spPr>
-          <a:xfrm>
-            <a:off x="10239580" y="6576639"/>
-            <a:ext cx="440559" cy="0"/>
-          </a:xfrm>
-          <a:prstGeom prst="line">
-            <a:avLst/>
-          </a:prstGeom>
-          <a:ln w="38100">
-            <a:solidFill>
-              <a:schemeClr val="bg1"/>
-            </a:solidFill>
-            <a:prstDash val="sysDot"/>
-          </a:ln>
-        </p:spPr>
-        <p:style>
-          <a:lnRef idx="1">
-            <a:schemeClr val="accent1"/>
-          </a:lnRef>
-          <a:fillRef idx="0">
-            <a:schemeClr val="accent1"/>
-          </a:fillRef>
-          <a:effectRef idx="0">
-            <a:schemeClr val="accent1"/>
-          </a:effectRef>
-          <a:fontRef idx="minor">
-            <a:schemeClr val="tx1"/>
-          </a:fontRef>
-        </p:style>
-      </p:cxnSp>
       <p:sp>
         <p:nvSpPr>
           <p:cNvPr id="23" name="Ellipse 22"/>
@@ -9308,57 +14820,6 @@
         <p:spPr>
           <a:xfrm>
             <a:off x="10001077" y="6476886"/>
-            <a:ext cx="199505" cy="199505"/>
-          </a:xfrm>
-          <a:prstGeom prst="ellipse">
-            <a:avLst/>
-          </a:prstGeom>
-          <a:solidFill>
-            <a:schemeClr val="bg1"/>
-          </a:solidFill>
-          <a:ln>
-            <a:solidFill>
-              <a:schemeClr val="tx2">
-                <a:lumMod val="75000"/>
-                <a:lumOff val="25000"/>
-              </a:schemeClr>
-            </a:solidFill>
-          </a:ln>
-        </p:spPr>
-        <p:style>
-          <a:lnRef idx="2">
-            <a:schemeClr val="accent1">
-              <a:shade val="50000"/>
-            </a:schemeClr>
-          </a:lnRef>
-          <a:fillRef idx="1">
-            <a:schemeClr val="accent1"/>
-          </a:fillRef>
-          <a:effectRef idx="0">
-            <a:schemeClr val="accent1"/>
-          </a:effectRef>
-          <a:fontRef idx="minor">
-            <a:schemeClr val="lt1"/>
-          </a:fontRef>
-        </p:style>
-        <p:txBody>
-          <a:bodyPr rtlCol="0" anchor="ctr"/>
-          <a:lstStyle/>
-          <a:p>
-            <a:pPr algn="ctr"/>
-            <a:endParaRPr lang="fr-CH"/>
-          </a:p>
-        </p:txBody>
-      </p:sp>
-      <p:sp>
-        <p:nvSpPr>
-          <p:cNvPr id="25" name="Ellipse 24"/>
-          <p:cNvSpPr/>
-          <p:nvPr/>
-        </p:nvSpPr>
-        <p:spPr>
-          <a:xfrm>
-            <a:off x="10713043" y="6476886"/>
             <a:ext cx="199505" cy="199505"/>
           </a:xfrm>
           <a:prstGeom prst="ellipse">
@@ -9877,6 +15338,14 @@
 <file path=ppt/slides/slide4.xml><?xml version="1.0" encoding="utf-8"?>
 <p:sld xmlns:a="http://schemas.openxmlformats.org/drawingml/2006/main" xmlns:r="http://schemas.openxmlformats.org/officeDocument/2006/relationships" xmlns:p="http://schemas.openxmlformats.org/presentationml/2006/main">
   <p:cSld>
+    <p:bg>
+      <p:bgPr>
+        <a:solidFill>
+          <a:schemeClr val="bg1"/>
+        </a:solidFill>
+        <a:effectLst/>
+      </p:bgPr>
+    </p:bg>
     <p:spTree>
       <p:nvGrpSpPr>
         <p:cNvPr id="1" name=""/>
@@ -9891,6 +15360,349 @@
           <a:chExt cx="0" cy="0"/>
         </a:xfrm>
       </p:grpSpPr>
+      <p:sp useBgFill="1">
+        <p:nvSpPr>
+          <p:cNvPr id="8" name="Rectangle 7">
+            <a:extLst>
+              <a:ext uri="{FF2B5EF4-FFF2-40B4-BE49-F238E27FC236}">
+                <a16:creationId xmlns:a16="http://schemas.microsoft.com/office/drawing/2014/main" id="{99485AE2-6BE9-4DCA-A6C4-83F4EEFCCCC0}"/>
+              </a:ext>
+              <a:ext uri="{C183D7F6-B498-43B3-948B-1728B52AA6E4}">
+                <adec:decorative xmlns:adec="http://schemas.microsoft.com/office/drawing/2017/decorative" xmlns="" val="1"/>
+              </a:ext>
+            </a:extLst>
+          </p:cNvPr>
+          <p:cNvSpPr>
+            <a:spLocks noGrp="1" noRot="1" noChangeAspect="1" noMove="1" noResize="1" noEditPoints="1" noAdjustHandles="1" noChangeArrowheads="1" noChangeShapeType="1" noTextEdit="1"/>
+          </p:cNvSpPr>
+          <p:nvPr>
+            <p:extLst>
+              <p:ext uri="{386F3935-93C4-4BCD-93E2-E3B085C9AB24}">
+                <p16:designElem xmlns:p16="http://schemas.microsoft.com/office/powerpoint/2015/main" val="1"/>
+              </p:ext>
+            </p:extLst>
+          </p:nvPr>
+        </p:nvSpPr>
+        <p:spPr>
+          <a:xfrm>
+            <a:off x="0" y="0"/>
+            <a:ext cx="12192000" cy="6858000"/>
+          </a:xfrm>
+          <a:prstGeom prst="rect">
+            <a:avLst/>
+          </a:prstGeom>
+          <a:ln w="12700" cap="flat" cmpd="sng" algn="ctr">
+            <a:noFill/>
+            <a:prstDash val="solid"/>
+            <a:miter lim="800000"/>
+          </a:ln>
+          <a:effectLst/>
+          <a:extLst>
+            <a:ext uri="{91240B29-F687-4F45-9708-019B960494DF}">
+              <a14:hiddenLine xmlns:a14="http://schemas.microsoft.com/office/drawing/2010/main" w="12700" cap="flat" cmpd="sng" algn="ctr">
+                <a:solidFill>
+                  <a:schemeClr val="accent1">
+                    <a:shade val="50000"/>
+                  </a:schemeClr>
+                </a:solidFill>
+                <a:prstDash val="solid"/>
+                <a:miter lim="800000"/>
+              </a14:hiddenLine>
+            </a:ext>
+          </a:extLst>
+        </p:spPr>
+        <p:style>
+          <a:lnRef idx="2">
+            <a:schemeClr val="accent1">
+              <a:shade val="50000"/>
+            </a:schemeClr>
+          </a:lnRef>
+          <a:fillRef idx="1">
+            <a:schemeClr val="accent1"/>
+          </a:fillRef>
+          <a:effectRef idx="0">
+            <a:schemeClr val="accent1"/>
+          </a:effectRef>
+          <a:fontRef idx="minor">
+            <a:schemeClr val="lt1"/>
+          </a:fontRef>
+        </p:style>
+        <p:txBody>
+          <a:bodyPr rtlCol="0" anchor="ctr"/>
+          <a:lstStyle/>
+          <a:p>
+            <a:pPr algn="ctr"/>
+            <a:endParaRPr lang="en-US"/>
+          </a:p>
+        </p:txBody>
+      </p:sp>
+      <p:sp>
+        <p:nvSpPr>
+          <p:cNvPr id="10" name="Rectangle 9">
+            <a:extLst>
+              <a:ext uri="{FF2B5EF4-FFF2-40B4-BE49-F238E27FC236}">
+                <a16:creationId xmlns:a16="http://schemas.microsoft.com/office/drawing/2014/main" id="{65BA7CAF-5EE9-4EEE-9E12-B2CECCB94D62}"/>
+              </a:ext>
+              <a:ext uri="{C183D7F6-B498-43B3-948B-1728B52AA6E4}">
+                <adec:decorative xmlns:adec="http://schemas.microsoft.com/office/drawing/2017/decorative" xmlns="" val="1"/>
+              </a:ext>
+            </a:extLst>
+          </p:cNvPr>
+          <p:cNvSpPr>
+            <a:spLocks noGrp="1" noRot="1" noChangeAspect="1" noMove="1" noResize="1" noEditPoints="1" noAdjustHandles="1" noChangeArrowheads="1" noChangeShapeType="1" noTextEdit="1"/>
+          </p:cNvSpPr>
+          <p:nvPr>
+            <p:extLst>
+              <p:ext uri="{386F3935-93C4-4BCD-93E2-E3B085C9AB24}">
+                <p16:designElem xmlns:p16="http://schemas.microsoft.com/office/powerpoint/2015/main" val="1"/>
+              </p:ext>
+            </p:extLst>
+          </p:nvPr>
+        </p:nvSpPr>
+        <p:spPr>
+          <a:xfrm>
+            <a:off x="0" y="0"/>
+            <a:ext cx="12192000" cy="6857999"/>
+          </a:xfrm>
+          <a:prstGeom prst="rect">
+            <a:avLst/>
+          </a:prstGeom>
+          <a:solidFill>
+            <a:schemeClr val="tx2">
+              <a:lumMod val="75000"/>
+              <a:lumOff val="25000"/>
+            </a:schemeClr>
+          </a:solidFill>
+          <a:ln>
+            <a:noFill/>
+          </a:ln>
+        </p:spPr>
+        <p:style>
+          <a:lnRef idx="2">
+            <a:schemeClr val="accent1">
+              <a:shade val="50000"/>
+            </a:schemeClr>
+          </a:lnRef>
+          <a:fillRef idx="1">
+            <a:schemeClr val="accent1"/>
+          </a:fillRef>
+          <a:effectRef idx="0">
+            <a:schemeClr val="accent1"/>
+          </a:effectRef>
+          <a:fontRef idx="minor">
+            <a:schemeClr val="lt1"/>
+          </a:fontRef>
+        </p:style>
+        <p:txBody>
+          <a:bodyPr rtlCol="0" anchor="ctr"/>
+          <a:lstStyle/>
+          <a:p>
+            <a:pPr algn="ctr"/>
+            <a:endParaRPr lang="en-US"/>
+          </a:p>
+        </p:txBody>
+      </p:sp>
+      <p:sp useBgFill="1">
+        <p:nvSpPr>
+          <p:cNvPr id="12" name="Rectangle 11">
+            <a:extLst>
+              <a:ext uri="{FF2B5EF4-FFF2-40B4-BE49-F238E27FC236}">
+                <a16:creationId xmlns:a16="http://schemas.microsoft.com/office/drawing/2014/main" id="{EC199F73-795E-469A-AF4B-13FA2C7AB76F}"/>
+              </a:ext>
+              <a:ext uri="{C183D7F6-B498-43B3-948B-1728B52AA6E4}">
+                <adec:decorative xmlns:adec="http://schemas.microsoft.com/office/drawing/2017/decorative" xmlns="" val="1"/>
+              </a:ext>
+            </a:extLst>
+          </p:cNvPr>
+          <p:cNvSpPr>
+            <a:spLocks noGrp="1" noRot="1" noChangeAspect="1" noMove="1" noResize="1" noEditPoints="1" noAdjustHandles="1" noChangeArrowheads="1" noChangeShapeType="1" noTextEdit="1"/>
+          </p:cNvSpPr>
+          <p:nvPr>
+            <p:extLst>
+              <p:ext uri="{386F3935-93C4-4BCD-93E2-E3B085C9AB24}">
+                <p16:designElem xmlns:p16="http://schemas.microsoft.com/office/powerpoint/2015/main" val="1"/>
+              </p:ext>
+            </p:extLst>
+          </p:nvPr>
+        </p:nvSpPr>
+        <p:spPr>
+          <a:xfrm>
+            <a:off x="685799" y="684431"/>
+            <a:ext cx="10820401" cy="5486400"/>
+          </a:xfrm>
+          <a:prstGeom prst="rect">
+            <a:avLst/>
+          </a:prstGeom>
+          <a:ln>
+            <a:noFill/>
+          </a:ln>
+        </p:spPr>
+        <p:style>
+          <a:lnRef idx="2">
+            <a:schemeClr val="accent1">
+              <a:shade val="50000"/>
+            </a:schemeClr>
+          </a:lnRef>
+          <a:fillRef idx="1">
+            <a:schemeClr val="accent1"/>
+          </a:fillRef>
+          <a:effectRef idx="0">
+            <a:schemeClr val="accent1"/>
+          </a:effectRef>
+          <a:fontRef idx="minor">
+            <a:schemeClr val="lt1"/>
+          </a:fontRef>
+        </p:style>
+        <p:txBody>
+          <a:bodyPr rtlCol="0" anchor="ctr"/>
+          <a:lstStyle/>
+          <a:p>
+            <a:pPr algn="ctr"/>
+            <a:endParaRPr lang="en-US"/>
+          </a:p>
+        </p:txBody>
+      </p:sp>
+      <p:sp>
+        <p:nvSpPr>
+          <p:cNvPr id="2" name="Titre 1">
+            <a:extLst>
+              <a:ext uri="{FF2B5EF4-FFF2-40B4-BE49-F238E27FC236}">
+                <a16:creationId xmlns:a16="http://schemas.microsoft.com/office/drawing/2014/main" id="{2ADB5AAE-41D5-40DD-A718-BD2FEE8AF21A}"/>
+              </a:ext>
+            </a:extLst>
+          </p:cNvPr>
+          <p:cNvSpPr>
+            <a:spLocks noGrp="1"/>
+          </p:cNvSpPr>
+          <p:nvPr>
+            <p:ph type="title"/>
+          </p:nvPr>
+        </p:nvSpPr>
+        <p:spPr>
+          <a:xfrm>
+            <a:off x="2038349" y="3103780"/>
+            <a:ext cx="8115300" cy="647701"/>
+          </a:xfrm>
+        </p:spPr>
+        <p:txBody>
+          <a:bodyPr vert="horz" lIns="91440" tIns="45720" rIns="91440" bIns="45720" rtlCol="0" anchor="b">
+            <a:normAutofit/>
+          </a:bodyPr>
+          <a:lstStyle/>
+          <a:p>
+            <a:pPr algn="ctr"/>
+            <a:r>
+              <a:rPr lang="en-US" sz="4000" kern="1200" cap="all" spc="300" baseline="0" dirty="0" smtClean="0">
+                <a:solidFill>
+                  <a:schemeClr val="tx2"/>
+                </a:solidFill>
+                <a:latin typeface="+mj-lt"/>
+                <a:ea typeface="+mj-ea"/>
+                <a:cs typeface="+mj-cs"/>
+              </a:rPr>
+              <a:t>Fonctionnalités</a:t>
+            </a:r>
+            <a:endParaRPr lang="en-US" sz="4000" kern="1200" cap="all" spc="300" baseline="0" dirty="0">
+              <a:solidFill>
+                <a:schemeClr val="tx2"/>
+              </a:solidFill>
+              <a:latin typeface="+mj-lt"/>
+              <a:ea typeface="+mj-ea"/>
+              <a:cs typeface="+mj-cs"/>
+            </a:endParaRPr>
+          </a:p>
+        </p:txBody>
+      </p:sp>
+      <p:sp>
+        <p:nvSpPr>
+          <p:cNvPr id="5" name="Espace réservé du pied de page 4"/>
+          <p:cNvSpPr>
+            <a:spLocks noGrp="1"/>
+          </p:cNvSpPr>
+          <p:nvPr>
+            <p:ph type="ftr" sz="quarter" idx="11"/>
+          </p:nvPr>
+        </p:nvSpPr>
+        <p:spPr/>
+        <p:txBody>
+          <a:bodyPr/>
+          <a:lstStyle/>
+          <a:p>
+            <a:r>
+              <a:rPr lang="en-US"/>
+              <a:t>Page</a:t>
+            </a:r>
+          </a:p>
+        </p:txBody>
+      </p:sp>
+      <p:sp>
+        <p:nvSpPr>
+          <p:cNvPr id="6" name="Espace réservé du numéro de diapositive 5"/>
+          <p:cNvSpPr>
+            <a:spLocks noGrp="1"/>
+          </p:cNvSpPr>
+          <p:nvPr>
+            <p:ph type="sldNum" sz="quarter" idx="12"/>
+          </p:nvPr>
+        </p:nvSpPr>
+        <p:spPr/>
+        <p:txBody>
+          <a:bodyPr/>
+          <a:lstStyle/>
+          <a:p>
+            <a:fld id="{F8E28480-1C08-4458-AD97-0283E6FFD09D}" type="slidenum">
+              <a:rPr lang="en-US" sz="2000" smtClean="0">
+                <a:solidFill>
+                  <a:schemeClr val="bg1"/>
+                </a:solidFill>
+              </a:rPr>
+              <a:t>4</a:t>
+            </a:fld>
+            <a:endParaRPr lang="en-US" sz="2000">
+              <a:solidFill>
+                <a:schemeClr val="bg1"/>
+              </a:solidFill>
+            </a:endParaRPr>
+          </a:p>
+        </p:txBody>
+      </p:sp>
+    </p:spTree>
+    <p:extLst>
+      <p:ext uri="{BB962C8B-B14F-4D97-AF65-F5344CB8AC3E}">
+        <p14:creationId xmlns:p14="http://schemas.microsoft.com/office/powerpoint/2010/main" val="3530016949"/>
+      </p:ext>
+    </p:extLst>
+  </p:cSld>
+  <p:clrMapOvr>
+    <a:masterClrMapping/>
+  </p:clrMapOvr>
+  <p:timing>
+    <p:tnLst>
+      <p:par>
+        <p:cTn id="1" dur="indefinite" restart="never" nodeType="tmRoot"/>
+      </p:par>
+    </p:tnLst>
+  </p:timing>
+</p:sld>
+</file>
+
+<file path=ppt/slides/slide5.xml><?xml version="1.0" encoding="utf-8"?>
+<p:sld xmlns:a="http://schemas.openxmlformats.org/drawingml/2006/main" xmlns:r="http://schemas.openxmlformats.org/officeDocument/2006/relationships" xmlns:p="http://schemas.openxmlformats.org/presentationml/2006/main">
+  <p:cSld>
+    <p:spTree>
+      <p:nvGrpSpPr>
+        <p:cNvPr id="1" name=""/>
+        <p:cNvGrpSpPr/>
+        <p:nvPr/>
+      </p:nvGrpSpPr>
+      <p:grpSpPr>
+        <a:xfrm>
+          <a:off x="0" y="0"/>
+          <a:ext cx="0" cy="0"/>
+          <a:chOff x="0" y="0"/>
+          <a:chExt cx="0" cy="0"/>
+        </a:xfrm>
+      </p:grpSpPr>
       <p:sp>
         <p:nvSpPr>
           <p:cNvPr id="4" name="Rectangle 3"/>
@@ -9989,7 +15801,7 @@
           <a:p>
             <a:fld id="{F8E28480-1C08-4458-AD97-0283E6FFD09D}" type="slidenum">
               <a:rPr lang="en-US" sz="2000" smtClean="0"/>
-              <a:t>4</a:t>
+              <a:t>5</a:t>
             </a:fld>
             <a:endParaRPr lang="en-US" sz="2000" dirty="0"/>
           </a:p>
@@ -10458,44 +16270,6 @@
           </a:p>
         </p:txBody>
       </p:sp>
-      <p:cxnSp>
-        <p:nvCxnSpPr>
-          <p:cNvPr id="19" name="Connecteur droit 18"/>
-          <p:cNvCxnSpPr/>
-          <p:nvPr/>
-        </p:nvCxnSpPr>
-        <p:spPr>
-          <a:xfrm>
-            <a:off x="10239580" y="6576639"/>
-            <a:ext cx="440559" cy="0"/>
-          </a:xfrm>
-          <a:prstGeom prst="line">
-            <a:avLst/>
-          </a:prstGeom>
-          <a:ln w="38100">
-            <a:solidFill>
-              <a:schemeClr val="bg1">
-                <a:lumMod val="75000"/>
-              </a:schemeClr>
-            </a:solidFill>
-            <a:prstDash val="sysDot"/>
-          </a:ln>
-        </p:spPr>
-        <p:style>
-          <a:lnRef idx="1">
-            <a:schemeClr val="accent1"/>
-          </a:lnRef>
-          <a:fillRef idx="0">
-            <a:schemeClr val="accent1"/>
-          </a:fillRef>
-          <a:effectRef idx="0">
-            <a:schemeClr val="accent1"/>
-          </a:effectRef>
-          <a:fontRef idx="minor">
-            <a:schemeClr val="tx1"/>
-          </a:fontRef>
-        </p:style>
-      </p:cxnSp>
       <p:sp>
         <p:nvSpPr>
           <p:cNvPr id="20" name="Ellipse 19"/>
@@ -10505,57 +16279,6 @@
         <p:spPr>
           <a:xfrm>
             <a:off x="10001077" y="6476886"/>
-            <a:ext cx="199505" cy="199505"/>
-          </a:xfrm>
-          <a:prstGeom prst="ellipse">
-            <a:avLst/>
-          </a:prstGeom>
-          <a:solidFill>
-            <a:schemeClr val="bg1"/>
-          </a:solidFill>
-          <a:ln>
-            <a:solidFill>
-              <a:schemeClr val="tx2">
-                <a:lumMod val="75000"/>
-                <a:lumOff val="25000"/>
-              </a:schemeClr>
-            </a:solidFill>
-          </a:ln>
-        </p:spPr>
-        <p:style>
-          <a:lnRef idx="2">
-            <a:schemeClr val="accent1">
-              <a:shade val="50000"/>
-            </a:schemeClr>
-          </a:lnRef>
-          <a:fillRef idx="1">
-            <a:schemeClr val="accent1"/>
-          </a:fillRef>
-          <a:effectRef idx="0">
-            <a:schemeClr val="accent1"/>
-          </a:effectRef>
-          <a:fontRef idx="minor">
-            <a:schemeClr val="lt1"/>
-          </a:fontRef>
-        </p:style>
-        <p:txBody>
-          <a:bodyPr rtlCol="0" anchor="ctr"/>
-          <a:lstStyle/>
-          <a:p>
-            <a:pPr algn="ctr"/>
-            <a:endParaRPr lang="fr-CH"/>
-          </a:p>
-        </p:txBody>
-      </p:sp>
-      <p:sp>
-        <p:nvSpPr>
-          <p:cNvPr id="21" name="Ellipse 20"/>
-          <p:cNvSpPr/>
-          <p:nvPr/>
-        </p:nvSpPr>
-        <p:spPr>
-          <a:xfrm>
-            <a:off x="10713043" y="6476886"/>
             <a:ext cx="199505" cy="199505"/>
           </a:xfrm>
           <a:prstGeom prst="ellipse">
@@ -10743,749 +16466,6 @@
 </p:sld>
 </file>
 
-<file path=ppt/slides/slide5.xml><?xml version="1.0" encoding="utf-8"?>
-<p:sld xmlns:a="http://schemas.openxmlformats.org/drawingml/2006/main" xmlns:r="http://schemas.openxmlformats.org/officeDocument/2006/relationships" xmlns:p="http://schemas.openxmlformats.org/presentationml/2006/main">
-  <p:cSld>
-    <p:spTree>
-      <p:nvGrpSpPr>
-        <p:cNvPr id="1" name=""/>
-        <p:cNvGrpSpPr/>
-        <p:nvPr/>
-      </p:nvGrpSpPr>
-      <p:grpSpPr>
-        <a:xfrm>
-          <a:off x="0" y="0"/>
-          <a:ext cx="0" cy="0"/>
-          <a:chOff x="0" y="0"/>
-          <a:chExt cx="0" cy="0"/>
-        </a:xfrm>
-      </p:grpSpPr>
-      <p:sp>
-        <p:nvSpPr>
-          <p:cNvPr id="4" name="Rectangle 3"/>
-          <p:cNvSpPr/>
-          <p:nvPr/>
-        </p:nvSpPr>
-        <p:spPr>
-          <a:xfrm>
-            <a:off x="-1" y="0"/>
-            <a:ext cx="12192001" cy="889462"/>
-          </a:xfrm>
-          <a:prstGeom prst="rect">
-            <a:avLst/>
-          </a:prstGeom>
-          <a:solidFill>
-            <a:srgbClr val="83486B"/>
-          </a:solidFill>
-          <a:ln>
-            <a:solidFill>
-              <a:srgbClr val="83486B"/>
-            </a:solidFill>
-          </a:ln>
-        </p:spPr>
-        <p:style>
-          <a:lnRef idx="2">
-            <a:schemeClr val="accent1">
-              <a:shade val="50000"/>
-            </a:schemeClr>
-          </a:lnRef>
-          <a:fillRef idx="1">
-            <a:schemeClr val="accent1"/>
-          </a:fillRef>
-          <a:effectRef idx="0">
-            <a:schemeClr val="accent1"/>
-          </a:effectRef>
-          <a:fontRef idx="minor">
-            <a:schemeClr val="lt1"/>
-          </a:fontRef>
-        </p:style>
-        <p:txBody>
-          <a:bodyPr rtlCol="0" anchor="ctr"/>
-          <a:lstStyle/>
-          <a:p>
-            <a:pPr algn="ctr"/>
-            <a:endParaRPr lang="fr-CH" dirty="0"/>
-          </a:p>
-        </p:txBody>
-      </p:sp>
-      <p:sp>
-        <p:nvSpPr>
-          <p:cNvPr id="5" name="ZoneTexte 4"/>
-          <p:cNvSpPr txBox="1"/>
-          <p:nvPr/>
-        </p:nvSpPr>
-        <p:spPr>
-          <a:xfrm>
-            <a:off x="166255" y="260065"/>
-            <a:ext cx="1231940" cy="369332"/>
-          </a:xfrm>
-          <a:prstGeom prst="rect">
-            <a:avLst/>
-          </a:prstGeom>
-          <a:noFill/>
-        </p:spPr>
-        <p:txBody>
-          <a:bodyPr wrap="none" rtlCol="0">
-            <a:spAutoFit/>
-          </a:bodyPr>
-          <a:lstStyle/>
-          <a:p>
-            <a:r>
-              <a:rPr lang="fr-CH" dirty="0">
-                <a:solidFill>
-                  <a:schemeClr val="bg1"/>
-                </a:solidFill>
-              </a:rPr>
-              <a:t>ANALYSE</a:t>
-            </a:r>
-          </a:p>
-        </p:txBody>
-      </p:sp>
-      <p:sp>
-        <p:nvSpPr>
-          <p:cNvPr id="8" name="Espace réservé du numéro de diapositive 7"/>
-          <p:cNvSpPr>
-            <a:spLocks noGrp="1"/>
-          </p:cNvSpPr>
-          <p:nvPr>
-            <p:ph type="sldNum" sz="quarter" idx="12"/>
-          </p:nvPr>
-        </p:nvSpPr>
-        <p:spPr/>
-        <p:txBody>
-          <a:bodyPr/>
-          <a:lstStyle/>
-          <a:p>
-            <a:fld id="{F8E28480-1C08-4458-AD97-0283E6FFD09D}" type="slidenum">
-              <a:rPr lang="en-US" sz="2000" smtClean="0"/>
-              <a:t>5</a:t>
-            </a:fld>
-            <a:endParaRPr lang="en-US" sz="2000" dirty="0"/>
-          </a:p>
-        </p:txBody>
-      </p:sp>
-      <p:pic>
-        <p:nvPicPr>
-          <p:cNvPr id="11" name="Image 10">
-            <a:extLst>
-              <a:ext uri="{FF2B5EF4-FFF2-40B4-BE49-F238E27FC236}">
-                <a16:creationId xmlns:a16="http://schemas.microsoft.com/office/drawing/2014/main" id="{3A86F4B7-4DC0-4C4C-8FA4-38CA3158D816}"/>
-              </a:ext>
-            </a:extLst>
-          </p:cNvPr>
-          <p:cNvPicPr>
-            <a:picLocks noChangeAspect="1"/>
-          </p:cNvPicPr>
-          <p:nvPr/>
-        </p:nvPicPr>
-        <p:blipFill>
-          <a:blip r:embed="rId2"/>
-          <a:stretch>
-            <a:fillRect/>
-          </a:stretch>
-        </p:blipFill>
-        <p:spPr>
-          <a:xfrm>
-            <a:off x="813081" y="1073027"/>
-            <a:ext cx="2944271" cy="5648448"/>
-          </a:xfrm>
-          <a:prstGeom prst="rect">
-            <a:avLst/>
-          </a:prstGeom>
-          <a:effectLst/>
-        </p:spPr>
-      </p:pic>
-      <p:sp>
-        <p:nvSpPr>
-          <p:cNvPr id="6" name="ZoneTexte 5"/>
-          <p:cNvSpPr txBox="1"/>
-          <p:nvPr/>
-        </p:nvSpPr>
-        <p:spPr>
-          <a:xfrm>
-            <a:off x="4598595" y="2938875"/>
-            <a:ext cx="4429418" cy="369332"/>
-          </a:xfrm>
-          <a:prstGeom prst="rect">
-            <a:avLst/>
-          </a:prstGeom>
-          <a:noFill/>
-        </p:spPr>
-        <p:txBody>
-          <a:bodyPr wrap="none" rtlCol="0">
-            <a:spAutoFit/>
-          </a:bodyPr>
-          <a:lstStyle/>
-          <a:p>
-            <a:r>
-              <a:rPr lang="fr-CH" dirty="0"/>
-              <a:t>Page de demande d’ouverture de compte</a:t>
-            </a:r>
-          </a:p>
-        </p:txBody>
-      </p:sp>
-      <p:sp>
-        <p:nvSpPr>
-          <p:cNvPr id="12" name="ZoneTexte 11"/>
-          <p:cNvSpPr txBox="1"/>
-          <p:nvPr/>
-        </p:nvSpPr>
-        <p:spPr>
-          <a:xfrm>
-            <a:off x="4598595" y="3568272"/>
-            <a:ext cx="6304740" cy="738664"/>
-          </a:xfrm>
-          <a:prstGeom prst="rect">
-            <a:avLst/>
-          </a:prstGeom>
-          <a:noFill/>
-        </p:spPr>
-        <p:txBody>
-          <a:bodyPr wrap="square" rtlCol="0">
-            <a:spAutoFit/>
-          </a:bodyPr>
-          <a:lstStyle/>
-          <a:p>
-            <a:pPr marL="285750" indent="-285750">
-              <a:buFont typeface="Arial" panose="020B0604020202020204" pitchFamily="34" charset="0"/>
-              <a:buChar char="•"/>
-            </a:pPr>
-            <a:r>
-              <a:rPr lang="fr-CH" sz="1400" dirty="0"/>
-              <a:t>Envoi d’un mail avec les données entrées par l’utilisateur</a:t>
-            </a:r>
-          </a:p>
-          <a:p>
-            <a:pPr marL="285750" indent="-285750">
-              <a:buFont typeface="Arial" panose="020B0604020202020204" pitchFamily="34" charset="0"/>
-              <a:buChar char="•"/>
-            </a:pPr>
-            <a:r>
-              <a:rPr lang="fr-CH" sz="1400" dirty="0"/>
-              <a:t>Demande acceptée =&gt; Création de la commune + compte «admin»</a:t>
-            </a:r>
-          </a:p>
-          <a:p>
-            <a:pPr marL="285750" indent="-285750">
-              <a:buFont typeface="Arial" panose="020B0604020202020204" pitchFamily="34" charset="0"/>
-              <a:buChar char="•"/>
-            </a:pPr>
-            <a:r>
-              <a:rPr lang="fr-CH" sz="1400" dirty="0"/>
-              <a:t>Mot de passe aléatoire envoyé à l’utilisateur</a:t>
-            </a:r>
-          </a:p>
-        </p:txBody>
-      </p:sp>
-      <p:cxnSp>
-        <p:nvCxnSpPr>
-          <p:cNvPr id="13" name="Connecteur droit 12"/>
-          <p:cNvCxnSpPr/>
-          <p:nvPr/>
-        </p:nvCxnSpPr>
-        <p:spPr>
-          <a:xfrm>
-            <a:off x="7358052" y="6576639"/>
-            <a:ext cx="440559" cy="0"/>
-          </a:xfrm>
-          <a:prstGeom prst="line">
-            <a:avLst/>
-          </a:prstGeom>
-          <a:ln w="38100">
-            <a:solidFill>
-              <a:schemeClr val="bg1">
-                <a:lumMod val="75000"/>
-              </a:schemeClr>
-            </a:solidFill>
-            <a:prstDash val="sysDot"/>
-          </a:ln>
-        </p:spPr>
-        <p:style>
-          <a:lnRef idx="1">
-            <a:schemeClr val="accent1"/>
-          </a:lnRef>
-          <a:fillRef idx="0">
-            <a:schemeClr val="accent1"/>
-          </a:fillRef>
-          <a:effectRef idx="0">
-            <a:schemeClr val="accent1"/>
-          </a:effectRef>
-          <a:fontRef idx="minor">
-            <a:schemeClr val="tx1"/>
-          </a:fontRef>
-        </p:style>
-      </p:cxnSp>
-      <p:sp>
-        <p:nvSpPr>
-          <p:cNvPr id="14" name="Ellipse 13"/>
-          <p:cNvSpPr/>
-          <p:nvPr/>
-        </p:nvSpPr>
-        <p:spPr>
-          <a:xfrm>
-            <a:off x="7119549" y="6476886"/>
-            <a:ext cx="199505" cy="199505"/>
-          </a:xfrm>
-          <a:prstGeom prst="ellipse">
-            <a:avLst/>
-          </a:prstGeom>
-          <a:solidFill>
-            <a:schemeClr val="bg1"/>
-          </a:solidFill>
-          <a:ln>
-            <a:solidFill>
-              <a:schemeClr val="tx2">
-                <a:lumMod val="75000"/>
-                <a:lumOff val="25000"/>
-              </a:schemeClr>
-            </a:solidFill>
-          </a:ln>
-        </p:spPr>
-        <p:style>
-          <a:lnRef idx="2">
-            <a:schemeClr val="accent1">
-              <a:shade val="50000"/>
-            </a:schemeClr>
-          </a:lnRef>
-          <a:fillRef idx="1">
-            <a:schemeClr val="accent1"/>
-          </a:fillRef>
-          <a:effectRef idx="0">
-            <a:schemeClr val="accent1"/>
-          </a:effectRef>
-          <a:fontRef idx="minor">
-            <a:schemeClr val="lt1"/>
-          </a:fontRef>
-        </p:style>
-        <p:txBody>
-          <a:bodyPr rtlCol="0" anchor="ctr"/>
-          <a:lstStyle/>
-          <a:p>
-            <a:pPr algn="ctr"/>
-            <a:endParaRPr lang="fr-CH"/>
-          </a:p>
-        </p:txBody>
-      </p:sp>
-      <p:cxnSp>
-        <p:nvCxnSpPr>
-          <p:cNvPr id="15" name="Connecteur droit 14"/>
-          <p:cNvCxnSpPr/>
-          <p:nvPr/>
-        </p:nvCxnSpPr>
-        <p:spPr>
-          <a:xfrm>
-            <a:off x="8080756" y="6576639"/>
-            <a:ext cx="440559" cy="0"/>
-          </a:xfrm>
-          <a:prstGeom prst="line">
-            <a:avLst/>
-          </a:prstGeom>
-          <a:ln w="38100">
-            <a:solidFill>
-              <a:schemeClr val="bg1">
-                <a:lumMod val="75000"/>
-              </a:schemeClr>
-            </a:solidFill>
-            <a:prstDash val="sysDot"/>
-          </a:ln>
-        </p:spPr>
-        <p:style>
-          <a:lnRef idx="1">
-            <a:schemeClr val="accent1"/>
-          </a:lnRef>
-          <a:fillRef idx="0">
-            <a:schemeClr val="accent1"/>
-          </a:fillRef>
-          <a:effectRef idx="0">
-            <a:schemeClr val="accent1"/>
-          </a:effectRef>
-          <a:fontRef idx="minor">
-            <a:schemeClr val="tx1"/>
-          </a:fontRef>
-        </p:style>
-      </p:cxnSp>
-      <p:sp>
-        <p:nvSpPr>
-          <p:cNvPr id="16" name="Ellipse 15"/>
-          <p:cNvSpPr/>
-          <p:nvPr/>
-        </p:nvSpPr>
-        <p:spPr>
-          <a:xfrm>
-            <a:off x="7842253" y="6476886"/>
-            <a:ext cx="199505" cy="199505"/>
-          </a:xfrm>
-          <a:prstGeom prst="ellipse">
-            <a:avLst/>
-          </a:prstGeom>
-          <a:solidFill>
-            <a:schemeClr val="tx1"/>
-          </a:solidFill>
-          <a:ln>
-            <a:solidFill>
-              <a:schemeClr val="tx2">
-                <a:lumMod val="75000"/>
-                <a:lumOff val="25000"/>
-              </a:schemeClr>
-            </a:solidFill>
-          </a:ln>
-        </p:spPr>
-        <p:style>
-          <a:lnRef idx="2">
-            <a:schemeClr val="accent1">
-              <a:shade val="50000"/>
-            </a:schemeClr>
-          </a:lnRef>
-          <a:fillRef idx="1">
-            <a:schemeClr val="accent1"/>
-          </a:fillRef>
-          <a:effectRef idx="0">
-            <a:schemeClr val="accent1"/>
-          </a:effectRef>
-          <a:fontRef idx="minor">
-            <a:schemeClr val="lt1"/>
-          </a:fontRef>
-        </p:style>
-        <p:txBody>
-          <a:bodyPr rtlCol="0" anchor="ctr"/>
-          <a:lstStyle/>
-          <a:p>
-            <a:pPr algn="ctr"/>
-            <a:endParaRPr lang="fr-CH"/>
-          </a:p>
-        </p:txBody>
-      </p:sp>
-      <p:cxnSp>
-        <p:nvCxnSpPr>
-          <p:cNvPr id="17" name="Connecteur droit 16"/>
-          <p:cNvCxnSpPr/>
-          <p:nvPr/>
-        </p:nvCxnSpPr>
-        <p:spPr>
-          <a:xfrm>
-            <a:off x="8803460" y="6576639"/>
-            <a:ext cx="440559" cy="0"/>
-          </a:xfrm>
-          <a:prstGeom prst="line">
-            <a:avLst/>
-          </a:prstGeom>
-          <a:ln w="38100">
-            <a:solidFill>
-              <a:schemeClr val="bg1">
-                <a:lumMod val="75000"/>
-              </a:schemeClr>
-            </a:solidFill>
-            <a:prstDash val="sysDot"/>
-          </a:ln>
-        </p:spPr>
-        <p:style>
-          <a:lnRef idx="1">
-            <a:schemeClr val="accent1"/>
-          </a:lnRef>
-          <a:fillRef idx="0">
-            <a:schemeClr val="accent1"/>
-          </a:fillRef>
-          <a:effectRef idx="0">
-            <a:schemeClr val="accent1"/>
-          </a:effectRef>
-          <a:fontRef idx="minor">
-            <a:schemeClr val="tx1"/>
-          </a:fontRef>
-        </p:style>
-      </p:cxnSp>
-      <p:sp>
-        <p:nvSpPr>
-          <p:cNvPr id="18" name="Ellipse 17"/>
-          <p:cNvSpPr/>
-          <p:nvPr/>
-        </p:nvSpPr>
-        <p:spPr>
-          <a:xfrm>
-            <a:off x="8564957" y="6476886"/>
-            <a:ext cx="199505" cy="199505"/>
-          </a:xfrm>
-          <a:prstGeom prst="ellipse">
-            <a:avLst/>
-          </a:prstGeom>
-          <a:solidFill>
-            <a:schemeClr val="bg1"/>
-          </a:solidFill>
-          <a:ln>
-            <a:solidFill>
-              <a:schemeClr val="tx2">
-                <a:lumMod val="75000"/>
-                <a:lumOff val="25000"/>
-              </a:schemeClr>
-            </a:solidFill>
-          </a:ln>
-        </p:spPr>
-        <p:style>
-          <a:lnRef idx="2">
-            <a:schemeClr val="accent1">
-              <a:shade val="50000"/>
-            </a:schemeClr>
-          </a:lnRef>
-          <a:fillRef idx="1">
-            <a:schemeClr val="accent1"/>
-          </a:fillRef>
-          <a:effectRef idx="0">
-            <a:schemeClr val="accent1"/>
-          </a:effectRef>
-          <a:fontRef idx="minor">
-            <a:schemeClr val="lt1"/>
-          </a:fontRef>
-        </p:style>
-        <p:txBody>
-          <a:bodyPr rtlCol="0" anchor="ctr"/>
-          <a:lstStyle/>
-          <a:p>
-            <a:pPr algn="ctr"/>
-            <a:endParaRPr lang="fr-CH"/>
-          </a:p>
-        </p:txBody>
-      </p:sp>
-      <p:cxnSp>
-        <p:nvCxnSpPr>
-          <p:cNvPr id="19" name="Connecteur droit 18"/>
-          <p:cNvCxnSpPr/>
-          <p:nvPr/>
-        </p:nvCxnSpPr>
-        <p:spPr>
-          <a:xfrm>
-            <a:off x="9521520" y="6576639"/>
-            <a:ext cx="440559" cy="0"/>
-          </a:xfrm>
-          <a:prstGeom prst="line">
-            <a:avLst/>
-          </a:prstGeom>
-          <a:ln w="38100">
-            <a:solidFill>
-              <a:schemeClr val="bg1">
-                <a:lumMod val="75000"/>
-              </a:schemeClr>
-            </a:solidFill>
-            <a:prstDash val="sysDot"/>
-          </a:ln>
-        </p:spPr>
-        <p:style>
-          <a:lnRef idx="1">
-            <a:schemeClr val="accent1"/>
-          </a:lnRef>
-          <a:fillRef idx="0">
-            <a:schemeClr val="accent1"/>
-          </a:fillRef>
-          <a:effectRef idx="0">
-            <a:schemeClr val="accent1"/>
-          </a:effectRef>
-          <a:fontRef idx="minor">
-            <a:schemeClr val="tx1"/>
-          </a:fontRef>
-        </p:style>
-      </p:cxnSp>
-      <p:sp>
-        <p:nvSpPr>
-          <p:cNvPr id="20" name="Ellipse 19"/>
-          <p:cNvSpPr/>
-          <p:nvPr/>
-        </p:nvSpPr>
-        <p:spPr>
-          <a:xfrm>
-            <a:off x="9283017" y="6476886"/>
-            <a:ext cx="199505" cy="199505"/>
-          </a:xfrm>
-          <a:prstGeom prst="ellipse">
-            <a:avLst/>
-          </a:prstGeom>
-          <a:solidFill>
-            <a:schemeClr val="bg1"/>
-          </a:solidFill>
-          <a:ln>
-            <a:solidFill>
-              <a:schemeClr val="tx2">
-                <a:lumMod val="75000"/>
-                <a:lumOff val="25000"/>
-              </a:schemeClr>
-            </a:solidFill>
-          </a:ln>
-        </p:spPr>
-        <p:style>
-          <a:lnRef idx="2">
-            <a:schemeClr val="accent1">
-              <a:shade val="50000"/>
-            </a:schemeClr>
-          </a:lnRef>
-          <a:fillRef idx="1">
-            <a:schemeClr val="accent1"/>
-          </a:fillRef>
-          <a:effectRef idx="0">
-            <a:schemeClr val="accent1"/>
-          </a:effectRef>
-          <a:fontRef idx="minor">
-            <a:schemeClr val="lt1"/>
-          </a:fontRef>
-        </p:style>
-        <p:txBody>
-          <a:bodyPr rtlCol="0" anchor="ctr"/>
-          <a:lstStyle/>
-          <a:p>
-            <a:pPr algn="ctr"/>
-            <a:endParaRPr lang="fr-CH"/>
-          </a:p>
-        </p:txBody>
-      </p:sp>
-      <p:cxnSp>
-        <p:nvCxnSpPr>
-          <p:cNvPr id="21" name="Connecteur droit 20"/>
-          <p:cNvCxnSpPr/>
-          <p:nvPr/>
-        </p:nvCxnSpPr>
-        <p:spPr>
-          <a:xfrm>
-            <a:off x="10239580" y="6576639"/>
-            <a:ext cx="440559" cy="0"/>
-          </a:xfrm>
-          <a:prstGeom prst="line">
-            <a:avLst/>
-          </a:prstGeom>
-          <a:ln w="38100">
-            <a:solidFill>
-              <a:schemeClr val="bg1">
-                <a:lumMod val="75000"/>
-              </a:schemeClr>
-            </a:solidFill>
-            <a:prstDash val="sysDot"/>
-          </a:ln>
-        </p:spPr>
-        <p:style>
-          <a:lnRef idx="1">
-            <a:schemeClr val="accent1"/>
-          </a:lnRef>
-          <a:fillRef idx="0">
-            <a:schemeClr val="accent1"/>
-          </a:fillRef>
-          <a:effectRef idx="0">
-            <a:schemeClr val="accent1"/>
-          </a:effectRef>
-          <a:fontRef idx="minor">
-            <a:schemeClr val="tx1"/>
-          </a:fontRef>
-        </p:style>
-      </p:cxnSp>
-      <p:sp>
-        <p:nvSpPr>
-          <p:cNvPr id="22" name="Ellipse 21"/>
-          <p:cNvSpPr/>
-          <p:nvPr/>
-        </p:nvSpPr>
-        <p:spPr>
-          <a:xfrm>
-            <a:off x="10001077" y="6476886"/>
-            <a:ext cx="199505" cy="199505"/>
-          </a:xfrm>
-          <a:prstGeom prst="ellipse">
-            <a:avLst/>
-          </a:prstGeom>
-          <a:solidFill>
-            <a:schemeClr val="bg1"/>
-          </a:solidFill>
-          <a:ln>
-            <a:solidFill>
-              <a:schemeClr val="tx2">
-                <a:lumMod val="75000"/>
-                <a:lumOff val="25000"/>
-              </a:schemeClr>
-            </a:solidFill>
-          </a:ln>
-        </p:spPr>
-        <p:style>
-          <a:lnRef idx="2">
-            <a:schemeClr val="accent1">
-              <a:shade val="50000"/>
-            </a:schemeClr>
-          </a:lnRef>
-          <a:fillRef idx="1">
-            <a:schemeClr val="accent1"/>
-          </a:fillRef>
-          <a:effectRef idx="0">
-            <a:schemeClr val="accent1"/>
-          </a:effectRef>
-          <a:fontRef idx="minor">
-            <a:schemeClr val="lt1"/>
-          </a:fontRef>
-        </p:style>
-        <p:txBody>
-          <a:bodyPr rtlCol="0" anchor="ctr"/>
-          <a:lstStyle/>
-          <a:p>
-            <a:pPr algn="ctr"/>
-            <a:endParaRPr lang="fr-CH"/>
-          </a:p>
-        </p:txBody>
-      </p:sp>
-      <p:sp>
-        <p:nvSpPr>
-          <p:cNvPr id="23" name="Ellipse 22"/>
-          <p:cNvSpPr/>
-          <p:nvPr/>
-        </p:nvSpPr>
-        <p:spPr>
-          <a:xfrm>
-            <a:off x="10713043" y="6476886"/>
-            <a:ext cx="199505" cy="199505"/>
-          </a:xfrm>
-          <a:prstGeom prst="ellipse">
-            <a:avLst/>
-          </a:prstGeom>
-          <a:solidFill>
-            <a:schemeClr val="bg1"/>
-          </a:solidFill>
-          <a:ln>
-            <a:solidFill>
-              <a:schemeClr val="tx2">
-                <a:lumMod val="75000"/>
-                <a:lumOff val="25000"/>
-              </a:schemeClr>
-            </a:solidFill>
-          </a:ln>
-        </p:spPr>
-        <p:style>
-          <a:lnRef idx="2">
-            <a:schemeClr val="accent1">
-              <a:shade val="50000"/>
-            </a:schemeClr>
-          </a:lnRef>
-          <a:fillRef idx="1">
-            <a:schemeClr val="accent1"/>
-          </a:fillRef>
-          <a:effectRef idx="0">
-            <a:schemeClr val="accent1"/>
-          </a:effectRef>
-          <a:fontRef idx="minor">
-            <a:schemeClr val="lt1"/>
-          </a:fontRef>
-        </p:style>
-        <p:txBody>
-          <a:bodyPr rtlCol="0" anchor="ctr"/>
-          <a:lstStyle/>
-          <a:p>
-            <a:pPr algn="ctr"/>
-            <a:endParaRPr lang="fr-CH"/>
-          </a:p>
-        </p:txBody>
-      </p:sp>
-    </p:spTree>
-    <p:extLst>
-      <p:ext uri="{BB962C8B-B14F-4D97-AF65-F5344CB8AC3E}">
-        <p14:creationId xmlns:p14="http://schemas.microsoft.com/office/powerpoint/2010/main" val="1243281110"/>
-      </p:ext>
-    </p:extLst>
-  </p:cSld>
-  <p:clrMapOvr>
-    <a:masterClrMapping/>
-  </p:clrMapOvr>
-</p:sld>
-</file>
-
 <file path=ppt/slides/slide6.xml><?xml version="1.0" encoding="utf-8"?>
 <p:sld xmlns:a="http://schemas.openxmlformats.org/drawingml/2006/main" xmlns:r="http://schemas.openxmlformats.org/officeDocument/2006/relationships" xmlns:p="http://schemas.openxmlformats.org/presentationml/2006/main">
   <p:cSld>
@@ -11609,7 +16589,13 @@
       </p:sp>
       <p:pic>
         <p:nvPicPr>
-          <p:cNvPr id="9" name="Image 8"/>
+          <p:cNvPr id="11" name="Image 10">
+            <a:extLst>
+              <a:ext uri="{FF2B5EF4-FFF2-40B4-BE49-F238E27FC236}">
+                <a16:creationId xmlns:a16="http://schemas.microsoft.com/office/drawing/2014/main" id="{3A86F4B7-4DC0-4C4C-8FA4-38CA3158D816}"/>
+              </a:ext>
+            </a:extLst>
+          </p:cNvPr>
           <p:cNvPicPr>
             <a:picLocks noChangeAspect="1"/>
           </p:cNvPicPr>
@@ -11623,24 +16609,25 @@
         </p:blipFill>
         <p:spPr>
           <a:xfrm>
-            <a:off x="683462" y="1092200"/>
-            <a:ext cx="3667125" cy="5629275"/>
+            <a:off x="813081" y="1073027"/>
+            <a:ext cx="2944271" cy="5648448"/>
           </a:xfrm>
           <a:prstGeom prst="rect">
             <a:avLst/>
           </a:prstGeom>
+          <a:effectLst/>
         </p:spPr>
       </p:pic>
       <p:sp>
         <p:nvSpPr>
-          <p:cNvPr id="2" name="ZoneTexte 1"/>
+          <p:cNvPr id="6" name="ZoneTexte 5"/>
           <p:cNvSpPr txBox="1"/>
           <p:nvPr/>
         </p:nvSpPr>
         <p:spPr>
           <a:xfrm>
-            <a:off x="5270269" y="3068908"/>
-            <a:ext cx="5057795" cy="369332"/>
+            <a:off x="4598595" y="2938875"/>
+            <a:ext cx="4429418" cy="369332"/>
           </a:xfrm>
           <a:prstGeom prst="rect">
             <a:avLst/>
@@ -11655,21 +16642,21 @@
           <a:p>
             <a:r>
               <a:rPr lang="fr-CH" dirty="0"/>
-              <a:t>Demande de création d’un compte «recherche»</a:t>
+              <a:t>Page de demande d’ouverture de compte</a:t>
             </a:r>
           </a:p>
         </p:txBody>
       </p:sp>
       <p:sp>
         <p:nvSpPr>
-          <p:cNvPr id="3" name="ZoneTexte 2"/>
+          <p:cNvPr id="12" name="ZoneTexte 11"/>
           <p:cNvSpPr txBox="1"/>
           <p:nvPr/>
         </p:nvSpPr>
         <p:spPr>
           <a:xfrm>
-            <a:off x="5270269" y="3537505"/>
-            <a:ext cx="4121641" cy="954107"/>
+            <a:off x="4598595" y="3568272"/>
+            <a:ext cx="6304740" cy="738664"/>
           </a:xfrm>
           <a:prstGeom prst="rect">
             <a:avLst/>
@@ -11677,7 +16664,7 @@
           <a:noFill/>
         </p:spPr>
         <p:txBody>
-          <a:bodyPr wrap="none" rtlCol="0">
+          <a:bodyPr wrap="square" rtlCol="0">
             <a:spAutoFit/>
           </a:bodyPr>
           <a:lstStyle/>
@@ -11688,7 +16675,7 @@
             </a:pPr>
             <a:r>
               <a:rPr lang="fr-CH" sz="1400" dirty="0"/>
-              <a:t>La commune doit déjà être inscrite</a:t>
+              <a:t>Envoi d’un mail avec les données entrées par l’utilisateur</a:t>
             </a:r>
           </a:p>
           <a:p>
@@ -11698,7 +16685,7 @@
             </a:pPr>
             <a:r>
               <a:rPr lang="fr-CH" sz="1400" dirty="0"/>
-              <a:t>Demande envoyée par mail</a:t>
+              <a:t>Demande acceptée =&gt; Création de la commune + compte «admin»</a:t>
             </a:r>
           </a:p>
           <a:p>
@@ -11709,16 +16696,6 @@
             <a:r>
               <a:rPr lang="fr-CH" sz="1400" dirty="0"/>
               <a:t>Mot de passe aléatoire envoyé à l’utilisateur</a:t>
-            </a:r>
-          </a:p>
-          <a:p>
-            <a:pPr marL="285750" indent="-285750">
-              <a:buFont typeface="Arial" panose="020B0604020202020204" pitchFamily="34" charset="0"/>
-              <a:buChar char="•"/>
-            </a:pPr>
-            <a:r>
-              <a:rPr lang="fr-CH" sz="1400" dirty="0"/>
-              <a:t>Le compte ne pourra que rechercher les vélos</a:t>
             </a:r>
           </a:p>
         </p:txBody>
@@ -12079,44 +17056,6 @@
           </a:p>
         </p:txBody>
       </p:sp>
-      <p:cxnSp>
-        <p:nvCxnSpPr>
-          <p:cNvPr id="21" name="Connecteur droit 20"/>
-          <p:cNvCxnSpPr/>
-          <p:nvPr/>
-        </p:nvCxnSpPr>
-        <p:spPr>
-          <a:xfrm>
-            <a:off x="10239580" y="6576639"/>
-            <a:ext cx="440559" cy="0"/>
-          </a:xfrm>
-          <a:prstGeom prst="line">
-            <a:avLst/>
-          </a:prstGeom>
-          <a:ln w="38100">
-            <a:solidFill>
-              <a:schemeClr val="bg1">
-                <a:lumMod val="75000"/>
-              </a:schemeClr>
-            </a:solidFill>
-            <a:prstDash val="sysDot"/>
-          </a:ln>
-        </p:spPr>
-        <p:style>
-          <a:lnRef idx="1">
-            <a:schemeClr val="accent1"/>
-          </a:lnRef>
-          <a:fillRef idx="0">
-            <a:schemeClr val="accent1"/>
-          </a:fillRef>
-          <a:effectRef idx="0">
-            <a:schemeClr val="accent1"/>
-          </a:effectRef>
-          <a:fontRef idx="minor">
-            <a:schemeClr val="tx1"/>
-          </a:fontRef>
-        </p:style>
-      </p:cxnSp>
       <p:sp>
         <p:nvSpPr>
           <p:cNvPr id="22" name="Ellipse 21"/>
@@ -12168,67 +17107,23 @@
           </a:p>
         </p:txBody>
       </p:sp>
-      <p:sp>
-        <p:nvSpPr>
-          <p:cNvPr id="23" name="Ellipse 22"/>
-          <p:cNvSpPr/>
-          <p:nvPr/>
-        </p:nvSpPr>
-        <p:spPr>
-          <a:xfrm>
-            <a:off x="10713043" y="6476886"/>
-            <a:ext cx="199505" cy="199505"/>
-          </a:xfrm>
-          <a:prstGeom prst="ellipse">
-            <a:avLst/>
-          </a:prstGeom>
-          <a:solidFill>
-            <a:schemeClr val="bg1"/>
-          </a:solidFill>
-          <a:ln>
-            <a:solidFill>
-              <a:schemeClr val="tx2">
-                <a:lumMod val="75000"/>
-                <a:lumOff val="25000"/>
-              </a:schemeClr>
-            </a:solidFill>
-          </a:ln>
-        </p:spPr>
-        <p:style>
-          <a:lnRef idx="2">
-            <a:schemeClr val="accent1">
-              <a:shade val="50000"/>
-            </a:schemeClr>
-          </a:lnRef>
-          <a:fillRef idx="1">
-            <a:schemeClr val="accent1"/>
-          </a:fillRef>
-          <a:effectRef idx="0">
-            <a:schemeClr val="accent1"/>
-          </a:effectRef>
-          <a:fontRef idx="minor">
-            <a:schemeClr val="lt1"/>
-          </a:fontRef>
-        </p:style>
-        <p:txBody>
-          <a:bodyPr rtlCol="0" anchor="ctr"/>
-          <a:lstStyle/>
-          <a:p>
-            <a:pPr algn="ctr"/>
-            <a:endParaRPr lang="fr-CH"/>
-          </a:p>
-        </p:txBody>
-      </p:sp>
     </p:spTree>
     <p:extLst>
       <p:ext uri="{BB962C8B-B14F-4D97-AF65-F5344CB8AC3E}">
-        <p14:creationId xmlns:p14="http://schemas.microsoft.com/office/powerpoint/2010/main" val="3469155071"/>
+        <p14:creationId xmlns:p14="http://schemas.microsoft.com/office/powerpoint/2010/main" val="1243281110"/>
       </p:ext>
     </p:extLst>
   </p:cSld>
   <p:clrMapOvr>
     <a:masterClrMapping/>
   </p:clrMapOvr>
+  <p:timing>
+    <p:tnLst>
+      <p:par>
+        <p:cTn id="1" dur="indefinite" restart="never" nodeType="tmRoot"/>
+      </p:par>
+    </p:tnLst>
+  </p:timing>
 </p:sld>
 </file>
 
@@ -12353,6 +17248,30 @@
           </a:p>
         </p:txBody>
       </p:sp>
+      <p:pic>
+        <p:nvPicPr>
+          <p:cNvPr id="9" name="Image 8"/>
+          <p:cNvPicPr>
+            <a:picLocks noChangeAspect="1"/>
+          </p:cNvPicPr>
+          <p:nvPr/>
+        </p:nvPicPr>
+        <p:blipFill>
+          <a:blip r:embed="rId2"/>
+          <a:stretch>
+            <a:fillRect/>
+          </a:stretch>
+        </p:blipFill>
+        <p:spPr>
+          <a:xfrm>
+            <a:off x="683462" y="1092200"/>
+            <a:ext cx="3667125" cy="5629275"/>
+          </a:xfrm>
+          <a:prstGeom prst="rect">
+            <a:avLst/>
+          </a:prstGeom>
+        </p:spPr>
+      </p:pic>
       <p:sp>
         <p:nvSpPr>
           <p:cNvPr id="2" name="ZoneTexte 1"/>
@@ -12361,8 +17280,8 @@
         </p:nvSpPr>
         <p:spPr>
           <a:xfrm>
-            <a:off x="7119549" y="2947177"/>
-            <a:ext cx="1774845" cy="369332"/>
+            <a:off x="5270269" y="3068908"/>
+            <a:ext cx="5057795" cy="369332"/>
           </a:xfrm>
           <a:prstGeom prst="rect">
             <a:avLst/>
@@ -12377,7 +17296,7 @@
           <a:p>
             <a:r>
               <a:rPr lang="fr-CH" dirty="0"/>
-              <a:t>Page principale</a:t>
+              <a:t>Demande de création d’un compte «recherche»</a:t>
             </a:r>
           </a:p>
         </p:txBody>
@@ -12390,8 +17309,8 @@
         </p:nvSpPr>
         <p:spPr>
           <a:xfrm>
-            <a:off x="7119550" y="3380151"/>
-            <a:ext cx="4667898" cy="954107"/>
+            <a:off x="5270269" y="3537505"/>
+            <a:ext cx="4121641" cy="954107"/>
           </a:xfrm>
           <a:prstGeom prst="rect">
             <a:avLst/>
@@ -12399,7 +17318,7 @@
           <a:noFill/>
         </p:spPr>
         <p:txBody>
-          <a:bodyPr wrap="square" rtlCol="0">
+          <a:bodyPr wrap="none" rtlCol="0">
             <a:spAutoFit/>
           </a:bodyPr>
           <a:lstStyle/>
@@ -12410,7 +17329,7 @@
             </a:pPr>
             <a:r>
               <a:rPr lang="fr-CH" sz="1400" dirty="0"/>
-              <a:t>Permet d’aller rechercher ou insérer un vélo</a:t>
+              <a:t>La commune doit déjà être inscrite</a:t>
             </a:r>
           </a:p>
           <a:p>
@@ -12420,7 +17339,7 @@
             </a:pPr>
             <a:r>
               <a:rPr lang="fr-CH" sz="1400" dirty="0"/>
-              <a:t>Affiche le nombre de vélos présents dans la base de données</a:t>
+              <a:t>Demande envoyée par mail</a:t>
             </a:r>
           </a:p>
           <a:p>
@@ -12430,7 +17349,17 @@
             </a:pPr>
             <a:r>
               <a:rPr lang="fr-CH" sz="1400" dirty="0"/>
-              <a:t>Permet d’accéder aux statistiques</a:t>
+              <a:t>Mot de passe aléatoire envoyé à l’utilisateur</a:t>
+            </a:r>
+          </a:p>
+          <a:p>
+            <a:pPr marL="285750" indent="-285750">
+              <a:buFont typeface="Arial" panose="020B0604020202020204" pitchFamily="34" charset="0"/>
+              <a:buChar char="•"/>
+            </a:pPr>
+            <a:r>
+              <a:rPr lang="fr-CH" sz="1400" dirty="0"/>
+              <a:t>Le compte ne pourra que rechercher les vélos</a:t>
             </a:r>
           </a:p>
         </p:txBody>
@@ -12791,44 +17720,6 @@
           </a:p>
         </p:txBody>
       </p:sp>
-      <p:cxnSp>
-        <p:nvCxnSpPr>
-          <p:cNvPr id="21" name="Connecteur droit 20"/>
-          <p:cNvCxnSpPr/>
-          <p:nvPr/>
-        </p:nvCxnSpPr>
-        <p:spPr>
-          <a:xfrm>
-            <a:off x="10239580" y="6576639"/>
-            <a:ext cx="440559" cy="0"/>
-          </a:xfrm>
-          <a:prstGeom prst="line">
-            <a:avLst/>
-          </a:prstGeom>
-          <a:ln w="38100">
-            <a:solidFill>
-              <a:schemeClr val="bg1">
-                <a:lumMod val="75000"/>
-              </a:schemeClr>
-            </a:solidFill>
-            <a:prstDash val="sysDot"/>
-          </a:ln>
-        </p:spPr>
-        <p:style>
-          <a:lnRef idx="1">
-            <a:schemeClr val="accent1"/>
-          </a:lnRef>
-          <a:fillRef idx="0">
-            <a:schemeClr val="accent1"/>
-          </a:fillRef>
-          <a:effectRef idx="0">
-            <a:schemeClr val="accent1"/>
-          </a:effectRef>
-          <a:fontRef idx="minor">
-            <a:schemeClr val="tx1"/>
-          </a:fontRef>
-        </p:style>
-      </p:cxnSp>
       <p:sp>
         <p:nvSpPr>
           <p:cNvPr id="22" name="Ellipse 21"/>
@@ -12880,91 +17771,23 @@
           </a:p>
         </p:txBody>
       </p:sp>
-      <p:sp>
-        <p:nvSpPr>
-          <p:cNvPr id="23" name="Ellipse 22"/>
-          <p:cNvSpPr/>
-          <p:nvPr/>
-        </p:nvSpPr>
-        <p:spPr>
-          <a:xfrm>
-            <a:off x="10713043" y="6476886"/>
-            <a:ext cx="199505" cy="199505"/>
-          </a:xfrm>
-          <a:prstGeom prst="ellipse">
-            <a:avLst/>
-          </a:prstGeom>
-          <a:solidFill>
-            <a:schemeClr val="bg1"/>
-          </a:solidFill>
-          <a:ln>
-            <a:solidFill>
-              <a:schemeClr val="tx2">
-                <a:lumMod val="75000"/>
-                <a:lumOff val="25000"/>
-              </a:schemeClr>
-            </a:solidFill>
-          </a:ln>
-        </p:spPr>
-        <p:style>
-          <a:lnRef idx="2">
-            <a:schemeClr val="accent1">
-              <a:shade val="50000"/>
-            </a:schemeClr>
-          </a:lnRef>
-          <a:fillRef idx="1">
-            <a:schemeClr val="accent1"/>
-          </a:fillRef>
-          <a:effectRef idx="0">
-            <a:schemeClr val="accent1"/>
-          </a:effectRef>
-          <a:fontRef idx="minor">
-            <a:schemeClr val="lt1"/>
-          </a:fontRef>
-        </p:style>
-        <p:txBody>
-          <a:bodyPr rtlCol="0" anchor="ctr"/>
-          <a:lstStyle/>
-          <a:p>
-            <a:pPr algn="ctr"/>
-            <a:endParaRPr lang="fr-CH"/>
-          </a:p>
-        </p:txBody>
-      </p:sp>
-      <p:pic>
-        <p:nvPicPr>
-          <p:cNvPr id="24" name="Image 23"/>
-          <p:cNvPicPr>
-            <a:picLocks noChangeAspect="1"/>
-          </p:cNvPicPr>
-          <p:nvPr/>
-        </p:nvPicPr>
-        <p:blipFill>
-          <a:blip r:embed="rId2"/>
-          <a:stretch>
-            <a:fillRect/>
-          </a:stretch>
-        </p:blipFill>
-        <p:spPr>
-          <a:xfrm>
-            <a:off x="439975" y="1907292"/>
-            <a:ext cx="6361129" cy="3896739"/>
-          </a:xfrm>
-          <a:prstGeom prst="rect">
-            <a:avLst/>
-          </a:prstGeom>
-        </p:spPr>
-      </p:pic>
     </p:spTree>
     <p:extLst>
       <p:ext uri="{BB962C8B-B14F-4D97-AF65-F5344CB8AC3E}">
-        <p14:creationId xmlns:p14="http://schemas.microsoft.com/office/powerpoint/2010/main" val="4165517737"/>
+        <p14:creationId xmlns:p14="http://schemas.microsoft.com/office/powerpoint/2010/main" val="3469155071"/>
       </p:ext>
     </p:extLst>
   </p:cSld>
   <p:clrMapOvr>
     <a:masterClrMapping/>
   </p:clrMapOvr>
+  <p:timing>
+    <p:tnLst>
+      <p:par>
+        <p:cTn id="1" dur="indefinite" restart="never" nodeType="tmRoot"/>
+      </p:par>
+    </p:tnLst>
+  </p:timing>
 </p:sld>
 </file>
 
@@ -13098,7 +17921,7 @@
         <p:spPr>
           <a:xfrm>
             <a:off x="7119549" y="2947177"/>
-            <a:ext cx="1377300" cy="369332"/>
+            <a:ext cx="1774845" cy="369332"/>
           </a:xfrm>
           <a:prstGeom prst="rect">
             <a:avLst/>
@@ -13113,7 +17936,7 @@
           <a:p>
             <a:r>
               <a:rPr lang="fr-CH" dirty="0"/>
-              <a:t>Statistiques</a:t>
+              <a:t>Page principale</a:t>
             </a:r>
           </a:p>
         </p:txBody>
@@ -13127,7 +17950,7 @@
         <p:spPr>
           <a:xfrm>
             <a:off x="7119550" y="3380151"/>
-            <a:ext cx="4667898" cy="738664"/>
+            <a:ext cx="4667898" cy="954107"/>
           </a:xfrm>
           <a:prstGeom prst="rect">
             <a:avLst/>
@@ -13146,7 +17969,7 @@
             </a:pPr>
             <a:r>
               <a:rPr lang="fr-CH" sz="1400" dirty="0"/>
-              <a:t>Statistiques concernant les vélos rendus par trimestre et par année</a:t>
+              <a:t>Permet d’aller rechercher ou insérer un vélo</a:t>
             </a:r>
           </a:p>
           <a:p>
@@ -13156,7 +17979,17 @@
             </a:pPr>
             <a:r>
               <a:rPr lang="fr-CH" sz="1400" dirty="0"/>
-              <a:t>Mis à jour automatiquement</a:t>
+              <a:t>Affiche le nombre de vélos présents dans la base de données</a:t>
+            </a:r>
+          </a:p>
+          <a:p>
+            <a:pPr marL="285750" indent="-285750">
+              <a:buFont typeface="Arial" panose="020B0604020202020204" pitchFamily="34" charset="0"/>
+              <a:buChar char="•"/>
+            </a:pPr>
+            <a:r>
+              <a:rPr lang="fr-CH" sz="1400" dirty="0"/>
+              <a:t>Permet d’accéder aux statistiques</a:t>
             </a:r>
           </a:p>
         </p:txBody>
@@ -13517,44 +18350,6 @@
           </a:p>
         </p:txBody>
       </p:sp>
-      <p:cxnSp>
-        <p:nvCxnSpPr>
-          <p:cNvPr id="21" name="Connecteur droit 20"/>
-          <p:cNvCxnSpPr/>
-          <p:nvPr/>
-        </p:nvCxnSpPr>
-        <p:spPr>
-          <a:xfrm>
-            <a:off x="10239580" y="6576639"/>
-            <a:ext cx="440559" cy="0"/>
-          </a:xfrm>
-          <a:prstGeom prst="line">
-            <a:avLst/>
-          </a:prstGeom>
-          <a:ln w="38100">
-            <a:solidFill>
-              <a:schemeClr val="bg1">
-                <a:lumMod val="75000"/>
-              </a:schemeClr>
-            </a:solidFill>
-            <a:prstDash val="sysDot"/>
-          </a:ln>
-        </p:spPr>
-        <p:style>
-          <a:lnRef idx="1">
-            <a:schemeClr val="accent1"/>
-          </a:lnRef>
-          <a:fillRef idx="0">
-            <a:schemeClr val="accent1"/>
-          </a:fillRef>
-          <a:effectRef idx="0">
-            <a:schemeClr val="accent1"/>
-          </a:effectRef>
-          <a:fontRef idx="minor">
-            <a:schemeClr val="tx1"/>
-          </a:fontRef>
-        </p:style>
-      </p:cxnSp>
       <p:sp>
         <p:nvSpPr>
           <p:cNvPr id="22" name="Ellipse 21"/>
@@ -13606,60 +18401,9 @@
           </a:p>
         </p:txBody>
       </p:sp>
-      <p:sp>
-        <p:nvSpPr>
-          <p:cNvPr id="23" name="Ellipse 22"/>
-          <p:cNvSpPr/>
-          <p:nvPr/>
-        </p:nvSpPr>
-        <p:spPr>
-          <a:xfrm>
-            <a:off x="10713043" y="6476886"/>
-            <a:ext cx="199505" cy="199505"/>
-          </a:xfrm>
-          <a:prstGeom prst="ellipse">
-            <a:avLst/>
-          </a:prstGeom>
-          <a:solidFill>
-            <a:schemeClr val="bg1"/>
-          </a:solidFill>
-          <a:ln>
-            <a:solidFill>
-              <a:schemeClr val="tx2">
-                <a:lumMod val="75000"/>
-                <a:lumOff val="25000"/>
-              </a:schemeClr>
-            </a:solidFill>
-          </a:ln>
-        </p:spPr>
-        <p:style>
-          <a:lnRef idx="2">
-            <a:schemeClr val="accent1">
-              <a:shade val="50000"/>
-            </a:schemeClr>
-          </a:lnRef>
-          <a:fillRef idx="1">
-            <a:schemeClr val="accent1"/>
-          </a:fillRef>
-          <a:effectRef idx="0">
-            <a:schemeClr val="accent1"/>
-          </a:effectRef>
-          <a:fontRef idx="minor">
-            <a:schemeClr val="lt1"/>
-          </a:fontRef>
-        </p:style>
-        <p:txBody>
-          <a:bodyPr rtlCol="0" anchor="ctr"/>
-          <a:lstStyle/>
-          <a:p>
-            <a:pPr algn="ctr"/>
-            <a:endParaRPr lang="fr-CH"/>
-          </a:p>
-        </p:txBody>
-      </p:sp>
       <p:pic>
         <p:nvPicPr>
-          <p:cNvPr id="6" name="Image 5"/>
+          <p:cNvPr id="24" name="Image 23"/>
           <p:cNvPicPr>
             <a:picLocks noChangeAspect="1"/>
           </p:cNvPicPr>
@@ -13673,8 +18417,8 @@
         </p:blipFill>
         <p:spPr>
           <a:xfrm>
-            <a:off x="380913" y="2119730"/>
-            <a:ext cx="6424539" cy="3474948"/>
+            <a:off x="439975" y="1907292"/>
+            <a:ext cx="6361129" cy="3896739"/>
           </a:xfrm>
           <a:prstGeom prst="rect">
             <a:avLst/>
@@ -13684,13 +18428,20 @@
     </p:spTree>
     <p:extLst>
       <p:ext uri="{BB962C8B-B14F-4D97-AF65-F5344CB8AC3E}">
-        <p14:creationId xmlns:p14="http://schemas.microsoft.com/office/powerpoint/2010/main" val="167277683"/>
+        <p14:creationId xmlns:p14="http://schemas.microsoft.com/office/powerpoint/2010/main" val="4165517737"/>
       </p:ext>
     </p:extLst>
   </p:cSld>
   <p:clrMapOvr>
     <a:masterClrMapping/>
   </p:clrMapOvr>
+  <p:timing>
+    <p:tnLst>
+      <p:par>
+        <p:cTn id="1" dur="indefinite" restart="never" nodeType="tmRoot"/>
+      </p:par>
+    </p:tnLst>
+  </p:timing>
 </p:sld>
 </file>
 
@@ -13824,7 +18575,7 @@
         <p:spPr>
           <a:xfrm>
             <a:off x="7119549" y="2947177"/>
-            <a:ext cx="2993127" cy="369332"/>
+            <a:ext cx="1377300" cy="369332"/>
           </a:xfrm>
           <a:prstGeom prst="rect">
             <a:avLst/>
@@ -13839,7 +18590,7 @@
           <a:p>
             <a:r>
               <a:rPr lang="fr-CH" dirty="0"/>
-              <a:t>Annonce d’un vélo retrouvé</a:t>
+              <a:t>Statistiques</a:t>
             </a:r>
           </a:p>
         </p:txBody>
@@ -13853,7 +18604,7 @@
         <p:spPr>
           <a:xfrm>
             <a:off x="7119550" y="3380151"/>
-            <a:ext cx="4667898" cy="954107"/>
+            <a:ext cx="4667898" cy="738664"/>
           </a:xfrm>
           <a:prstGeom prst="rect">
             <a:avLst/>
@@ -13872,7 +18623,7 @@
             </a:pPr>
             <a:r>
               <a:rPr lang="fr-CH" sz="1400" dirty="0"/>
-              <a:t>L’utilisateur peut uploader plusieurs photos par vélo</a:t>
+              <a:t>Statistiques concernant les vélos rendus par trimestre et par année</a:t>
             </a:r>
           </a:p>
           <a:p>
@@ -13882,17 +18633,7 @@
             </a:pPr>
             <a:r>
               <a:rPr lang="fr-CH" sz="1400" dirty="0"/>
-              <a:t>Possibilité d’ajouter de nouvelles marques/couleurs à partir de cette page</a:t>
-            </a:r>
-          </a:p>
-          <a:p>
-            <a:pPr marL="285750" indent="-285750">
-              <a:buFont typeface="Arial" panose="020B0604020202020204" pitchFamily="34" charset="0"/>
-              <a:buChar char="•"/>
-            </a:pPr>
-            <a:r>
-              <a:rPr lang="fr-CH" sz="1400" dirty="0"/>
-              <a:t>Message de confirmation à l’ajout du vélo</a:t>
+              <a:t>Mis à jour automatiquement</a:t>
             </a:r>
           </a:p>
         </p:txBody>
@@ -14253,44 +18994,6 @@
           </a:p>
         </p:txBody>
       </p:sp>
-      <p:cxnSp>
-        <p:nvCxnSpPr>
-          <p:cNvPr id="21" name="Connecteur droit 20"/>
-          <p:cNvCxnSpPr/>
-          <p:nvPr/>
-        </p:nvCxnSpPr>
-        <p:spPr>
-          <a:xfrm>
-            <a:off x="10239580" y="6576639"/>
-            <a:ext cx="440559" cy="0"/>
-          </a:xfrm>
-          <a:prstGeom prst="line">
-            <a:avLst/>
-          </a:prstGeom>
-          <a:ln w="38100">
-            <a:solidFill>
-              <a:schemeClr val="bg1">
-                <a:lumMod val="75000"/>
-              </a:schemeClr>
-            </a:solidFill>
-            <a:prstDash val="sysDot"/>
-          </a:ln>
-        </p:spPr>
-        <p:style>
-          <a:lnRef idx="1">
-            <a:schemeClr val="accent1"/>
-          </a:lnRef>
-          <a:fillRef idx="0">
-            <a:schemeClr val="accent1"/>
-          </a:fillRef>
-          <a:effectRef idx="0">
-            <a:schemeClr val="accent1"/>
-          </a:effectRef>
-          <a:fontRef idx="minor">
-            <a:schemeClr val="tx1"/>
-          </a:fontRef>
-        </p:style>
-      </p:cxnSp>
       <p:sp>
         <p:nvSpPr>
           <p:cNvPr id="22" name="Ellipse 21"/>
@@ -14342,66 +19045,9 @@
           </a:p>
         </p:txBody>
       </p:sp>
-      <p:sp>
-        <p:nvSpPr>
-          <p:cNvPr id="23" name="Ellipse 22"/>
-          <p:cNvSpPr/>
-          <p:nvPr/>
-        </p:nvSpPr>
-        <p:spPr>
-          <a:xfrm>
-            <a:off x="10713043" y="6476886"/>
-            <a:ext cx="199505" cy="199505"/>
-          </a:xfrm>
-          <a:prstGeom prst="ellipse">
-            <a:avLst/>
-          </a:prstGeom>
-          <a:solidFill>
-            <a:schemeClr val="bg1"/>
-          </a:solidFill>
-          <a:ln>
-            <a:solidFill>
-              <a:schemeClr val="tx2">
-                <a:lumMod val="75000"/>
-                <a:lumOff val="25000"/>
-              </a:schemeClr>
-            </a:solidFill>
-          </a:ln>
-        </p:spPr>
-        <p:style>
-          <a:lnRef idx="2">
-            <a:schemeClr val="accent1">
-              <a:shade val="50000"/>
-            </a:schemeClr>
-          </a:lnRef>
-          <a:fillRef idx="1">
-            <a:schemeClr val="accent1"/>
-          </a:fillRef>
-          <a:effectRef idx="0">
-            <a:schemeClr val="accent1"/>
-          </a:effectRef>
-          <a:fontRef idx="minor">
-            <a:schemeClr val="lt1"/>
-          </a:fontRef>
-        </p:style>
-        <p:txBody>
-          <a:bodyPr rtlCol="0" anchor="ctr"/>
-          <a:lstStyle/>
-          <a:p>
-            <a:pPr algn="ctr"/>
-            <a:endParaRPr lang="fr-CH"/>
-          </a:p>
-        </p:txBody>
-      </p:sp>
       <p:pic>
         <p:nvPicPr>
-          <p:cNvPr id="24" name="Image 23">
-            <a:extLst>
-              <a:ext uri="{FF2B5EF4-FFF2-40B4-BE49-F238E27FC236}">
-                <a16:creationId xmlns:a16="http://schemas.microsoft.com/office/drawing/2014/main" id="{A1EBCC1F-F9DD-4B47-AA92-43A7493CBBE5}"/>
-              </a:ext>
-            </a:extLst>
-          </p:cNvPr>
+          <p:cNvPr id="6" name="Image 5"/>
           <p:cNvPicPr>
             <a:picLocks noChangeAspect="1"/>
           </p:cNvPicPr>
@@ -14415,34 +19061,31 @@
         </p:blipFill>
         <p:spPr>
           <a:xfrm>
-            <a:off x="240799" y="1103915"/>
-            <a:ext cx="6225500" cy="5572476"/>
+            <a:off x="380913" y="2119730"/>
+            <a:ext cx="6424539" cy="3474948"/>
           </a:xfrm>
           <a:prstGeom prst="rect">
             <a:avLst/>
           </a:prstGeom>
-          <a:ln>
-            <a:noFill/>
-          </a:ln>
-          <a:effectLst>
-            <a:outerShdw blurRad="292100" dist="139700" dir="2700000" algn="tl" rotWithShape="0">
-              <a:srgbClr val="333333">
-                <a:alpha val="65000"/>
-              </a:srgbClr>
-            </a:outerShdw>
-          </a:effectLst>
         </p:spPr>
       </p:pic>
     </p:spTree>
     <p:extLst>
       <p:ext uri="{BB962C8B-B14F-4D97-AF65-F5344CB8AC3E}">
-        <p14:creationId xmlns:p14="http://schemas.microsoft.com/office/powerpoint/2010/main" val="2250102343"/>
+        <p14:creationId xmlns:p14="http://schemas.microsoft.com/office/powerpoint/2010/main" val="167277683"/>
       </p:ext>
     </p:extLst>
   </p:cSld>
   <p:clrMapOvr>
     <a:masterClrMapping/>
   </p:clrMapOvr>
+  <p:timing>
+    <p:tnLst>
+      <p:par>
+        <p:cTn id="1" dur="indefinite" restart="never" nodeType="tmRoot"/>
+      </p:par>
+    </p:tnLst>
+  </p:timing>
 </p:sld>
 </file>
 
@@ -14909,15 +19552,6 @@
 </file>
 
 <file path=customXml/item1.xml><?xml version="1.0" encoding="utf-8"?>
-<?mso-contentType ?>
-<FormTemplates xmlns="http://schemas.microsoft.com/sharepoint/v3/contenttype/forms">
-  <Display>DocumentLibraryForm</Display>
-  <Edit>DocumentLibraryForm</Edit>
-  <New>DocumentLibraryForm</New>
-</FormTemplates>
-</file>
-
-<file path=customXml/item2.xml><?xml version="1.0" encoding="utf-8"?>
 <ct:contentTypeSchema xmlns:ct="http://schemas.microsoft.com/office/2006/metadata/contentType" xmlns:ma="http://schemas.microsoft.com/office/2006/metadata/properties/metaAttributes" ct:_="" ma:_="" ma:contentTypeName="Document" ma:contentTypeID="0x010100BC241BCC23B10947BCB8B0981771BECC" ma:contentTypeVersion="11" ma:contentTypeDescription="Crée un document." ma:contentTypeScope="" ma:versionID="43183f8d4a16e3f9beff39915ec784f7">
   <xsd:schema xmlns:xsd="http://www.w3.org/2001/XMLSchema" xmlns:xs="http://www.w3.org/2001/XMLSchema" xmlns:p="http://schemas.microsoft.com/office/2006/metadata/properties" xmlns:ns3="15a2adb2-9a92-45bc-9379-5d8dde16dc3c" xmlns:ns4="67738394-1d8a-43c4-9891-d7e1fdf7c6ea" targetNamespace="http://schemas.microsoft.com/office/2006/metadata/properties" ma:root="true" ma:fieldsID="98b4d40e37083b76fc2b289fc160c5cb" ns3:_="" ns4:_="">
     <xsd:import namespace="15a2adb2-9a92-45bc-9379-5d8dde16dc3c"/>
@@ -15128,6 +19762,15 @@
 </ct:contentTypeSchema>
 </file>
 
+<file path=customXml/item2.xml><?xml version="1.0" encoding="utf-8"?>
+<?mso-contentType ?>
+<FormTemplates xmlns="http://schemas.microsoft.com/sharepoint/v3/contenttype/forms">
+  <Display>DocumentLibraryForm</Display>
+  <Edit>DocumentLibraryForm</Edit>
+  <New>DocumentLibraryForm</New>
+</FormTemplates>
+</file>
+
 <file path=customXml/item3.xml><?xml version="1.0" encoding="utf-8"?>
 <p:properties xmlns:p="http://schemas.microsoft.com/office/2006/metadata/properties" xmlns:xsi="http://www.w3.org/2001/XMLSchema-instance" xmlns:pc="http://schemas.microsoft.com/office/infopath/2007/PartnerControls">
   <documentManagement/>
@@ -15135,14 +19778,6 @@
 </file>
 
 <file path=customXml/itemProps1.xml><?xml version="1.0" encoding="utf-8"?>
-<ds:datastoreItem xmlns:ds="http://schemas.openxmlformats.org/officeDocument/2006/customXml" ds:itemID="{F946D130-F458-4966-B896-03A109675128}">
-  <ds:schemaRefs>
-    <ds:schemaRef ds:uri="http://schemas.microsoft.com/sharepoint/v3/contenttype/forms"/>
-  </ds:schemaRefs>
-</ds:datastoreItem>
-</file>
-
-<file path=customXml/itemProps2.xml><?xml version="1.0" encoding="utf-8"?>
 <ds:datastoreItem xmlns:ds="http://schemas.openxmlformats.org/officeDocument/2006/customXml" ds:itemID="{FD28877C-8FB4-4640-8F05-E305F8343098}">
   <ds:schemaRefs>
     <ds:schemaRef ds:uri="http://schemas.microsoft.com/office/2006/metadata/contentType"/>
@@ -15161,18 +19796,26 @@
 </ds:datastoreItem>
 </file>
 
+<file path=customXml/itemProps2.xml><?xml version="1.0" encoding="utf-8"?>
+<ds:datastoreItem xmlns:ds="http://schemas.openxmlformats.org/officeDocument/2006/customXml" ds:itemID="{F946D130-F458-4966-B896-03A109675128}">
+  <ds:schemaRefs>
+    <ds:schemaRef ds:uri="http://schemas.microsoft.com/sharepoint/v3/contenttype/forms"/>
+  </ds:schemaRefs>
+</ds:datastoreItem>
+</file>
+
 <file path=customXml/itemProps3.xml><?xml version="1.0" encoding="utf-8"?>
 <ds:datastoreItem xmlns:ds="http://schemas.openxmlformats.org/officeDocument/2006/customXml" ds:itemID="{111DA3A3-094A-4C0D-BC50-59E292DEE8EC}">
   <ds:schemaRefs>
-    <ds:schemaRef ds:uri="http://purl.org/dc/elements/1.1/"/>
-    <ds:schemaRef ds:uri="http://schemas.microsoft.com/office/2006/metadata/properties"/>
+    <ds:schemaRef ds:uri="67738394-1d8a-43c4-9891-d7e1fdf7c6ea"/>
     <ds:schemaRef ds:uri="http://schemas.microsoft.com/office/2006/documentManagement/types"/>
-    <ds:schemaRef ds:uri="http://schemas.microsoft.com/office/infopath/2007/PartnerControls"/>
     <ds:schemaRef ds:uri="http://purl.org/dc/terms/"/>
     <ds:schemaRef ds:uri="http://schemas.openxmlformats.org/package/2006/metadata/core-properties"/>
     <ds:schemaRef ds:uri="15a2adb2-9a92-45bc-9379-5d8dde16dc3c"/>
     <ds:schemaRef ds:uri="http://purl.org/dc/dcmitype/"/>
-    <ds:schemaRef ds:uri="67738394-1d8a-43c4-9891-d7e1fdf7c6ea"/>
+    <ds:schemaRef ds:uri="http://purl.org/dc/elements/1.1/"/>
+    <ds:schemaRef ds:uri="http://schemas.microsoft.com/office/2006/metadata/properties"/>
+    <ds:schemaRef ds:uri="http://schemas.microsoft.com/office/infopath/2007/PartnerControls"/>
     <ds:schemaRef ds:uri="http://www.w3.org/XML/1998/namespace"/>
   </ds:schemaRefs>
 </ds:datastoreItem>
